--- a/Material/MVC.pptx
+++ b/Material/MVC.pptx
@@ -5,10 +5,10 @@
     <p:sldMasterId id="2147483660" r:id="rId5"/>
   </p:sldMasterIdLst>
   <p:notesMasterIdLst>
-    <p:notesMasterId r:id="rId28"/>
+    <p:notesMasterId r:id="rId35"/>
   </p:notesMasterIdLst>
   <p:handoutMasterIdLst>
-    <p:handoutMasterId r:id="rId29"/>
+    <p:handoutMasterId r:id="rId36"/>
   </p:handoutMasterIdLst>
   <p:sldIdLst>
     <p:sldId id="297" r:id="rId6"/>
@@ -33,6 +33,13 @@
     <p:sldId id="359" r:id="rId25"/>
     <p:sldId id="358" r:id="rId26"/>
     <p:sldId id="360" r:id="rId27"/>
+    <p:sldId id="365" r:id="rId28"/>
+    <p:sldId id="366" r:id="rId29"/>
+    <p:sldId id="367" r:id="rId30"/>
+    <p:sldId id="368" r:id="rId31"/>
+    <p:sldId id="369" r:id="rId32"/>
+    <p:sldId id="370" r:id="rId33"/>
+    <p:sldId id="371" r:id="rId34"/>
   </p:sldIdLst>
   <p:sldSz cx="9144000" cy="6858000" type="screen4x3"/>
   <p:notesSz cx="6858000" cy="9144000"/>
@@ -1187,6 +1194,431 @@
 </p:notes>
 </file>
 
+<file path=ppt/notesSlides/notesSlide15.xml><?xml version="1.0" encoding="utf-8"?>
+<p:notes xmlns:a="http://schemas.openxmlformats.org/drawingml/2006/main" xmlns:r="http://schemas.openxmlformats.org/officeDocument/2006/relationships" xmlns:p="http://schemas.openxmlformats.org/presentationml/2006/main">
+  <p:cSld>
+    <p:spTree>
+      <p:nvGrpSpPr>
+        <p:cNvPr id="1" name=""/>
+        <p:cNvGrpSpPr/>
+        <p:nvPr/>
+      </p:nvGrpSpPr>
+      <p:grpSpPr>
+        <a:xfrm>
+          <a:off x="0" y="0"/>
+          <a:ext cx="0" cy="0"/>
+          <a:chOff x="0" y="0"/>
+          <a:chExt cx="0" cy="0"/>
+        </a:xfrm>
+      </p:grpSpPr>
+      <p:sp>
+        <p:nvSpPr>
+          <p:cNvPr id="2" name="Slide Image Placeholder 1"/>
+          <p:cNvSpPr>
+            <a:spLocks noGrp="1" noRot="1" noChangeAspect="1"/>
+          </p:cNvSpPr>
+          <p:nvPr>
+            <p:ph type="sldImg"/>
+          </p:nvPr>
+        </p:nvSpPr>
+        <p:spPr/>
+      </p:sp>
+      <p:sp>
+        <p:nvSpPr>
+          <p:cNvPr id="3" name="Notes Placeholder 2"/>
+          <p:cNvSpPr>
+            <a:spLocks noGrp="1"/>
+          </p:cNvSpPr>
+          <p:nvPr>
+            <p:ph type="body" idx="1"/>
+          </p:nvPr>
+        </p:nvSpPr>
+        <p:spPr/>
+        <p:txBody>
+          <a:bodyPr/>
+          <a:lstStyle/>
+          <a:p>
+            <a:endParaRPr lang="nb-NO" dirty="0"/>
+          </a:p>
+        </p:txBody>
+      </p:sp>
+      <p:sp>
+        <p:nvSpPr>
+          <p:cNvPr id="4" name="Slide Number Placeholder 3"/>
+          <p:cNvSpPr>
+            <a:spLocks noGrp="1"/>
+          </p:cNvSpPr>
+          <p:nvPr>
+            <p:ph type="sldNum" sz="quarter" idx="10"/>
+          </p:nvPr>
+        </p:nvSpPr>
+        <p:spPr/>
+        <p:txBody>
+          <a:bodyPr/>
+          <a:lstStyle/>
+          <a:p>
+            <a:fld id="{528E7876-5FAB-5445-B77E-737DA6EC0B43}" type="slidenum">
+              <a:rPr lang="nb-NO" smtClean="0"/>
+              <a:pPr/>
+              <a:t>23</a:t>
+            </a:fld>
+            <a:endParaRPr lang="nb-NO"/>
+          </a:p>
+        </p:txBody>
+      </p:sp>
+    </p:spTree>
+    <p:extLst>
+      <p:ext uri="{BB962C8B-B14F-4D97-AF65-F5344CB8AC3E}">
+        <p14:creationId xmlns:p14="http://schemas.microsoft.com/office/powerpoint/2010/main" val="3189924498"/>
+      </p:ext>
+    </p:extLst>
+  </p:cSld>
+  <p:clrMapOvr>
+    <a:masterClrMapping/>
+  </p:clrMapOvr>
+</p:notes>
+</file>
+
+<file path=ppt/notesSlides/notesSlide16.xml><?xml version="1.0" encoding="utf-8"?>
+<p:notes xmlns:a="http://schemas.openxmlformats.org/drawingml/2006/main" xmlns:r="http://schemas.openxmlformats.org/officeDocument/2006/relationships" xmlns:p="http://schemas.openxmlformats.org/presentationml/2006/main">
+  <p:cSld>
+    <p:spTree>
+      <p:nvGrpSpPr>
+        <p:cNvPr id="1" name=""/>
+        <p:cNvGrpSpPr/>
+        <p:nvPr/>
+      </p:nvGrpSpPr>
+      <p:grpSpPr>
+        <a:xfrm>
+          <a:off x="0" y="0"/>
+          <a:ext cx="0" cy="0"/>
+          <a:chOff x="0" y="0"/>
+          <a:chExt cx="0" cy="0"/>
+        </a:xfrm>
+      </p:grpSpPr>
+      <p:sp>
+        <p:nvSpPr>
+          <p:cNvPr id="2" name="Slide Image Placeholder 1"/>
+          <p:cNvSpPr>
+            <a:spLocks noGrp="1" noRot="1" noChangeAspect="1"/>
+          </p:cNvSpPr>
+          <p:nvPr>
+            <p:ph type="sldImg"/>
+          </p:nvPr>
+        </p:nvSpPr>
+        <p:spPr/>
+      </p:sp>
+      <p:sp>
+        <p:nvSpPr>
+          <p:cNvPr id="3" name="Notes Placeholder 2"/>
+          <p:cNvSpPr>
+            <a:spLocks noGrp="1"/>
+          </p:cNvSpPr>
+          <p:nvPr>
+            <p:ph type="body" idx="1"/>
+          </p:nvPr>
+        </p:nvSpPr>
+        <p:spPr/>
+        <p:txBody>
+          <a:bodyPr/>
+          <a:lstStyle/>
+          <a:p>
+            <a:endParaRPr lang="nb-NO" dirty="0"/>
+          </a:p>
+        </p:txBody>
+      </p:sp>
+      <p:sp>
+        <p:nvSpPr>
+          <p:cNvPr id="4" name="Slide Number Placeholder 3"/>
+          <p:cNvSpPr>
+            <a:spLocks noGrp="1"/>
+          </p:cNvSpPr>
+          <p:nvPr>
+            <p:ph type="sldNum" sz="quarter" idx="10"/>
+          </p:nvPr>
+        </p:nvSpPr>
+        <p:spPr/>
+        <p:txBody>
+          <a:bodyPr/>
+          <a:lstStyle/>
+          <a:p>
+            <a:fld id="{528E7876-5FAB-5445-B77E-737DA6EC0B43}" type="slidenum">
+              <a:rPr lang="nb-NO" smtClean="0"/>
+              <a:pPr/>
+              <a:t>24</a:t>
+            </a:fld>
+            <a:endParaRPr lang="nb-NO"/>
+          </a:p>
+        </p:txBody>
+      </p:sp>
+    </p:spTree>
+    <p:extLst>
+      <p:ext uri="{BB962C8B-B14F-4D97-AF65-F5344CB8AC3E}">
+        <p14:creationId xmlns:p14="http://schemas.microsoft.com/office/powerpoint/2010/main" val="3189924498"/>
+      </p:ext>
+    </p:extLst>
+  </p:cSld>
+  <p:clrMapOvr>
+    <a:masterClrMapping/>
+  </p:clrMapOvr>
+</p:notes>
+</file>
+
+<file path=ppt/notesSlides/notesSlide17.xml><?xml version="1.0" encoding="utf-8"?>
+<p:notes xmlns:a="http://schemas.openxmlformats.org/drawingml/2006/main" xmlns:r="http://schemas.openxmlformats.org/officeDocument/2006/relationships" xmlns:p="http://schemas.openxmlformats.org/presentationml/2006/main">
+  <p:cSld>
+    <p:spTree>
+      <p:nvGrpSpPr>
+        <p:cNvPr id="1" name=""/>
+        <p:cNvGrpSpPr/>
+        <p:nvPr/>
+      </p:nvGrpSpPr>
+      <p:grpSpPr>
+        <a:xfrm>
+          <a:off x="0" y="0"/>
+          <a:ext cx="0" cy="0"/>
+          <a:chOff x="0" y="0"/>
+          <a:chExt cx="0" cy="0"/>
+        </a:xfrm>
+      </p:grpSpPr>
+      <p:sp>
+        <p:nvSpPr>
+          <p:cNvPr id="2" name="Slide Image Placeholder 1"/>
+          <p:cNvSpPr>
+            <a:spLocks noGrp="1" noRot="1" noChangeAspect="1"/>
+          </p:cNvSpPr>
+          <p:nvPr>
+            <p:ph type="sldImg"/>
+          </p:nvPr>
+        </p:nvSpPr>
+        <p:spPr/>
+      </p:sp>
+      <p:sp>
+        <p:nvSpPr>
+          <p:cNvPr id="3" name="Notes Placeholder 2"/>
+          <p:cNvSpPr>
+            <a:spLocks noGrp="1"/>
+          </p:cNvSpPr>
+          <p:nvPr>
+            <p:ph type="body" idx="1"/>
+          </p:nvPr>
+        </p:nvSpPr>
+        <p:spPr/>
+        <p:txBody>
+          <a:bodyPr/>
+          <a:lstStyle/>
+          <a:p>
+            <a:endParaRPr lang="nb-NO" dirty="0"/>
+          </a:p>
+        </p:txBody>
+      </p:sp>
+      <p:sp>
+        <p:nvSpPr>
+          <p:cNvPr id="4" name="Slide Number Placeholder 3"/>
+          <p:cNvSpPr>
+            <a:spLocks noGrp="1"/>
+          </p:cNvSpPr>
+          <p:nvPr>
+            <p:ph type="sldNum" sz="quarter" idx="10"/>
+          </p:nvPr>
+        </p:nvSpPr>
+        <p:spPr/>
+        <p:txBody>
+          <a:bodyPr/>
+          <a:lstStyle/>
+          <a:p>
+            <a:fld id="{528E7876-5FAB-5445-B77E-737DA6EC0B43}" type="slidenum">
+              <a:rPr lang="nb-NO" smtClean="0"/>
+              <a:pPr/>
+              <a:t>25</a:t>
+            </a:fld>
+            <a:endParaRPr lang="nb-NO"/>
+          </a:p>
+        </p:txBody>
+      </p:sp>
+    </p:spTree>
+    <p:extLst>
+      <p:ext uri="{BB962C8B-B14F-4D97-AF65-F5344CB8AC3E}">
+        <p14:creationId xmlns:p14="http://schemas.microsoft.com/office/powerpoint/2010/main" val="3189924498"/>
+      </p:ext>
+    </p:extLst>
+  </p:cSld>
+  <p:clrMapOvr>
+    <a:masterClrMapping/>
+  </p:clrMapOvr>
+</p:notes>
+</file>
+
+<file path=ppt/notesSlides/notesSlide18.xml><?xml version="1.0" encoding="utf-8"?>
+<p:notes xmlns:a="http://schemas.openxmlformats.org/drawingml/2006/main" xmlns:r="http://schemas.openxmlformats.org/officeDocument/2006/relationships" xmlns:p="http://schemas.openxmlformats.org/presentationml/2006/main">
+  <p:cSld>
+    <p:spTree>
+      <p:nvGrpSpPr>
+        <p:cNvPr id="1" name=""/>
+        <p:cNvGrpSpPr/>
+        <p:nvPr/>
+      </p:nvGrpSpPr>
+      <p:grpSpPr>
+        <a:xfrm>
+          <a:off x="0" y="0"/>
+          <a:ext cx="0" cy="0"/>
+          <a:chOff x="0" y="0"/>
+          <a:chExt cx="0" cy="0"/>
+        </a:xfrm>
+      </p:grpSpPr>
+      <p:sp>
+        <p:nvSpPr>
+          <p:cNvPr id="2" name="Slide Image Placeholder 1"/>
+          <p:cNvSpPr>
+            <a:spLocks noGrp="1" noRot="1" noChangeAspect="1"/>
+          </p:cNvSpPr>
+          <p:nvPr>
+            <p:ph type="sldImg"/>
+          </p:nvPr>
+        </p:nvSpPr>
+        <p:spPr/>
+      </p:sp>
+      <p:sp>
+        <p:nvSpPr>
+          <p:cNvPr id="3" name="Notes Placeholder 2"/>
+          <p:cNvSpPr>
+            <a:spLocks noGrp="1"/>
+          </p:cNvSpPr>
+          <p:nvPr>
+            <p:ph type="body" idx="1"/>
+          </p:nvPr>
+        </p:nvSpPr>
+        <p:spPr/>
+        <p:txBody>
+          <a:bodyPr/>
+          <a:lstStyle/>
+          <a:p>
+            <a:endParaRPr lang="nb-NO" dirty="0"/>
+          </a:p>
+        </p:txBody>
+      </p:sp>
+      <p:sp>
+        <p:nvSpPr>
+          <p:cNvPr id="4" name="Slide Number Placeholder 3"/>
+          <p:cNvSpPr>
+            <a:spLocks noGrp="1"/>
+          </p:cNvSpPr>
+          <p:nvPr>
+            <p:ph type="sldNum" sz="quarter" idx="10"/>
+          </p:nvPr>
+        </p:nvSpPr>
+        <p:spPr/>
+        <p:txBody>
+          <a:bodyPr/>
+          <a:lstStyle/>
+          <a:p>
+            <a:fld id="{528E7876-5FAB-5445-B77E-737DA6EC0B43}" type="slidenum">
+              <a:rPr lang="nb-NO" smtClean="0"/>
+              <a:pPr/>
+              <a:t>26</a:t>
+            </a:fld>
+            <a:endParaRPr lang="nb-NO"/>
+          </a:p>
+        </p:txBody>
+      </p:sp>
+    </p:spTree>
+    <p:extLst>
+      <p:ext uri="{BB962C8B-B14F-4D97-AF65-F5344CB8AC3E}">
+        <p14:creationId xmlns:p14="http://schemas.microsoft.com/office/powerpoint/2010/main" val="3189924498"/>
+      </p:ext>
+    </p:extLst>
+  </p:cSld>
+  <p:clrMapOvr>
+    <a:masterClrMapping/>
+  </p:clrMapOvr>
+</p:notes>
+</file>
+
+<file path=ppt/notesSlides/notesSlide19.xml><?xml version="1.0" encoding="utf-8"?>
+<p:notes xmlns:a="http://schemas.openxmlformats.org/drawingml/2006/main" xmlns:r="http://schemas.openxmlformats.org/officeDocument/2006/relationships" xmlns:p="http://schemas.openxmlformats.org/presentationml/2006/main">
+  <p:cSld>
+    <p:spTree>
+      <p:nvGrpSpPr>
+        <p:cNvPr id="1" name=""/>
+        <p:cNvGrpSpPr/>
+        <p:nvPr/>
+      </p:nvGrpSpPr>
+      <p:grpSpPr>
+        <a:xfrm>
+          <a:off x="0" y="0"/>
+          <a:ext cx="0" cy="0"/>
+          <a:chOff x="0" y="0"/>
+          <a:chExt cx="0" cy="0"/>
+        </a:xfrm>
+      </p:grpSpPr>
+      <p:sp>
+        <p:nvSpPr>
+          <p:cNvPr id="2" name="Slide Image Placeholder 1"/>
+          <p:cNvSpPr>
+            <a:spLocks noGrp="1" noRot="1" noChangeAspect="1"/>
+          </p:cNvSpPr>
+          <p:nvPr>
+            <p:ph type="sldImg"/>
+          </p:nvPr>
+        </p:nvSpPr>
+        <p:spPr/>
+      </p:sp>
+      <p:sp>
+        <p:nvSpPr>
+          <p:cNvPr id="3" name="Notes Placeholder 2"/>
+          <p:cNvSpPr>
+            <a:spLocks noGrp="1"/>
+          </p:cNvSpPr>
+          <p:nvPr>
+            <p:ph type="body" idx="1"/>
+          </p:nvPr>
+        </p:nvSpPr>
+        <p:spPr/>
+        <p:txBody>
+          <a:bodyPr/>
+          <a:lstStyle/>
+          <a:p>
+            <a:endParaRPr lang="nb-NO" dirty="0"/>
+          </a:p>
+        </p:txBody>
+      </p:sp>
+      <p:sp>
+        <p:nvSpPr>
+          <p:cNvPr id="4" name="Slide Number Placeholder 3"/>
+          <p:cNvSpPr>
+            <a:spLocks noGrp="1"/>
+          </p:cNvSpPr>
+          <p:nvPr>
+            <p:ph type="sldNum" sz="quarter" idx="10"/>
+          </p:nvPr>
+        </p:nvSpPr>
+        <p:spPr/>
+        <p:txBody>
+          <a:bodyPr/>
+          <a:lstStyle/>
+          <a:p>
+            <a:fld id="{528E7876-5FAB-5445-B77E-737DA6EC0B43}" type="slidenum">
+              <a:rPr lang="nb-NO" smtClean="0"/>
+              <a:pPr/>
+              <a:t>27</a:t>
+            </a:fld>
+            <a:endParaRPr lang="nb-NO"/>
+          </a:p>
+        </p:txBody>
+      </p:sp>
+    </p:spTree>
+    <p:extLst>
+      <p:ext uri="{BB962C8B-B14F-4D97-AF65-F5344CB8AC3E}">
+        <p14:creationId xmlns:p14="http://schemas.microsoft.com/office/powerpoint/2010/main" val="3189924498"/>
+      </p:ext>
+    </p:extLst>
+  </p:cSld>
+  <p:clrMapOvr>
+    <a:masterClrMapping/>
+  </p:clrMapOvr>
+</p:notes>
+</file>
+
 <file path=ppt/notesSlides/notesSlide2.xml><?xml version="1.0" encoding="utf-8"?>
 <p:notes xmlns:a="http://schemas.openxmlformats.org/drawingml/2006/main" xmlns:r="http://schemas.openxmlformats.org/officeDocument/2006/relationships" xmlns:p="http://schemas.openxmlformats.org/presentationml/2006/main">
   <p:cSld>
@@ -1267,6 +1699,176 @@
     <p:extLst>
       <p:ext uri="{BB962C8B-B14F-4D97-AF65-F5344CB8AC3E}">
         <p14:creationId xmlns:p14="http://schemas.microsoft.com/office/powerpoint/2010/main" val="2990323578"/>
+      </p:ext>
+    </p:extLst>
+  </p:cSld>
+  <p:clrMapOvr>
+    <a:masterClrMapping/>
+  </p:clrMapOvr>
+</p:notes>
+</file>
+
+<file path=ppt/notesSlides/notesSlide20.xml><?xml version="1.0" encoding="utf-8"?>
+<p:notes xmlns:a="http://schemas.openxmlformats.org/drawingml/2006/main" xmlns:r="http://schemas.openxmlformats.org/officeDocument/2006/relationships" xmlns:p="http://schemas.openxmlformats.org/presentationml/2006/main">
+  <p:cSld>
+    <p:spTree>
+      <p:nvGrpSpPr>
+        <p:cNvPr id="1" name=""/>
+        <p:cNvGrpSpPr/>
+        <p:nvPr/>
+      </p:nvGrpSpPr>
+      <p:grpSpPr>
+        <a:xfrm>
+          <a:off x="0" y="0"/>
+          <a:ext cx="0" cy="0"/>
+          <a:chOff x="0" y="0"/>
+          <a:chExt cx="0" cy="0"/>
+        </a:xfrm>
+      </p:grpSpPr>
+      <p:sp>
+        <p:nvSpPr>
+          <p:cNvPr id="2" name="Slide Image Placeholder 1"/>
+          <p:cNvSpPr>
+            <a:spLocks noGrp="1" noRot="1" noChangeAspect="1"/>
+          </p:cNvSpPr>
+          <p:nvPr>
+            <p:ph type="sldImg"/>
+          </p:nvPr>
+        </p:nvSpPr>
+        <p:spPr/>
+      </p:sp>
+      <p:sp>
+        <p:nvSpPr>
+          <p:cNvPr id="3" name="Notes Placeholder 2"/>
+          <p:cNvSpPr>
+            <a:spLocks noGrp="1"/>
+          </p:cNvSpPr>
+          <p:nvPr>
+            <p:ph type="body" idx="1"/>
+          </p:nvPr>
+        </p:nvSpPr>
+        <p:spPr/>
+        <p:txBody>
+          <a:bodyPr/>
+          <a:lstStyle/>
+          <a:p>
+            <a:endParaRPr lang="nb-NO" dirty="0"/>
+          </a:p>
+        </p:txBody>
+      </p:sp>
+      <p:sp>
+        <p:nvSpPr>
+          <p:cNvPr id="4" name="Slide Number Placeholder 3"/>
+          <p:cNvSpPr>
+            <a:spLocks noGrp="1"/>
+          </p:cNvSpPr>
+          <p:nvPr>
+            <p:ph type="sldNum" sz="quarter" idx="10"/>
+          </p:nvPr>
+        </p:nvSpPr>
+        <p:spPr/>
+        <p:txBody>
+          <a:bodyPr/>
+          <a:lstStyle/>
+          <a:p>
+            <a:fld id="{528E7876-5FAB-5445-B77E-737DA6EC0B43}" type="slidenum">
+              <a:rPr lang="nb-NO" smtClean="0"/>
+              <a:pPr/>
+              <a:t>28</a:t>
+            </a:fld>
+            <a:endParaRPr lang="nb-NO"/>
+          </a:p>
+        </p:txBody>
+      </p:sp>
+    </p:spTree>
+    <p:extLst>
+      <p:ext uri="{BB962C8B-B14F-4D97-AF65-F5344CB8AC3E}">
+        <p14:creationId xmlns:p14="http://schemas.microsoft.com/office/powerpoint/2010/main" val="3189924498"/>
+      </p:ext>
+    </p:extLst>
+  </p:cSld>
+  <p:clrMapOvr>
+    <a:masterClrMapping/>
+  </p:clrMapOvr>
+</p:notes>
+</file>
+
+<file path=ppt/notesSlides/notesSlide21.xml><?xml version="1.0" encoding="utf-8"?>
+<p:notes xmlns:a="http://schemas.openxmlformats.org/drawingml/2006/main" xmlns:r="http://schemas.openxmlformats.org/officeDocument/2006/relationships" xmlns:p="http://schemas.openxmlformats.org/presentationml/2006/main">
+  <p:cSld>
+    <p:spTree>
+      <p:nvGrpSpPr>
+        <p:cNvPr id="1" name=""/>
+        <p:cNvGrpSpPr/>
+        <p:nvPr/>
+      </p:nvGrpSpPr>
+      <p:grpSpPr>
+        <a:xfrm>
+          <a:off x="0" y="0"/>
+          <a:ext cx="0" cy="0"/>
+          <a:chOff x="0" y="0"/>
+          <a:chExt cx="0" cy="0"/>
+        </a:xfrm>
+      </p:grpSpPr>
+      <p:sp>
+        <p:nvSpPr>
+          <p:cNvPr id="2" name="Slide Image Placeholder 1"/>
+          <p:cNvSpPr>
+            <a:spLocks noGrp="1" noRot="1" noChangeAspect="1"/>
+          </p:cNvSpPr>
+          <p:nvPr>
+            <p:ph type="sldImg"/>
+          </p:nvPr>
+        </p:nvSpPr>
+        <p:spPr/>
+      </p:sp>
+      <p:sp>
+        <p:nvSpPr>
+          <p:cNvPr id="3" name="Notes Placeholder 2"/>
+          <p:cNvSpPr>
+            <a:spLocks noGrp="1"/>
+          </p:cNvSpPr>
+          <p:nvPr>
+            <p:ph type="body" idx="1"/>
+          </p:nvPr>
+        </p:nvSpPr>
+        <p:spPr/>
+        <p:txBody>
+          <a:bodyPr/>
+          <a:lstStyle/>
+          <a:p>
+            <a:endParaRPr lang="nb-NO" dirty="0"/>
+          </a:p>
+        </p:txBody>
+      </p:sp>
+      <p:sp>
+        <p:nvSpPr>
+          <p:cNvPr id="4" name="Slide Number Placeholder 3"/>
+          <p:cNvSpPr>
+            <a:spLocks noGrp="1"/>
+          </p:cNvSpPr>
+          <p:nvPr>
+            <p:ph type="sldNum" sz="quarter" idx="10"/>
+          </p:nvPr>
+        </p:nvSpPr>
+        <p:spPr/>
+        <p:txBody>
+          <a:bodyPr/>
+          <a:lstStyle/>
+          <a:p>
+            <a:fld id="{528E7876-5FAB-5445-B77E-737DA6EC0B43}" type="slidenum">
+              <a:rPr lang="nb-NO" smtClean="0"/>
+              <a:pPr/>
+              <a:t>29</a:t>
+            </a:fld>
+            <a:endParaRPr lang="nb-NO"/>
+          </a:p>
+        </p:txBody>
+      </p:sp>
+    </p:spTree>
+    <p:extLst>
+      <p:ext uri="{BB962C8B-B14F-4D97-AF65-F5344CB8AC3E}">
+        <p14:creationId xmlns:p14="http://schemas.microsoft.com/office/powerpoint/2010/main" val="3189924498"/>
       </p:ext>
     </p:extLst>
   </p:cSld>
@@ -12678,9 +13280,8 @@
             <a:pPr lvl="0"/>
             <a:r>
               <a:rPr lang="nb-NO" dirty="0" smtClean="0"/>
-              <a:t>Del 2 – Authentication, Authorization, Areas og WebAPI</a:t>
-            </a:r>
-            <a:endParaRPr lang="nb-NO" dirty="0" smtClean="0"/>
+              <a:t>Del 2 – Posting, autentisering og Autorisering</a:t>
+            </a:r>
           </a:p>
           <a:p>
             <a:pPr lvl="0"/>
@@ -13246,6 +13847,1005 @@
   <p:transition>
     <p:fade/>
   </p:transition>
+</p:sld>
+</file>
+
+<file path=ppt/slides/slide23.xml><?xml version="1.0" encoding="utf-8"?>
+<p:sld xmlns:a="http://schemas.openxmlformats.org/drawingml/2006/main" xmlns:r="http://schemas.openxmlformats.org/officeDocument/2006/relationships" xmlns:p="http://schemas.openxmlformats.org/presentationml/2006/main">
+  <p:cSld>
+    <p:spTree>
+      <p:nvGrpSpPr>
+        <p:cNvPr id="1" name=""/>
+        <p:cNvGrpSpPr/>
+        <p:nvPr/>
+      </p:nvGrpSpPr>
+      <p:grpSpPr>
+        <a:xfrm>
+          <a:off x="0" y="0"/>
+          <a:ext cx="0" cy="0"/>
+          <a:chOff x="0" y="0"/>
+          <a:chExt cx="0" cy="0"/>
+        </a:xfrm>
+      </p:grpSpPr>
+      <p:sp>
+        <p:nvSpPr>
+          <p:cNvPr id="2" name="Title 1"/>
+          <p:cNvSpPr>
+            <a:spLocks noGrp="1"/>
+          </p:cNvSpPr>
+          <p:nvPr>
+            <p:ph type="title"/>
+          </p:nvPr>
+        </p:nvSpPr>
+        <p:spPr>
+          <a:xfrm>
+            <a:off x="792873" y="3287278"/>
+            <a:ext cx="7740650" cy="644400"/>
+          </a:xfrm>
+        </p:spPr>
+        <p:txBody>
+          <a:bodyPr/>
+          <a:lstStyle/>
+          <a:p>
+            <a:pPr lvl="0" algn="ctr"/>
+            <a:r>
+              <a:rPr lang="nb-NO" dirty="0" smtClean="0"/>
+              <a:t>Del 2</a:t>
+            </a:r>
+            <a:endParaRPr lang="nb-NO" b="0" dirty="0"/>
+          </a:p>
+        </p:txBody>
+      </p:sp>
+      <p:sp>
+        <p:nvSpPr>
+          <p:cNvPr id="4" name="Date Placeholder 3"/>
+          <p:cNvSpPr>
+            <a:spLocks noGrp="1"/>
+          </p:cNvSpPr>
+          <p:nvPr>
+            <p:ph type="dt" sz="half" idx="10"/>
+          </p:nvPr>
+        </p:nvSpPr>
+        <p:spPr/>
+        <p:txBody>
+          <a:bodyPr/>
+          <a:lstStyle/>
+          <a:p>
+            <a:fld id="{E7153C23-280C-6C4E-BD6E-2850A1F48140}" type="datetime1">
+              <a:rPr lang="nb-NO" smtClean="0"/>
+              <a:pPr/>
+              <a:t>09.09.2012</a:t>
+            </a:fld>
+            <a:endParaRPr lang="nn-NO"/>
+          </a:p>
+        </p:txBody>
+      </p:sp>
+      <p:sp>
+        <p:nvSpPr>
+          <p:cNvPr id="5" name="Footer Placeholder 4"/>
+          <p:cNvSpPr>
+            <a:spLocks noGrp="1"/>
+          </p:cNvSpPr>
+          <p:nvPr>
+            <p:ph type="ftr" sz="quarter" idx="11"/>
+          </p:nvPr>
+        </p:nvSpPr>
+        <p:spPr/>
+        <p:txBody>
+          <a:bodyPr/>
+          <a:lstStyle/>
+          <a:p>
+            <a:endParaRPr lang="nn-NO"/>
+          </a:p>
+        </p:txBody>
+      </p:sp>
+      <p:sp>
+        <p:nvSpPr>
+          <p:cNvPr id="6" name="Slide Number Placeholder 5"/>
+          <p:cNvSpPr>
+            <a:spLocks noGrp="1"/>
+          </p:cNvSpPr>
+          <p:nvPr>
+            <p:ph type="sldNum" sz="quarter" idx="12"/>
+          </p:nvPr>
+        </p:nvSpPr>
+        <p:spPr/>
+        <p:txBody>
+          <a:bodyPr/>
+          <a:lstStyle/>
+          <a:p>
+            <a:fld id="{7662BC30-1691-D142-AAE3-D9E8E91C2817}" type="slidenum">
+              <a:rPr lang="nn-NO" smtClean="0"/>
+              <a:pPr/>
+              <a:t>23</a:t>
+            </a:fld>
+            <a:endParaRPr lang="nn-NO"/>
+          </a:p>
+        </p:txBody>
+      </p:sp>
+      <p:sp>
+        <p:nvSpPr>
+          <p:cNvPr id="3" name="TextBox 2"/>
+          <p:cNvSpPr txBox="1"/>
+          <p:nvPr/>
+        </p:nvSpPr>
+        <p:spPr>
+          <a:xfrm>
+            <a:off x="2686556" y="3931678"/>
+            <a:ext cx="4006290" cy="369332"/>
+          </a:xfrm>
+          <a:prstGeom prst="rect">
+            <a:avLst/>
+          </a:prstGeom>
+          <a:noFill/>
+        </p:spPr>
+        <p:txBody>
+          <a:bodyPr wrap="none" rtlCol="0">
+            <a:spAutoFit/>
+          </a:bodyPr>
+          <a:lstStyle/>
+          <a:p>
+            <a:r>
+              <a:rPr lang="nb-NO" dirty="0"/>
+              <a:t>Posting, autentisering og Autorisering</a:t>
+            </a:r>
+          </a:p>
+        </p:txBody>
+      </p:sp>
+    </p:spTree>
+    <p:extLst>
+      <p:ext uri="{BB962C8B-B14F-4D97-AF65-F5344CB8AC3E}">
+        <p14:creationId xmlns:p14="http://schemas.microsoft.com/office/powerpoint/2010/main" val="1869919481"/>
+      </p:ext>
+    </p:extLst>
+  </p:cSld>
+  <p:clrMapOvr>
+    <a:masterClrMapping/>
+  </p:clrMapOvr>
+  <p:transition>
+    <p:fade/>
+  </p:transition>
+  <p:timing>
+    <p:tnLst>
+      <p:par>
+        <p:cTn id="1" dur="indefinite" restart="never" nodeType="tmRoot"/>
+      </p:par>
+    </p:tnLst>
+  </p:timing>
+</p:sld>
+</file>
+
+<file path=ppt/slides/slide24.xml><?xml version="1.0" encoding="utf-8"?>
+<p:sld xmlns:a="http://schemas.openxmlformats.org/drawingml/2006/main" xmlns:r="http://schemas.openxmlformats.org/officeDocument/2006/relationships" xmlns:p="http://schemas.openxmlformats.org/presentationml/2006/main">
+  <p:cSld>
+    <p:spTree>
+      <p:nvGrpSpPr>
+        <p:cNvPr id="1" name=""/>
+        <p:cNvGrpSpPr/>
+        <p:nvPr/>
+      </p:nvGrpSpPr>
+      <p:grpSpPr>
+        <a:xfrm>
+          <a:off x="0" y="0"/>
+          <a:ext cx="0" cy="0"/>
+          <a:chOff x="0" y="0"/>
+          <a:chExt cx="0" cy="0"/>
+        </a:xfrm>
+      </p:grpSpPr>
+      <p:sp>
+        <p:nvSpPr>
+          <p:cNvPr id="2" name="Title 1"/>
+          <p:cNvSpPr>
+            <a:spLocks noGrp="1"/>
+          </p:cNvSpPr>
+          <p:nvPr>
+            <p:ph type="title"/>
+          </p:nvPr>
+        </p:nvSpPr>
+        <p:spPr>
+          <a:xfrm>
+            <a:off x="792873" y="3287278"/>
+            <a:ext cx="7740650" cy="644400"/>
+          </a:xfrm>
+        </p:spPr>
+        <p:txBody>
+          <a:bodyPr/>
+          <a:lstStyle/>
+          <a:p>
+            <a:pPr lvl="0" algn="ctr"/>
+            <a:r>
+              <a:rPr lang="nb-NO" b="0" dirty="0" smtClean="0"/>
+              <a:t>Vi har jo ikke Code behind?</a:t>
+            </a:r>
+            <a:endParaRPr lang="nb-NO" b="0" dirty="0"/>
+          </a:p>
+        </p:txBody>
+      </p:sp>
+      <p:sp>
+        <p:nvSpPr>
+          <p:cNvPr id="4" name="Date Placeholder 3"/>
+          <p:cNvSpPr>
+            <a:spLocks noGrp="1"/>
+          </p:cNvSpPr>
+          <p:nvPr>
+            <p:ph type="dt" sz="half" idx="10"/>
+          </p:nvPr>
+        </p:nvSpPr>
+        <p:spPr/>
+        <p:txBody>
+          <a:bodyPr/>
+          <a:lstStyle/>
+          <a:p>
+            <a:fld id="{E7153C23-280C-6C4E-BD6E-2850A1F48140}" type="datetime1">
+              <a:rPr lang="nb-NO" smtClean="0"/>
+              <a:pPr/>
+              <a:t>09.09.2012</a:t>
+            </a:fld>
+            <a:endParaRPr lang="nn-NO"/>
+          </a:p>
+        </p:txBody>
+      </p:sp>
+      <p:sp>
+        <p:nvSpPr>
+          <p:cNvPr id="5" name="Footer Placeholder 4"/>
+          <p:cNvSpPr>
+            <a:spLocks noGrp="1"/>
+          </p:cNvSpPr>
+          <p:nvPr>
+            <p:ph type="ftr" sz="quarter" idx="11"/>
+          </p:nvPr>
+        </p:nvSpPr>
+        <p:spPr/>
+        <p:txBody>
+          <a:bodyPr/>
+          <a:lstStyle/>
+          <a:p>
+            <a:endParaRPr lang="nn-NO"/>
+          </a:p>
+        </p:txBody>
+      </p:sp>
+      <p:sp>
+        <p:nvSpPr>
+          <p:cNvPr id="6" name="Slide Number Placeholder 5"/>
+          <p:cNvSpPr>
+            <a:spLocks noGrp="1"/>
+          </p:cNvSpPr>
+          <p:nvPr>
+            <p:ph type="sldNum" sz="quarter" idx="12"/>
+          </p:nvPr>
+        </p:nvSpPr>
+        <p:spPr/>
+        <p:txBody>
+          <a:bodyPr/>
+          <a:lstStyle/>
+          <a:p>
+            <a:fld id="{7662BC30-1691-D142-AAE3-D9E8E91C2817}" type="slidenum">
+              <a:rPr lang="nn-NO" smtClean="0"/>
+              <a:pPr/>
+              <a:t>24</a:t>
+            </a:fld>
+            <a:endParaRPr lang="nn-NO"/>
+          </a:p>
+        </p:txBody>
+      </p:sp>
+    </p:spTree>
+    <p:extLst>
+      <p:ext uri="{BB962C8B-B14F-4D97-AF65-F5344CB8AC3E}">
+        <p14:creationId xmlns:p14="http://schemas.microsoft.com/office/powerpoint/2010/main" val="2168192744"/>
+      </p:ext>
+    </p:extLst>
+  </p:cSld>
+  <p:clrMapOvr>
+    <a:masterClrMapping/>
+  </p:clrMapOvr>
+  <p:transition>
+    <p:fade/>
+  </p:transition>
+  <p:timing>
+    <p:tnLst>
+      <p:par>
+        <p:cTn id="1" dur="indefinite" restart="never" nodeType="tmRoot"/>
+      </p:par>
+    </p:tnLst>
+  </p:timing>
+</p:sld>
+</file>
+
+<file path=ppt/slides/slide25.xml><?xml version="1.0" encoding="utf-8"?>
+<p:sld xmlns:a="http://schemas.openxmlformats.org/drawingml/2006/main" xmlns:r="http://schemas.openxmlformats.org/officeDocument/2006/relationships" xmlns:p="http://schemas.openxmlformats.org/presentationml/2006/main">
+  <p:cSld>
+    <p:spTree>
+      <p:nvGrpSpPr>
+        <p:cNvPr id="1" name=""/>
+        <p:cNvGrpSpPr/>
+        <p:nvPr/>
+      </p:nvGrpSpPr>
+      <p:grpSpPr>
+        <a:xfrm>
+          <a:off x="0" y="0"/>
+          <a:ext cx="0" cy="0"/>
+          <a:chOff x="0" y="0"/>
+          <a:chExt cx="0" cy="0"/>
+        </a:xfrm>
+      </p:grpSpPr>
+      <p:sp>
+        <p:nvSpPr>
+          <p:cNvPr id="2" name="Title 1"/>
+          <p:cNvSpPr>
+            <a:spLocks noGrp="1"/>
+          </p:cNvSpPr>
+          <p:nvPr>
+            <p:ph type="title"/>
+          </p:nvPr>
+        </p:nvSpPr>
+        <p:spPr>
+          <a:xfrm>
+            <a:off x="792873" y="3287278"/>
+            <a:ext cx="7740650" cy="644400"/>
+          </a:xfrm>
+        </p:spPr>
+        <p:txBody>
+          <a:bodyPr/>
+          <a:lstStyle/>
+          <a:p>
+            <a:pPr lvl="0" algn="ctr"/>
+            <a:r>
+              <a:rPr lang="nb-NO" b="0" dirty="0" smtClean="0"/>
+              <a:t>Knytte opp knapper og events?</a:t>
+            </a:r>
+            <a:endParaRPr lang="nb-NO" b="0" dirty="0"/>
+          </a:p>
+        </p:txBody>
+      </p:sp>
+      <p:sp>
+        <p:nvSpPr>
+          <p:cNvPr id="4" name="Date Placeholder 3"/>
+          <p:cNvSpPr>
+            <a:spLocks noGrp="1"/>
+          </p:cNvSpPr>
+          <p:nvPr>
+            <p:ph type="dt" sz="half" idx="10"/>
+          </p:nvPr>
+        </p:nvSpPr>
+        <p:spPr/>
+        <p:txBody>
+          <a:bodyPr/>
+          <a:lstStyle/>
+          <a:p>
+            <a:fld id="{E7153C23-280C-6C4E-BD6E-2850A1F48140}" type="datetime1">
+              <a:rPr lang="nb-NO" smtClean="0"/>
+              <a:pPr/>
+              <a:t>09.09.2012</a:t>
+            </a:fld>
+            <a:endParaRPr lang="nn-NO"/>
+          </a:p>
+        </p:txBody>
+      </p:sp>
+      <p:sp>
+        <p:nvSpPr>
+          <p:cNvPr id="5" name="Footer Placeholder 4"/>
+          <p:cNvSpPr>
+            <a:spLocks noGrp="1"/>
+          </p:cNvSpPr>
+          <p:nvPr>
+            <p:ph type="ftr" sz="quarter" idx="11"/>
+          </p:nvPr>
+        </p:nvSpPr>
+        <p:spPr/>
+        <p:txBody>
+          <a:bodyPr/>
+          <a:lstStyle/>
+          <a:p>
+            <a:endParaRPr lang="nn-NO"/>
+          </a:p>
+        </p:txBody>
+      </p:sp>
+      <p:sp>
+        <p:nvSpPr>
+          <p:cNvPr id="6" name="Slide Number Placeholder 5"/>
+          <p:cNvSpPr>
+            <a:spLocks noGrp="1"/>
+          </p:cNvSpPr>
+          <p:nvPr>
+            <p:ph type="sldNum" sz="quarter" idx="12"/>
+          </p:nvPr>
+        </p:nvSpPr>
+        <p:spPr/>
+        <p:txBody>
+          <a:bodyPr/>
+          <a:lstStyle/>
+          <a:p>
+            <a:fld id="{7662BC30-1691-D142-AAE3-D9E8E91C2817}" type="slidenum">
+              <a:rPr lang="nn-NO" smtClean="0"/>
+              <a:pPr/>
+              <a:t>25</a:t>
+            </a:fld>
+            <a:endParaRPr lang="nn-NO"/>
+          </a:p>
+        </p:txBody>
+      </p:sp>
+    </p:spTree>
+    <p:extLst>
+      <p:ext uri="{BB962C8B-B14F-4D97-AF65-F5344CB8AC3E}">
+        <p14:creationId xmlns:p14="http://schemas.microsoft.com/office/powerpoint/2010/main" val="453108454"/>
+      </p:ext>
+    </p:extLst>
+  </p:cSld>
+  <p:clrMapOvr>
+    <a:masterClrMapping/>
+  </p:clrMapOvr>
+  <p:transition>
+    <p:fade/>
+  </p:transition>
+  <p:timing>
+    <p:tnLst>
+      <p:par>
+        <p:cTn id="1" dur="indefinite" restart="never" nodeType="tmRoot"/>
+      </p:par>
+    </p:tnLst>
+  </p:timing>
+</p:sld>
+</file>
+
+<file path=ppt/slides/slide26.xml><?xml version="1.0" encoding="utf-8"?>
+<p:sld xmlns:a="http://schemas.openxmlformats.org/drawingml/2006/main" xmlns:r="http://schemas.openxmlformats.org/officeDocument/2006/relationships" xmlns:p="http://schemas.openxmlformats.org/presentationml/2006/main">
+  <p:cSld>
+    <p:spTree>
+      <p:nvGrpSpPr>
+        <p:cNvPr id="1" name=""/>
+        <p:cNvGrpSpPr/>
+        <p:nvPr/>
+      </p:nvGrpSpPr>
+      <p:grpSpPr>
+        <a:xfrm>
+          <a:off x="0" y="0"/>
+          <a:ext cx="0" cy="0"/>
+          <a:chOff x="0" y="0"/>
+          <a:chExt cx="0" cy="0"/>
+        </a:xfrm>
+      </p:grpSpPr>
+      <p:sp>
+        <p:nvSpPr>
+          <p:cNvPr id="2" name="Title 1"/>
+          <p:cNvSpPr>
+            <a:spLocks noGrp="1"/>
+          </p:cNvSpPr>
+          <p:nvPr>
+            <p:ph type="title"/>
+          </p:nvPr>
+        </p:nvSpPr>
+        <p:spPr>
+          <a:xfrm>
+            <a:off x="792873" y="3287278"/>
+            <a:ext cx="7740650" cy="644400"/>
+          </a:xfrm>
+        </p:spPr>
+        <p:txBody>
+          <a:bodyPr/>
+          <a:lstStyle/>
+          <a:p>
+            <a:pPr lvl="0" algn="ctr"/>
+            <a:r>
+              <a:rPr lang="nb-NO" b="0" dirty="0" smtClean="0">
+                <a:latin typeface="Courier New" pitchFamily="49" charset="0"/>
+                <a:cs typeface="Courier New" pitchFamily="49" charset="0"/>
+              </a:rPr>
+              <a:t>@Html.BeginForm</a:t>
+            </a:r>
+            <a:endParaRPr lang="nb-NO" b="0" dirty="0">
+              <a:latin typeface="Courier New" pitchFamily="49" charset="0"/>
+              <a:cs typeface="Courier New" pitchFamily="49" charset="0"/>
+            </a:endParaRPr>
+          </a:p>
+        </p:txBody>
+      </p:sp>
+      <p:sp>
+        <p:nvSpPr>
+          <p:cNvPr id="4" name="Date Placeholder 3"/>
+          <p:cNvSpPr>
+            <a:spLocks noGrp="1"/>
+          </p:cNvSpPr>
+          <p:nvPr>
+            <p:ph type="dt" sz="half" idx="10"/>
+          </p:nvPr>
+        </p:nvSpPr>
+        <p:spPr/>
+        <p:txBody>
+          <a:bodyPr/>
+          <a:lstStyle/>
+          <a:p>
+            <a:fld id="{E7153C23-280C-6C4E-BD6E-2850A1F48140}" type="datetime1">
+              <a:rPr lang="nb-NO" smtClean="0"/>
+              <a:pPr/>
+              <a:t>09.09.2012</a:t>
+            </a:fld>
+            <a:endParaRPr lang="nn-NO"/>
+          </a:p>
+        </p:txBody>
+      </p:sp>
+      <p:sp>
+        <p:nvSpPr>
+          <p:cNvPr id="5" name="Footer Placeholder 4"/>
+          <p:cNvSpPr>
+            <a:spLocks noGrp="1"/>
+          </p:cNvSpPr>
+          <p:nvPr>
+            <p:ph type="ftr" sz="quarter" idx="11"/>
+          </p:nvPr>
+        </p:nvSpPr>
+        <p:spPr/>
+        <p:txBody>
+          <a:bodyPr/>
+          <a:lstStyle/>
+          <a:p>
+            <a:endParaRPr lang="nn-NO"/>
+          </a:p>
+        </p:txBody>
+      </p:sp>
+      <p:sp>
+        <p:nvSpPr>
+          <p:cNvPr id="6" name="Slide Number Placeholder 5"/>
+          <p:cNvSpPr>
+            <a:spLocks noGrp="1"/>
+          </p:cNvSpPr>
+          <p:nvPr>
+            <p:ph type="sldNum" sz="quarter" idx="12"/>
+          </p:nvPr>
+        </p:nvSpPr>
+        <p:spPr/>
+        <p:txBody>
+          <a:bodyPr/>
+          <a:lstStyle/>
+          <a:p>
+            <a:fld id="{7662BC30-1691-D142-AAE3-D9E8E91C2817}" type="slidenum">
+              <a:rPr lang="nn-NO" smtClean="0"/>
+              <a:pPr/>
+              <a:t>26</a:t>
+            </a:fld>
+            <a:endParaRPr lang="nn-NO"/>
+          </a:p>
+        </p:txBody>
+      </p:sp>
+    </p:spTree>
+    <p:extLst>
+      <p:ext uri="{BB962C8B-B14F-4D97-AF65-F5344CB8AC3E}">
+        <p14:creationId xmlns:p14="http://schemas.microsoft.com/office/powerpoint/2010/main" val="3610951627"/>
+      </p:ext>
+    </p:extLst>
+  </p:cSld>
+  <p:clrMapOvr>
+    <a:masterClrMapping/>
+  </p:clrMapOvr>
+  <p:transition>
+    <p:fade/>
+  </p:transition>
+  <p:timing>
+    <p:tnLst>
+      <p:par>
+        <p:cTn id="1" dur="indefinite" restart="never" nodeType="tmRoot"/>
+      </p:par>
+    </p:tnLst>
+  </p:timing>
+</p:sld>
+</file>
+
+<file path=ppt/slides/slide27.xml><?xml version="1.0" encoding="utf-8"?>
+<p:sld xmlns:a="http://schemas.openxmlformats.org/drawingml/2006/main" xmlns:r="http://schemas.openxmlformats.org/officeDocument/2006/relationships" xmlns:p="http://schemas.openxmlformats.org/presentationml/2006/main">
+  <p:cSld>
+    <p:spTree>
+      <p:nvGrpSpPr>
+        <p:cNvPr id="1" name=""/>
+        <p:cNvGrpSpPr/>
+        <p:nvPr/>
+      </p:nvGrpSpPr>
+      <p:grpSpPr>
+        <a:xfrm>
+          <a:off x="0" y="0"/>
+          <a:ext cx="0" cy="0"/>
+          <a:chOff x="0" y="0"/>
+          <a:chExt cx="0" cy="0"/>
+        </a:xfrm>
+      </p:grpSpPr>
+      <p:sp>
+        <p:nvSpPr>
+          <p:cNvPr id="2" name="Title 1"/>
+          <p:cNvSpPr>
+            <a:spLocks noGrp="1"/>
+          </p:cNvSpPr>
+          <p:nvPr>
+            <p:ph type="title"/>
+          </p:nvPr>
+        </p:nvSpPr>
+        <p:spPr>
+          <a:xfrm>
+            <a:off x="792873" y="3287278"/>
+            <a:ext cx="7740650" cy="644400"/>
+          </a:xfrm>
+        </p:spPr>
+        <p:txBody>
+          <a:bodyPr/>
+          <a:lstStyle/>
+          <a:p>
+            <a:pPr lvl="0" algn="ctr"/>
+            <a:r>
+              <a:rPr lang="nb-NO" dirty="0" smtClean="0"/>
+              <a:t>Post</a:t>
+            </a:r>
+            <a:r>
+              <a:rPr lang="nb-NO" b="0" dirty="0" smtClean="0"/>
+              <a:t>, </a:t>
+            </a:r>
+            <a:r>
+              <a:rPr lang="nb-NO" dirty="0" smtClean="0"/>
+              <a:t>Get</a:t>
+            </a:r>
+            <a:r>
+              <a:rPr lang="nb-NO" b="0" dirty="0" smtClean="0"/>
+              <a:t>, Delete, Put</a:t>
+            </a:r>
+            <a:endParaRPr lang="nb-NO" b="0" dirty="0"/>
+          </a:p>
+        </p:txBody>
+      </p:sp>
+      <p:sp>
+        <p:nvSpPr>
+          <p:cNvPr id="4" name="Date Placeholder 3"/>
+          <p:cNvSpPr>
+            <a:spLocks noGrp="1"/>
+          </p:cNvSpPr>
+          <p:nvPr>
+            <p:ph type="dt" sz="half" idx="10"/>
+          </p:nvPr>
+        </p:nvSpPr>
+        <p:spPr/>
+        <p:txBody>
+          <a:bodyPr/>
+          <a:lstStyle/>
+          <a:p>
+            <a:fld id="{E7153C23-280C-6C4E-BD6E-2850A1F48140}" type="datetime1">
+              <a:rPr lang="nb-NO" smtClean="0"/>
+              <a:pPr/>
+              <a:t>09.09.2012</a:t>
+            </a:fld>
+            <a:endParaRPr lang="nn-NO"/>
+          </a:p>
+        </p:txBody>
+      </p:sp>
+      <p:sp>
+        <p:nvSpPr>
+          <p:cNvPr id="5" name="Footer Placeholder 4"/>
+          <p:cNvSpPr>
+            <a:spLocks noGrp="1"/>
+          </p:cNvSpPr>
+          <p:nvPr>
+            <p:ph type="ftr" sz="quarter" idx="11"/>
+          </p:nvPr>
+        </p:nvSpPr>
+        <p:spPr/>
+        <p:txBody>
+          <a:bodyPr/>
+          <a:lstStyle/>
+          <a:p>
+            <a:endParaRPr lang="nn-NO"/>
+          </a:p>
+        </p:txBody>
+      </p:sp>
+      <p:sp>
+        <p:nvSpPr>
+          <p:cNvPr id="6" name="Slide Number Placeholder 5"/>
+          <p:cNvSpPr>
+            <a:spLocks noGrp="1"/>
+          </p:cNvSpPr>
+          <p:nvPr>
+            <p:ph type="sldNum" sz="quarter" idx="12"/>
+          </p:nvPr>
+        </p:nvSpPr>
+        <p:spPr/>
+        <p:txBody>
+          <a:bodyPr/>
+          <a:lstStyle/>
+          <a:p>
+            <a:fld id="{7662BC30-1691-D142-AAE3-D9E8E91C2817}" type="slidenum">
+              <a:rPr lang="nn-NO" smtClean="0"/>
+              <a:pPr/>
+              <a:t>27</a:t>
+            </a:fld>
+            <a:endParaRPr lang="nn-NO"/>
+          </a:p>
+        </p:txBody>
+      </p:sp>
+    </p:spTree>
+    <p:extLst>
+      <p:ext uri="{BB962C8B-B14F-4D97-AF65-F5344CB8AC3E}">
+        <p14:creationId xmlns:p14="http://schemas.microsoft.com/office/powerpoint/2010/main" val="1833950179"/>
+      </p:ext>
+    </p:extLst>
+  </p:cSld>
+  <p:clrMapOvr>
+    <a:masterClrMapping/>
+  </p:clrMapOvr>
+  <p:transition>
+    <p:fade/>
+  </p:transition>
+  <p:timing>
+    <p:tnLst>
+      <p:par>
+        <p:cTn id="1" dur="indefinite" restart="never" nodeType="tmRoot"/>
+      </p:par>
+    </p:tnLst>
+  </p:timing>
+</p:sld>
+</file>
+
+<file path=ppt/slides/slide28.xml><?xml version="1.0" encoding="utf-8"?>
+<p:sld xmlns:a="http://schemas.openxmlformats.org/drawingml/2006/main" xmlns:r="http://schemas.openxmlformats.org/officeDocument/2006/relationships" xmlns:p="http://schemas.openxmlformats.org/presentationml/2006/main">
+  <p:cSld>
+    <p:spTree>
+      <p:nvGrpSpPr>
+        <p:cNvPr id="1" name=""/>
+        <p:cNvGrpSpPr/>
+        <p:nvPr/>
+      </p:nvGrpSpPr>
+      <p:grpSpPr>
+        <a:xfrm>
+          <a:off x="0" y="0"/>
+          <a:ext cx="0" cy="0"/>
+          <a:chOff x="0" y="0"/>
+          <a:chExt cx="0" cy="0"/>
+        </a:xfrm>
+      </p:grpSpPr>
+      <p:sp>
+        <p:nvSpPr>
+          <p:cNvPr id="2" name="Title 1"/>
+          <p:cNvSpPr>
+            <a:spLocks noGrp="1"/>
+          </p:cNvSpPr>
+          <p:nvPr>
+            <p:ph type="title"/>
+          </p:nvPr>
+        </p:nvSpPr>
+        <p:spPr>
+          <a:xfrm>
+            <a:off x="792873" y="3287278"/>
+            <a:ext cx="7740650" cy="644400"/>
+          </a:xfrm>
+        </p:spPr>
+        <p:txBody>
+          <a:bodyPr/>
+          <a:lstStyle/>
+          <a:p>
+            <a:pPr lvl="0" algn="ctr"/>
+            <a:r>
+              <a:rPr lang="nb-NO" b="0" dirty="0" smtClean="0"/>
+              <a:t>Flere forms på samme side</a:t>
+            </a:r>
+            <a:endParaRPr lang="nb-NO" b="0" dirty="0"/>
+          </a:p>
+        </p:txBody>
+      </p:sp>
+      <p:sp>
+        <p:nvSpPr>
+          <p:cNvPr id="4" name="Date Placeholder 3"/>
+          <p:cNvSpPr>
+            <a:spLocks noGrp="1"/>
+          </p:cNvSpPr>
+          <p:nvPr>
+            <p:ph type="dt" sz="half" idx="10"/>
+          </p:nvPr>
+        </p:nvSpPr>
+        <p:spPr/>
+        <p:txBody>
+          <a:bodyPr/>
+          <a:lstStyle/>
+          <a:p>
+            <a:fld id="{E7153C23-280C-6C4E-BD6E-2850A1F48140}" type="datetime1">
+              <a:rPr lang="nb-NO" smtClean="0"/>
+              <a:pPr/>
+              <a:t>09.09.2012</a:t>
+            </a:fld>
+            <a:endParaRPr lang="nn-NO"/>
+          </a:p>
+        </p:txBody>
+      </p:sp>
+      <p:sp>
+        <p:nvSpPr>
+          <p:cNvPr id="5" name="Footer Placeholder 4"/>
+          <p:cNvSpPr>
+            <a:spLocks noGrp="1"/>
+          </p:cNvSpPr>
+          <p:nvPr>
+            <p:ph type="ftr" sz="quarter" idx="11"/>
+          </p:nvPr>
+        </p:nvSpPr>
+        <p:spPr/>
+        <p:txBody>
+          <a:bodyPr/>
+          <a:lstStyle/>
+          <a:p>
+            <a:endParaRPr lang="nn-NO"/>
+          </a:p>
+        </p:txBody>
+      </p:sp>
+      <p:sp>
+        <p:nvSpPr>
+          <p:cNvPr id="6" name="Slide Number Placeholder 5"/>
+          <p:cNvSpPr>
+            <a:spLocks noGrp="1"/>
+          </p:cNvSpPr>
+          <p:nvPr>
+            <p:ph type="sldNum" sz="quarter" idx="12"/>
+          </p:nvPr>
+        </p:nvSpPr>
+        <p:spPr/>
+        <p:txBody>
+          <a:bodyPr/>
+          <a:lstStyle/>
+          <a:p>
+            <a:fld id="{7662BC30-1691-D142-AAE3-D9E8E91C2817}" type="slidenum">
+              <a:rPr lang="nn-NO" smtClean="0"/>
+              <a:pPr/>
+              <a:t>28</a:t>
+            </a:fld>
+            <a:endParaRPr lang="nn-NO"/>
+          </a:p>
+        </p:txBody>
+      </p:sp>
+    </p:spTree>
+    <p:extLst>
+      <p:ext uri="{BB962C8B-B14F-4D97-AF65-F5344CB8AC3E}">
+        <p14:creationId xmlns:p14="http://schemas.microsoft.com/office/powerpoint/2010/main" val="548868666"/>
+      </p:ext>
+    </p:extLst>
+  </p:cSld>
+  <p:clrMapOvr>
+    <a:masterClrMapping/>
+  </p:clrMapOvr>
+  <p:transition>
+    <p:fade/>
+  </p:transition>
+  <p:timing>
+    <p:tnLst>
+      <p:par>
+        <p:cTn id="1" dur="indefinite" restart="never" nodeType="tmRoot"/>
+      </p:par>
+    </p:tnLst>
+  </p:timing>
+</p:sld>
+</file>
+
+<file path=ppt/slides/slide29.xml><?xml version="1.0" encoding="utf-8"?>
+<p:sld xmlns:a="http://schemas.openxmlformats.org/drawingml/2006/main" xmlns:r="http://schemas.openxmlformats.org/officeDocument/2006/relationships" xmlns:p="http://schemas.openxmlformats.org/presentationml/2006/main">
+  <p:cSld>
+    <p:spTree>
+      <p:nvGrpSpPr>
+        <p:cNvPr id="1" name=""/>
+        <p:cNvGrpSpPr/>
+        <p:nvPr/>
+      </p:nvGrpSpPr>
+      <p:grpSpPr>
+        <a:xfrm>
+          <a:off x="0" y="0"/>
+          <a:ext cx="0" cy="0"/>
+          <a:chOff x="0" y="0"/>
+          <a:chExt cx="0" cy="0"/>
+        </a:xfrm>
+      </p:grpSpPr>
+      <p:sp>
+        <p:nvSpPr>
+          <p:cNvPr id="2" name="Title 1"/>
+          <p:cNvSpPr>
+            <a:spLocks noGrp="1"/>
+          </p:cNvSpPr>
+          <p:nvPr>
+            <p:ph type="title"/>
+          </p:nvPr>
+        </p:nvSpPr>
+        <p:spPr>
+          <a:xfrm>
+            <a:off x="792873" y="3287278"/>
+            <a:ext cx="7740650" cy="644400"/>
+          </a:xfrm>
+        </p:spPr>
+        <p:txBody>
+          <a:bodyPr/>
+          <a:lstStyle/>
+          <a:p>
+            <a:pPr lvl="0" algn="ctr"/>
+            <a:r>
+              <a:rPr lang="nb-NO" b="0" dirty="0" smtClean="0"/>
+              <a:t>Demo</a:t>
+            </a:r>
+            <a:endParaRPr lang="nb-NO" b="0" dirty="0"/>
+          </a:p>
+        </p:txBody>
+      </p:sp>
+      <p:sp>
+        <p:nvSpPr>
+          <p:cNvPr id="4" name="Date Placeholder 3"/>
+          <p:cNvSpPr>
+            <a:spLocks noGrp="1"/>
+          </p:cNvSpPr>
+          <p:nvPr>
+            <p:ph type="dt" sz="half" idx="10"/>
+          </p:nvPr>
+        </p:nvSpPr>
+        <p:spPr/>
+        <p:txBody>
+          <a:bodyPr/>
+          <a:lstStyle/>
+          <a:p>
+            <a:fld id="{E7153C23-280C-6C4E-BD6E-2850A1F48140}" type="datetime1">
+              <a:rPr lang="nb-NO" smtClean="0"/>
+              <a:pPr/>
+              <a:t>09.09.2012</a:t>
+            </a:fld>
+            <a:endParaRPr lang="nn-NO"/>
+          </a:p>
+        </p:txBody>
+      </p:sp>
+      <p:sp>
+        <p:nvSpPr>
+          <p:cNvPr id="5" name="Footer Placeholder 4"/>
+          <p:cNvSpPr>
+            <a:spLocks noGrp="1"/>
+          </p:cNvSpPr>
+          <p:nvPr>
+            <p:ph type="ftr" sz="quarter" idx="11"/>
+          </p:nvPr>
+        </p:nvSpPr>
+        <p:spPr/>
+        <p:txBody>
+          <a:bodyPr/>
+          <a:lstStyle/>
+          <a:p>
+            <a:endParaRPr lang="nn-NO"/>
+          </a:p>
+        </p:txBody>
+      </p:sp>
+      <p:sp>
+        <p:nvSpPr>
+          <p:cNvPr id="6" name="Slide Number Placeholder 5"/>
+          <p:cNvSpPr>
+            <a:spLocks noGrp="1"/>
+          </p:cNvSpPr>
+          <p:nvPr>
+            <p:ph type="sldNum" sz="quarter" idx="12"/>
+          </p:nvPr>
+        </p:nvSpPr>
+        <p:spPr/>
+        <p:txBody>
+          <a:bodyPr/>
+          <a:lstStyle/>
+          <a:p>
+            <a:fld id="{7662BC30-1691-D142-AAE3-D9E8E91C2817}" type="slidenum">
+              <a:rPr lang="nn-NO" smtClean="0"/>
+              <a:pPr/>
+              <a:t>29</a:t>
+            </a:fld>
+            <a:endParaRPr lang="nn-NO"/>
+          </a:p>
+        </p:txBody>
+      </p:sp>
+    </p:spTree>
+    <p:extLst>
+      <p:ext uri="{BB962C8B-B14F-4D97-AF65-F5344CB8AC3E}">
+        <p14:creationId xmlns:p14="http://schemas.microsoft.com/office/powerpoint/2010/main" val="4153360769"/>
+      </p:ext>
+    </p:extLst>
+  </p:cSld>
+  <p:clrMapOvr>
+    <a:masterClrMapping/>
+  </p:clrMapOvr>
+  <p:transition>
+    <p:fade/>
+  </p:transition>
+  <p:timing>
+    <p:tnLst>
+      <p:par>
+        <p:cTn id="1" dur="indefinite" restart="never" nodeType="tmRoot"/>
+      </p:par>
+    </p:tnLst>
+  </p:timing>
 </p:sld>
 </file>
 

--- a/Material/MVC.pptx
+++ b/Material/MVC.pptx
@@ -5,10 +5,10 @@
     <p:sldMasterId id="2147483660" r:id="rId5"/>
   </p:sldMasterIdLst>
   <p:notesMasterIdLst>
-    <p:notesMasterId r:id="rId35"/>
+    <p:notesMasterId r:id="rId56"/>
   </p:notesMasterIdLst>
   <p:handoutMasterIdLst>
-    <p:handoutMasterId r:id="rId36"/>
+    <p:handoutMasterId r:id="rId57"/>
   </p:handoutMasterIdLst>
   <p:sldIdLst>
     <p:sldId id="297" r:id="rId6"/>
@@ -40,6 +40,27 @@
     <p:sldId id="369" r:id="rId32"/>
     <p:sldId id="370" r:id="rId33"/>
     <p:sldId id="371" r:id="rId34"/>
+    <p:sldId id="372" r:id="rId35"/>
+    <p:sldId id="373" r:id="rId36"/>
+    <p:sldId id="374" r:id="rId37"/>
+    <p:sldId id="375" r:id="rId38"/>
+    <p:sldId id="376" r:id="rId39"/>
+    <p:sldId id="377" r:id="rId40"/>
+    <p:sldId id="378" r:id="rId41"/>
+    <p:sldId id="379" r:id="rId42"/>
+    <p:sldId id="380" r:id="rId43"/>
+    <p:sldId id="381" r:id="rId44"/>
+    <p:sldId id="382" r:id="rId45"/>
+    <p:sldId id="383" r:id="rId46"/>
+    <p:sldId id="384" r:id="rId47"/>
+    <p:sldId id="385" r:id="rId48"/>
+    <p:sldId id="386" r:id="rId49"/>
+    <p:sldId id="387" r:id="rId50"/>
+    <p:sldId id="388" r:id="rId51"/>
+    <p:sldId id="390" r:id="rId52"/>
+    <p:sldId id="391" r:id="rId53"/>
+    <p:sldId id="392" r:id="rId54"/>
+    <p:sldId id="393" r:id="rId55"/>
   </p:sldIdLst>
   <p:sldSz cx="9144000" cy="6858000" type="screen4x3"/>
   <p:notesSz cx="6858000" cy="9144000"/>
@@ -1878,6 +1899,686 @@
 </p:notes>
 </file>
 
+<file path=ppt/notesSlides/notesSlide22.xml><?xml version="1.0" encoding="utf-8"?>
+<p:notes xmlns:a="http://schemas.openxmlformats.org/drawingml/2006/main" xmlns:r="http://schemas.openxmlformats.org/officeDocument/2006/relationships" xmlns:p="http://schemas.openxmlformats.org/presentationml/2006/main">
+  <p:cSld>
+    <p:spTree>
+      <p:nvGrpSpPr>
+        <p:cNvPr id="1" name=""/>
+        <p:cNvGrpSpPr/>
+        <p:nvPr/>
+      </p:nvGrpSpPr>
+      <p:grpSpPr>
+        <a:xfrm>
+          <a:off x="0" y="0"/>
+          <a:ext cx="0" cy="0"/>
+          <a:chOff x="0" y="0"/>
+          <a:chExt cx="0" cy="0"/>
+        </a:xfrm>
+      </p:grpSpPr>
+      <p:sp>
+        <p:nvSpPr>
+          <p:cNvPr id="2" name="Slide Image Placeholder 1"/>
+          <p:cNvSpPr>
+            <a:spLocks noGrp="1" noRot="1" noChangeAspect="1"/>
+          </p:cNvSpPr>
+          <p:nvPr>
+            <p:ph type="sldImg"/>
+          </p:nvPr>
+        </p:nvSpPr>
+        <p:spPr/>
+      </p:sp>
+      <p:sp>
+        <p:nvSpPr>
+          <p:cNvPr id="3" name="Notes Placeholder 2"/>
+          <p:cNvSpPr>
+            <a:spLocks noGrp="1"/>
+          </p:cNvSpPr>
+          <p:nvPr>
+            <p:ph type="body" idx="1"/>
+          </p:nvPr>
+        </p:nvSpPr>
+        <p:spPr/>
+        <p:txBody>
+          <a:bodyPr/>
+          <a:lstStyle/>
+          <a:p>
+            <a:endParaRPr lang="nb-NO" dirty="0"/>
+          </a:p>
+        </p:txBody>
+      </p:sp>
+      <p:sp>
+        <p:nvSpPr>
+          <p:cNvPr id="4" name="Slide Number Placeholder 3"/>
+          <p:cNvSpPr>
+            <a:spLocks noGrp="1"/>
+          </p:cNvSpPr>
+          <p:nvPr>
+            <p:ph type="sldNum" sz="quarter" idx="10"/>
+          </p:nvPr>
+        </p:nvSpPr>
+        <p:spPr/>
+        <p:txBody>
+          <a:bodyPr/>
+          <a:lstStyle/>
+          <a:p>
+            <a:fld id="{528E7876-5FAB-5445-B77E-737DA6EC0B43}" type="slidenum">
+              <a:rPr lang="nb-NO" smtClean="0"/>
+              <a:pPr/>
+              <a:t>31</a:t>
+            </a:fld>
+            <a:endParaRPr lang="nb-NO"/>
+          </a:p>
+        </p:txBody>
+      </p:sp>
+    </p:spTree>
+    <p:extLst>
+      <p:ext uri="{BB962C8B-B14F-4D97-AF65-F5344CB8AC3E}">
+        <p14:creationId xmlns:p14="http://schemas.microsoft.com/office/powerpoint/2010/main" val="3189924498"/>
+      </p:ext>
+    </p:extLst>
+  </p:cSld>
+  <p:clrMapOvr>
+    <a:masterClrMapping/>
+  </p:clrMapOvr>
+</p:notes>
+</file>
+
+<file path=ppt/notesSlides/notesSlide23.xml><?xml version="1.0" encoding="utf-8"?>
+<p:notes xmlns:a="http://schemas.openxmlformats.org/drawingml/2006/main" xmlns:r="http://schemas.openxmlformats.org/officeDocument/2006/relationships" xmlns:p="http://schemas.openxmlformats.org/presentationml/2006/main">
+  <p:cSld>
+    <p:spTree>
+      <p:nvGrpSpPr>
+        <p:cNvPr id="1" name=""/>
+        <p:cNvGrpSpPr/>
+        <p:nvPr/>
+      </p:nvGrpSpPr>
+      <p:grpSpPr>
+        <a:xfrm>
+          <a:off x="0" y="0"/>
+          <a:ext cx="0" cy="0"/>
+          <a:chOff x="0" y="0"/>
+          <a:chExt cx="0" cy="0"/>
+        </a:xfrm>
+      </p:grpSpPr>
+      <p:sp>
+        <p:nvSpPr>
+          <p:cNvPr id="2" name="Slide Image Placeholder 1"/>
+          <p:cNvSpPr>
+            <a:spLocks noGrp="1" noRot="1" noChangeAspect="1"/>
+          </p:cNvSpPr>
+          <p:nvPr>
+            <p:ph type="sldImg"/>
+          </p:nvPr>
+        </p:nvSpPr>
+        <p:spPr/>
+      </p:sp>
+      <p:sp>
+        <p:nvSpPr>
+          <p:cNvPr id="3" name="Notes Placeholder 2"/>
+          <p:cNvSpPr>
+            <a:spLocks noGrp="1"/>
+          </p:cNvSpPr>
+          <p:nvPr>
+            <p:ph type="body" idx="1"/>
+          </p:nvPr>
+        </p:nvSpPr>
+        <p:spPr/>
+        <p:txBody>
+          <a:bodyPr/>
+          <a:lstStyle/>
+          <a:p>
+            <a:endParaRPr lang="nb-NO" dirty="0"/>
+          </a:p>
+        </p:txBody>
+      </p:sp>
+      <p:sp>
+        <p:nvSpPr>
+          <p:cNvPr id="4" name="Slide Number Placeholder 3"/>
+          <p:cNvSpPr>
+            <a:spLocks noGrp="1"/>
+          </p:cNvSpPr>
+          <p:nvPr>
+            <p:ph type="sldNum" sz="quarter" idx="10"/>
+          </p:nvPr>
+        </p:nvSpPr>
+        <p:spPr/>
+        <p:txBody>
+          <a:bodyPr/>
+          <a:lstStyle/>
+          <a:p>
+            <a:fld id="{528E7876-5FAB-5445-B77E-737DA6EC0B43}" type="slidenum">
+              <a:rPr lang="nb-NO" smtClean="0"/>
+              <a:pPr/>
+              <a:t>32</a:t>
+            </a:fld>
+            <a:endParaRPr lang="nb-NO"/>
+          </a:p>
+        </p:txBody>
+      </p:sp>
+    </p:spTree>
+    <p:extLst>
+      <p:ext uri="{BB962C8B-B14F-4D97-AF65-F5344CB8AC3E}">
+        <p14:creationId xmlns:p14="http://schemas.microsoft.com/office/powerpoint/2010/main" val="3189924498"/>
+      </p:ext>
+    </p:extLst>
+  </p:cSld>
+  <p:clrMapOvr>
+    <a:masterClrMapping/>
+  </p:clrMapOvr>
+</p:notes>
+</file>
+
+<file path=ppt/notesSlides/notesSlide24.xml><?xml version="1.0" encoding="utf-8"?>
+<p:notes xmlns:a="http://schemas.openxmlformats.org/drawingml/2006/main" xmlns:r="http://schemas.openxmlformats.org/officeDocument/2006/relationships" xmlns:p="http://schemas.openxmlformats.org/presentationml/2006/main">
+  <p:cSld>
+    <p:spTree>
+      <p:nvGrpSpPr>
+        <p:cNvPr id="1" name=""/>
+        <p:cNvGrpSpPr/>
+        <p:nvPr/>
+      </p:nvGrpSpPr>
+      <p:grpSpPr>
+        <a:xfrm>
+          <a:off x="0" y="0"/>
+          <a:ext cx="0" cy="0"/>
+          <a:chOff x="0" y="0"/>
+          <a:chExt cx="0" cy="0"/>
+        </a:xfrm>
+      </p:grpSpPr>
+      <p:sp>
+        <p:nvSpPr>
+          <p:cNvPr id="2" name="Slide Image Placeholder 1"/>
+          <p:cNvSpPr>
+            <a:spLocks noGrp="1" noRot="1" noChangeAspect="1"/>
+          </p:cNvSpPr>
+          <p:nvPr>
+            <p:ph type="sldImg"/>
+          </p:nvPr>
+        </p:nvSpPr>
+        <p:spPr/>
+      </p:sp>
+      <p:sp>
+        <p:nvSpPr>
+          <p:cNvPr id="3" name="Notes Placeholder 2"/>
+          <p:cNvSpPr>
+            <a:spLocks noGrp="1"/>
+          </p:cNvSpPr>
+          <p:nvPr>
+            <p:ph type="body" idx="1"/>
+          </p:nvPr>
+        </p:nvSpPr>
+        <p:spPr/>
+        <p:txBody>
+          <a:bodyPr/>
+          <a:lstStyle/>
+          <a:p>
+            <a:endParaRPr lang="nb-NO" dirty="0"/>
+          </a:p>
+        </p:txBody>
+      </p:sp>
+      <p:sp>
+        <p:nvSpPr>
+          <p:cNvPr id="4" name="Slide Number Placeholder 3"/>
+          <p:cNvSpPr>
+            <a:spLocks noGrp="1"/>
+          </p:cNvSpPr>
+          <p:nvPr>
+            <p:ph type="sldNum" sz="quarter" idx="10"/>
+          </p:nvPr>
+        </p:nvSpPr>
+        <p:spPr/>
+        <p:txBody>
+          <a:bodyPr/>
+          <a:lstStyle/>
+          <a:p>
+            <a:fld id="{528E7876-5FAB-5445-B77E-737DA6EC0B43}" type="slidenum">
+              <a:rPr lang="nb-NO" smtClean="0"/>
+              <a:pPr/>
+              <a:t>33</a:t>
+            </a:fld>
+            <a:endParaRPr lang="nb-NO"/>
+          </a:p>
+        </p:txBody>
+      </p:sp>
+    </p:spTree>
+    <p:extLst>
+      <p:ext uri="{BB962C8B-B14F-4D97-AF65-F5344CB8AC3E}">
+        <p14:creationId xmlns:p14="http://schemas.microsoft.com/office/powerpoint/2010/main" val="3189924498"/>
+      </p:ext>
+    </p:extLst>
+  </p:cSld>
+  <p:clrMapOvr>
+    <a:masterClrMapping/>
+  </p:clrMapOvr>
+</p:notes>
+</file>
+
+<file path=ppt/notesSlides/notesSlide25.xml><?xml version="1.0" encoding="utf-8"?>
+<p:notes xmlns:a="http://schemas.openxmlformats.org/drawingml/2006/main" xmlns:r="http://schemas.openxmlformats.org/officeDocument/2006/relationships" xmlns:p="http://schemas.openxmlformats.org/presentationml/2006/main">
+  <p:cSld>
+    <p:spTree>
+      <p:nvGrpSpPr>
+        <p:cNvPr id="1" name=""/>
+        <p:cNvGrpSpPr/>
+        <p:nvPr/>
+      </p:nvGrpSpPr>
+      <p:grpSpPr>
+        <a:xfrm>
+          <a:off x="0" y="0"/>
+          <a:ext cx="0" cy="0"/>
+          <a:chOff x="0" y="0"/>
+          <a:chExt cx="0" cy="0"/>
+        </a:xfrm>
+      </p:grpSpPr>
+      <p:sp>
+        <p:nvSpPr>
+          <p:cNvPr id="2" name="Slide Image Placeholder 1"/>
+          <p:cNvSpPr>
+            <a:spLocks noGrp="1" noRot="1" noChangeAspect="1"/>
+          </p:cNvSpPr>
+          <p:nvPr>
+            <p:ph type="sldImg"/>
+          </p:nvPr>
+        </p:nvSpPr>
+        <p:spPr/>
+      </p:sp>
+      <p:sp>
+        <p:nvSpPr>
+          <p:cNvPr id="3" name="Notes Placeholder 2"/>
+          <p:cNvSpPr>
+            <a:spLocks noGrp="1"/>
+          </p:cNvSpPr>
+          <p:nvPr>
+            <p:ph type="body" idx="1"/>
+          </p:nvPr>
+        </p:nvSpPr>
+        <p:spPr/>
+        <p:txBody>
+          <a:bodyPr/>
+          <a:lstStyle/>
+          <a:p>
+            <a:endParaRPr lang="nb-NO" dirty="0"/>
+          </a:p>
+        </p:txBody>
+      </p:sp>
+      <p:sp>
+        <p:nvSpPr>
+          <p:cNvPr id="4" name="Slide Number Placeholder 3"/>
+          <p:cNvSpPr>
+            <a:spLocks noGrp="1"/>
+          </p:cNvSpPr>
+          <p:nvPr>
+            <p:ph type="sldNum" sz="quarter" idx="10"/>
+          </p:nvPr>
+        </p:nvSpPr>
+        <p:spPr/>
+        <p:txBody>
+          <a:bodyPr/>
+          <a:lstStyle/>
+          <a:p>
+            <a:fld id="{528E7876-5FAB-5445-B77E-737DA6EC0B43}" type="slidenum">
+              <a:rPr lang="nb-NO" smtClean="0"/>
+              <a:pPr/>
+              <a:t>34</a:t>
+            </a:fld>
+            <a:endParaRPr lang="nb-NO"/>
+          </a:p>
+        </p:txBody>
+      </p:sp>
+    </p:spTree>
+    <p:extLst>
+      <p:ext uri="{BB962C8B-B14F-4D97-AF65-F5344CB8AC3E}">
+        <p14:creationId xmlns:p14="http://schemas.microsoft.com/office/powerpoint/2010/main" val="3189924498"/>
+      </p:ext>
+    </p:extLst>
+  </p:cSld>
+  <p:clrMapOvr>
+    <a:masterClrMapping/>
+  </p:clrMapOvr>
+</p:notes>
+</file>
+
+<file path=ppt/notesSlides/notesSlide26.xml><?xml version="1.0" encoding="utf-8"?>
+<p:notes xmlns:a="http://schemas.openxmlformats.org/drawingml/2006/main" xmlns:r="http://schemas.openxmlformats.org/officeDocument/2006/relationships" xmlns:p="http://schemas.openxmlformats.org/presentationml/2006/main">
+  <p:cSld>
+    <p:spTree>
+      <p:nvGrpSpPr>
+        <p:cNvPr id="1" name=""/>
+        <p:cNvGrpSpPr/>
+        <p:nvPr/>
+      </p:nvGrpSpPr>
+      <p:grpSpPr>
+        <a:xfrm>
+          <a:off x="0" y="0"/>
+          <a:ext cx="0" cy="0"/>
+          <a:chOff x="0" y="0"/>
+          <a:chExt cx="0" cy="0"/>
+        </a:xfrm>
+      </p:grpSpPr>
+      <p:sp>
+        <p:nvSpPr>
+          <p:cNvPr id="2" name="Slide Image Placeholder 1"/>
+          <p:cNvSpPr>
+            <a:spLocks noGrp="1" noRot="1" noChangeAspect="1"/>
+          </p:cNvSpPr>
+          <p:nvPr>
+            <p:ph type="sldImg"/>
+          </p:nvPr>
+        </p:nvSpPr>
+        <p:spPr/>
+      </p:sp>
+      <p:sp>
+        <p:nvSpPr>
+          <p:cNvPr id="3" name="Notes Placeholder 2"/>
+          <p:cNvSpPr>
+            <a:spLocks noGrp="1"/>
+          </p:cNvSpPr>
+          <p:nvPr>
+            <p:ph type="body" idx="1"/>
+          </p:nvPr>
+        </p:nvSpPr>
+        <p:spPr/>
+        <p:txBody>
+          <a:bodyPr/>
+          <a:lstStyle/>
+          <a:p>
+            <a:endParaRPr lang="nb-NO" dirty="0"/>
+          </a:p>
+        </p:txBody>
+      </p:sp>
+      <p:sp>
+        <p:nvSpPr>
+          <p:cNvPr id="4" name="Slide Number Placeholder 3"/>
+          <p:cNvSpPr>
+            <a:spLocks noGrp="1"/>
+          </p:cNvSpPr>
+          <p:nvPr>
+            <p:ph type="sldNum" sz="quarter" idx="10"/>
+          </p:nvPr>
+        </p:nvSpPr>
+        <p:spPr/>
+        <p:txBody>
+          <a:bodyPr/>
+          <a:lstStyle/>
+          <a:p>
+            <a:fld id="{528E7876-5FAB-5445-B77E-737DA6EC0B43}" type="slidenum">
+              <a:rPr lang="nb-NO" smtClean="0"/>
+              <a:pPr/>
+              <a:t>35</a:t>
+            </a:fld>
+            <a:endParaRPr lang="nb-NO"/>
+          </a:p>
+        </p:txBody>
+      </p:sp>
+    </p:spTree>
+    <p:extLst>
+      <p:ext uri="{BB962C8B-B14F-4D97-AF65-F5344CB8AC3E}">
+        <p14:creationId xmlns:p14="http://schemas.microsoft.com/office/powerpoint/2010/main" val="3189924498"/>
+      </p:ext>
+    </p:extLst>
+  </p:cSld>
+  <p:clrMapOvr>
+    <a:masterClrMapping/>
+  </p:clrMapOvr>
+</p:notes>
+</file>
+
+<file path=ppt/notesSlides/notesSlide27.xml><?xml version="1.0" encoding="utf-8"?>
+<p:notes xmlns:a="http://schemas.openxmlformats.org/drawingml/2006/main" xmlns:r="http://schemas.openxmlformats.org/officeDocument/2006/relationships" xmlns:p="http://schemas.openxmlformats.org/presentationml/2006/main">
+  <p:cSld>
+    <p:spTree>
+      <p:nvGrpSpPr>
+        <p:cNvPr id="1" name=""/>
+        <p:cNvGrpSpPr/>
+        <p:nvPr/>
+      </p:nvGrpSpPr>
+      <p:grpSpPr>
+        <a:xfrm>
+          <a:off x="0" y="0"/>
+          <a:ext cx="0" cy="0"/>
+          <a:chOff x="0" y="0"/>
+          <a:chExt cx="0" cy="0"/>
+        </a:xfrm>
+      </p:grpSpPr>
+      <p:sp>
+        <p:nvSpPr>
+          <p:cNvPr id="2" name="Slide Image Placeholder 1"/>
+          <p:cNvSpPr>
+            <a:spLocks noGrp="1" noRot="1" noChangeAspect="1"/>
+          </p:cNvSpPr>
+          <p:nvPr>
+            <p:ph type="sldImg"/>
+          </p:nvPr>
+        </p:nvSpPr>
+        <p:spPr/>
+      </p:sp>
+      <p:sp>
+        <p:nvSpPr>
+          <p:cNvPr id="3" name="Notes Placeholder 2"/>
+          <p:cNvSpPr>
+            <a:spLocks noGrp="1"/>
+          </p:cNvSpPr>
+          <p:nvPr>
+            <p:ph type="body" idx="1"/>
+          </p:nvPr>
+        </p:nvSpPr>
+        <p:spPr/>
+        <p:txBody>
+          <a:bodyPr/>
+          <a:lstStyle/>
+          <a:p>
+            <a:endParaRPr lang="nb-NO" dirty="0"/>
+          </a:p>
+        </p:txBody>
+      </p:sp>
+      <p:sp>
+        <p:nvSpPr>
+          <p:cNvPr id="4" name="Slide Number Placeholder 3"/>
+          <p:cNvSpPr>
+            <a:spLocks noGrp="1"/>
+          </p:cNvSpPr>
+          <p:nvPr>
+            <p:ph type="sldNum" sz="quarter" idx="10"/>
+          </p:nvPr>
+        </p:nvSpPr>
+        <p:spPr/>
+        <p:txBody>
+          <a:bodyPr/>
+          <a:lstStyle/>
+          <a:p>
+            <a:fld id="{528E7876-5FAB-5445-B77E-737DA6EC0B43}" type="slidenum">
+              <a:rPr lang="nb-NO" smtClean="0"/>
+              <a:pPr/>
+              <a:t>36</a:t>
+            </a:fld>
+            <a:endParaRPr lang="nb-NO"/>
+          </a:p>
+        </p:txBody>
+      </p:sp>
+    </p:spTree>
+    <p:extLst>
+      <p:ext uri="{BB962C8B-B14F-4D97-AF65-F5344CB8AC3E}">
+        <p14:creationId xmlns:p14="http://schemas.microsoft.com/office/powerpoint/2010/main" val="3189924498"/>
+      </p:ext>
+    </p:extLst>
+  </p:cSld>
+  <p:clrMapOvr>
+    <a:masterClrMapping/>
+  </p:clrMapOvr>
+</p:notes>
+</file>
+
+<file path=ppt/notesSlides/notesSlide28.xml><?xml version="1.0" encoding="utf-8"?>
+<p:notes xmlns:a="http://schemas.openxmlformats.org/drawingml/2006/main" xmlns:r="http://schemas.openxmlformats.org/officeDocument/2006/relationships" xmlns:p="http://schemas.openxmlformats.org/presentationml/2006/main">
+  <p:cSld>
+    <p:spTree>
+      <p:nvGrpSpPr>
+        <p:cNvPr id="1" name=""/>
+        <p:cNvGrpSpPr/>
+        <p:nvPr/>
+      </p:nvGrpSpPr>
+      <p:grpSpPr>
+        <a:xfrm>
+          <a:off x="0" y="0"/>
+          <a:ext cx="0" cy="0"/>
+          <a:chOff x="0" y="0"/>
+          <a:chExt cx="0" cy="0"/>
+        </a:xfrm>
+      </p:grpSpPr>
+      <p:sp>
+        <p:nvSpPr>
+          <p:cNvPr id="2" name="Slide Image Placeholder 1"/>
+          <p:cNvSpPr>
+            <a:spLocks noGrp="1" noRot="1" noChangeAspect="1"/>
+          </p:cNvSpPr>
+          <p:nvPr>
+            <p:ph type="sldImg"/>
+          </p:nvPr>
+        </p:nvSpPr>
+        <p:spPr/>
+      </p:sp>
+      <p:sp>
+        <p:nvSpPr>
+          <p:cNvPr id="3" name="Notes Placeholder 2"/>
+          <p:cNvSpPr>
+            <a:spLocks noGrp="1"/>
+          </p:cNvSpPr>
+          <p:nvPr>
+            <p:ph type="body" idx="1"/>
+          </p:nvPr>
+        </p:nvSpPr>
+        <p:spPr/>
+        <p:txBody>
+          <a:bodyPr/>
+          <a:lstStyle/>
+          <a:p>
+            <a:endParaRPr lang="nb-NO" dirty="0"/>
+          </a:p>
+        </p:txBody>
+      </p:sp>
+      <p:sp>
+        <p:nvSpPr>
+          <p:cNvPr id="4" name="Slide Number Placeholder 3"/>
+          <p:cNvSpPr>
+            <a:spLocks noGrp="1"/>
+          </p:cNvSpPr>
+          <p:nvPr>
+            <p:ph type="sldNum" sz="quarter" idx="10"/>
+          </p:nvPr>
+        </p:nvSpPr>
+        <p:spPr/>
+        <p:txBody>
+          <a:bodyPr/>
+          <a:lstStyle/>
+          <a:p>
+            <a:fld id="{528E7876-5FAB-5445-B77E-737DA6EC0B43}" type="slidenum">
+              <a:rPr lang="nb-NO" smtClean="0"/>
+              <a:pPr/>
+              <a:t>37</a:t>
+            </a:fld>
+            <a:endParaRPr lang="nb-NO"/>
+          </a:p>
+        </p:txBody>
+      </p:sp>
+    </p:spTree>
+    <p:extLst>
+      <p:ext uri="{BB962C8B-B14F-4D97-AF65-F5344CB8AC3E}">
+        <p14:creationId xmlns:p14="http://schemas.microsoft.com/office/powerpoint/2010/main" val="3189924498"/>
+      </p:ext>
+    </p:extLst>
+  </p:cSld>
+  <p:clrMapOvr>
+    <a:masterClrMapping/>
+  </p:clrMapOvr>
+</p:notes>
+</file>
+
+<file path=ppt/notesSlides/notesSlide29.xml><?xml version="1.0" encoding="utf-8"?>
+<p:notes xmlns:a="http://schemas.openxmlformats.org/drawingml/2006/main" xmlns:r="http://schemas.openxmlformats.org/officeDocument/2006/relationships" xmlns:p="http://schemas.openxmlformats.org/presentationml/2006/main">
+  <p:cSld>
+    <p:spTree>
+      <p:nvGrpSpPr>
+        <p:cNvPr id="1" name=""/>
+        <p:cNvGrpSpPr/>
+        <p:nvPr/>
+      </p:nvGrpSpPr>
+      <p:grpSpPr>
+        <a:xfrm>
+          <a:off x="0" y="0"/>
+          <a:ext cx="0" cy="0"/>
+          <a:chOff x="0" y="0"/>
+          <a:chExt cx="0" cy="0"/>
+        </a:xfrm>
+      </p:grpSpPr>
+      <p:sp>
+        <p:nvSpPr>
+          <p:cNvPr id="2" name="Slide Image Placeholder 1"/>
+          <p:cNvSpPr>
+            <a:spLocks noGrp="1" noRot="1" noChangeAspect="1"/>
+          </p:cNvSpPr>
+          <p:nvPr>
+            <p:ph type="sldImg"/>
+          </p:nvPr>
+        </p:nvSpPr>
+        <p:spPr/>
+      </p:sp>
+      <p:sp>
+        <p:nvSpPr>
+          <p:cNvPr id="3" name="Notes Placeholder 2"/>
+          <p:cNvSpPr>
+            <a:spLocks noGrp="1"/>
+          </p:cNvSpPr>
+          <p:nvPr>
+            <p:ph type="body" idx="1"/>
+          </p:nvPr>
+        </p:nvSpPr>
+        <p:spPr/>
+        <p:txBody>
+          <a:bodyPr/>
+          <a:lstStyle/>
+          <a:p>
+            <a:endParaRPr lang="nb-NO" dirty="0"/>
+          </a:p>
+        </p:txBody>
+      </p:sp>
+      <p:sp>
+        <p:nvSpPr>
+          <p:cNvPr id="4" name="Slide Number Placeholder 3"/>
+          <p:cNvSpPr>
+            <a:spLocks noGrp="1"/>
+          </p:cNvSpPr>
+          <p:nvPr>
+            <p:ph type="sldNum" sz="quarter" idx="10"/>
+          </p:nvPr>
+        </p:nvSpPr>
+        <p:spPr/>
+        <p:txBody>
+          <a:bodyPr/>
+          <a:lstStyle/>
+          <a:p>
+            <a:fld id="{528E7876-5FAB-5445-B77E-737DA6EC0B43}" type="slidenum">
+              <a:rPr lang="nb-NO" smtClean="0"/>
+              <a:pPr/>
+              <a:t>38</a:t>
+            </a:fld>
+            <a:endParaRPr lang="nb-NO"/>
+          </a:p>
+        </p:txBody>
+      </p:sp>
+    </p:spTree>
+    <p:extLst>
+      <p:ext uri="{BB962C8B-B14F-4D97-AF65-F5344CB8AC3E}">
+        <p14:creationId xmlns:p14="http://schemas.microsoft.com/office/powerpoint/2010/main" val="3189924498"/>
+      </p:ext>
+    </p:extLst>
+  </p:cSld>
+  <p:clrMapOvr>
+    <a:masterClrMapping/>
+  </p:clrMapOvr>
+</p:notes>
+</file>
+
 <file path=ppt/notesSlides/notesSlide3.xml><?xml version="1.0" encoding="utf-8"?>
 <p:notes xmlns:a="http://schemas.openxmlformats.org/drawingml/2006/main" xmlns:r="http://schemas.openxmlformats.org/officeDocument/2006/relationships" xmlns:p="http://schemas.openxmlformats.org/presentationml/2006/main">
   <p:cSld>
@@ -1959,6 +2660,856 @@
               <a:rPr lang="nb-NO" smtClean="0"/>
               <a:pPr/>
               <a:t>10</a:t>
+            </a:fld>
+            <a:endParaRPr lang="nb-NO"/>
+          </a:p>
+        </p:txBody>
+      </p:sp>
+    </p:spTree>
+    <p:extLst>
+      <p:ext uri="{BB962C8B-B14F-4D97-AF65-F5344CB8AC3E}">
+        <p14:creationId xmlns:p14="http://schemas.microsoft.com/office/powerpoint/2010/main" val="3189924498"/>
+      </p:ext>
+    </p:extLst>
+  </p:cSld>
+  <p:clrMapOvr>
+    <a:masterClrMapping/>
+  </p:clrMapOvr>
+</p:notes>
+</file>
+
+<file path=ppt/notesSlides/notesSlide30.xml><?xml version="1.0" encoding="utf-8"?>
+<p:notes xmlns:a="http://schemas.openxmlformats.org/drawingml/2006/main" xmlns:r="http://schemas.openxmlformats.org/officeDocument/2006/relationships" xmlns:p="http://schemas.openxmlformats.org/presentationml/2006/main">
+  <p:cSld>
+    <p:spTree>
+      <p:nvGrpSpPr>
+        <p:cNvPr id="1" name=""/>
+        <p:cNvGrpSpPr/>
+        <p:nvPr/>
+      </p:nvGrpSpPr>
+      <p:grpSpPr>
+        <a:xfrm>
+          <a:off x="0" y="0"/>
+          <a:ext cx="0" cy="0"/>
+          <a:chOff x="0" y="0"/>
+          <a:chExt cx="0" cy="0"/>
+        </a:xfrm>
+      </p:grpSpPr>
+      <p:sp>
+        <p:nvSpPr>
+          <p:cNvPr id="2" name="Slide Image Placeholder 1"/>
+          <p:cNvSpPr>
+            <a:spLocks noGrp="1" noRot="1" noChangeAspect="1"/>
+          </p:cNvSpPr>
+          <p:nvPr>
+            <p:ph type="sldImg"/>
+          </p:nvPr>
+        </p:nvSpPr>
+        <p:spPr/>
+      </p:sp>
+      <p:sp>
+        <p:nvSpPr>
+          <p:cNvPr id="3" name="Notes Placeholder 2"/>
+          <p:cNvSpPr>
+            <a:spLocks noGrp="1"/>
+          </p:cNvSpPr>
+          <p:nvPr>
+            <p:ph type="body" idx="1"/>
+          </p:nvPr>
+        </p:nvSpPr>
+        <p:spPr/>
+        <p:txBody>
+          <a:bodyPr/>
+          <a:lstStyle/>
+          <a:p>
+            <a:endParaRPr lang="nb-NO" dirty="0"/>
+          </a:p>
+        </p:txBody>
+      </p:sp>
+      <p:sp>
+        <p:nvSpPr>
+          <p:cNvPr id="4" name="Slide Number Placeholder 3"/>
+          <p:cNvSpPr>
+            <a:spLocks noGrp="1"/>
+          </p:cNvSpPr>
+          <p:nvPr>
+            <p:ph type="sldNum" sz="quarter" idx="10"/>
+          </p:nvPr>
+        </p:nvSpPr>
+        <p:spPr/>
+        <p:txBody>
+          <a:bodyPr/>
+          <a:lstStyle/>
+          <a:p>
+            <a:fld id="{528E7876-5FAB-5445-B77E-737DA6EC0B43}" type="slidenum">
+              <a:rPr lang="nb-NO" smtClean="0"/>
+              <a:pPr/>
+              <a:t>39</a:t>
+            </a:fld>
+            <a:endParaRPr lang="nb-NO"/>
+          </a:p>
+        </p:txBody>
+      </p:sp>
+    </p:spTree>
+    <p:extLst>
+      <p:ext uri="{BB962C8B-B14F-4D97-AF65-F5344CB8AC3E}">
+        <p14:creationId xmlns:p14="http://schemas.microsoft.com/office/powerpoint/2010/main" val="3189924498"/>
+      </p:ext>
+    </p:extLst>
+  </p:cSld>
+  <p:clrMapOvr>
+    <a:masterClrMapping/>
+  </p:clrMapOvr>
+</p:notes>
+</file>
+
+<file path=ppt/notesSlides/notesSlide31.xml><?xml version="1.0" encoding="utf-8"?>
+<p:notes xmlns:a="http://schemas.openxmlformats.org/drawingml/2006/main" xmlns:r="http://schemas.openxmlformats.org/officeDocument/2006/relationships" xmlns:p="http://schemas.openxmlformats.org/presentationml/2006/main">
+  <p:cSld>
+    <p:spTree>
+      <p:nvGrpSpPr>
+        <p:cNvPr id="1" name=""/>
+        <p:cNvGrpSpPr/>
+        <p:nvPr/>
+      </p:nvGrpSpPr>
+      <p:grpSpPr>
+        <a:xfrm>
+          <a:off x="0" y="0"/>
+          <a:ext cx="0" cy="0"/>
+          <a:chOff x="0" y="0"/>
+          <a:chExt cx="0" cy="0"/>
+        </a:xfrm>
+      </p:grpSpPr>
+      <p:sp>
+        <p:nvSpPr>
+          <p:cNvPr id="2" name="Slide Image Placeholder 1"/>
+          <p:cNvSpPr>
+            <a:spLocks noGrp="1" noRot="1" noChangeAspect="1"/>
+          </p:cNvSpPr>
+          <p:nvPr>
+            <p:ph type="sldImg"/>
+          </p:nvPr>
+        </p:nvSpPr>
+        <p:spPr/>
+      </p:sp>
+      <p:sp>
+        <p:nvSpPr>
+          <p:cNvPr id="3" name="Notes Placeholder 2"/>
+          <p:cNvSpPr>
+            <a:spLocks noGrp="1"/>
+          </p:cNvSpPr>
+          <p:nvPr>
+            <p:ph type="body" idx="1"/>
+          </p:nvPr>
+        </p:nvSpPr>
+        <p:spPr/>
+        <p:txBody>
+          <a:bodyPr/>
+          <a:lstStyle/>
+          <a:p>
+            <a:endParaRPr lang="nb-NO" dirty="0"/>
+          </a:p>
+        </p:txBody>
+      </p:sp>
+      <p:sp>
+        <p:nvSpPr>
+          <p:cNvPr id="4" name="Slide Number Placeholder 3"/>
+          <p:cNvSpPr>
+            <a:spLocks noGrp="1"/>
+          </p:cNvSpPr>
+          <p:nvPr>
+            <p:ph type="sldNum" sz="quarter" idx="10"/>
+          </p:nvPr>
+        </p:nvSpPr>
+        <p:spPr/>
+        <p:txBody>
+          <a:bodyPr/>
+          <a:lstStyle/>
+          <a:p>
+            <a:fld id="{528E7876-5FAB-5445-B77E-737DA6EC0B43}" type="slidenum">
+              <a:rPr lang="nb-NO" smtClean="0"/>
+              <a:pPr/>
+              <a:t>40</a:t>
+            </a:fld>
+            <a:endParaRPr lang="nb-NO"/>
+          </a:p>
+        </p:txBody>
+      </p:sp>
+    </p:spTree>
+    <p:extLst>
+      <p:ext uri="{BB962C8B-B14F-4D97-AF65-F5344CB8AC3E}">
+        <p14:creationId xmlns:p14="http://schemas.microsoft.com/office/powerpoint/2010/main" val="3189924498"/>
+      </p:ext>
+    </p:extLst>
+  </p:cSld>
+  <p:clrMapOvr>
+    <a:masterClrMapping/>
+  </p:clrMapOvr>
+</p:notes>
+</file>
+
+<file path=ppt/notesSlides/notesSlide32.xml><?xml version="1.0" encoding="utf-8"?>
+<p:notes xmlns:a="http://schemas.openxmlformats.org/drawingml/2006/main" xmlns:r="http://schemas.openxmlformats.org/officeDocument/2006/relationships" xmlns:p="http://schemas.openxmlformats.org/presentationml/2006/main">
+  <p:cSld>
+    <p:spTree>
+      <p:nvGrpSpPr>
+        <p:cNvPr id="1" name=""/>
+        <p:cNvGrpSpPr/>
+        <p:nvPr/>
+      </p:nvGrpSpPr>
+      <p:grpSpPr>
+        <a:xfrm>
+          <a:off x="0" y="0"/>
+          <a:ext cx="0" cy="0"/>
+          <a:chOff x="0" y="0"/>
+          <a:chExt cx="0" cy="0"/>
+        </a:xfrm>
+      </p:grpSpPr>
+      <p:sp>
+        <p:nvSpPr>
+          <p:cNvPr id="2" name="Slide Image Placeholder 1"/>
+          <p:cNvSpPr>
+            <a:spLocks noGrp="1" noRot="1" noChangeAspect="1"/>
+          </p:cNvSpPr>
+          <p:nvPr>
+            <p:ph type="sldImg"/>
+          </p:nvPr>
+        </p:nvSpPr>
+        <p:spPr/>
+      </p:sp>
+      <p:sp>
+        <p:nvSpPr>
+          <p:cNvPr id="3" name="Notes Placeholder 2"/>
+          <p:cNvSpPr>
+            <a:spLocks noGrp="1"/>
+          </p:cNvSpPr>
+          <p:nvPr>
+            <p:ph type="body" idx="1"/>
+          </p:nvPr>
+        </p:nvSpPr>
+        <p:spPr/>
+        <p:txBody>
+          <a:bodyPr/>
+          <a:lstStyle/>
+          <a:p>
+            <a:endParaRPr lang="nb-NO" dirty="0"/>
+          </a:p>
+        </p:txBody>
+      </p:sp>
+      <p:sp>
+        <p:nvSpPr>
+          <p:cNvPr id="4" name="Slide Number Placeholder 3"/>
+          <p:cNvSpPr>
+            <a:spLocks noGrp="1"/>
+          </p:cNvSpPr>
+          <p:nvPr>
+            <p:ph type="sldNum" sz="quarter" idx="10"/>
+          </p:nvPr>
+        </p:nvSpPr>
+        <p:spPr/>
+        <p:txBody>
+          <a:bodyPr/>
+          <a:lstStyle/>
+          <a:p>
+            <a:fld id="{528E7876-5FAB-5445-B77E-737DA6EC0B43}" type="slidenum">
+              <a:rPr lang="nb-NO" smtClean="0"/>
+              <a:pPr/>
+              <a:t>41</a:t>
+            </a:fld>
+            <a:endParaRPr lang="nb-NO"/>
+          </a:p>
+        </p:txBody>
+      </p:sp>
+    </p:spTree>
+    <p:extLst>
+      <p:ext uri="{BB962C8B-B14F-4D97-AF65-F5344CB8AC3E}">
+        <p14:creationId xmlns:p14="http://schemas.microsoft.com/office/powerpoint/2010/main" val="3189924498"/>
+      </p:ext>
+    </p:extLst>
+  </p:cSld>
+  <p:clrMapOvr>
+    <a:masterClrMapping/>
+  </p:clrMapOvr>
+</p:notes>
+</file>
+
+<file path=ppt/notesSlides/notesSlide33.xml><?xml version="1.0" encoding="utf-8"?>
+<p:notes xmlns:a="http://schemas.openxmlformats.org/drawingml/2006/main" xmlns:r="http://schemas.openxmlformats.org/officeDocument/2006/relationships" xmlns:p="http://schemas.openxmlformats.org/presentationml/2006/main">
+  <p:cSld>
+    <p:spTree>
+      <p:nvGrpSpPr>
+        <p:cNvPr id="1" name=""/>
+        <p:cNvGrpSpPr/>
+        <p:nvPr/>
+      </p:nvGrpSpPr>
+      <p:grpSpPr>
+        <a:xfrm>
+          <a:off x="0" y="0"/>
+          <a:ext cx="0" cy="0"/>
+          <a:chOff x="0" y="0"/>
+          <a:chExt cx="0" cy="0"/>
+        </a:xfrm>
+      </p:grpSpPr>
+      <p:sp>
+        <p:nvSpPr>
+          <p:cNvPr id="2" name="Slide Image Placeholder 1"/>
+          <p:cNvSpPr>
+            <a:spLocks noGrp="1" noRot="1" noChangeAspect="1"/>
+          </p:cNvSpPr>
+          <p:nvPr>
+            <p:ph type="sldImg"/>
+          </p:nvPr>
+        </p:nvSpPr>
+        <p:spPr/>
+      </p:sp>
+      <p:sp>
+        <p:nvSpPr>
+          <p:cNvPr id="3" name="Notes Placeholder 2"/>
+          <p:cNvSpPr>
+            <a:spLocks noGrp="1"/>
+          </p:cNvSpPr>
+          <p:nvPr>
+            <p:ph type="body" idx="1"/>
+          </p:nvPr>
+        </p:nvSpPr>
+        <p:spPr/>
+        <p:txBody>
+          <a:bodyPr/>
+          <a:lstStyle/>
+          <a:p>
+            <a:endParaRPr lang="nb-NO" dirty="0"/>
+          </a:p>
+        </p:txBody>
+      </p:sp>
+      <p:sp>
+        <p:nvSpPr>
+          <p:cNvPr id="4" name="Slide Number Placeholder 3"/>
+          <p:cNvSpPr>
+            <a:spLocks noGrp="1"/>
+          </p:cNvSpPr>
+          <p:nvPr>
+            <p:ph type="sldNum" sz="quarter" idx="10"/>
+          </p:nvPr>
+        </p:nvSpPr>
+        <p:spPr/>
+        <p:txBody>
+          <a:bodyPr/>
+          <a:lstStyle/>
+          <a:p>
+            <a:fld id="{528E7876-5FAB-5445-B77E-737DA6EC0B43}" type="slidenum">
+              <a:rPr lang="nb-NO" smtClean="0"/>
+              <a:pPr/>
+              <a:t>42</a:t>
+            </a:fld>
+            <a:endParaRPr lang="nb-NO"/>
+          </a:p>
+        </p:txBody>
+      </p:sp>
+    </p:spTree>
+    <p:extLst>
+      <p:ext uri="{BB962C8B-B14F-4D97-AF65-F5344CB8AC3E}">
+        <p14:creationId xmlns:p14="http://schemas.microsoft.com/office/powerpoint/2010/main" val="3189924498"/>
+      </p:ext>
+    </p:extLst>
+  </p:cSld>
+  <p:clrMapOvr>
+    <a:masterClrMapping/>
+  </p:clrMapOvr>
+</p:notes>
+</file>
+
+<file path=ppt/notesSlides/notesSlide34.xml><?xml version="1.0" encoding="utf-8"?>
+<p:notes xmlns:a="http://schemas.openxmlformats.org/drawingml/2006/main" xmlns:r="http://schemas.openxmlformats.org/officeDocument/2006/relationships" xmlns:p="http://schemas.openxmlformats.org/presentationml/2006/main">
+  <p:cSld>
+    <p:spTree>
+      <p:nvGrpSpPr>
+        <p:cNvPr id="1" name=""/>
+        <p:cNvGrpSpPr/>
+        <p:nvPr/>
+      </p:nvGrpSpPr>
+      <p:grpSpPr>
+        <a:xfrm>
+          <a:off x="0" y="0"/>
+          <a:ext cx="0" cy="0"/>
+          <a:chOff x="0" y="0"/>
+          <a:chExt cx="0" cy="0"/>
+        </a:xfrm>
+      </p:grpSpPr>
+      <p:sp>
+        <p:nvSpPr>
+          <p:cNvPr id="2" name="Slide Image Placeholder 1"/>
+          <p:cNvSpPr>
+            <a:spLocks noGrp="1" noRot="1" noChangeAspect="1"/>
+          </p:cNvSpPr>
+          <p:nvPr>
+            <p:ph type="sldImg"/>
+          </p:nvPr>
+        </p:nvSpPr>
+        <p:spPr/>
+      </p:sp>
+      <p:sp>
+        <p:nvSpPr>
+          <p:cNvPr id="3" name="Notes Placeholder 2"/>
+          <p:cNvSpPr>
+            <a:spLocks noGrp="1"/>
+          </p:cNvSpPr>
+          <p:nvPr>
+            <p:ph type="body" idx="1"/>
+          </p:nvPr>
+        </p:nvSpPr>
+        <p:spPr/>
+        <p:txBody>
+          <a:bodyPr/>
+          <a:lstStyle/>
+          <a:p>
+            <a:endParaRPr lang="nb-NO" dirty="0"/>
+          </a:p>
+        </p:txBody>
+      </p:sp>
+      <p:sp>
+        <p:nvSpPr>
+          <p:cNvPr id="4" name="Slide Number Placeholder 3"/>
+          <p:cNvSpPr>
+            <a:spLocks noGrp="1"/>
+          </p:cNvSpPr>
+          <p:nvPr>
+            <p:ph type="sldNum" sz="quarter" idx="10"/>
+          </p:nvPr>
+        </p:nvSpPr>
+        <p:spPr/>
+        <p:txBody>
+          <a:bodyPr/>
+          <a:lstStyle/>
+          <a:p>
+            <a:fld id="{528E7876-5FAB-5445-B77E-737DA6EC0B43}" type="slidenum">
+              <a:rPr lang="nb-NO" smtClean="0"/>
+              <a:pPr/>
+              <a:t>43</a:t>
+            </a:fld>
+            <a:endParaRPr lang="nb-NO"/>
+          </a:p>
+        </p:txBody>
+      </p:sp>
+    </p:spTree>
+    <p:extLst>
+      <p:ext uri="{BB962C8B-B14F-4D97-AF65-F5344CB8AC3E}">
+        <p14:creationId xmlns:p14="http://schemas.microsoft.com/office/powerpoint/2010/main" val="3189924498"/>
+      </p:ext>
+    </p:extLst>
+  </p:cSld>
+  <p:clrMapOvr>
+    <a:masterClrMapping/>
+  </p:clrMapOvr>
+</p:notes>
+</file>
+
+<file path=ppt/notesSlides/notesSlide35.xml><?xml version="1.0" encoding="utf-8"?>
+<p:notes xmlns:a="http://schemas.openxmlformats.org/drawingml/2006/main" xmlns:r="http://schemas.openxmlformats.org/officeDocument/2006/relationships" xmlns:p="http://schemas.openxmlformats.org/presentationml/2006/main">
+  <p:cSld>
+    <p:spTree>
+      <p:nvGrpSpPr>
+        <p:cNvPr id="1" name=""/>
+        <p:cNvGrpSpPr/>
+        <p:nvPr/>
+      </p:nvGrpSpPr>
+      <p:grpSpPr>
+        <a:xfrm>
+          <a:off x="0" y="0"/>
+          <a:ext cx="0" cy="0"/>
+          <a:chOff x="0" y="0"/>
+          <a:chExt cx="0" cy="0"/>
+        </a:xfrm>
+      </p:grpSpPr>
+      <p:sp>
+        <p:nvSpPr>
+          <p:cNvPr id="2" name="Slide Image Placeholder 1"/>
+          <p:cNvSpPr>
+            <a:spLocks noGrp="1" noRot="1" noChangeAspect="1"/>
+          </p:cNvSpPr>
+          <p:nvPr>
+            <p:ph type="sldImg"/>
+          </p:nvPr>
+        </p:nvSpPr>
+        <p:spPr/>
+      </p:sp>
+      <p:sp>
+        <p:nvSpPr>
+          <p:cNvPr id="3" name="Notes Placeholder 2"/>
+          <p:cNvSpPr>
+            <a:spLocks noGrp="1"/>
+          </p:cNvSpPr>
+          <p:nvPr>
+            <p:ph type="body" idx="1"/>
+          </p:nvPr>
+        </p:nvSpPr>
+        <p:spPr/>
+        <p:txBody>
+          <a:bodyPr/>
+          <a:lstStyle/>
+          <a:p>
+            <a:endParaRPr lang="nb-NO" dirty="0"/>
+          </a:p>
+        </p:txBody>
+      </p:sp>
+      <p:sp>
+        <p:nvSpPr>
+          <p:cNvPr id="4" name="Slide Number Placeholder 3"/>
+          <p:cNvSpPr>
+            <a:spLocks noGrp="1"/>
+          </p:cNvSpPr>
+          <p:nvPr>
+            <p:ph type="sldNum" sz="quarter" idx="10"/>
+          </p:nvPr>
+        </p:nvSpPr>
+        <p:spPr/>
+        <p:txBody>
+          <a:bodyPr/>
+          <a:lstStyle/>
+          <a:p>
+            <a:fld id="{528E7876-5FAB-5445-B77E-737DA6EC0B43}" type="slidenum">
+              <a:rPr lang="nb-NO" smtClean="0"/>
+              <a:pPr/>
+              <a:t>44</a:t>
+            </a:fld>
+            <a:endParaRPr lang="nb-NO"/>
+          </a:p>
+        </p:txBody>
+      </p:sp>
+    </p:spTree>
+    <p:extLst>
+      <p:ext uri="{BB962C8B-B14F-4D97-AF65-F5344CB8AC3E}">
+        <p14:creationId xmlns:p14="http://schemas.microsoft.com/office/powerpoint/2010/main" val="3189924498"/>
+      </p:ext>
+    </p:extLst>
+  </p:cSld>
+  <p:clrMapOvr>
+    <a:masterClrMapping/>
+  </p:clrMapOvr>
+</p:notes>
+</file>
+
+<file path=ppt/notesSlides/notesSlide36.xml><?xml version="1.0" encoding="utf-8"?>
+<p:notes xmlns:a="http://schemas.openxmlformats.org/drawingml/2006/main" xmlns:r="http://schemas.openxmlformats.org/officeDocument/2006/relationships" xmlns:p="http://schemas.openxmlformats.org/presentationml/2006/main">
+  <p:cSld>
+    <p:spTree>
+      <p:nvGrpSpPr>
+        <p:cNvPr id="1" name=""/>
+        <p:cNvGrpSpPr/>
+        <p:nvPr/>
+      </p:nvGrpSpPr>
+      <p:grpSpPr>
+        <a:xfrm>
+          <a:off x="0" y="0"/>
+          <a:ext cx="0" cy="0"/>
+          <a:chOff x="0" y="0"/>
+          <a:chExt cx="0" cy="0"/>
+        </a:xfrm>
+      </p:grpSpPr>
+      <p:sp>
+        <p:nvSpPr>
+          <p:cNvPr id="2" name="Slide Image Placeholder 1"/>
+          <p:cNvSpPr>
+            <a:spLocks noGrp="1" noRot="1" noChangeAspect="1"/>
+          </p:cNvSpPr>
+          <p:nvPr>
+            <p:ph type="sldImg"/>
+          </p:nvPr>
+        </p:nvSpPr>
+        <p:spPr/>
+      </p:sp>
+      <p:sp>
+        <p:nvSpPr>
+          <p:cNvPr id="3" name="Notes Placeholder 2"/>
+          <p:cNvSpPr>
+            <a:spLocks noGrp="1"/>
+          </p:cNvSpPr>
+          <p:nvPr>
+            <p:ph type="body" idx="1"/>
+          </p:nvPr>
+        </p:nvSpPr>
+        <p:spPr/>
+        <p:txBody>
+          <a:bodyPr/>
+          <a:lstStyle/>
+          <a:p>
+            <a:endParaRPr lang="nb-NO" dirty="0"/>
+          </a:p>
+        </p:txBody>
+      </p:sp>
+      <p:sp>
+        <p:nvSpPr>
+          <p:cNvPr id="4" name="Slide Number Placeholder 3"/>
+          <p:cNvSpPr>
+            <a:spLocks noGrp="1"/>
+          </p:cNvSpPr>
+          <p:nvPr>
+            <p:ph type="sldNum" sz="quarter" idx="10"/>
+          </p:nvPr>
+        </p:nvSpPr>
+        <p:spPr/>
+        <p:txBody>
+          <a:bodyPr/>
+          <a:lstStyle/>
+          <a:p>
+            <a:fld id="{528E7876-5FAB-5445-B77E-737DA6EC0B43}" type="slidenum">
+              <a:rPr lang="nb-NO" smtClean="0"/>
+              <a:pPr/>
+              <a:t>45</a:t>
+            </a:fld>
+            <a:endParaRPr lang="nb-NO"/>
+          </a:p>
+        </p:txBody>
+      </p:sp>
+    </p:spTree>
+    <p:extLst>
+      <p:ext uri="{BB962C8B-B14F-4D97-AF65-F5344CB8AC3E}">
+        <p14:creationId xmlns:p14="http://schemas.microsoft.com/office/powerpoint/2010/main" val="3189924498"/>
+      </p:ext>
+    </p:extLst>
+  </p:cSld>
+  <p:clrMapOvr>
+    <a:masterClrMapping/>
+  </p:clrMapOvr>
+</p:notes>
+</file>
+
+<file path=ppt/notesSlides/notesSlide37.xml><?xml version="1.0" encoding="utf-8"?>
+<p:notes xmlns:a="http://schemas.openxmlformats.org/drawingml/2006/main" xmlns:r="http://schemas.openxmlformats.org/officeDocument/2006/relationships" xmlns:p="http://schemas.openxmlformats.org/presentationml/2006/main">
+  <p:cSld>
+    <p:spTree>
+      <p:nvGrpSpPr>
+        <p:cNvPr id="1" name=""/>
+        <p:cNvGrpSpPr/>
+        <p:nvPr/>
+      </p:nvGrpSpPr>
+      <p:grpSpPr>
+        <a:xfrm>
+          <a:off x="0" y="0"/>
+          <a:ext cx="0" cy="0"/>
+          <a:chOff x="0" y="0"/>
+          <a:chExt cx="0" cy="0"/>
+        </a:xfrm>
+      </p:grpSpPr>
+      <p:sp>
+        <p:nvSpPr>
+          <p:cNvPr id="2" name="Slide Image Placeholder 1"/>
+          <p:cNvSpPr>
+            <a:spLocks noGrp="1" noRot="1" noChangeAspect="1"/>
+          </p:cNvSpPr>
+          <p:nvPr>
+            <p:ph type="sldImg"/>
+          </p:nvPr>
+        </p:nvSpPr>
+        <p:spPr/>
+      </p:sp>
+      <p:sp>
+        <p:nvSpPr>
+          <p:cNvPr id="3" name="Notes Placeholder 2"/>
+          <p:cNvSpPr>
+            <a:spLocks noGrp="1"/>
+          </p:cNvSpPr>
+          <p:nvPr>
+            <p:ph type="body" idx="1"/>
+          </p:nvPr>
+        </p:nvSpPr>
+        <p:spPr/>
+        <p:txBody>
+          <a:bodyPr/>
+          <a:lstStyle/>
+          <a:p>
+            <a:endParaRPr lang="nb-NO" dirty="0"/>
+          </a:p>
+        </p:txBody>
+      </p:sp>
+      <p:sp>
+        <p:nvSpPr>
+          <p:cNvPr id="4" name="Slide Number Placeholder 3"/>
+          <p:cNvSpPr>
+            <a:spLocks noGrp="1"/>
+          </p:cNvSpPr>
+          <p:nvPr>
+            <p:ph type="sldNum" sz="quarter" idx="10"/>
+          </p:nvPr>
+        </p:nvSpPr>
+        <p:spPr/>
+        <p:txBody>
+          <a:bodyPr/>
+          <a:lstStyle/>
+          <a:p>
+            <a:fld id="{528E7876-5FAB-5445-B77E-737DA6EC0B43}" type="slidenum">
+              <a:rPr lang="nb-NO" smtClean="0"/>
+              <a:pPr/>
+              <a:t>46</a:t>
+            </a:fld>
+            <a:endParaRPr lang="nb-NO"/>
+          </a:p>
+        </p:txBody>
+      </p:sp>
+    </p:spTree>
+    <p:extLst>
+      <p:ext uri="{BB962C8B-B14F-4D97-AF65-F5344CB8AC3E}">
+        <p14:creationId xmlns:p14="http://schemas.microsoft.com/office/powerpoint/2010/main" val="3189924498"/>
+      </p:ext>
+    </p:extLst>
+  </p:cSld>
+  <p:clrMapOvr>
+    <a:masterClrMapping/>
+  </p:clrMapOvr>
+</p:notes>
+</file>
+
+<file path=ppt/notesSlides/notesSlide38.xml><?xml version="1.0" encoding="utf-8"?>
+<p:notes xmlns:a="http://schemas.openxmlformats.org/drawingml/2006/main" xmlns:r="http://schemas.openxmlformats.org/officeDocument/2006/relationships" xmlns:p="http://schemas.openxmlformats.org/presentationml/2006/main">
+  <p:cSld>
+    <p:spTree>
+      <p:nvGrpSpPr>
+        <p:cNvPr id="1" name=""/>
+        <p:cNvGrpSpPr/>
+        <p:nvPr/>
+      </p:nvGrpSpPr>
+      <p:grpSpPr>
+        <a:xfrm>
+          <a:off x="0" y="0"/>
+          <a:ext cx="0" cy="0"/>
+          <a:chOff x="0" y="0"/>
+          <a:chExt cx="0" cy="0"/>
+        </a:xfrm>
+      </p:grpSpPr>
+      <p:sp>
+        <p:nvSpPr>
+          <p:cNvPr id="2" name="Slide Image Placeholder 1"/>
+          <p:cNvSpPr>
+            <a:spLocks noGrp="1" noRot="1" noChangeAspect="1"/>
+          </p:cNvSpPr>
+          <p:nvPr>
+            <p:ph type="sldImg"/>
+          </p:nvPr>
+        </p:nvSpPr>
+        <p:spPr/>
+      </p:sp>
+      <p:sp>
+        <p:nvSpPr>
+          <p:cNvPr id="3" name="Notes Placeholder 2"/>
+          <p:cNvSpPr>
+            <a:spLocks noGrp="1"/>
+          </p:cNvSpPr>
+          <p:nvPr>
+            <p:ph type="body" idx="1"/>
+          </p:nvPr>
+        </p:nvSpPr>
+        <p:spPr/>
+        <p:txBody>
+          <a:bodyPr/>
+          <a:lstStyle/>
+          <a:p>
+            <a:endParaRPr lang="nb-NO" dirty="0"/>
+          </a:p>
+        </p:txBody>
+      </p:sp>
+      <p:sp>
+        <p:nvSpPr>
+          <p:cNvPr id="4" name="Slide Number Placeholder 3"/>
+          <p:cNvSpPr>
+            <a:spLocks noGrp="1"/>
+          </p:cNvSpPr>
+          <p:nvPr>
+            <p:ph type="sldNum" sz="quarter" idx="10"/>
+          </p:nvPr>
+        </p:nvSpPr>
+        <p:spPr/>
+        <p:txBody>
+          <a:bodyPr/>
+          <a:lstStyle/>
+          <a:p>
+            <a:fld id="{528E7876-5FAB-5445-B77E-737DA6EC0B43}" type="slidenum">
+              <a:rPr lang="nb-NO" smtClean="0"/>
+              <a:pPr/>
+              <a:t>48</a:t>
+            </a:fld>
+            <a:endParaRPr lang="nb-NO"/>
+          </a:p>
+        </p:txBody>
+      </p:sp>
+    </p:spTree>
+    <p:extLst>
+      <p:ext uri="{BB962C8B-B14F-4D97-AF65-F5344CB8AC3E}">
+        <p14:creationId xmlns:p14="http://schemas.microsoft.com/office/powerpoint/2010/main" val="3189924498"/>
+      </p:ext>
+    </p:extLst>
+  </p:cSld>
+  <p:clrMapOvr>
+    <a:masterClrMapping/>
+  </p:clrMapOvr>
+</p:notes>
+</file>
+
+<file path=ppt/notesSlides/notesSlide39.xml><?xml version="1.0" encoding="utf-8"?>
+<p:notes xmlns:a="http://schemas.openxmlformats.org/drawingml/2006/main" xmlns:r="http://schemas.openxmlformats.org/officeDocument/2006/relationships" xmlns:p="http://schemas.openxmlformats.org/presentationml/2006/main">
+  <p:cSld>
+    <p:spTree>
+      <p:nvGrpSpPr>
+        <p:cNvPr id="1" name=""/>
+        <p:cNvGrpSpPr/>
+        <p:nvPr/>
+      </p:nvGrpSpPr>
+      <p:grpSpPr>
+        <a:xfrm>
+          <a:off x="0" y="0"/>
+          <a:ext cx="0" cy="0"/>
+          <a:chOff x="0" y="0"/>
+          <a:chExt cx="0" cy="0"/>
+        </a:xfrm>
+      </p:grpSpPr>
+      <p:sp>
+        <p:nvSpPr>
+          <p:cNvPr id="2" name="Slide Image Placeholder 1"/>
+          <p:cNvSpPr>
+            <a:spLocks noGrp="1" noRot="1" noChangeAspect="1"/>
+          </p:cNvSpPr>
+          <p:nvPr>
+            <p:ph type="sldImg"/>
+          </p:nvPr>
+        </p:nvSpPr>
+        <p:spPr/>
+      </p:sp>
+      <p:sp>
+        <p:nvSpPr>
+          <p:cNvPr id="3" name="Notes Placeholder 2"/>
+          <p:cNvSpPr>
+            <a:spLocks noGrp="1"/>
+          </p:cNvSpPr>
+          <p:nvPr>
+            <p:ph type="body" idx="1"/>
+          </p:nvPr>
+        </p:nvSpPr>
+        <p:spPr/>
+        <p:txBody>
+          <a:bodyPr/>
+          <a:lstStyle/>
+          <a:p>
+            <a:endParaRPr lang="nb-NO" dirty="0"/>
+          </a:p>
+        </p:txBody>
+      </p:sp>
+      <p:sp>
+        <p:nvSpPr>
+          <p:cNvPr id="4" name="Slide Number Placeholder 3"/>
+          <p:cNvSpPr>
+            <a:spLocks noGrp="1"/>
+          </p:cNvSpPr>
+          <p:nvPr>
+            <p:ph type="sldNum" sz="quarter" idx="10"/>
+          </p:nvPr>
+        </p:nvSpPr>
+        <p:spPr/>
+        <p:txBody>
+          <a:bodyPr/>
+          <a:lstStyle/>
+          <a:p>
+            <a:fld id="{528E7876-5FAB-5445-B77E-737DA6EC0B43}" type="slidenum">
+              <a:rPr lang="nb-NO" smtClean="0"/>
+              <a:pPr/>
+              <a:t>49</a:t>
             </a:fld>
             <a:endParaRPr lang="nb-NO"/>
           </a:p>
@@ -2044,6 +3595,91 @@
               <a:rPr lang="nb-NO" smtClean="0"/>
               <a:pPr/>
               <a:t>11</a:t>
+            </a:fld>
+            <a:endParaRPr lang="nb-NO"/>
+          </a:p>
+        </p:txBody>
+      </p:sp>
+    </p:spTree>
+    <p:extLst>
+      <p:ext uri="{BB962C8B-B14F-4D97-AF65-F5344CB8AC3E}">
+        <p14:creationId xmlns:p14="http://schemas.microsoft.com/office/powerpoint/2010/main" val="3189924498"/>
+      </p:ext>
+    </p:extLst>
+  </p:cSld>
+  <p:clrMapOvr>
+    <a:masterClrMapping/>
+  </p:clrMapOvr>
+</p:notes>
+</file>
+
+<file path=ppt/notesSlides/notesSlide40.xml><?xml version="1.0" encoding="utf-8"?>
+<p:notes xmlns:a="http://schemas.openxmlformats.org/drawingml/2006/main" xmlns:r="http://schemas.openxmlformats.org/officeDocument/2006/relationships" xmlns:p="http://schemas.openxmlformats.org/presentationml/2006/main">
+  <p:cSld>
+    <p:spTree>
+      <p:nvGrpSpPr>
+        <p:cNvPr id="1" name=""/>
+        <p:cNvGrpSpPr/>
+        <p:nvPr/>
+      </p:nvGrpSpPr>
+      <p:grpSpPr>
+        <a:xfrm>
+          <a:off x="0" y="0"/>
+          <a:ext cx="0" cy="0"/>
+          <a:chOff x="0" y="0"/>
+          <a:chExt cx="0" cy="0"/>
+        </a:xfrm>
+      </p:grpSpPr>
+      <p:sp>
+        <p:nvSpPr>
+          <p:cNvPr id="2" name="Slide Image Placeholder 1"/>
+          <p:cNvSpPr>
+            <a:spLocks noGrp="1" noRot="1" noChangeAspect="1"/>
+          </p:cNvSpPr>
+          <p:nvPr>
+            <p:ph type="sldImg"/>
+          </p:nvPr>
+        </p:nvSpPr>
+        <p:spPr/>
+      </p:sp>
+      <p:sp>
+        <p:nvSpPr>
+          <p:cNvPr id="3" name="Notes Placeholder 2"/>
+          <p:cNvSpPr>
+            <a:spLocks noGrp="1"/>
+          </p:cNvSpPr>
+          <p:nvPr>
+            <p:ph type="body" idx="1"/>
+          </p:nvPr>
+        </p:nvSpPr>
+        <p:spPr/>
+        <p:txBody>
+          <a:bodyPr/>
+          <a:lstStyle/>
+          <a:p>
+            <a:endParaRPr lang="nb-NO" dirty="0"/>
+          </a:p>
+        </p:txBody>
+      </p:sp>
+      <p:sp>
+        <p:nvSpPr>
+          <p:cNvPr id="4" name="Slide Number Placeholder 3"/>
+          <p:cNvSpPr>
+            <a:spLocks noGrp="1"/>
+          </p:cNvSpPr>
+          <p:nvPr>
+            <p:ph type="sldNum" sz="quarter" idx="10"/>
+          </p:nvPr>
+        </p:nvSpPr>
+        <p:spPr/>
+        <p:txBody>
+          <a:bodyPr/>
+          <a:lstStyle/>
+          <a:p>
+            <a:fld id="{528E7876-5FAB-5445-B77E-737DA6EC0B43}" type="slidenum">
+              <a:rPr lang="nb-NO" smtClean="0"/>
+              <a:pPr/>
+              <a:t>50</a:t>
             </a:fld>
             <a:endParaRPr lang="nb-NO"/>
           </a:p>
@@ -12401,7 +14037,7 @@
             <a:pPr algn="ctr"/>
             <a:r>
               <a:rPr lang="nb-NO" b="0" dirty="0" smtClean="0"/>
-              <a:t>Hvor har du gjort av Code Behinden min?</a:t>
+              <a:t>Men jeg liker jo WebForms!</a:t>
             </a:r>
             <a:endParaRPr lang="nb-NO" b="0" dirty="0"/>
           </a:p>
@@ -12714,7 +14350,7 @@
         <p:spPr>
           <a:xfrm>
             <a:off x="6975336" y="3045260"/>
-            <a:ext cx="1085989" cy="861774"/>
+            <a:ext cx="1085989" cy="553998"/>
           </a:xfrm>
           <a:prstGeom prst="rect">
             <a:avLst/>
@@ -12729,16 +14365,7 @@
           <a:p>
             <a:r>
               <a:rPr lang="nb-NO" sz="1000" dirty="0" smtClean="0"/>
-              <a:t>It looks like you’re going crazy.</a:t>
-            </a:r>
-          </a:p>
-          <a:p>
-            <a:endParaRPr lang="nb-NO" sz="1000" dirty="0"/>
-          </a:p>
-          <a:p>
-            <a:r>
-              <a:rPr lang="nb-NO" sz="1000" dirty="0" smtClean="0"/>
-              <a:t>Need help?</a:t>
+              <a:t>It looks like you’re going batshit crazy.</a:t>
             </a:r>
           </a:p>
         </p:txBody>
@@ -13847,6 +15474,13 @@
   <p:transition>
     <p:fade/>
   </p:transition>
+  <p:timing>
+    <p:tnLst>
+      <p:par>
+        <p:cTn id="1" dur="indefinite" restart="never" nodeType="tmRoot"/>
+      </p:par>
+    </p:tnLst>
+  </p:timing>
 </p:sld>
 </file>
 
@@ -15011,6 +16645,1448 @@
 </p:sld>
 </file>
 
+<file path=ppt/slides/slide30.xml><?xml version="1.0" encoding="utf-8"?>
+<p:sld xmlns:a="http://schemas.openxmlformats.org/drawingml/2006/main" xmlns:r="http://schemas.openxmlformats.org/officeDocument/2006/relationships" xmlns:p="http://schemas.openxmlformats.org/presentationml/2006/main">
+  <p:cSld>
+    <p:spTree>
+      <p:nvGrpSpPr>
+        <p:cNvPr id="1" name=""/>
+        <p:cNvGrpSpPr/>
+        <p:nvPr/>
+      </p:nvGrpSpPr>
+      <p:grpSpPr>
+        <a:xfrm>
+          <a:off x="0" y="0"/>
+          <a:ext cx="0" cy="0"/>
+          <a:chOff x="0" y="0"/>
+          <a:chExt cx="0" cy="0"/>
+        </a:xfrm>
+      </p:grpSpPr>
+      <p:sp>
+        <p:nvSpPr>
+          <p:cNvPr id="2" name="Title 1"/>
+          <p:cNvSpPr>
+            <a:spLocks noGrp="1"/>
+          </p:cNvSpPr>
+          <p:nvPr>
+            <p:ph type="title"/>
+          </p:nvPr>
+        </p:nvSpPr>
+        <p:spPr/>
+        <p:txBody>
+          <a:bodyPr/>
+          <a:lstStyle/>
+          <a:p>
+            <a:r>
+              <a:rPr lang="nb-NO" dirty="0" smtClean="0"/>
+              <a:t>Lab!</a:t>
+            </a:r>
+            <a:endParaRPr lang="nb-NO" dirty="0"/>
+          </a:p>
+        </p:txBody>
+      </p:sp>
+      <p:sp>
+        <p:nvSpPr>
+          <p:cNvPr id="3" name="Content Placeholder 2"/>
+          <p:cNvSpPr>
+            <a:spLocks noGrp="1"/>
+          </p:cNvSpPr>
+          <p:nvPr>
+            <p:ph idx="1"/>
+          </p:nvPr>
+        </p:nvSpPr>
+        <p:spPr/>
+        <p:txBody>
+          <a:bodyPr/>
+          <a:lstStyle/>
+          <a:p>
+            <a:r>
+              <a:rPr lang="nb-NO" dirty="0" smtClean="0"/>
+              <a:t>Implementer login!</a:t>
+            </a:r>
+          </a:p>
+          <a:p>
+            <a:pPr lvl="1"/>
+            <a:r>
+              <a:rPr lang="nb-NO" dirty="0" smtClean="0"/>
+              <a:t>Hint:</a:t>
+            </a:r>
+          </a:p>
+          <a:p>
+            <a:pPr lvl="2"/>
+            <a:r>
+              <a:rPr lang="nb-NO" dirty="0" smtClean="0"/>
+              <a:t>Html.BeginForm</a:t>
+            </a:r>
+          </a:p>
+          <a:p>
+            <a:pPr lvl="2"/>
+            <a:r>
+              <a:rPr lang="nb-NO" dirty="0" smtClean="0"/>
+              <a:t>Html.EditorForModel</a:t>
+            </a:r>
+          </a:p>
+          <a:p>
+            <a:pPr lvl="2"/>
+            <a:r>
+              <a:rPr lang="nb-NO" dirty="0" smtClean="0"/>
+              <a:t>[HttpPost]</a:t>
+            </a:r>
+          </a:p>
+          <a:p>
+            <a:pPr lvl="2"/>
+            <a:r>
+              <a:rPr lang="nb-NO" dirty="0" smtClean="0"/>
+              <a:t>[Authorize]</a:t>
+            </a:r>
+            <a:endParaRPr lang="nb-NO" dirty="0"/>
+          </a:p>
+        </p:txBody>
+      </p:sp>
+      <p:sp>
+        <p:nvSpPr>
+          <p:cNvPr id="4" name="Date Placeholder 3"/>
+          <p:cNvSpPr>
+            <a:spLocks noGrp="1"/>
+          </p:cNvSpPr>
+          <p:nvPr>
+            <p:ph type="dt" sz="half" idx="10"/>
+          </p:nvPr>
+        </p:nvSpPr>
+        <p:spPr/>
+        <p:txBody>
+          <a:bodyPr/>
+          <a:lstStyle/>
+          <a:p>
+            <a:fld id="{E7153C23-280C-6C4E-BD6E-2850A1F48140}" type="datetime1">
+              <a:rPr lang="nb-NO" smtClean="0"/>
+              <a:pPr/>
+              <a:t>09.09.2012</a:t>
+            </a:fld>
+            <a:endParaRPr lang="nn-NO"/>
+          </a:p>
+        </p:txBody>
+      </p:sp>
+      <p:sp>
+        <p:nvSpPr>
+          <p:cNvPr id="5" name="Footer Placeholder 4"/>
+          <p:cNvSpPr>
+            <a:spLocks noGrp="1"/>
+          </p:cNvSpPr>
+          <p:nvPr>
+            <p:ph type="ftr" sz="quarter" idx="11"/>
+          </p:nvPr>
+        </p:nvSpPr>
+        <p:spPr/>
+        <p:txBody>
+          <a:bodyPr/>
+          <a:lstStyle/>
+          <a:p>
+            <a:endParaRPr lang="nn-NO"/>
+          </a:p>
+        </p:txBody>
+      </p:sp>
+      <p:sp>
+        <p:nvSpPr>
+          <p:cNvPr id="6" name="Slide Number Placeholder 5"/>
+          <p:cNvSpPr>
+            <a:spLocks noGrp="1"/>
+          </p:cNvSpPr>
+          <p:nvPr>
+            <p:ph type="sldNum" sz="quarter" idx="12"/>
+          </p:nvPr>
+        </p:nvSpPr>
+        <p:spPr/>
+        <p:txBody>
+          <a:bodyPr/>
+          <a:lstStyle/>
+          <a:p>
+            <a:fld id="{7662BC30-1691-D142-AAE3-D9E8E91C2817}" type="slidenum">
+              <a:rPr lang="nn-NO" smtClean="0"/>
+              <a:pPr/>
+              <a:t>30</a:t>
+            </a:fld>
+            <a:endParaRPr lang="nn-NO"/>
+          </a:p>
+        </p:txBody>
+      </p:sp>
+    </p:spTree>
+    <p:extLst>
+      <p:ext uri="{BB962C8B-B14F-4D97-AF65-F5344CB8AC3E}">
+        <p14:creationId xmlns:p14="http://schemas.microsoft.com/office/powerpoint/2010/main" val="3193237142"/>
+      </p:ext>
+    </p:extLst>
+  </p:cSld>
+  <p:clrMapOvr>
+    <a:masterClrMapping/>
+  </p:clrMapOvr>
+  <p:transition>
+    <p:fade/>
+  </p:transition>
+  <p:timing>
+    <p:tnLst>
+      <p:par>
+        <p:cTn id="1" dur="indefinite" restart="never" nodeType="tmRoot"/>
+      </p:par>
+    </p:tnLst>
+  </p:timing>
+</p:sld>
+</file>
+
+<file path=ppt/slides/slide31.xml><?xml version="1.0" encoding="utf-8"?>
+<p:sld xmlns:a="http://schemas.openxmlformats.org/drawingml/2006/main" xmlns:r="http://schemas.openxmlformats.org/officeDocument/2006/relationships" xmlns:p="http://schemas.openxmlformats.org/presentationml/2006/main">
+  <p:cSld>
+    <p:spTree>
+      <p:nvGrpSpPr>
+        <p:cNvPr id="1" name=""/>
+        <p:cNvGrpSpPr/>
+        <p:nvPr/>
+      </p:nvGrpSpPr>
+      <p:grpSpPr>
+        <a:xfrm>
+          <a:off x="0" y="0"/>
+          <a:ext cx="0" cy="0"/>
+          <a:chOff x="0" y="0"/>
+          <a:chExt cx="0" cy="0"/>
+        </a:xfrm>
+      </p:grpSpPr>
+      <p:sp>
+        <p:nvSpPr>
+          <p:cNvPr id="2" name="Title 1"/>
+          <p:cNvSpPr>
+            <a:spLocks noGrp="1"/>
+          </p:cNvSpPr>
+          <p:nvPr>
+            <p:ph type="title"/>
+          </p:nvPr>
+        </p:nvSpPr>
+        <p:spPr>
+          <a:xfrm>
+            <a:off x="792873" y="3287278"/>
+            <a:ext cx="7740650" cy="644400"/>
+          </a:xfrm>
+        </p:spPr>
+        <p:txBody>
+          <a:bodyPr/>
+          <a:lstStyle/>
+          <a:p>
+            <a:pPr lvl="0" algn="ctr"/>
+            <a:r>
+              <a:rPr lang="nb-NO" dirty="0" smtClean="0"/>
+              <a:t>Del 3</a:t>
+            </a:r>
+            <a:endParaRPr lang="nb-NO" b="0" dirty="0"/>
+          </a:p>
+        </p:txBody>
+      </p:sp>
+      <p:sp>
+        <p:nvSpPr>
+          <p:cNvPr id="4" name="Date Placeholder 3"/>
+          <p:cNvSpPr>
+            <a:spLocks noGrp="1"/>
+          </p:cNvSpPr>
+          <p:nvPr>
+            <p:ph type="dt" sz="half" idx="10"/>
+          </p:nvPr>
+        </p:nvSpPr>
+        <p:spPr/>
+        <p:txBody>
+          <a:bodyPr/>
+          <a:lstStyle/>
+          <a:p>
+            <a:fld id="{E7153C23-280C-6C4E-BD6E-2850A1F48140}" type="datetime1">
+              <a:rPr lang="nb-NO" smtClean="0"/>
+              <a:pPr/>
+              <a:t>09.09.2012</a:t>
+            </a:fld>
+            <a:endParaRPr lang="nn-NO"/>
+          </a:p>
+        </p:txBody>
+      </p:sp>
+      <p:sp>
+        <p:nvSpPr>
+          <p:cNvPr id="5" name="Footer Placeholder 4"/>
+          <p:cNvSpPr>
+            <a:spLocks noGrp="1"/>
+          </p:cNvSpPr>
+          <p:nvPr>
+            <p:ph type="ftr" sz="quarter" idx="11"/>
+          </p:nvPr>
+        </p:nvSpPr>
+        <p:spPr/>
+        <p:txBody>
+          <a:bodyPr/>
+          <a:lstStyle/>
+          <a:p>
+            <a:endParaRPr lang="nn-NO"/>
+          </a:p>
+        </p:txBody>
+      </p:sp>
+      <p:sp>
+        <p:nvSpPr>
+          <p:cNvPr id="6" name="Slide Number Placeholder 5"/>
+          <p:cNvSpPr>
+            <a:spLocks noGrp="1"/>
+          </p:cNvSpPr>
+          <p:nvPr>
+            <p:ph type="sldNum" sz="quarter" idx="12"/>
+          </p:nvPr>
+        </p:nvSpPr>
+        <p:spPr/>
+        <p:txBody>
+          <a:bodyPr/>
+          <a:lstStyle/>
+          <a:p>
+            <a:fld id="{7662BC30-1691-D142-AAE3-D9E8E91C2817}" type="slidenum">
+              <a:rPr lang="nn-NO" smtClean="0"/>
+              <a:pPr/>
+              <a:t>31</a:t>
+            </a:fld>
+            <a:endParaRPr lang="nn-NO"/>
+          </a:p>
+        </p:txBody>
+      </p:sp>
+      <p:sp>
+        <p:nvSpPr>
+          <p:cNvPr id="3" name="TextBox 2"/>
+          <p:cNvSpPr txBox="1"/>
+          <p:nvPr/>
+        </p:nvSpPr>
+        <p:spPr>
+          <a:xfrm>
+            <a:off x="2219677" y="3952801"/>
+            <a:ext cx="5019323" cy="369332"/>
+          </a:xfrm>
+          <a:prstGeom prst="rect">
+            <a:avLst/>
+          </a:prstGeom>
+          <a:noFill/>
+        </p:spPr>
+        <p:txBody>
+          <a:bodyPr wrap="none" rtlCol="0">
+            <a:spAutoFit/>
+          </a:bodyPr>
+          <a:lstStyle/>
+          <a:p>
+            <a:r>
+              <a:rPr lang="nb-NO" dirty="0" smtClean="0"/>
+              <a:t>Dependency Injection, testing og best practices</a:t>
+            </a:r>
+            <a:endParaRPr lang="nb-NO" dirty="0"/>
+          </a:p>
+        </p:txBody>
+      </p:sp>
+    </p:spTree>
+    <p:extLst>
+      <p:ext uri="{BB962C8B-B14F-4D97-AF65-F5344CB8AC3E}">
+        <p14:creationId xmlns:p14="http://schemas.microsoft.com/office/powerpoint/2010/main" val="2760614372"/>
+      </p:ext>
+    </p:extLst>
+  </p:cSld>
+  <p:clrMapOvr>
+    <a:masterClrMapping/>
+  </p:clrMapOvr>
+  <p:transition>
+    <p:fade/>
+  </p:transition>
+  <p:timing>
+    <p:tnLst>
+      <p:par>
+        <p:cTn id="1" dur="indefinite" restart="never" nodeType="tmRoot"/>
+      </p:par>
+    </p:tnLst>
+  </p:timing>
+</p:sld>
+</file>
+
+<file path=ppt/slides/slide32.xml><?xml version="1.0" encoding="utf-8"?>
+<p:sld xmlns:a="http://schemas.openxmlformats.org/drawingml/2006/main" xmlns:r="http://schemas.openxmlformats.org/officeDocument/2006/relationships" xmlns:p="http://schemas.openxmlformats.org/presentationml/2006/main">
+  <p:cSld>
+    <p:spTree>
+      <p:nvGrpSpPr>
+        <p:cNvPr id="1" name=""/>
+        <p:cNvGrpSpPr/>
+        <p:nvPr/>
+      </p:nvGrpSpPr>
+      <p:grpSpPr>
+        <a:xfrm>
+          <a:off x="0" y="0"/>
+          <a:ext cx="0" cy="0"/>
+          <a:chOff x="0" y="0"/>
+          <a:chExt cx="0" cy="0"/>
+        </a:xfrm>
+      </p:grpSpPr>
+      <p:sp>
+        <p:nvSpPr>
+          <p:cNvPr id="2" name="Title 1"/>
+          <p:cNvSpPr>
+            <a:spLocks noGrp="1"/>
+          </p:cNvSpPr>
+          <p:nvPr>
+            <p:ph type="title"/>
+          </p:nvPr>
+        </p:nvSpPr>
+        <p:spPr>
+          <a:xfrm>
+            <a:off x="792873" y="3287278"/>
+            <a:ext cx="7740650" cy="644400"/>
+          </a:xfrm>
+        </p:spPr>
+        <p:txBody>
+          <a:bodyPr/>
+          <a:lstStyle/>
+          <a:p>
+            <a:pPr lvl="0" algn="ctr"/>
+            <a:r>
+              <a:rPr lang="nb-NO" b="0" dirty="0" smtClean="0"/>
+              <a:t>Dependency hvaforno?</a:t>
+            </a:r>
+            <a:endParaRPr lang="nb-NO" b="0" dirty="0"/>
+          </a:p>
+        </p:txBody>
+      </p:sp>
+      <p:sp>
+        <p:nvSpPr>
+          <p:cNvPr id="4" name="Date Placeholder 3"/>
+          <p:cNvSpPr>
+            <a:spLocks noGrp="1"/>
+          </p:cNvSpPr>
+          <p:nvPr>
+            <p:ph type="dt" sz="half" idx="10"/>
+          </p:nvPr>
+        </p:nvSpPr>
+        <p:spPr/>
+        <p:txBody>
+          <a:bodyPr/>
+          <a:lstStyle/>
+          <a:p>
+            <a:fld id="{E7153C23-280C-6C4E-BD6E-2850A1F48140}" type="datetime1">
+              <a:rPr lang="nb-NO" smtClean="0"/>
+              <a:pPr/>
+              <a:t>09.09.2012</a:t>
+            </a:fld>
+            <a:endParaRPr lang="nn-NO"/>
+          </a:p>
+        </p:txBody>
+      </p:sp>
+      <p:sp>
+        <p:nvSpPr>
+          <p:cNvPr id="5" name="Footer Placeholder 4"/>
+          <p:cNvSpPr>
+            <a:spLocks noGrp="1"/>
+          </p:cNvSpPr>
+          <p:nvPr>
+            <p:ph type="ftr" sz="quarter" idx="11"/>
+          </p:nvPr>
+        </p:nvSpPr>
+        <p:spPr/>
+        <p:txBody>
+          <a:bodyPr/>
+          <a:lstStyle/>
+          <a:p>
+            <a:endParaRPr lang="nn-NO"/>
+          </a:p>
+        </p:txBody>
+      </p:sp>
+      <p:sp>
+        <p:nvSpPr>
+          <p:cNvPr id="6" name="Slide Number Placeholder 5"/>
+          <p:cNvSpPr>
+            <a:spLocks noGrp="1"/>
+          </p:cNvSpPr>
+          <p:nvPr>
+            <p:ph type="sldNum" sz="quarter" idx="12"/>
+          </p:nvPr>
+        </p:nvSpPr>
+        <p:spPr/>
+        <p:txBody>
+          <a:bodyPr/>
+          <a:lstStyle/>
+          <a:p>
+            <a:fld id="{7662BC30-1691-D142-AAE3-D9E8E91C2817}" type="slidenum">
+              <a:rPr lang="nn-NO" smtClean="0"/>
+              <a:pPr/>
+              <a:t>32</a:t>
+            </a:fld>
+            <a:endParaRPr lang="nn-NO"/>
+          </a:p>
+        </p:txBody>
+      </p:sp>
+    </p:spTree>
+    <p:extLst>
+      <p:ext uri="{BB962C8B-B14F-4D97-AF65-F5344CB8AC3E}">
+        <p14:creationId xmlns:p14="http://schemas.microsoft.com/office/powerpoint/2010/main" val="2469088793"/>
+      </p:ext>
+    </p:extLst>
+  </p:cSld>
+  <p:clrMapOvr>
+    <a:masterClrMapping/>
+  </p:clrMapOvr>
+  <p:transition>
+    <p:fade/>
+  </p:transition>
+  <p:timing>
+    <p:tnLst>
+      <p:par>
+        <p:cTn id="1" dur="indefinite" restart="never" nodeType="tmRoot"/>
+      </p:par>
+    </p:tnLst>
+  </p:timing>
+</p:sld>
+</file>
+
+<file path=ppt/slides/slide33.xml><?xml version="1.0" encoding="utf-8"?>
+<p:sld xmlns:a="http://schemas.openxmlformats.org/drawingml/2006/main" xmlns:r="http://schemas.openxmlformats.org/officeDocument/2006/relationships" xmlns:p="http://schemas.openxmlformats.org/presentationml/2006/main">
+  <p:cSld>
+    <p:spTree>
+      <p:nvGrpSpPr>
+        <p:cNvPr id="1" name=""/>
+        <p:cNvGrpSpPr/>
+        <p:nvPr/>
+      </p:nvGrpSpPr>
+      <p:grpSpPr>
+        <a:xfrm>
+          <a:off x="0" y="0"/>
+          <a:ext cx="0" cy="0"/>
+          <a:chOff x="0" y="0"/>
+          <a:chExt cx="0" cy="0"/>
+        </a:xfrm>
+      </p:grpSpPr>
+      <p:sp>
+        <p:nvSpPr>
+          <p:cNvPr id="2" name="Title 1"/>
+          <p:cNvSpPr>
+            <a:spLocks noGrp="1"/>
+          </p:cNvSpPr>
+          <p:nvPr>
+            <p:ph type="title"/>
+          </p:nvPr>
+        </p:nvSpPr>
+        <p:spPr>
+          <a:xfrm>
+            <a:off x="792873" y="3287278"/>
+            <a:ext cx="7740650" cy="644400"/>
+          </a:xfrm>
+        </p:spPr>
+        <p:txBody>
+          <a:bodyPr/>
+          <a:lstStyle/>
+          <a:p>
+            <a:pPr lvl="0" algn="ctr"/>
+            <a:r>
+              <a:rPr lang="nb-NO" b="0" dirty="0" smtClean="0"/>
+              <a:t>Be om implementasjon</a:t>
+            </a:r>
+            <a:endParaRPr lang="nb-NO" b="0" dirty="0"/>
+          </a:p>
+        </p:txBody>
+      </p:sp>
+      <p:sp>
+        <p:nvSpPr>
+          <p:cNvPr id="4" name="Date Placeholder 3"/>
+          <p:cNvSpPr>
+            <a:spLocks noGrp="1"/>
+          </p:cNvSpPr>
+          <p:nvPr>
+            <p:ph type="dt" sz="half" idx="10"/>
+          </p:nvPr>
+        </p:nvSpPr>
+        <p:spPr/>
+        <p:txBody>
+          <a:bodyPr/>
+          <a:lstStyle/>
+          <a:p>
+            <a:fld id="{E7153C23-280C-6C4E-BD6E-2850A1F48140}" type="datetime1">
+              <a:rPr lang="nb-NO" smtClean="0"/>
+              <a:pPr/>
+              <a:t>09.09.2012</a:t>
+            </a:fld>
+            <a:endParaRPr lang="nn-NO"/>
+          </a:p>
+        </p:txBody>
+      </p:sp>
+      <p:sp>
+        <p:nvSpPr>
+          <p:cNvPr id="5" name="Footer Placeholder 4"/>
+          <p:cNvSpPr>
+            <a:spLocks noGrp="1"/>
+          </p:cNvSpPr>
+          <p:nvPr>
+            <p:ph type="ftr" sz="quarter" idx="11"/>
+          </p:nvPr>
+        </p:nvSpPr>
+        <p:spPr/>
+        <p:txBody>
+          <a:bodyPr/>
+          <a:lstStyle/>
+          <a:p>
+            <a:endParaRPr lang="nn-NO"/>
+          </a:p>
+        </p:txBody>
+      </p:sp>
+      <p:sp>
+        <p:nvSpPr>
+          <p:cNvPr id="6" name="Slide Number Placeholder 5"/>
+          <p:cNvSpPr>
+            <a:spLocks noGrp="1"/>
+          </p:cNvSpPr>
+          <p:nvPr>
+            <p:ph type="sldNum" sz="quarter" idx="12"/>
+          </p:nvPr>
+        </p:nvSpPr>
+        <p:spPr/>
+        <p:txBody>
+          <a:bodyPr/>
+          <a:lstStyle/>
+          <a:p>
+            <a:fld id="{7662BC30-1691-D142-AAE3-D9E8E91C2817}" type="slidenum">
+              <a:rPr lang="nn-NO" smtClean="0"/>
+              <a:pPr/>
+              <a:t>33</a:t>
+            </a:fld>
+            <a:endParaRPr lang="nn-NO"/>
+          </a:p>
+        </p:txBody>
+      </p:sp>
+    </p:spTree>
+    <p:extLst>
+      <p:ext uri="{BB962C8B-B14F-4D97-AF65-F5344CB8AC3E}">
+        <p14:creationId xmlns:p14="http://schemas.microsoft.com/office/powerpoint/2010/main" val="4175911067"/>
+      </p:ext>
+    </p:extLst>
+  </p:cSld>
+  <p:clrMapOvr>
+    <a:masterClrMapping/>
+  </p:clrMapOvr>
+  <p:transition>
+    <p:fade/>
+  </p:transition>
+  <p:timing>
+    <p:tnLst>
+      <p:par>
+        <p:cTn id="1" dur="indefinite" restart="never" nodeType="tmRoot"/>
+      </p:par>
+    </p:tnLst>
+  </p:timing>
+</p:sld>
+</file>
+
+<file path=ppt/slides/slide34.xml><?xml version="1.0" encoding="utf-8"?>
+<p:sld xmlns:a="http://schemas.openxmlformats.org/drawingml/2006/main" xmlns:r="http://schemas.openxmlformats.org/officeDocument/2006/relationships" xmlns:p="http://schemas.openxmlformats.org/presentationml/2006/main">
+  <p:cSld>
+    <p:spTree>
+      <p:nvGrpSpPr>
+        <p:cNvPr id="1" name=""/>
+        <p:cNvGrpSpPr/>
+        <p:nvPr/>
+      </p:nvGrpSpPr>
+      <p:grpSpPr>
+        <a:xfrm>
+          <a:off x="0" y="0"/>
+          <a:ext cx="0" cy="0"/>
+          <a:chOff x="0" y="0"/>
+          <a:chExt cx="0" cy="0"/>
+        </a:xfrm>
+      </p:grpSpPr>
+      <p:sp>
+        <p:nvSpPr>
+          <p:cNvPr id="2" name="Title 1"/>
+          <p:cNvSpPr>
+            <a:spLocks noGrp="1"/>
+          </p:cNvSpPr>
+          <p:nvPr>
+            <p:ph type="title"/>
+          </p:nvPr>
+        </p:nvSpPr>
+        <p:spPr>
+          <a:xfrm>
+            <a:off x="792873" y="3287278"/>
+            <a:ext cx="7740650" cy="644400"/>
+          </a:xfrm>
+        </p:spPr>
+        <p:txBody>
+          <a:bodyPr/>
+          <a:lstStyle/>
+          <a:p>
+            <a:pPr lvl="0" algn="ctr"/>
+            <a:r>
+              <a:rPr lang="nb-NO" b="0" dirty="0" smtClean="0"/>
+              <a:t>Demo</a:t>
+            </a:r>
+            <a:endParaRPr lang="nb-NO" b="0" dirty="0"/>
+          </a:p>
+        </p:txBody>
+      </p:sp>
+      <p:sp>
+        <p:nvSpPr>
+          <p:cNvPr id="4" name="Date Placeholder 3"/>
+          <p:cNvSpPr>
+            <a:spLocks noGrp="1"/>
+          </p:cNvSpPr>
+          <p:nvPr>
+            <p:ph type="dt" sz="half" idx="10"/>
+          </p:nvPr>
+        </p:nvSpPr>
+        <p:spPr/>
+        <p:txBody>
+          <a:bodyPr/>
+          <a:lstStyle/>
+          <a:p>
+            <a:fld id="{E7153C23-280C-6C4E-BD6E-2850A1F48140}" type="datetime1">
+              <a:rPr lang="nb-NO" smtClean="0"/>
+              <a:pPr/>
+              <a:t>09.09.2012</a:t>
+            </a:fld>
+            <a:endParaRPr lang="nn-NO"/>
+          </a:p>
+        </p:txBody>
+      </p:sp>
+      <p:sp>
+        <p:nvSpPr>
+          <p:cNvPr id="5" name="Footer Placeholder 4"/>
+          <p:cNvSpPr>
+            <a:spLocks noGrp="1"/>
+          </p:cNvSpPr>
+          <p:nvPr>
+            <p:ph type="ftr" sz="quarter" idx="11"/>
+          </p:nvPr>
+        </p:nvSpPr>
+        <p:spPr/>
+        <p:txBody>
+          <a:bodyPr/>
+          <a:lstStyle/>
+          <a:p>
+            <a:endParaRPr lang="nn-NO"/>
+          </a:p>
+        </p:txBody>
+      </p:sp>
+      <p:sp>
+        <p:nvSpPr>
+          <p:cNvPr id="6" name="Slide Number Placeholder 5"/>
+          <p:cNvSpPr>
+            <a:spLocks noGrp="1"/>
+          </p:cNvSpPr>
+          <p:nvPr>
+            <p:ph type="sldNum" sz="quarter" idx="12"/>
+          </p:nvPr>
+        </p:nvSpPr>
+        <p:spPr/>
+        <p:txBody>
+          <a:bodyPr/>
+          <a:lstStyle/>
+          <a:p>
+            <a:fld id="{7662BC30-1691-D142-AAE3-D9E8E91C2817}" type="slidenum">
+              <a:rPr lang="nn-NO" smtClean="0"/>
+              <a:pPr/>
+              <a:t>34</a:t>
+            </a:fld>
+            <a:endParaRPr lang="nn-NO"/>
+          </a:p>
+        </p:txBody>
+      </p:sp>
+    </p:spTree>
+    <p:extLst>
+      <p:ext uri="{BB962C8B-B14F-4D97-AF65-F5344CB8AC3E}">
+        <p14:creationId xmlns:p14="http://schemas.microsoft.com/office/powerpoint/2010/main" val="3758508886"/>
+      </p:ext>
+    </p:extLst>
+  </p:cSld>
+  <p:clrMapOvr>
+    <a:masterClrMapping/>
+  </p:clrMapOvr>
+  <p:transition>
+    <p:fade/>
+  </p:transition>
+  <p:timing>
+    <p:tnLst>
+      <p:par>
+        <p:cTn id="1" dur="indefinite" restart="never" nodeType="tmRoot"/>
+      </p:par>
+    </p:tnLst>
+  </p:timing>
+</p:sld>
+</file>
+
+<file path=ppt/slides/slide35.xml><?xml version="1.0" encoding="utf-8"?>
+<p:sld xmlns:a="http://schemas.openxmlformats.org/drawingml/2006/main" xmlns:r="http://schemas.openxmlformats.org/officeDocument/2006/relationships" xmlns:p="http://schemas.openxmlformats.org/presentationml/2006/main">
+  <p:cSld>
+    <p:spTree>
+      <p:nvGrpSpPr>
+        <p:cNvPr id="1" name=""/>
+        <p:cNvGrpSpPr/>
+        <p:nvPr/>
+      </p:nvGrpSpPr>
+      <p:grpSpPr>
+        <a:xfrm>
+          <a:off x="0" y="0"/>
+          <a:ext cx="0" cy="0"/>
+          <a:chOff x="0" y="0"/>
+          <a:chExt cx="0" cy="0"/>
+        </a:xfrm>
+      </p:grpSpPr>
+      <p:sp>
+        <p:nvSpPr>
+          <p:cNvPr id="2" name="Title 1"/>
+          <p:cNvSpPr>
+            <a:spLocks noGrp="1"/>
+          </p:cNvSpPr>
+          <p:nvPr>
+            <p:ph type="title"/>
+          </p:nvPr>
+        </p:nvSpPr>
+        <p:spPr>
+          <a:xfrm>
+            <a:off x="792873" y="3287278"/>
+            <a:ext cx="7740650" cy="644400"/>
+          </a:xfrm>
+        </p:spPr>
+        <p:txBody>
+          <a:bodyPr/>
+          <a:lstStyle/>
+          <a:p>
+            <a:pPr lvl="0" algn="ctr"/>
+            <a:r>
+              <a:rPr lang="nb-NO" b="0" dirty="0" smtClean="0"/>
+              <a:t>Enhetstesting</a:t>
+            </a:r>
+            <a:endParaRPr lang="nb-NO" b="0" dirty="0"/>
+          </a:p>
+        </p:txBody>
+      </p:sp>
+      <p:sp>
+        <p:nvSpPr>
+          <p:cNvPr id="4" name="Date Placeholder 3"/>
+          <p:cNvSpPr>
+            <a:spLocks noGrp="1"/>
+          </p:cNvSpPr>
+          <p:nvPr>
+            <p:ph type="dt" sz="half" idx="10"/>
+          </p:nvPr>
+        </p:nvSpPr>
+        <p:spPr/>
+        <p:txBody>
+          <a:bodyPr/>
+          <a:lstStyle/>
+          <a:p>
+            <a:fld id="{E7153C23-280C-6C4E-BD6E-2850A1F48140}" type="datetime1">
+              <a:rPr lang="nb-NO" smtClean="0"/>
+              <a:pPr/>
+              <a:t>09.09.2012</a:t>
+            </a:fld>
+            <a:endParaRPr lang="nn-NO"/>
+          </a:p>
+        </p:txBody>
+      </p:sp>
+      <p:sp>
+        <p:nvSpPr>
+          <p:cNvPr id="5" name="Footer Placeholder 4"/>
+          <p:cNvSpPr>
+            <a:spLocks noGrp="1"/>
+          </p:cNvSpPr>
+          <p:nvPr>
+            <p:ph type="ftr" sz="quarter" idx="11"/>
+          </p:nvPr>
+        </p:nvSpPr>
+        <p:spPr/>
+        <p:txBody>
+          <a:bodyPr/>
+          <a:lstStyle/>
+          <a:p>
+            <a:endParaRPr lang="nn-NO"/>
+          </a:p>
+        </p:txBody>
+      </p:sp>
+      <p:sp>
+        <p:nvSpPr>
+          <p:cNvPr id="6" name="Slide Number Placeholder 5"/>
+          <p:cNvSpPr>
+            <a:spLocks noGrp="1"/>
+          </p:cNvSpPr>
+          <p:nvPr>
+            <p:ph type="sldNum" sz="quarter" idx="12"/>
+          </p:nvPr>
+        </p:nvSpPr>
+        <p:spPr/>
+        <p:txBody>
+          <a:bodyPr/>
+          <a:lstStyle/>
+          <a:p>
+            <a:fld id="{7662BC30-1691-D142-AAE3-D9E8E91C2817}" type="slidenum">
+              <a:rPr lang="nn-NO" smtClean="0"/>
+              <a:pPr/>
+              <a:t>35</a:t>
+            </a:fld>
+            <a:endParaRPr lang="nn-NO"/>
+          </a:p>
+        </p:txBody>
+      </p:sp>
+    </p:spTree>
+    <p:extLst>
+      <p:ext uri="{BB962C8B-B14F-4D97-AF65-F5344CB8AC3E}">
+        <p14:creationId xmlns:p14="http://schemas.microsoft.com/office/powerpoint/2010/main" val="1998919911"/>
+      </p:ext>
+    </p:extLst>
+  </p:cSld>
+  <p:clrMapOvr>
+    <a:masterClrMapping/>
+  </p:clrMapOvr>
+  <p:transition>
+    <p:fade/>
+  </p:transition>
+  <p:timing>
+    <p:tnLst>
+      <p:par>
+        <p:cTn id="1" dur="indefinite" restart="never" nodeType="tmRoot"/>
+      </p:par>
+    </p:tnLst>
+  </p:timing>
+</p:sld>
+</file>
+
+<file path=ppt/slides/slide36.xml><?xml version="1.0" encoding="utf-8"?>
+<p:sld xmlns:a="http://schemas.openxmlformats.org/drawingml/2006/main" xmlns:r="http://schemas.openxmlformats.org/officeDocument/2006/relationships" xmlns:p="http://schemas.openxmlformats.org/presentationml/2006/main">
+  <p:cSld>
+    <p:spTree>
+      <p:nvGrpSpPr>
+        <p:cNvPr id="1" name=""/>
+        <p:cNvGrpSpPr/>
+        <p:nvPr/>
+      </p:nvGrpSpPr>
+      <p:grpSpPr>
+        <a:xfrm>
+          <a:off x="0" y="0"/>
+          <a:ext cx="0" cy="0"/>
+          <a:chOff x="0" y="0"/>
+          <a:chExt cx="0" cy="0"/>
+        </a:xfrm>
+      </p:grpSpPr>
+      <p:sp>
+        <p:nvSpPr>
+          <p:cNvPr id="2" name="Title 1"/>
+          <p:cNvSpPr>
+            <a:spLocks noGrp="1"/>
+          </p:cNvSpPr>
+          <p:nvPr>
+            <p:ph type="title"/>
+          </p:nvPr>
+        </p:nvSpPr>
+        <p:spPr>
+          <a:xfrm>
+            <a:off x="792873" y="3287278"/>
+            <a:ext cx="7740650" cy="644400"/>
+          </a:xfrm>
+        </p:spPr>
+        <p:txBody>
+          <a:bodyPr/>
+          <a:lstStyle/>
+          <a:p>
+            <a:pPr lvl="0" algn="ctr"/>
+            <a:r>
+              <a:rPr lang="nb-NO" b="0" dirty="0" smtClean="0"/>
+              <a:t>Separation of concerns!</a:t>
+            </a:r>
+            <a:endParaRPr lang="nb-NO" b="0" dirty="0"/>
+          </a:p>
+        </p:txBody>
+      </p:sp>
+      <p:sp>
+        <p:nvSpPr>
+          <p:cNvPr id="4" name="Date Placeholder 3"/>
+          <p:cNvSpPr>
+            <a:spLocks noGrp="1"/>
+          </p:cNvSpPr>
+          <p:nvPr>
+            <p:ph type="dt" sz="half" idx="10"/>
+          </p:nvPr>
+        </p:nvSpPr>
+        <p:spPr/>
+        <p:txBody>
+          <a:bodyPr/>
+          <a:lstStyle/>
+          <a:p>
+            <a:fld id="{E7153C23-280C-6C4E-BD6E-2850A1F48140}" type="datetime1">
+              <a:rPr lang="nb-NO" smtClean="0"/>
+              <a:pPr/>
+              <a:t>09.09.2012</a:t>
+            </a:fld>
+            <a:endParaRPr lang="nn-NO"/>
+          </a:p>
+        </p:txBody>
+      </p:sp>
+      <p:sp>
+        <p:nvSpPr>
+          <p:cNvPr id="5" name="Footer Placeholder 4"/>
+          <p:cNvSpPr>
+            <a:spLocks noGrp="1"/>
+          </p:cNvSpPr>
+          <p:nvPr>
+            <p:ph type="ftr" sz="quarter" idx="11"/>
+          </p:nvPr>
+        </p:nvSpPr>
+        <p:spPr/>
+        <p:txBody>
+          <a:bodyPr/>
+          <a:lstStyle/>
+          <a:p>
+            <a:endParaRPr lang="nn-NO"/>
+          </a:p>
+        </p:txBody>
+      </p:sp>
+      <p:sp>
+        <p:nvSpPr>
+          <p:cNvPr id="6" name="Slide Number Placeholder 5"/>
+          <p:cNvSpPr>
+            <a:spLocks noGrp="1"/>
+          </p:cNvSpPr>
+          <p:nvPr>
+            <p:ph type="sldNum" sz="quarter" idx="12"/>
+          </p:nvPr>
+        </p:nvSpPr>
+        <p:spPr/>
+        <p:txBody>
+          <a:bodyPr/>
+          <a:lstStyle/>
+          <a:p>
+            <a:fld id="{7662BC30-1691-D142-AAE3-D9E8E91C2817}" type="slidenum">
+              <a:rPr lang="nn-NO" smtClean="0"/>
+              <a:pPr/>
+              <a:t>36</a:t>
+            </a:fld>
+            <a:endParaRPr lang="nn-NO"/>
+          </a:p>
+        </p:txBody>
+      </p:sp>
+    </p:spTree>
+    <p:extLst>
+      <p:ext uri="{BB962C8B-B14F-4D97-AF65-F5344CB8AC3E}">
+        <p14:creationId xmlns:p14="http://schemas.microsoft.com/office/powerpoint/2010/main" val="3539038630"/>
+      </p:ext>
+    </p:extLst>
+  </p:cSld>
+  <p:clrMapOvr>
+    <a:masterClrMapping/>
+  </p:clrMapOvr>
+  <p:transition>
+    <p:fade/>
+  </p:transition>
+  <p:timing>
+    <p:tnLst>
+      <p:par>
+        <p:cTn id="1" dur="indefinite" restart="never" nodeType="tmRoot"/>
+      </p:par>
+    </p:tnLst>
+  </p:timing>
+</p:sld>
+</file>
+
+<file path=ppt/slides/slide37.xml><?xml version="1.0" encoding="utf-8"?>
+<p:sld xmlns:a="http://schemas.openxmlformats.org/drawingml/2006/main" xmlns:r="http://schemas.openxmlformats.org/officeDocument/2006/relationships" xmlns:p="http://schemas.openxmlformats.org/presentationml/2006/main">
+  <p:cSld>
+    <p:spTree>
+      <p:nvGrpSpPr>
+        <p:cNvPr id="1" name=""/>
+        <p:cNvGrpSpPr/>
+        <p:nvPr/>
+      </p:nvGrpSpPr>
+      <p:grpSpPr>
+        <a:xfrm>
+          <a:off x="0" y="0"/>
+          <a:ext cx="0" cy="0"/>
+          <a:chOff x="0" y="0"/>
+          <a:chExt cx="0" cy="0"/>
+        </a:xfrm>
+      </p:grpSpPr>
+      <p:sp>
+        <p:nvSpPr>
+          <p:cNvPr id="2" name="Title 1"/>
+          <p:cNvSpPr>
+            <a:spLocks noGrp="1"/>
+          </p:cNvSpPr>
+          <p:nvPr>
+            <p:ph type="title"/>
+          </p:nvPr>
+        </p:nvSpPr>
+        <p:spPr>
+          <a:xfrm>
+            <a:off x="792873" y="3287278"/>
+            <a:ext cx="7740650" cy="644400"/>
+          </a:xfrm>
+        </p:spPr>
+        <p:txBody>
+          <a:bodyPr/>
+          <a:lstStyle/>
+          <a:p>
+            <a:pPr lvl="0" algn="ctr"/>
+            <a:r>
+              <a:rPr lang="nb-NO" b="0" dirty="0" smtClean="0"/>
+              <a:t>Teste Controllere og Actions</a:t>
+            </a:r>
+            <a:endParaRPr lang="nb-NO" b="0" dirty="0"/>
+          </a:p>
+        </p:txBody>
+      </p:sp>
+      <p:sp>
+        <p:nvSpPr>
+          <p:cNvPr id="4" name="Date Placeholder 3"/>
+          <p:cNvSpPr>
+            <a:spLocks noGrp="1"/>
+          </p:cNvSpPr>
+          <p:nvPr>
+            <p:ph type="dt" sz="half" idx="10"/>
+          </p:nvPr>
+        </p:nvSpPr>
+        <p:spPr/>
+        <p:txBody>
+          <a:bodyPr/>
+          <a:lstStyle/>
+          <a:p>
+            <a:fld id="{E7153C23-280C-6C4E-BD6E-2850A1F48140}" type="datetime1">
+              <a:rPr lang="nb-NO" smtClean="0"/>
+              <a:pPr/>
+              <a:t>09.09.2012</a:t>
+            </a:fld>
+            <a:endParaRPr lang="nn-NO"/>
+          </a:p>
+        </p:txBody>
+      </p:sp>
+      <p:sp>
+        <p:nvSpPr>
+          <p:cNvPr id="5" name="Footer Placeholder 4"/>
+          <p:cNvSpPr>
+            <a:spLocks noGrp="1"/>
+          </p:cNvSpPr>
+          <p:nvPr>
+            <p:ph type="ftr" sz="quarter" idx="11"/>
+          </p:nvPr>
+        </p:nvSpPr>
+        <p:spPr/>
+        <p:txBody>
+          <a:bodyPr/>
+          <a:lstStyle/>
+          <a:p>
+            <a:endParaRPr lang="nn-NO"/>
+          </a:p>
+        </p:txBody>
+      </p:sp>
+      <p:sp>
+        <p:nvSpPr>
+          <p:cNvPr id="6" name="Slide Number Placeholder 5"/>
+          <p:cNvSpPr>
+            <a:spLocks noGrp="1"/>
+          </p:cNvSpPr>
+          <p:nvPr>
+            <p:ph type="sldNum" sz="quarter" idx="12"/>
+          </p:nvPr>
+        </p:nvSpPr>
+        <p:spPr/>
+        <p:txBody>
+          <a:bodyPr/>
+          <a:lstStyle/>
+          <a:p>
+            <a:fld id="{7662BC30-1691-D142-AAE3-D9E8E91C2817}" type="slidenum">
+              <a:rPr lang="nn-NO" smtClean="0"/>
+              <a:pPr/>
+              <a:t>37</a:t>
+            </a:fld>
+            <a:endParaRPr lang="nn-NO"/>
+          </a:p>
+        </p:txBody>
+      </p:sp>
+    </p:spTree>
+    <p:extLst>
+      <p:ext uri="{BB962C8B-B14F-4D97-AF65-F5344CB8AC3E}">
+        <p14:creationId xmlns:p14="http://schemas.microsoft.com/office/powerpoint/2010/main" val="3897595263"/>
+      </p:ext>
+    </p:extLst>
+  </p:cSld>
+  <p:clrMapOvr>
+    <a:masterClrMapping/>
+  </p:clrMapOvr>
+  <p:transition>
+    <p:fade/>
+  </p:transition>
+  <p:timing>
+    <p:tnLst>
+      <p:par>
+        <p:cTn id="1" dur="indefinite" restart="never" nodeType="tmRoot"/>
+      </p:par>
+    </p:tnLst>
+  </p:timing>
+</p:sld>
+</file>
+
+<file path=ppt/slides/slide38.xml><?xml version="1.0" encoding="utf-8"?>
+<p:sld xmlns:a="http://schemas.openxmlformats.org/drawingml/2006/main" xmlns:r="http://schemas.openxmlformats.org/officeDocument/2006/relationships" xmlns:p="http://schemas.openxmlformats.org/presentationml/2006/main">
+  <p:cSld>
+    <p:spTree>
+      <p:nvGrpSpPr>
+        <p:cNvPr id="1" name=""/>
+        <p:cNvGrpSpPr/>
+        <p:nvPr/>
+      </p:nvGrpSpPr>
+      <p:grpSpPr>
+        <a:xfrm>
+          <a:off x="0" y="0"/>
+          <a:ext cx="0" cy="0"/>
+          <a:chOff x="0" y="0"/>
+          <a:chExt cx="0" cy="0"/>
+        </a:xfrm>
+      </p:grpSpPr>
+      <p:sp>
+        <p:nvSpPr>
+          <p:cNvPr id="2" name="Title 1"/>
+          <p:cNvSpPr>
+            <a:spLocks noGrp="1"/>
+          </p:cNvSpPr>
+          <p:nvPr>
+            <p:ph type="title"/>
+          </p:nvPr>
+        </p:nvSpPr>
+        <p:spPr>
+          <a:xfrm>
+            <a:off x="792873" y="3287278"/>
+            <a:ext cx="7740650" cy="644400"/>
+          </a:xfrm>
+        </p:spPr>
+        <p:txBody>
+          <a:bodyPr/>
+          <a:lstStyle/>
+          <a:p>
+            <a:pPr lvl="0" algn="ctr"/>
+            <a:r>
+              <a:rPr lang="nb-NO" b="0" dirty="0" smtClean="0"/>
+              <a:t>Demo</a:t>
+            </a:r>
+            <a:endParaRPr lang="nb-NO" b="0" dirty="0"/>
+          </a:p>
+        </p:txBody>
+      </p:sp>
+      <p:sp>
+        <p:nvSpPr>
+          <p:cNvPr id="4" name="Date Placeholder 3"/>
+          <p:cNvSpPr>
+            <a:spLocks noGrp="1"/>
+          </p:cNvSpPr>
+          <p:nvPr>
+            <p:ph type="dt" sz="half" idx="10"/>
+          </p:nvPr>
+        </p:nvSpPr>
+        <p:spPr/>
+        <p:txBody>
+          <a:bodyPr/>
+          <a:lstStyle/>
+          <a:p>
+            <a:fld id="{E7153C23-280C-6C4E-BD6E-2850A1F48140}" type="datetime1">
+              <a:rPr lang="nb-NO" smtClean="0"/>
+              <a:pPr/>
+              <a:t>09.09.2012</a:t>
+            </a:fld>
+            <a:endParaRPr lang="nn-NO"/>
+          </a:p>
+        </p:txBody>
+      </p:sp>
+      <p:sp>
+        <p:nvSpPr>
+          <p:cNvPr id="5" name="Footer Placeholder 4"/>
+          <p:cNvSpPr>
+            <a:spLocks noGrp="1"/>
+          </p:cNvSpPr>
+          <p:nvPr>
+            <p:ph type="ftr" sz="quarter" idx="11"/>
+          </p:nvPr>
+        </p:nvSpPr>
+        <p:spPr/>
+        <p:txBody>
+          <a:bodyPr/>
+          <a:lstStyle/>
+          <a:p>
+            <a:endParaRPr lang="nn-NO"/>
+          </a:p>
+        </p:txBody>
+      </p:sp>
+      <p:sp>
+        <p:nvSpPr>
+          <p:cNvPr id="6" name="Slide Number Placeholder 5"/>
+          <p:cNvSpPr>
+            <a:spLocks noGrp="1"/>
+          </p:cNvSpPr>
+          <p:nvPr>
+            <p:ph type="sldNum" sz="quarter" idx="12"/>
+          </p:nvPr>
+        </p:nvSpPr>
+        <p:spPr/>
+        <p:txBody>
+          <a:bodyPr/>
+          <a:lstStyle/>
+          <a:p>
+            <a:fld id="{7662BC30-1691-D142-AAE3-D9E8E91C2817}" type="slidenum">
+              <a:rPr lang="nn-NO" smtClean="0"/>
+              <a:pPr/>
+              <a:t>38</a:t>
+            </a:fld>
+            <a:endParaRPr lang="nn-NO"/>
+          </a:p>
+        </p:txBody>
+      </p:sp>
+    </p:spTree>
+    <p:extLst>
+      <p:ext uri="{BB962C8B-B14F-4D97-AF65-F5344CB8AC3E}">
+        <p14:creationId xmlns:p14="http://schemas.microsoft.com/office/powerpoint/2010/main" val="4163934861"/>
+      </p:ext>
+    </p:extLst>
+  </p:cSld>
+  <p:clrMapOvr>
+    <a:masterClrMapping/>
+  </p:clrMapOvr>
+  <p:transition>
+    <p:fade/>
+  </p:transition>
+  <p:timing>
+    <p:tnLst>
+      <p:par>
+        <p:cTn id="1" dur="indefinite" restart="never" nodeType="tmRoot"/>
+      </p:par>
+    </p:tnLst>
+  </p:timing>
+</p:sld>
+</file>
+
+<file path=ppt/slides/slide39.xml><?xml version="1.0" encoding="utf-8"?>
+<p:sld xmlns:a="http://schemas.openxmlformats.org/drawingml/2006/main" xmlns:r="http://schemas.openxmlformats.org/officeDocument/2006/relationships" xmlns:p="http://schemas.openxmlformats.org/presentationml/2006/main">
+  <p:cSld>
+    <p:spTree>
+      <p:nvGrpSpPr>
+        <p:cNvPr id="1" name=""/>
+        <p:cNvGrpSpPr/>
+        <p:nvPr/>
+      </p:nvGrpSpPr>
+      <p:grpSpPr>
+        <a:xfrm>
+          <a:off x="0" y="0"/>
+          <a:ext cx="0" cy="0"/>
+          <a:chOff x="0" y="0"/>
+          <a:chExt cx="0" cy="0"/>
+        </a:xfrm>
+      </p:grpSpPr>
+      <p:sp>
+        <p:nvSpPr>
+          <p:cNvPr id="2" name="Title 1"/>
+          <p:cNvSpPr>
+            <a:spLocks noGrp="1"/>
+          </p:cNvSpPr>
+          <p:nvPr>
+            <p:ph type="title"/>
+          </p:nvPr>
+        </p:nvSpPr>
+        <p:spPr>
+          <a:xfrm>
+            <a:off x="792873" y="3287278"/>
+            <a:ext cx="7740650" cy="644400"/>
+          </a:xfrm>
+        </p:spPr>
+        <p:txBody>
+          <a:bodyPr/>
+          <a:lstStyle/>
+          <a:p>
+            <a:pPr lvl="0" algn="ctr"/>
+            <a:r>
+              <a:rPr lang="nb-NO" b="0" dirty="0" smtClean="0"/>
+              <a:t>Best practices</a:t>
+            </a:r>
+            <a:endParaRPr lang="nb-NO" b="0" dirty="0"/>
+          </a:p>
+        </p:txBody>
+      </p:sp>
+      <p:sp>
+        <p:nvSpPr>
+          <p:cNvPr id="4" name="Date Placeholder 3"/>
+          <p:cNvSpPr>
+            <a:spLocks noGrp="1"/>
+          </p:cNvSpPr>
+          <p:nvPr>
+            <p:ph type="dt" sz="half" idx="10"/>
+          </p:nvPr>
+        </p:nvSpPr>
+        <p:spPr/>
+        <p:txBody>
+          <a:bodyPr/>
+          <a:lstStyle/>
+          <a:p>
+            <a:fld id="{E7153C23-280C-6C4E-BD6E-2850A1F48140}" type="datetime1">
+              <a:rPr lang="nb-NO" smtClean="0"/>
+              <a:pPr/>
+              <a:t>09.09.2012</a:t>
+            </a:fld>
+            <a:endParaRPr lang="nn-NO"/>
+          </a:p>
+        </p:txBody>
+      </p:sp>
+      <p:sp>
+        <p:nvSpPr>
+          <p:cNvPr id="5" name="Footer Placeholder 4"/>
+          <p:cNvSpPr>
+            <a:spLocks noGrp="1"/>
+          </p:cNvSpPr>
+          <p:nvPr>
+            <p:ph type="ftr" sz="quarter" idx="11"/>
+          </p:nvPr>
+        </p:nvSpPr>
+        <p:spPr/>
+        <p:txBody>
+          <a:bodyPr/>
+          <a:lstStyle/>
+          <a:p>
+            <a:endParaRPr lang="nn-NO"/>
+          </a:p>
+        </p:txBody>
+      </p:sp>
+      <p:sp>
+        <p:nvSpPr>
+          <p:cNvPr id="6" name="Slide Number Placeholder 5"/>
+          <p:cNvSpPr>
+            <a:spLocks noGrp="1"/>
+          </p:cNvSpPr>
+          <p:nvPr>
+            <p:ph type="sldNum" sz="quarter" idx="12"/>
+          </p:nvPr>
+        </p:nvSpPr>
+        <p:spPr/>
+        <p:txBody>
+          <a:bodyPr/>
+          <a:lstStyle/>
+          <a:p>
+            <a:fld id="{7662BC30-1691-D142-AAE3-D9E8E91C2817}" type="slidenum">
+              <a:rPr lang="nn-NO" smtClean="0"/>
+              <a:pPr/>
+              <a:t>39</a:t>
+            </a:fld>
+            <a:endParaRPr lang="nn-NO"/>
+          </a:p>
+        </p:txBody>
+      </p:sp>
+    </p:spTree>
+    <p:extLst>
+      <p:ext uri="{BB962C8B-B14F-4D97-AF65-F5344CB8AC3E}">
+        <p14:creationId xmlns:p14="http://schemas.microsoft.com/office/powerpoint/2010/main" val="3179932083"/>
+      </p:ext>
+    </p:extLst>
+  </p:cSld>
+  <p:clrMapOvr>
+    <a:masterClrMapping/>
+  </p:clrMapOvr>
+  <p:transition>
+    <p:fade/>
+  </p:transition>
+  <p:timing>
+    <p:tnLst>
+      <p:par>
+        <p:cTn id="1" dur="indefinite" restart="never" nodeType="tmRoot"/>
+      </p:par>
+    </p:tnLst>
+  </p:timing>
+</p:sld>
+</file>
+
 <file path=ppt/slides/slide4.xml><?xml version="1.0" encoding="utf-8"?>
 <p:sld xmlns:a="http://schemas.openxmlformats.org/drawingml/2006/main" xmlns:r="http://schemas.openxmlformats.org/officeDocument/2006/relationships" xmlns:p="http://schemas.openxmlformats.org/presentationml/2006/main">
   <p:cSld>
@@ -15128,6 +18204,1394 @@
     <p:extLst>
       <p:ext uri="{BB962C8B-B14F-4D97-AF65-F5344CB8AC3E}">
         <p14:creationId xmlns:p14="http://schemas.microsoft.com/office/powerpoint/2010/main" val="911999898"/>
+      </p:ext>
+    </p:extLst>
+  </p:cSld>
+  <p:clrMapOvr>
+    <a:masterClrMapping/>
+  </p:clrMapOvr>
+  <p:transition>
+    <p:fade/>
+  </p:transition>
+  <p:timing>
+    <p:tnLst>
+      <p:par>
+        <p:cTn id="1" dur="indefinite" restart="never" nodeType="tmRoot"/>
+      </p:par>
+    </p:tnLst>
+  </p:timing>
+</p:sld>
+</file>
+
+<file path=ppt/slides/slide40.xml><?xml version="1.0" encoding="utf-8"?>
+<p:sld xmlns:a="http://schemas.openxmlformats.org/drawingml/2006/main" xmlns:r="http://schemas.openxmlformats.org/officeDocument/2006/relationships" xmlns:p="http://schemas.openxmlformats.org/presentationml/2006/main">
+  <p:cSld>
+    <p:spTree>
+      <p:nvGrpSpPr>
+        <p:cNvPr id="1" name=""/>
+        <p:cNvGrpSpPr/>
+        <p:nvPr/>
+      </p:nvGrpSpPr>
+      <p:grpSpPr>
+        <a:xfrm>
+          <a:off x="0" y="0"/>
+          <a:ext cx="0" cy="0"/>
+          <a:chOff x="0" y="0"/>
+          <a:chExt cx="0" cy="0"/>
+        </a:xfrm>
+      </p:grpSpPr>
+      <p:sp>
+        <p:nvSpPr>
+          <p:cNvPr id="2" name="Title 1"/>
+          <p:cNvSpPr>
+            <a:spLocks noGrp="1"/>
+          </p:cNvSpPr>
+          <p:nvPr>
+            <p:ph type="title"/>
+          </p:nvPr>
+        </p:nvSpPr>
+        <p:spPr>
+          <a:xfrm>
+            <a:off x="792873" y="3287278"/>
+            <a:ext cx="7740650" cy="644400"/>
+          </a:xfrm>
+        </p:spPr>
+        <p:txBody>
+          <a:bodyPr/>
+          <a:lstStyle/>
+          <a:p>
+            <a:pPr lvl="0" algn="ctr"/>
+            <a:r>
+              <a:rPr lang="nb-NO" b="0" dirty="0" smtClean="0"/>
+              <a:t>Bruk Dependency Injection</a:t>
+            </a:r>
+            <a:endParaRPr lang="nb-NO" b="0" dirty="0"/>
+          </a:p>
+        </p:txBody>
+      </p:sp>
+      <p:sp>
+        <p:nvSpPr>
+          <p:cNvPr id="4" name="Date Placeholder 3"/>
+          <p:cNvSpPr>
+            <a:spLocks noGrp="1"/>
+          </p:cNvSpPr>
+          <p:nvPr>
+            <p:ph type="dt" sz="half" idx="10"/>
+          </p:nvPr>
+        </p:nvSpPr>
+        <p:spPr/>
+        <p:txBody>
+          <a:bodyPr/>
+          <a:lstStyle/>
+          <a:p>
+            <a:fld id="{E7153C23-280C-6C4E-BD6E-2850A1F48140}" type="datetime1">
+              <a:rPr lang="nb-NO" smtClean="0"/>
+              <a:pPr/>
+              <a:t>09.09.2012</a:t>
+            </a:fld>
+            <a:endParaRPr lang="nn-NO"/>
+          </a:p>
+        </p:txBody>
+      </p:sp>
+      <p:sp>
+        <p:nvSpPr>
+          <p:cNvPr id="5" name="Footer Placeholder 4"/>
+          <p:cNvSpPr>
+            <a:spLocks noGrp="1"/>
+          </p:cNvSpPr>
+          <p:nvPr>
+            <p:ph type="ftr" sz="quarter" idx="11"/>
+          </p:nvPr>
+        </p:nvSpPr>
+        <p:spPr/>
+        <p:txBody>
+          <a:bodyPr/>
+          <a:lstStyle/>
+          <a:p>
+            <a:endParaRPr lang="nn-NO"/>
+          </a:p>
+        </p:txBody>
+      </p:sp>
+      <p:sp>
+        <p:nvSpPr>
+          <p:cNvPr id="6" name="Slide Number Placeholder 5"/>
+          <p:cNvSpPr>
+            <a:spLocks noGrp="1"/>
+          </p:cNvSpPr>
+          <p:nvPr>
+            <p:ph type="sldNum" sz="quarter" idx="12"/>
+          </p:nvPr>
+        </p:nvSpPr>
+        <p:spPr/>
+        <p:txBody>
+          <a:bodyPr/>
+          <a:lstStyle/>
+          <a:p>
+            <a:fld id="{7662BC30-1691-D142-AAE3-D9E8E91C2817}" type="slidenum">
+              <a:rPr lang="nn-NO" smtClean="0"/>
+              <a:pPr/>
+              <a:t>40</a:t>
+            </a:fld>
+            <a:endParaRPr lang="nn-NO"/>
+          </a:p>
+        </p:txBody>
+      </p:sp>
+    </p:spTree>
+    <p:extLst>
+      <p:ext uri="{BB962C8B-B14F-4D97-AF65-F5344CB8AC3E}">
+        <p14:creationId xmlns:p14="http://schemas.microsoft.com/office/powerpoint/2010/main" val="2321595051"/>
+      </p:ext>
+    </p:extLst>
+  </p:cSld>
+  <p:clrMapOvr>
+    <a:masterClrMapping/>
+  </p:clrMapOvr>
+  <p:transition>
+    <p:fade/>
+  </p:transition>
+  <p:timing>
+    <p:tnLst>
+      <p:par>
+        <p:cTn id="1" dur="indefinite" restart="never" nodeType="tmRoot"/>
+      </p:par>
+    </p:tnLst>
+  </p:timing>
+</p:sld>
+</file>
+
+<file path=ppt/slides/slide41.xml><?xml version="1.0" encoding="utf-8"?>
+<p:sld xmlns:a="http://schemas.openxmlformats.org/drawingml/2006/main" xmlns:r="http://schemas.openxmlformats.org/officeDocument/2006/relationships" xmlns:p="http://schemas.openxmlformats.org/presentationml/2006/main">
+  <p:cSld>
+    <p:spTree>
+      <p:nvGrpSpPr>
+        <p:cNvPr id="1" name=""/>
+        <p:cNvGrpSpPr/>
+        <p:nvPr/>
+      </p:nvGrpSpPr>
+      <p:grpSpPr>
+        <a:xfrm>
+          <a:off x="0" y="0"/>
+          <a:ext cx="0" cy="0"/>
+          <a:chOff x="0" y="0"/>
+          <a:chExt cx="0" cy="0"/>
+        </a:xfrm>
+      </p:grpSpPr>
+      <p:sp>
+        <p:nvSpPr>
+          <p:cNvPr id="2" name="Title 1"/>
+          <p:cNvSpPr>
+            <a:spLocks noGrp="1"/>
+          </p:cNvSpPr>
+          <p:nvPr>
+            <p:ph type="title"/>
+          </p:nvPr>
+        </p:nvSpPr>
+        <p:spPr>
+          <a:xfrm>
+            <a:off x="792873" y="3287278"/>
+            <a:ext cx="7740650" cy="644400"/>
+          </a:xfrm>
+        </p:spPr>
+        <p:txBody>
+          <a:bodyPr/>
+          <a:lstStyle/>
+          <a:p>
+            <a:pPr lvl="0" algn="ctr"/>
+            <a:r>
+              <a:rPr lang="nb-NO" b="0" dirty="0" smtClean="0"/>
+              <a:t>Katalogstrukturen i et prosjekt er ikke låst</a:t>
+            </a:r>
+            <a:endParaRPr lang="nb-NO" b="0" dirty="0"/>
+          </a:p>
+        </p:txBody>
+      </p:sp>
+      <p:sp>
+        <p:nvSpPr>
+          <p:cNvPr id="4" name="Date Placeholder 3"/>
+          <p:cNvSpPr>
+            <a:spLocks noGrp="1"/>
+          </p:cNvSpPr>
+          <p:nvPr>
+            <p:ph type="dt" sz="half" idx="10"/>
+          </p:nvPr>
+        </p:nvSpPr>
+        <p:spPr/>
+        <p:txBody>
+          <a:bodyPr/>
+          <a:lstStyle/>
+          <a:p>
+            <a:fld id="{E7153C23-280C-6C4E-BD6E-2850A1F48140}" type="datetime1">
+              <a:rPr lang="nb-NO" smtClean="0"/>
+              <a:pPr/>
+              <a:t>09.09.2012</a:t>
+            </a:fld>
+            <a:endParaRPr lang="nn-NO"/>
+          </a:p>
+        </p:txBody>
+      </p:sp>
+      <p:sp>
+        <p:nvSpPr>
+          <p:cNvPr id="5" name="Footer Placeholder 4"/>
+          <p:cNvSpPr>
+            <a:spLocks noGrp="1"/>
+          </p:cNvSpPr>
+          <p:nvPr>
+            <p:ph type="ftr" sz="quarter" idx="11"/>
+          </p:nvPr>
+        </p:nvSpPr>
+        <p:spPr/>
+        <p:txBody>
+          <a:bodyPr/>
+          <a:lstStyle/>
+          <a:p>
+            <a:endParaRPr lang="nn-NO"/>
+          </a:p>
+        </p:txBody>
+      </p:sp>
+      <p:sp>
+        <p:nvSpPr>
+          <p:cNvPr id="6" name="Slide Number Placeholder 5"/>
+          <p:cNvSpPr>
+            <a:spLocks noGrp="1"/>
+          </p:cNvSpPr>
+          <p:nvPr>
+            <p:ph type="sldNum" sz="quarter" idx="12"/>
+          </p:nvPr>
+        </p:nvSpPr>
+        <p:spPr/>
+        <p:txBody>
+          <a:bodyPr/>
+          <a:lstStyle/>
+          <a:p>
+            <a:fld id="{7662BC30-1691-D142-AAE3-D9E8E91C2817}" type="slidenum">
+              <a:rPr lang="nn-NO" smtClean="0"/>
+              <a:pPr/>
+              <a:t>41</a:t>
+            </a:fld>
+            <a:endParaRPr lang="nn-NO"/>
+          </a:p>
+        </p:txBody>
+      </p:sp>
+    </p:spTree>
+    <p:extLst>
+      <p:ext uri="{BB962C8B-B14F-4D97-AF65-F5344CB8AC3E}">
+        <p14:creationId xmlns:p14="http://schemas.microsoft.com/office/powerpoint/2010/main" val="1767528955"/>
+      </p:ext>
+    </p:extLst>
+  </p:cSld>
+  <p:clrMapOvr>
+    <a:masterClrMapping/>
+  </p:clrMapOvr>
+  <p:transition>
+    <p:fade/>
+  </p:transition>
+  <p:timing>
+    <p:tnLst>
+      <p:par>
+        <p:cTn id="1" dur="indefinite" restart="never" nodeType="tmRoot"/>
+      </p:par>
+    </p:tnLst>
+  </p:timing>
+</p:sld>
+</file>
+
+<file path=ppt/slides/slide42.xml><?xml version="1.0" encoding="utf-8"?>
+<p:sld xmlns:a="http://schemas.openxmlformats.org/drawingml/2006/main" xmlns:r="http://schemas.openxmlformats.org/officeDocument/2006/relationships" xmlns:p="http://schemas.openxmlformats.org/presentationml/2006/main">
+  <p:cSld>
+    <p:spTree>
+      <p:nvGrpSpPr>
+        <p:cNvPr id="1" name=""/>
+        <p:cNvGrpSpPr/>
+        <p:nvPr/>
+      </p:nvGrpSpPr>
+      <p:grpSpPr>
+        <a:xfrm>
+          <a:off x="0" y="0"/>
+          <a:ext cx="0" cy="0"/>
+          <a:chOff x="0" y="0"/>
+          <a:chExt cx="0" cy="0"/>
+        </a:xfrm>
+      </p:grpSpPr>
+      <p:sp>
+        <p:nvSpPr>
+          <p:cNvPr id="2" name="Title 1"/>
+          <p:cNvSpPr>
+            <a:spLocks noGrp="1"/>
+          </p:cNvSpPr>
+          <p:nvPr>
+            <p:ph type="title"/>
+          </p:nvPr>
+        </p:nvSpPr>
+        <p:spPr>
+          <a:xfrm>
+            <a:off x="792873" y="3287278"/>
+            <a:ext cx="7740650" cy="644400"/>
+          </a:xfrm>
+        </p:spPr>
+        <p:txBody>
+          <a:bodyPr/>
+          <a:lstStyle/>
+          <a:p>
+            <a:pPr lvl="0" algn="ctr"/>
+            <a:r>
+              <a:rPr lang="nb-NO" b="0" dirty="0" smtClean="0"/>
+              <a:t>Minst mulig kode i View</a:t>
+            </a:r>
+            <a:endParaRPr lang="nb-NO" b="0" dirty="0"/>
+          </a:p>
+        </p:txBody>
+      </p:sp>
+      <p:sp>
+        <p:nvSpPr>
+          <p:cNvPr id="4" name="Date Placeholder 3"/>
+          <p:cNvSpPr>
+            <a:spLocks noGrp="1"/>
+          </p:cNvSpPr>
+          <p:nvPr>
+            <p:ph type="dt" sz="half" idx="10"/>
+          </p:nvPr>
+        </p:nvSpPr>
+        <p:spPr/>
+        <p:txBody>
+          <a:bodyPr/>
+          <a:lstStyle/>
+          <a:p>
+            <a:fld id="{E7153C23-280C-6C4E-BD6E-2850A1F48140}" type="datetime1">
+              <a:rPr lang="nb-NO" smtClean="0"/>
+              <a:pPr/>
+              <a:t>09.09.2012</a:t>
+            </a:fld>
+            <a:endParaRPr lang="nn-NO"/>
+          </a:p>
+        </p:txBody>
+      </p:sp>
+      <p:sp>
+        <p:nvSpPr>
+          <p:cNvPr id="5" name="Footer Placeholder 4"/>
+          <p:cNvSpPr>
+            <a:spLocks noGrp="1"/>
+          </p:cNvSpPr>
+          <p:nvPr>
+            <p:ph type="ftr" sz="quarter" idx="11"/>
+          </p:nvPr>
+        </p:nvSpPr>
+        <p:spPr/>
+        <p:txBody>
+          <a:bodyPr/>
+          <a:lstStyle/>
+          <a:p>
+            <a:endParaRPr lang="nn-NO"/>
+          </a:p>
+        </p:txBody>
+      </p:sp>
+      <p:sp>
+        <p:nvSpPr>
+          <p:cNvPr id="6" name="Slide Number Placeholder 5"/>
+          <p:cNvSpPr>
+            <a:spLocks noGrp="1"/>
+          </p:cNvSpPr>
+          <p:nvPr>
+            <p:ph type="sldNum" sz="quarter" idx="12"/>
+          </p:nvPr>
+        </p:nvSpPr>
+        <p:spPr/>
+        <p:txBody>
+          <a:bodyPr/>
+          <a:lstStyle/>
+          <a:p>
+            <a:fld id="{7662BC30-1691-D142-AAE3-D9E8E91C2817}" type="slidenum">
+              <a:rPr lang="nn-NO" smtClean="0"/>
+              <a:pPr/>
+              <a:t>42</a:t>
+            </a:fld>
+            <a:endParaRPr lang="nn-NO"/>
+          </a:p>
+        </p:txBody>
+      </p:sp>
+    </p:spTree>
+    <p:extLst>
+      <p:ext uri="{BB962C8B-B14F-4D97-AF65-F5344CB8AC3E}">
+        <p14:creationId xmlns:p14="http://schemas.microsoft.com/office/powerpoint/2010/main" val="3111083358"/>
+      </p:ext>
+    </p:extLst>
+  </p:cSld>
+  <p:clrMapOvr>
+    <a:masterClrMapping/>
+  </p:clrMapOvr>
+  <p:transition>
+    <p:fade/>
+  </p:transition>
+  <p:timing>
+    <p:tnLst>
+      <p:par>
+        <p:cTn id="1" dur="indefinite" restart="never" nodeType="tmRoot"/>
+      </p:par>
+    </p:tnLst>
+  </p:timing>
+</p:sld>
+</file>
+
+<file path=ppt/slides/slide43.xml><?xml version="1.0" encoding="utf-8"?>
+<p:sld xmlns:a="http://schemas.openxmlformats.org/drawingml/2006/main" xmlns:r="http://schemas.openxmlformats.org/officeDocument/2006/relationships" xmlns:p="http://schemas.openxmlformats.org/presentationml/2006/main">
+  <p:cSld>
+    <p:spTree>
+      <p:nvGrpSpPr>
+        <p:cNvPr id="1" name=""/>
+        <p:cNvGrpSpPr/>
+        <p:nvPr/>
+      </p:nvGrpSpPr>
+      <p:grpSpPr>
+        <a:xfrm>
+          <a:off x="0" y="0"/>
+          <a:ext cx="0" cy="0"/>
+          <a:chOff x="0" y="0"/>
+          <a:chExt cx="0" cy="0"/>
+        </a:xfrm>
+      </p:grpSpPr>
+      <p:sp>
+        <p:nvSpPr>
+          <p:cNvPr id="2" name="Title 1"/>
+          <p:cNvSpPr>
+            <a:spLocks noGrp="1"/>
+          </p:cNvSpPr>
+          <p:nvPr>
+            <p:ph type="title"/>
+          </p:nvPr>
+        </p:nvSpPr>
+        <p:spPr>
+          <a:xfrm>
+            <a:off x="792873" y="3287278"/>
+            <a:ext cx="7740650" cy="644400"/>
+          </a:xfrm>
+        </p:spPr>
+        <p:txBody>
+          <a:bodyPr/>
+          <a:lstStyle/>
+          <a:p>
+            <a:pPr lvl="0" algn="ctr"/>
+            <a:r>
+              <a:rPr lang="nb-NO" b="0" dirty="0" smtClean="0"/>
+              <a:t>«Tynne» actions – inject dependencies</a:t>
+            </a:r>
+            <a:endParaRPr lang="nb-NO" b="0" dirty="0"/>
+          </a:p>
+        </p:txBody>
+      </p:sp>
+      <p:sp>
+        <p:nvSpPr>
+          <p:cNvPr id="4" name="Date Placeholder 3"/>
+          <p:cNvSpPr>
+            <a:spLocks noGrp="1"/>
+          </p:cNvSpPr>
+          <p:nvPr>
+            <p:ph type="dt" sz="half" idx="10"/>
+          </p:nvPr>
+        </p:nvSpPr>
+        <p:spPr/>
+        <p:txBody>
+          <a:bodyPr/>
+          <a:lstStyle/>
+          <a:p>
+            <a:fld id="{E7153C23-280C-6C4E-BD6E-2850A1F48140}" type="datetime1">
+              <a:rPr lang="nb-NO" smtClean="0"/>
+              <a:pPr/>
+              <a:t>09.09.2012</a:t>
+            </a:fld>
+            <a:endParaRPr lang="nn-NO"/>
+          </a:p>
+        </p:txBody>
+      </p:sp>
+      <p:sp>
+        <p:nvSpPr>
+          <p:cNvPr id="5" name="Footer Placeholder 4"/>
+          <p:cNvSpPr>
+            <a:spLocks noGrp="1"/>
+          </p:cNvSpPr>
+          <p:nvPr>
+            <p:ph type="ftr" sz="quarter" idx="11"/>
+          </p:nvPr>
+        </p:nvSpPr>
+        <p:spPr/>
+        <p:txBody>
+          <a:bodyPr/>
+          <a:lstStyle/>
+          <a:p>
+            <a:endParaRPr lang="nn-NO"/>
+          </a:p>
+        </p:txBody>
+      </p:sp>
+      <p:sp>
+        <p:nvSpPr>
+          <p:cNvPr id="6" name="Slide Number Placeholder 5"/>
+          <p:cNvSpPr>
+            <a:spLocks noGrp="1"/>
+          </p:cNvSpPr>
+          <p:nvPr>
+            <p:ph type="sldNum" sz="quarter" idx="12"/>
+          </p:nvPr>
+        </p:nvSpPr>
+        <p:spPr/>
+        <p:txBody>
+          <a:bodyPr/>
+          <a:lstStyle/>
+          <a:p>
+            <a:fld id="{7662BC30-1691-D142-AAE3-D9E8E91C2817}" type="slidenum">
+              <a:rPr lang="nn-NO" smtClean="0"/>
+              <a:pPr/>
+              <a:t>43</a:t>
+            </a:fld>
+            <a:endParaRPr lang="nn-NO"/>
+          </a:p>
+        </p:txBody>
+      </p:sp>
+    </p:spTree>
+    <p:extLst>
+      <p:ext uri="{BB962C8B-B14F-4D97-AF65-F5344CB8AC3E}">
+        <p14:creationId xmlns:p14="http://schemas.microsoft.com/office/powerpoint/2010/main" val="1320714460"/>
+      </p:ext>
+    </p:extLst>
+  </p:cSld>
+  <p:clrMapOvr>
+    <a:masterClrMapping/>
+  </p:clrMapOvr>
+  <p:transition>
+    <p:fade/>
+  </p:transition>
+  <p:timing>
+    <p:tnLst>
+      <p:par>
+        <p:cTn id="1" dur="indefinite" restart="never" nodeType="tmRoot"/>
+      </p:par>
+    </p:tnLst>
+  </p:timing>
+</p:sld>
+</file>
+
+<file path=ppt/slides/slide44.xml><?xml version="1.0" encoding="utf-8"?>
+<p:sld xmlns:a="http://schemas.openxmlformats.org/drawingml/2006/main" xmlns:r="http://schemas.openxmlformats.org/officeDocument/2006/relationships" xmlns:p="http://schemas.openxmlformats.org/presentationml/2006/main">
+  <p:cSld>
+    <p:spTree>
+      <p:nvGrpSpPr>
+        <p:cNvPr id="1" name=""/>
+        <p:cNvGrpSpPr/>
+        <p:nvPr/>
+      </p:nvGrpSpPr>
+      <p:grpSpPr>
+        <a:xfrm>
+          <a:off x="0" y="0"/>
+          <a:ext cx="0" cy="0"/>
+          <a:chOff x="0" y="0"/>
+          <a:chExt cx="0" cy="0"/>
+        </a:xfrm>
+      </p:grpSpPr>
+      <p:sp>
+        <p:nvSpPr>
+          <p:cNvPr id="2" name="Title 1"/>
+          <p:cNvSpPr>
+            <a:spLocks noGrp="1"/>
+          </p:cNvSpPr>
+          <p:nvPr>
+            <p:ph type="title"/>
+          </p:nvPr>
+        </p:nvSpPr>
+        <p:spPr>
+          <a:xfrm>
+            <a:off x="792873" y="3287278"/>
+            <a:ext cx="7740650" cy="644400"/>
+          </a:xfrm>
+        </p:spPr>
+        <p:txBody>
+          <a:bodyPr/>
+          <a:lstStyle/>
+          <a:p>
+            <a:pPr lvl="0" algn="ctr"/>
+            <a:r>
+              <a:rPr lang="nb-NO" b="0" dirty="0" smtClean="0"/>
+              <a:t>Konsekvent navngivning</a:t>
+            </a:r>
+            <a:endParaRPr lang="nb-NO" b="0" dirty="0"/>
+          </a:p>
+        </p:txBody>
+      </p:sp>
+      <p:sp>
+        <p:nvSpPr>
+          <p:cNvPr id="4" name="Date Placeholder 3"/>
+          <p:cNvSpPr>
+            <a:spLocks noGrp="1"/>
+          </p:cNvSpPr>
+          <p:nvPr>
+            <p:ph type="dt" sz="half" idx="10"/>
+          </p:nvPr>
+        </p:nvSpPr>
+        <p:spPr/>
+        <p:txBody>
+          <a:bodyPr/>
+          <a:lstStyle/>
+          <a:p>
+            <a:fld id="{E7153C23-280C-6C4E-BD6E-2850A1F48140}" type="datetime1">
+              <a:rPr lang="nb-NO" smtClean="0"/>
+              <a:pPr/>
+              <a:t>09.09.2012</a:t>
+            </a:fld>
+            <a:endParaRPr lang="nn-NO"/>
+          </a:p>
+        </p:txBody>
+      </p:sp>
+      <p:sp>
+        <p:nvSpPr>
+          <p:cNvPr id="5" name="Footer Placeholder 4"/>
+          <p:cNvSpPr>
+            <a:spLocks noGrp="1"/>
+          </p:cNvSpPr>
+          <p:nvPr>
+            <p:ph type="ftr" sz="quarter" idx="11"/>
+          </p:nvPr>
+        </p:nvSpPr>
+        <p:spPr/>
+        <p:txBody>
+          <a:bodyPr/>
+          <a:lstStyle/>
+          <a:p>
+            <a:endParaRPr lang="nn-NO"/>
+          </a:p>
+        </p:txBody>
+      </p:sp>
+      <p:sp>
+        <p:nvSpPr>
+          <p:cNvPr id="6" name="Slide Number Placeholder 5"/>
+          <p:cNvSpPr>
+            <a:spLocks noGrp="1"/>
+          </p:cNvSpPr>
+          <p:nvPr>
+            <p:ph type="sldNum" sz="quarter" idx="12"/>
+          </p:nvPr>
+        </p:nvSpPr>
+        <p:spPr/>
+        <p:txBody>
+          <a:bodyPr/>
+          <a:lstStyle/>
+          <a:p>
+            <a:fld id="{7662BC30-1691-D142-AAE3-D9E8E91C2817}" type="slidenum">
+              <a:rPr lang="nn-NO" smtClean="0"/>
+              <a:pPr/>
+              <a:t>44</a:t>
+            </a:fld>
+            <a:endParaRPr lang="nn-NO"/>
+          </a:p>
+        </p:txBody>
+      </p:sp>
+    </p:spTree>
+    <p:extLst>
+      <p:ext uri="{BB962C8B-B14F-4D97-AF65-F5344CB8AC3E}">
+        <p14:creationId xmlns:p14="http://schemas.microsoft.com/office/powerpoint/2010/main" val="4265457934"/>
+      </p:ext>
+    </p:extLst>
+  </p:cSld>
+  <p:clrMapOvr>
+    <a:masterClrMapping/>
+  </p:clrMapOvr>
+  <p:transition>
+    <p:fade/>
+  </p:transition>
+  <p:timing>
+    <p:tnLst>
+      <p:par>
+        <p:cTn id="1" dur="indefinite" restart="never" nodeType="tmRoot"/>
+      </p:par>
+    </p:tnLst>
+  </p:timing>
+</p:sld>
+</file>
+
+<file path=ppt/slides/slide45.xml><?xml version="1.0" encoding="utf-8"?>
+<p:sld xmlns:a="http://schemas.openxmlformats.org/drawingml/2006/main" xmlns:r="http://schemas.openxmlformats.org/officeDocument/2006/relationships" xmlns:p="http://schemas.openxmlformats.org/presentationml/2006/main">
+  <p:cSld>
+    <p:spTree>
+      <p:nvGrpSpPr>
+        <p:cNvPr id="1" name=""/>
+        <p:cNvGrpSpPr/>
+        <p:nvPr/>
+      </p:nvGrpSpPr>
+      <p:grpSpPr>
+        <a:xfrm>
+          <a:off x="0" y="0"/>
+          <a:ext cx="0" cy="0"/>
+          <a:chOff x="0" y="0"/>
+          <a:chExt cx="0" cy="0"/>
+        </a:xfrm>
+      </p:grpSpPr>
+      <p:sp>
+        <p:nvSpPr>
+          <p:cNvPr id="2" name="Title 1"/>
+          <p:cNvSpPr>
+            <a:spLocks noGrp="1"/>
+          </p:cNvSpPr>
+          <p:nvPr>
+            <p:ph type="title"/>
+          </p:nvPr>
+        </p:nvSpPr>
+        <p:spPr>
+          <a:xfrm>
+            <a:off x="792873" y="3287278"/>
+            <a:ext cx="7740650" cy="644400"/>
+          </a:xfrm>
+        </p:spPr>
+        <p:txBody>
+          <a:bodyPr/>
+          <a:lstStyle/>
+          <a:p>
+            <a:pPr lvl="0" algn="ctr"/>
+            <a:r>
+              <a:rPr lang="nb-NO" b="0" dirty="0" smtClean="0"/>
+              <a:t>Flere ViewModeller er bedre enn èn stor</a:t>
+            </a:r>
+            <a:endParaRPr lang="nb-NO" b="0" dirty="0"/>
+          </a:p>
+        </p:txBody>
+      </p:sp>
+      <p:sp>
+        <p:nvSpPr>
+          <p:cNvPr id="4" name="Date Placeholder 3"/>
+          <p:cNvSpPr>
+            <a:spLocks noGrp="1"/>
+          </p:cNvSpPr>
+          <p:nvPr>
+            <p:ph type="dt" sz="half" idx="10"/>
+          </p:nvPr>
+        </p:nvSpPr>
+        <p:spPr/>
+        <p:txBody>
+          <a:bodyPr/>
+          <a:lstStyle/>
+          <a:p>
+            <a:fld id="{E7153C23-280C-6C4E-BD6E-2850A1F48140}" type="datetime1">
+              <a:rPr lang="nb-NO" smtClean="0"/>
+              <a:pPr/>
+              <a:t>09.09.2012</a:t>
+            </a:fld>
+            <a:endParaRPr lang="nn-NO"/>
+          </a:p>
+        </p:txBody>
+      </p:sp>
+      <p:sp>
+        <p:nvSpPr>
+          <p:cNvPr id="5" name="Footer Placeholder 4"/>
+          <p:cNvSpPr>
+            <a:spLocks noGrp="1"/>
+          </p:cNvSpPr>
+          <p:nvPr>
+            <p:ph type="ftr" sz="quarter" idx="11"/>
+          </p:nvPr>
+        </p:nvSpPr>
+        <p:spPr/>
+        <p:txBody>
+          <a:bodyPr/>
+          <a:lstStyle/>
+          <a:p>
+            <a:endParaRPr lang="nn-NO"/>
+          </a:p>
+        </p:txBody>
+      </p:sp>
+      <p:sp>
+        <p:nvSpPr>
+          <p:cNvPr id="6" name="Slide Number Placeholder 5"/>
+          <p:cNvSpPr>
+            <a:spLocks noGrp="1"/>
+          </p:cNvSpPr>
+          <p:nvPr>
+            <p:ph type="sldNum" sz="quarter" idx="12"/>
+          </p:nvPr>
+        </p:nvSpPr>
+        <p:spPr/>
+        <p:txBody>
+          <a:bodyPr/>
+          <a:lstStyle/>
+          <a:p>
+            <a:fld id="{7662BC30-1691-D142-AAE3-D9E8E91C2817}" type="slidenum">
+              <a:rPr lang="nn-NO" smtClean="0"/>
+              <a:pPr/>
+              <a:t>45</a:t>
+            </a:fld>
+            <a:endParaRPr lang="nn-NO"/>
+          </a:p>
+        </p:txBody>
+      </p:sp>
+    </p:spTree>
+    <p:extLst>
+      <p:ext uri="{BB962C8B-B14F-4D97-AF65-F5344CB8AC3E}">
+        <p14:creationId xmlns:p14="http://schemas.microsoft.com/office/powerpoint/2010/main" val="861936408"/>
+      </p:ext>
+    </p:extLst>
+  </p:cSld>
+  <p:clrMapOvr>
+    <a:masterClrMapping/>
+  </p:clrMapOvr>
+  <p:transition>
+    <p:fade/>
+  </p:transition>
+  <p:timing>
+    <p:tnLst>
+      <p:par>
+        <p:cTn id="1" dur="indefinite" restart="never" nodeType="tmRoot"/>
+      </p:par>
+    </p:tnLst>
+  </p:timing>
+</p:sld>
+</file>
+
+<file path=ppt/slides/slide46.xml><?xml version="1.0" encoding="utf-8"?>
+<p:sld xmlns:a="http://schemas.openxmlformats.org/drawingml/2006/main" xmlns:r="http://schemas.openxmlformats.org/officeDocument/2006/relationships" xmlns:p="http://schemas.openxmlformats.org/presentationml/2006/main">
+  <p:cSld>
+    <p:spTree>
+      <p:nvGrpSpPr>
+        <p:cNvPr id="1" name=""/>
+        <p:cNvGrpSpPr/>
+        <p:nvPr/>
+      </p:nvGrpSpPr>
+      <p:grpSpPr>
+        <a:xfrm>
+          <a:off x="0" y="0"/>
+          <a:ext cx="0" cy="0"/>
+          <a:chOff x="0" y="0"/>
+          <a:chExt cx="0" cy="0"/>
+        </a:xfrm>
+      </p:grpSpPr>
+      <p:sp>
+        <p:nvSpPr>
+          <p:cNvPr id="2" name="Title 1"/>
+          <p:cNvSpPr>
+            <a:spLocks noGrp="1"/>
+          </p:cNvSpPr>
+          <p:nvPr>
+            <p:ph type="title"/>
+          </p:nvPr>
+        </p:nvSpPr>
+        <p:spPr>
+          <a:xfrm>
+            <a:off x="792873" y="3287278"/>
+            <a:ext cx="7740650" cy="644400"/>
+          </a:xfrm>
+        </p:spPr>
+        <p:txBody>
+          <a:bodyPr/>
+          <a:lstStyle/>
+          <a:p>
+            <a:pPr lvl="0" algn="ctr"/>
+            <a:r>
+              <a:rPr lang="nb-NO" b="0" dirty="0" smtClean="0"/>
+              <a:t>ViewModeller skal være «dumme»</a:t>
+            </a:r>
+            <a:endParaRPr lang="nb-NO" b="0" dirty="0"/>
+          </a:p>
+        </p:txBody>
+      </p:sp>
+      <p:sp>
+        <p:nvSpPr>
+          <p:cNvPr id="4" name="Date Placeholder 3"/>
+          <p:cNvSpPr>
+            <a:spLocks noGrp="1"/>
+          </p:cNvSpPr>
+          <p:nvPr>
+            <p:ph type="dt" sz="half" idx="10"/>
+          </p:nvPr>
+        </p:nvSpPr>
+        <p:spPr/>
+        <p:txBody>
+          <a:bodyPr/>
+          <a:lstStyle/>
+          <a:p>
+            <a:fld id="{E7153C23-280C-6C4E-BD6E-2850A1F48140}" type="datetime1">
+              <a:rPr lang="nb-NO" smtClean="0"/>
+              <a:pPr/>
+              <a:t>09.09.2012</a:t>
+            </a:fld>
+            <a:endParaRPr lang="nn-NO"/>
+          </a:p>
+        </p:txBody>
+      </p:sp>
+      <p:sp>
+        <p:nvSpPr>
+          <p:cNvPr id="5" name="Footer Placeholder 4"/>
+          <p:cNvSpPr>
+            <a:spLocks noGrp="1"/>
+          </p:cNvSpPr>
+          <p:nvPr>
+            <p:ph type="ftr" sz="quarter" idx="11"/>
+          </p:nvPr>
+        </p:nvSpPr>
+        <p:spPr/>
+        <p:txBody>
+          <a:bodyPr/>
+          <a:lstStyle/>
+          <a:p>
+            <a:endParaRPr lang="nn-NO"/>
+          </a:p>
+        </p:txBody>
+      </p:sp>
+      <p:sp>
+        <p:nvSpPr>
+          <p:cNvPr id="6" name="Slide Number Placeholder 5"/>
+          <p:cNvSpPr>
+            <a:spLocks noGrp="1"/>
+          </p:cNvSpPr>
+          <p:nvPr>
+            <p:ph type="sldNum" sz="quarter" idx="12"/>
+          </p:nvPr>
+        </p:nvSpPr>
+        <p:spPr/>
+        <p:txBody>
+          <a:bodyPr/>
+          <a:lstStyle/>
+          <a:p>
+            <a:fld id="{7662BC30-1691-D142-AAE3-D9E8E91C2817}" type="slidenum">
+              <a:rPr lang="nn-NO" smtClean="0"/>
+              <a:pPr/>
+              <a:t>46</a:t>
+            </a:fld>
+            <a:endParaRPr lang="nn-NO"/>
+          </a:p>
+        </p:txBody>
+      </p:sp>
+    </p:spTree>
+    <p:extLst>
+      <p:ext uri="{BB962C8B-B14F-4D97-AF65-F5344CB8AC3E}">
+        <p14:creationId xmlns:p14="http://schemas.microsoft.com/office/powerpoint/2010/main" val="4161767100"/>
+      </p:ext>
+    </p:extLst>
+  </p:cSld>
+  <p:clrMapOvr>
+    <a:masterClrMapping/>
+  </p:clrMapOvr>
+  <p:transition>
+    <p:fade/>
+  </p:transition>
+  <p:timing>
+    <p:tnLst>
+      <p:par>
+        <p:cTn id="1" dur="indefinite" restart="never" nodeType="tmRoot"/>
+      </p:par>
+    </p:tnLst>
+  </p:timing>
+</p:sld>
+</file>
+
+<file path=ppt/slides/slide47.xml><?xml version="1.0" encoding="utf-8"?>
+<p:sld xmlns:a="http://schemas.openxmlformats.org/drawingml/2006/main" xmlns:r="http://schemas.openxmlformats.org/officeDocument/2006/relationships" xmlns:p="http://schemas.openxmlformats.org/presentationml/2006/main">
+  <p:cSld>
+    <p:spTree>
+      <p:nvGrpSpPr>
+        <p:cNvPr id="1" name=""/>
+        <p:cNvGrpSpPr/>
+        <p:nvPr/>
+      </p:nvGrpSpPr>
+      <p:grpSpPr>
+        <a:xfrm>
+          <a:off x="0" y="0"/>
+          <a:ext cx="0" cy="0"/>
+          <a:chOff x="0" y="0"/>
+          <a:chExt cx="0" cy="0"/>
+        </a:xfrm>
+      </p:grpSpPr>
+      <p:sp>
+        <p:nvSpPr>
+          <p:cNvPr id="2" name="Title 1"/>
+          <p:cNvSpPr>
+            <a:spLocks noGrp="1"/>
+          </p:cNvSpPr>
+          <p:nvPr>
+            <p:ph type="title"/>
+          </p:nvPr>
+        </p:nvSpPr>
+        <p:spPr/>
+        <p:txBody>
+          <a:bodyPr/>
+          <a:lstStyle/>
+          <a:p>
+            <a:r>
+              <a:rPr lang="nb-NO" dirty="0" smtClean="0"/>
+              <a:t>Lab!</a:t>
+            </a:r>
+            <a:endParaRPr lang="nb-NO" dirty="0"/>
+          </a:p>
+        </p:txBody>
+      </p:sp>
+      <p:sp>
+        <p:nvSpPr>
+          <p:cNvPr id="3" name="Content Placeholder 2"/>
+          <p:cNvSpPr>
+            <a:spLocks noGrp="1"/>
+          </p:cNvSpPr>
+          <p:nvPr>
+            <p:ph idx="1"/>
+          </p:nvPr>
+        </p:nvSpPr>
+        <p:spPr/>
+        <p:txBody>
+          <a:bodyPr/>
+          <a:lstStyle/>
+          <a:p>
+            <a:r>
+              <a:rPr lang="nb-NO" dirty="0" smtClean="0"/>
+              <a:t>Implementer dependency injection</a:t>
+            </a:r>
+          </a:p>
+          <a:p>
+            <a:r>
+              <a:rPr lang="nb-NO" dirty="0" smtClean="0"/>
+              <a:t>Implementer enhetstester</a:t>
+            </a:r>
+          </a:p>
+          <a:p>
+            <a:r>
+              <a:rPr lang="nb-NO" dirty="0" smtClean="0"/>
+              <a:t>Fiks testen som feiler</a:t>
+            </a:r>
+          </a:p>
+        </p:txBody>
+      </p:sp>
+      <p:sp>
+        <p:nvSpPr>
+          <p:cNvPr id="4" name="Date Placeholder 3"/>
+          <p:cNvSpPr>
+            <a:spLocks noGrp="1"/>
+          </p:cNvSpPr>
+          <p:nvPr>
+            <p:ph type="dt" sz="half" idx="10"/>
+          </p:nvPr>
+        </p:nvSpPr>
+        <p:spPr/>
+        <p:txBody>
+          <a:bodyPr/>
+          <a:lstStyle/>
+          <a:p>
+            <a:fld id="{E7153C23-280C-6C4E-BD6E-2850A1F48140}" type="datetime1">
+              <a:rPr lang="nb-NO" smtClean="0"/>
+              <a:pPr/>
+              <a:t>09.09.2012</a:t>
+            </a:fld>
+            <a:endParaRPr lang="nn-NO"/>
+          </a:p>
+        </p:txBody>
+      </p:sp>
+      <p:sp>
+        <p:nvSpPr>
+          <p:cNvPr id="5" name="Footer Placeholder 4"/>
+          <p:cNvSpPr>
+            <a:spLocks noGrp="1"/>
+          </p:cNvSpPr>
+          <p:nvPr>
+            <p:ph type="ftr" sz="quarter" idx="11"/>
+          </p:nvPr>
+        </p:nvSpPr>
+        <p:spPr/>
+        <p:txBody>
+          <a:bodyPr/>
+          <a:lstStyle/>
+          <a:p>
+            <a:endParaRPr lang="nn-NO"/>
+          </a:p>
+        </p:txBody>
+      </p:sp>
+      <p:sp>
+        <p:nvSpPr>
+          <p:cNvPr id="6" name="Slide Number Placeholder 5"/>
+          <p:cNvSpPr>
+            <a:spLocks noGrp="1"/>
+          </p:cNvSpPr>
+          <p:nvPr>
+            <p:ph type="sldNum" sz="quarter" idx="12"/>
+          </p:nvPr>
+        </p:nvSpPr>
+        <p:spPr/>
+        <p:txBody>
+          <a:bodyPr/>
+          <a:lstStyle/>
+          <a:p>
+            <a:fld id="{7662BC30-1691-D142-AAE3-D9E8E91C2817}" type="slidenum">
+              <a:rPr lang="nn-NO" smtClean="0"/>
+              <a:pPr/>
+              <a:t>47</a:t>
+            </a:fld>
+            <a:endParaRPr lang="nn-NO"/>
+          </a:p>
+        </p:txBody>
+      </p:sp>
+    </p:spTree>
+    <p:extLst>
+      <p:ext uri="{BB962C8B-B14F-4D97-AF65-F5344CB8AC3E}">
+        <p14:creationId xmlns:p14="http://schemas.microsoft.com/office/powerpoint/2010/main" val="3839651592"/>
+      </p:ext>
+    </p:extLst>
+  </p:cSld>
+  <p:clrMapOvr>
+    <a:masterClrMapping/>
+  </p:clrMapOvr>
+  <p:transition>
+    <p:fade/>
+  </p:transition>
+  <p:timing>
+    <p:tnLst>
+      <p:par>
+        <p:cTn id="1" dur="indefinite" restart="never" nodeType="tmRoot"/>
+      </p:par>
+    </p:tnLst>
+  </p:timing>
+</p:sld>
+</file>
+
+<file path=ppt/slides/slide48.xml><?xml version="1.0" encoding="utf-8"?>
+<p:sld xmlns:a="http://schemas.openxmlformats.org/drawingml/2006/main" xmlns:r="http://schemas.openxmlformats.org/officeDocument/2006/relationships" xmlns:p="http://schemas.openxmlformats.org/presentationml/2006/main">
+  <p:cSld>
+    <p:spTree>
+      <p:nvGrpSpPr>
+        <p:cNvPr id="1" name=""/>
+        <p:cNvGrpSpPr/>
+        <p:nvPr/>
+      </p:nvGrpSpPr>
+      <p:grpSpPr>
+        <a:xfrm>
+          <a:off x="0" y="0"/>
+          <a:ext cx="0" cy="0"/>
+          <a:chOff x="0" y="0"/>
+          <a:chExt cx="0" cy="0"/>
+        </a:xfrm>
+      </p:grpSpPr>
+      <p:sp>
+        <p:nvSpPr>
+          <p:cNvPr id="2" name="Title 1"/>
+          <p:cNvSpPr>
+            <a:spLocks noGrp="1"/>
+          </p:cNvSpPr>
+          <p:nvPr>
+            <p:ph type="title"/>
+          </p:nvPr>
+        </p:nvSpPr>
+        <p:spPr>
+          <a:xfrm>
+            <a:off x="792873" y="3287278"/>
+            <a:ext cx="7740650" cy="644400"/>
+          </a:xfrm>
+        </p:spPr>
+        <p:txBody>
+          <a:bodyPr/>
+          <a:lstStyle/>
+          <a:p>
+            <a:pPr lvl="0" algn="ctr"/>
+            <a:r>
+              <a:rPr lang="nb-NO" dirty="0" smtClean="0"/>
+              <a:t>Ekstra goodies?</a:t>
+            </a:r>
+            <a:endParaRPr lang="nb-NO" dirty="0"/>
+          </a:p>
+        </p:txBody>
+      </p:sp>
+      <p:sp>
+        <p:nvSpPr>
+          <p:cNvPr id="4" name="Date Placeholder 3"/>
+          <p:cNvSpPr>
+            <a:spLocks noGrp="1"/>
+          </p:cNvSpPr>
+          <p:nvPr>
+            <p:ph type="dt" sz="half" idx="10"/>
+          </p:nvPr>
+        </p:nvSpPr>
+        <p:spPr/>
+        <p:txBody>
+          <a:bodyPr/>
+          <a:lstStyle/>
+          <a:p>
+            <a:fld id="{E7153C23-280C-6C4E-BD6E-2850A1F48140}" type="datetime1">
+              <a:rPr lang="nb-NO" smtClean="0"/>
+              <a:pPr/>
+              <a:t>09.09.2012</a:t>
+            </a:fld>
+            <a:endParaRPr lang="nn-NO"/>
+          </a:p>
+        </p:txBody>
+      </p:sp>
+      <p:sp>
+        <p:nvSpPr>
+          <p:cNvPr id="5" name="Footer Placeholder 4"/>
+          <p:cNvSpPr>
+            <a:spLocks noGrp="1"/>
+          </p:cNvSpPr>
+          <p:nvPr>
+            <p:ph type="ftr" sz="quarter" idx="11"/>
+          </p:nvPr>
+        </p:nvSpPr>
+        <p:spPr/>
+        <p:txBody>
+          <a:bodyPr/>
+          <a:lstStyle/>
+          <a:p>
+            <a:endParaRPr lang="nn-NO"/>
+          </a:p>
+        </p:txBody>
+      </p:sp>
+      <p:sp>
+        <p:nvSpPr>
+          <p:cNvPr id="6" name="Slide Number Placeholder 5"/>
+          <p:cNvSpPr>
+            <a:spLocks noGrp="1"/>
+          </p:cNvSpPr>
+          <p:nvPr>
+            <p:ph type="sldNum" sz="quarter" idx="12"/>
+          </p:nvPr>
+        </p:nvSpPr>
+        <p:spPr/>
+        <p:txBody>
+          <a:bodyPr/>
+          <a:lstStyle/>
+          <a:p>
+            <a:fld id="{7662BC30-1691-D142-AAE3-D9E8E91C2817}" type="slidenum">
+              <a:rPr lang="nn-NO" smtClean="0"/>
+              <a:pPr/>
+              <a:t>48</a:t>
+            </a:fld>
+            <a:endParaRPr lang="nn-NO"/>
+          </a:p>
+        </p:txBody>
+      </p:sp>
+    </p:spTree>
+    <p:extLst>
+      <p:ext uri="{BB962C8B-B14F-4D97-AF65-F5344CB8AC3E}">
+        <p14:creationId xmlns:p14="http://schemas.microsoft.com/office/powerpoint/2010/main" val="69134838"/>
+      </p:ext>
+    </p:extLst>
+  </p:cSld>
+  <p:clrMapOvr>
+    <a:masterClrMapping/>
+  </p:clrMapOvr>
+  <p:transition>
+    <p:fade/>
+  </p:transition>
+  <p:timing>
+    <p:tnLst>
+      <p:par>
+        <p:cTn id="1" dur="indefinite" restart="never" nodeType="tmRoot"/>
+      </p:par>
+    </p:tnLst>
+  </p:timing>
+</p:sld>
+</file>
+
+<file path=ppt/slides/slide49.xml><?xml version="1.0" encoding="utf-8"?>
+<p:sld xmlns:a="http://schemas.openxmlformats.org/drawingml/2006/main" xmlns:r="http://schemas.openxmlformats.org/officeDocument/2006/relationships" xmlns:p="http://schemas.openxmlformats.org/presentationml/2006/main">
+  <p:cSld>
+    <p:spTree>
+      <p:nvGrpSpPr>
+        <p:cNvPr id="1" name=""/>
+        <p:cNvGrpSpPr/>
+        <p:nvPr/>
+      </p:nvGrpSpPr>
+      <p:grpSpPr>
+        <a:xfrm>
+          <a:off x="0" y="0"/>
+          <a:ext cx="0" cy="0"/>
+          <a:chOff x="0" y="0"/>
+          <a:chExt cx="0" cy="0"/>
+        </a:xfrm>
+      </p:grpSpPr>
+      <p:sp>
+        <p:nvSpPr>
+          <p:cNvPr id="2" name="Title 1"/>
+          <p:cNvSpPr>
+            <a:spLocks noGrp="1"/>
+          </p:cNvSpPr>
+          <p:nvPr>
+            <p:ph type="title"/>
+          </p:nvPr>
+        </p:nvSpPr>
+        <p:spPr>
+          <a:xfrm>
+            <a:off x="792873" y="3287278"/>
+            <a:ext cx="7740650" cy="644400"/>
+          </a:xfrm>
+        </p:spPr>
+        <p:txBody>
+          <a:bodyPr/>
+          <a:lstStyle/>
+          <a:p>
+            <a:pPr lvl="0" algn="ctr"/>
+            <a:r>
+              <a:rPr lang="nb-NO" dirty="0" smtClean="0"/>
+              <a:t>I såfall – Demo!</a:t>
+            </a:r>
+            <a:endParaRPr lang="nb-NO" dirty="0"/>
+          </a:p>
+        </p:txBody>
+      </p:sp>
+      <p:sp>
+        <p:nvSpPr>
+          <p:cNvPr id="4" name="Date Placeholder 3"/>
+          <p:cNvSpPr>
+            <a:spLocks noGrp="1"/>
+          </p:cNvSpPr>
+          <p:nvPr>
+            <p:ph type="dt" sz="half" idx="10"/>
+          </p:nvPr>
+        </p:nvSpPr>
+        <p:spPr/>
+        <p:txBody>
+          <a:bodyPr/>
+          <a:lstStyle/>
+          <a:p>
+            <a:fld id="{E7153C23-280C-6C4E-BD6E-2850A1F48140}" type="datetime1">
+              <a:rPr lang="nb-NO" smtClean="0"/>
+              <a:pPr/>
+              <a:t>09.09.2012</a:t>
+            </a:fld>
+            <a:endParaRPr lang="nn-NO"/>
+          </a:p>
+        </p:txBody>
+      </p:sp>
+      <p:sp>
+        <p:nvSpPr>
+          <p:cNvPr id="5" name="Footer Placeholder 4"/>
+          <p:cNvSpPr>
+            <a:spLocks noGrp="1"/>
+          </p:cNvSpPr>
+          <p:nvPr>
+            <p:ph type="ftr" sz="quarter" idx="11"/>
+          </p:nvPr>
+        </p:nvSpPr>
+        <p:spPr/>
+        <p:txBody>
+          <a:bodyPr/>
+          <a:lstStyle/>
+          <a:p>
+            <a:endParaRPr lang="nn-NO"/>
+          </a:p>
+        </p:txBody>
+      </p:sp>
+      <p:sp>
+        <p:nvSpPr>
+          <p:cNvPr id="6" name="Slide Number Placeholder 5"/>
+          <p:cNvSpPr>
+            <a:spLocks noGrp="1"/>
+          </p:cNvSpPr>
+          <p:nvPr>
+            <p:ph type="sldNum" sz="quarter" idx="12"/>
+          </p:nvPr>
+        </p:nvSpPr>
+        <p:spPr/>
+        <p:txBody>
+          <a:bodyPr/>
+          <a:lstStyle/>
+          <a:p>
+            <a:fld id="{7662BC30-1691-D142-AAE3-D9E8E91C2817}" type="slidenum">
+              <a:rPr lang="nn-NO" smtClean="0"/>
+              <a:pPr/>
+              <a:t>49</a:t>
+            </a:fld>
+            <a:endParaRPr lang="nn-NO"/>
+          </a:p>
+        </p:txBody>
+      </p:sp>
+    </p:spTree>
+    <p:extLst>
+      <p:ext uri="{BB962C8B-B14F-4D97-AF65-F5344CB8AC3E}">
+        <p14:creationId xmlns:p14="http://schemas.microsoft.com/office/powerpoint/2010/main" val="1512675317"/>
       </p:ext>
     </p:extLst>
   </p:cSld>
@@ -15268,6 +19732,142 @@
     <p:extLst>
       <p:ext uri="{BB962C8B-B14F-4D97-AF65-F5344CB8AC3E}">
         <p14:creationId xmlns:p14="http://schemas.microsoft.com/office/powerpoint/2010/main" val="1445685764"/>
+      </p:ext>
+    </p:extLst>
+  </p:cSld>
+  <p:clrMapOvr>
+    <a:masterClrMapping/>
+  </p:clrMapOvr>
+  <p:transition>
+    <p:fade/>
+  </p:transition>
+  <p:timing>
+    <p:tnLst>
+      <p:par>
+        <p:cTn id="1" dur="indefinite" restart="never" nodeType="tmRoot"/>
+      </p:par>
+    </p:tnLst>
+  </p:timing>
+</p:sld>
+</file>
+
+<file path=ppt/slides/slide50.xml><?xml version="1.0" encoding="utf-8"?>
+<p:sld xmlns:a="http://schemas.openxmlformats.org/drawingml/2006/main" xmlns:r="http://schemas.openxmlformats.org/officeDocument/2006/relationships" xmlns:p="http://schemas.openxmlformats.org/presentationml/2006/main">
+  <p:cSld>
+    <p:spTree>
+      <p:nvGrpSpPr>
+        <p:cNvPr id="1" name=""/>
+        <p:cNvGrpSpPr/>
+        <p:nvPr/>
+      </p:nvGrpSpPr>
+      <p:grpSpPr>
+        <a:xfrm>
+          <a:off x="0" y="0"/>
+          <a:ext cx="0" cy="0"/>
+          <a:chOff x="0" y="0"/>
+          <a:chExt cx="0" cy="0"/>
+        </a:xfrm>
+      </p:grpSpPr>
+      <p:sp>
+        <p:nvSpPr>
+          <p:cNvPr id="2" name="Title 1"/>
+          <p:cNvSpPr>
+            <a:spLocks noGrp="1"/>
+          </p:cNvSpPr>
+          <p:nvPr>
+            <p:ph type="title"/>
+          </p:nvPr>
+        </p:nvSpPr>
+        <p:spPr>
+          <a:xfrm>
+            <a:off x="792873" y="3287278"/>
+            <a:ext cx="7740650" cy="644400"/>
+          </a:xfrm>
+        </p:spPr>
+        <p:txBody>
+          <a:bodyPr/>
+          <a:lstStyle/>
+          <a:p>
+            <a:pPr lvl="0" algn="ctr"/>
+            <a:r>
+              <a:rPr lang="nb-NO" dirty="0" smtClean="0"/>
+              <a:t>Hvis ikke – Takk for meg!</a:t>
+            </a:r>
+            <a:endParaRPr lang="nb-NO" dirty="0"/>
+          </a:p>
+        </p:txBody>
+      </p:sp>
+      <p:sp>
+        <p:nvSpPr>
+          <p:cNvPr id="4" name="Date Placeholder 3"/>
+          <p:cNvSpPr>
+            <a:spLocks noGrp="1"/>
+          </p:cNvSpPr>
+          <p:nvPr>
+            <p:ph type="dt" sz="half" idx="10"/>
+          </p:nvPr>
+        </p:nvSpPr>
+        <p:spPr/>
+        <p:txBody>
+          <a:bodyPr/>
+          <a:lstStyle/>
+          <a:p>
+            <a:fld id="{E7153C23-280C-6C4E-BD6E-2850A1F48140}" type="datetime1">
+              <a:rPr lang="nb-NO" smtClean="0"/>
+              <a:pPr/>
+              <a:t>09.09.2012</a:t>
+            </a:fld>
+            <a:endParaRPr lang="nn-NO"/>
+          </a:p>
+        </p:txBody>
+      </p:sp>
+      <p:sp>
+        <p:nvSpPr>
+          <p:cNvPr id="5" name="Footer Placeholder 4"/>
+          <p:cNvSpPr>
+            <a:spLocks noGrp="1"/>
+          </p:cNvSpPr>
+          <p:nvPr>
+            <p:ph type="ftr" sz="quarter" idx="11"/>
+          </p:nvPr>
+        </p:nvSpPr>
+        <p:spPr/>
+        <p:txBody>
+          <a:bodyPr/>
+          <a:lstStyle/>
+          <a:p>
+            <a:endParaRPr lang="nn-NO"/>
+          </a:p>
+        </p:txBody>
+      </p:sp>
+      <p:sp>
+        <p:nvSpPr>
+          <p:cNvPr id="6" name="Slide Number Placeholder 5"/>
+          <p:cNvSpPr>
+            <a:spLocks noGrp="1"/>
+          </p:cNvSpPr>
+          <p:nvPr>
+            <p:ph type="sldNum" sz="quarter" idx="12"/>
+          </p:nvPr>
+        </p:nvSpPr>
+        <p:spPr/>
+        <p:txBody>
+          <a:bodyPr/>
+          <a:lstStyle/>
+          <a:p>
+            <a:fld id="{7662BC30-1691-D142-AAE3-D9E8E91C2817}" type="slidenum">
+              <a:rPr lang="nn-NO" smtClean="0"/>
+              <a:pPr/>
+              <a:t>50</a:t>
+            </a:fld>
+            <a:endParaRPr lang="nn-NO"/>
+          </a:p>
+        </p:txBody>
+      </p:sp>
+    </p:spTree>
+    <p:extLst>
+      <p:ext uri="{BB962C8B-B14F-4D97-AF65-F5344CB8AC3E}">
+        <p14:creationId xmlns:p14="http://schemas.microsoft.com/office/powerpoint/2010/main" val="3303235603"/>
       </p:ext>
     </p:extLst>
   </p:cSld>

--- a/Material/MVC.pptx
+++ b/Material/MVC.pptx
@@ -161,7 +161,7 @@
   </p:defaultTextStyle>
   <p:extLst>
     <p:ext uri="{EFAFB233-063F-42B5-8137-9DF3F51BA10A}">
-      <p15:sldGuideLst xmlns:p15="http://schemas.microsoft.com/office/powerpoint/2012/main" xmlns="">
+      <p15:sldGuideLst xmlns="" xmlns:p15="http://schemas.microsoft.com/office/powerpoint/2012/main">
         <p15:guide id="1" orient="horz" pos="2160">
           <p15:clr>
             <a:srgbClr val="A4A3A4"/>
@@ -261,7 +261,7 @@
             <a:fld id="{6A1CD613-00B3-F141-B6FD-518AEC315CE3}" type="datetime1">
               <a:rPr lang="nb-NO"/>
               <a:pPr/>
-              <a:t>09.09.2012</a:t>
+              <a:t>10.09.2012</a:t>
             </a:fld>
             <a:endParaRPr lang="nn-NO"/>
           </a:p>
@@ -429,7 +429,7 @@
             <a:fld id="{071FFDA9-16CA-5545-BE57-6C81A5B4E44B}" type="datetime1">
               <a:rPr lang="nb-NO"/>
               <a:pPr/>
-              <a:t>09.09.2012</a:t>
+              <a:t>10.09.2012</a:t>
             </a:fld>
             <a:endParaRPr lang="nn-NO"/>
           </a:p>
@@ -856,7 +856,7 @@
             <a:fld id="{528E7876-5FAB-5445-B77E-737DA6EC0B43}" type="slidenum">
               <a:rPr lang="nb-NO" smtClean="0"/>
               <a:pPr/>
-              <a:t>17</a:t>
+              <a:t>15</a:t>
             </a:fld>
             <a:endParaRPr lang="nb-NO"/>
           </a:p>
@@ -941,7 +941,7 @@
             <a:fld id="{528E7876-5FAB-5445-B77E-737DA6EC0B43}" type="slidenum">
               <a:rPr lang="nb-NO" smtClean="0"/>
               <a:pPr/>
-              <a:t>18</a:t>
+              <a:t>16</a:t>
             </a:fld>
             <a:endParaRPr lang="nb-NO"/>
           </a:p>
@@ -1026,7 +1026,7 @@
             <a:fld id="{528E7876-5FAB-5445-B77E-737DA6EC0B43}" type="slidenum">
               <a:rPr lang="nb-NO" smtClean="0"/>
               <a:pPr/>
-              <a:t>19</a:t>
+              <a:t>17</a:t>
             </a:fld>
             <a:endParaRPr lang="nb-NO"/>
           </a:p>
@@ -1089,6 +1089,34 @@
           <a:bodyPr/>
           <a:lstStyle/>
           <a:p>
+            <a:r>
+              <a:rPr lang="nb-NO" dirty="0" smtClean="0"/>
+              <a:t>WebForms har en sterk binding mellom kontroller på siden og koden bak</a:t>
+            </a:r>
+          </a:p>
+          <a:p>
+            <a:r>
+              <a:rPr lang="nb-NO" dirty="0" smtClean="0"/>
+              <a:t>Utrolig vanskelig å skrive gode tester</a:t>
+            </a:r>
+          </a:p>
+          <a:p>
+            <a:r>
+              <a:rPr lang="nb-NO" dirty="0" smtClean="0"/>
+              <a:t>Veldig vanskelig å få en god struktur</a:t>
+            </a:r>
+          </a:p>
+          <a:p>
+            <a:r>
+              <a:rPr lang="nb-NO" dirty="0" smtClean="0"/>
+              <a:t>WebForms</a:t>
+            </a:r>
+            <a:r>
+              <a:rPr lang="nb-NO" baseline="0" dirty="0" smtClean="0"/>
+              <a:t> = Forsøk på å dytte WinForms ut på Web</a:t>
+            </a:r>
+          </a:p>
+          <a:p>
             <a:endParaRPr lang="nb-NO" dirty="0"/>
           </a:p>
         </p:txBody>
@@ -1111,7 +1139,7 @@
             <a:fld id="{528E7876-5FAB-5445-B77E-737DA6EC0B43}" type="slidenum">
               <a:rPr lang="nb-NO" smtClean="0"/>
               <a:pPr/>
-              <a:t>20</a:t>
+              <a:t>18</a:t>
             </a:fld>
             <a:endParaRPr lang="nb-NO"/>
           </a:p>
@@ -1196,7 +1224,7 @@
             <a:fld id="{528E7876-5FAB-5445-B77E-737DA6EC0B43}" type="slidenum">
               <a:rPr lang="nb-NO" smtClean="0"/>
               <a:pPr/>
-              <a:t>21</a:t>
+              <a:t>19</a:t>
             </a:fld>
             <a:endParaRPr lang="nb-NO"/>
           </a:p>
@@ -1281,7 +1309,7 @@
             <a:fld id="{528E7876-5FAB-5445-B77E-737DA6EC0B43}" type="slidenum">
               <a:rPr lang="nb-NO" smtClean="0"/>
               <a:pPr/>
-              <a:t>23</a:t>
+              <a:t>20</a:t>
             </a:fld>
             <a:endParaRPr lang="nb-NO"/>
           </a:p>
@@ -1366,7 +1394,7 @@
             <a:fld id="{528E7876-5FAB-5445-B77E-737DA6EC0B43}" type="slidenum">
               <a:rPr lang="nb-NO" smtClean="0"/>
               <a:pPr/>
-              <a:t>24</a:t>
+              <a:t>21</a:t>
             </a:fld>
             <a:endParaRPr lang="nb-NO"/>
           </a:p>
@@ -1451,7 +1479,7 @@
             <a:fld id="{528E7876-5FAB-5445-B77E-737DA6EC0B43}" type="slidenum">
               <a:rPr lang="nb-NO" smtClean="0"/>
               <a:pPr/>
-              <a:t>25</a:t>
+              <a:t>23</a:t>
             </a:fld>
             <a:endParaRPr lang="nb-NO"/>
           </a:p>
@@ -1514,6 +1542,22 @@
           <a:bodyPr/>
           <a:lstStyle/>
           <a:p>
+            <a:r>
+              <a:rPr lang="nb-NO" dirty="0" smtClean="0"/>
+              <a:t>...og det er BRA!</a:t>
+            </a:r>
+          </a:p>
+          <a:p>
+            <a:r>
+              <a:rPr lang="nb-NO" dirty="0" smtClean="0"/>
+              <a:t>Hvorfor</a:t>
+            </a:r>
+            <a:r>
+              <a:rPr lang="nb-NO" baseline="0" dirty="0" smtClean="0"/>
+              <a:t> skal man trenger Code Behind?</a:t>
+            </a:r>
+          </a:p>
+          <a:p>
             <a:endParaRPr lang="nb-NO" dirty="0"/>
           </a:p>
         </p:txBody>
@@ -1536,7 +1580,7 @@
             <a:fld id="{528E7876-5FAB-5445-B77E-737DA6EC0B43}" type="slidenum">
               <a:rPr lang="nb-NO" smtClean="0"/>
               <a:pPr/>
-              <a:t>26</a:t>
+              <a:t>24</a:t>
             </a:fld>
             <a:endParaRPr lang="nb-NO"/>
           </a:p>
@@ -1599,6 +1643,20 @@
           <a:bodyPr/>
           <a:lstStyle/>
           <a:p>
+            <a:r>
+              <a:rPr lang="nb-NO" dirty="0" smtClean="0"/>
+              <a:t>EventHandlers er fælt!</a:t>
+            </a:r>
+          </a:p>
+          <a:p>
+            <a:r>
+              <a:rPr lang="nb-NO" dirty="0" smtClean="0"/>
+              <a:t>MVC</a:t>
+            </a:r>
+            <a:r>
+              <a:rPr lang="nb-NO" baseline="0" dirty="0" smtClean="0"/>
+              <a:t> benytter seg av HTTP-protokollen istedet for rammeverk-spesifikke greier</a:t>
+            </a:r>
             <a:endParaRPr lang="nb-NO" dirty="0"/>
           </a:p>
         </p:txBody>
@@ -1621,7 +1679,7 @@
             <a:fld id="{528E7876-5FAB-5445-B77E-737DA6EC0B43}" type="slidenum">
               <a:rPr lang="nb-NO" smtClean="0"/>
               <a:pPr/>
-              <a:t>27</a:t>
+              <a:t>25</a:t>
             </a:fld>
             <a:endParaRPr lang="nb-NO"/>
           </a:p>
@@ -1686,7 +1744,7 @@
           <a:p>
             <a:r>
               <a:rPr lang="nb-NO" dirty="0" smtClean="0"/>
-              <a:t>HTML+Razor</a:t>
+              <a:t>- Model er en «dum» klasse som kun skal inneholde data som trengs for å vise Viewet riktig</a:t>
             </a:r>
             <a:endParaRPr lang="nb-NO" dirty="0"/>
           </a:p>
@@ -1710,7 +1768,7 @@
             <a:fld id="{528E7876-5FAB-5445-B77E-737DA6EC0B43}" type="slidenum">
               <a:rPr lang="nb-NO" smtClean="0"/>
               <a:pPr/>
-              <a:t>7</a:t>
+              <a:t>6</a:t>
             </a:fld>
             <a:endParaRPr lang="nb-NO"/>
           </a:p>
@@ -1719,7 +1777,7 @@
     </p:spTree>
     <p:extLst>
       <p:ext uri="{BB962C8B-B14F-4D97-AF65-F5344CB8AC3E}">
-        <p14:creationId xmlns:p14="http://schemas.microsoft.com/office/powerpoint/2010/main" val="2990323578"/>
+        <p14:creationId xmlns:p14="http://schemas.microsoft.com/office/powerpoint/2010/main" val="3950935386"/>
       </p:ext>
     </p:extLst>
   </p:cSld>
@@ -1795,7 +1853,7 @@
             <a:fld id="{528E7876-5FAB-5445-B77E-737DA6EC0B43}" type="slidenum">
               <a:rPr lang="nb-NO" smtClean="0"/>
               <a:pPr/>
-              <a:t>28</a:t>
+              <a:t>26</a:t>
             </a:fld>
             <a:endParaRPr lang="nb-NO"/>
           </a:p>
@@ -1880,7 +1938,7 @@
             <a:fld id="{528E7876-5FAB-5445-B77E-737DA6EC0B43}" type="slidenum">
               <a:rPr lang="nb-NO" smtClean="0"/>
               <a:pPr/>
-              <a:t>29</a:t>
+              <a:t>27</a:t>
             </a:fld>
             <a:endParaRPr lang="nb-NO"/>
           </a:p>
@@ -1943,6 +2001,24 @@
           <a:bodyPr/>
           <a:lstStyle/>
           <a:p>
+            <a:r>
+              <a:rPr lang="nb-NO" dirty="0" smtClean="0"/>
+              <a:t>Umulig i WebForms</a:t>
+            </a:r>
+          </a:p>
+          <a:p>
+            <a:r>
+              <a:rPr lang="nb-NO" dirty="0" smtClean="0"/>
+              <a:t>Mulig i MVC</a:t>
+            </a:r>
+          </a:p>
+          <a:p>
+            <a:r>
+              <a:rPr lang="nb-NO" dirty="0" smtClean="0"/>
+              <a:t>Fordel i MVC</a:t>
+            </a:r>
+          </a:p>
+          <a:p>
             <a:endParaRPr lang="nb-NO" dirty="0"/>
           </a:p>
         </p:txBody>
@@ -1965,7 +2041,7 @@
             <a:fld id="{528E7876-5FAB-5445-B77E-737DA6EC0B43}" type="slidenum">
               <a:rPr lang="nb-NO" smtClean="0"/>
               <a:pPr/>
-              <a:t>31</a:t>
+              <a:t>28</a:t>
             </a:fld>
             <a:endParaRPr lang="nb-NO"/>
           </a:p>
@@ -2028,6 +2104,58 @@
           <a:bodyPr/>
           <a:lstStyle/>
           <a:p>
+            <a:pPr marL="171450" indent="-171450">
+              <a:buFontTx/>
+              <a:buChar char="-"/>
+            </a:pPr>
+            <a:r>
+              <a:rPr lang="nb-NO" dirty="0" smtClean="0"/>
+              <a:t>Vis post av Login-informasjon</a:t>
+            </a:r>
+            <a:r>
+              <a:rPr lang="nb-NO" baseline="0" dirty="0" smtClean="0"/>
+              <a:t> til en action</a:t>
+            </a:r>
+          </a:p>
+          <a:p>
+            <a:pPr marL="171450" indent="-171450">
+              <a:buFontTx/>
+              <a:buChar char="-"/>
+            </a:pPr>
+            <a:r>
+              <a:rPr lang="nb-NO" baseline="0" dirty="0" smtClean="0"/>
+              <a:t>Lag en enkel implementasjon av FormsAuthenticaiton</a:t>
+            </a:r>
+          </a:p>
+          <a:p>
+            <a:pPr marL="171450" indent="-171450">
+              <a:buFontTx/>
+              <a:buChar char="-"/>
+            </a:pPr>
+            <a:r>
+              <a:rPr lang="nb-NO" baseline="0" dirty="0" smtClean="0"/>
+              <a:t>Lag Secret action på Home controller med [Authorize]</a:t>
+            </a:r>
+          </a:p>
+          <a:p>
+            <a:pPr marL="171450" indent="-171450">
+              <a:buFontTx/>
+              <a:buChar char="-"/>
+            </a:pPr>
+            <a:endParaRPr lang="nb-NO" baseline="0" dirty="0" smtClean="0"/>
+          </a:p>
+          <a:p>
+            <a:pPr marL="171450" indent="-171450">
+              <a:buFontTx/>
+              <a:buChar char="-"/>
+            </a:pPr>
+            <a:endParaRPr lang="nb-NO" baseline="0" dirty="0" smtClean="0"/>
+          </a:p>
+          <a:p>
+            <a:pPr marL="171450" indent="-171450">
+              <a:buFontTx/>
+              <a:buChar char="-"/>
+            </a:pPr>
             <a:endParaRPr lang="nb-NO" dirty="0"/>
           </a:p>
         </p:txBody>
@@ -2050,7 +2178,7 @@
             <a:fld id="{528E7876-5FAB-5445-B77E-737DA6EC0B43}" type="slidenum">
               <a:rPr lang="nb-NO" smtClean="0"/>
               <a:pPr/>
-              <a:t>32</a:t>
+              <a:t>29</a:t>
             </a:fld>
             <a:endParaRPr lang="nb-NO"/>
           </a:p>
@@ -2135,7 +2263,7 @@
             <a:fld id="{528E7876-5FAB-5445-B77E-737DA6EC0B43}" type="slidenum">
               <a:rPr lang="nb-NO" smtClean="0"/>
               <a:pPr/>
-              <a:t>33</a:t>
+              <a:t>31</a:t>
             </a:fld>
             <a:endParaRPr lang="nb-NO"/>
           </a:p>
@@ -2220,7 +2348,7 @@
             <a:fld id="{528E7876-5FAB-5445-B77E-737DA6EC0B43}" type="slidenum">
               <a:rPr lang="nb-NO" smtClean="0"/>
               <a:pPr/>
-              <a:t>34</a:t>
+              <a:t>32</a:t>
             </a:fld>
             <a:endParaRPr lang="nb-NO"/>
           </a:p>
@@ -2283,7 +2411,14 @@
           <a:bodyPr/>
           <a:lstStyle/>
           <a:p>
-            <a:endParaRPr lang="nb-NO" dirty="0"/>
+            <a:r>
+              <a:rPr lang="nb-NO" dirty="0" smtClean="0"/>
+              <a:t>De som trenger det,</a:t>
+            </a:r>
+            <a:r>
+              <a:rPr lang="nb-NO" baseline="0" dirty="0" smtClean="0"/>
+              <a:t> ber om det de trenger og får implementasjonen</a:t>
+            </a:r>
           </a:p>
         </p:txBody>
       </p:sp>
@@ -2305,7 +2440,7 @@
             <a:fld id="{528E7876-5FAB-5445-B77E-737DA6EC0B43}" type="slidenum">
               <a:rPr lang="nb-NO" smtClean="0"/>
               <a:pPr/>
-              <a:t>35</a:t>
+              <a:t>33</a:t>
             </a:fld>
             <a:endParaRPr lang="nb-NO"/>
           </a:p>
@@ -2368,6 +2503,28 @@
           <a:bodyPr/>
           <a:lstStyle/>
           <a:p>
+            <a:r>
+              <a:rPr lang="nb-NO" dirty="0" smtClean="0"/>
+              <a:t>Dra</a:t>
+            </a:r>
+            <a:r>
+              <a:rPr lang="nb-NO" baseline="0" dirty="0" smtClean="0"/>
+              <a:t> ut IAuthenticationProvider</a:t>
+            </a:r>
+          </a:p>
+          <a:p>
+            <a:r>
+              <a:rPr lang="nb-NO" baseline="0" dirty="0" smtClean="0"/>
+              <a:t>Legg inn Ninject</a:t>
+            </a:r>
+          </a:p>
+          <a:p>
+            <a:r>
+              <a:rPr lang="nb-NO" baseline="0" dirty="0" smtClean="0"/>
+              <a:t>Inject AuthenticationProvider inn i UserController</a:t>
+            </a:r>
+          </a:p>
+          <a:p>
             <a:endParaRPr lang="nb-NO" dirty="0"/>
           </a:p>
         </p:txBody>
@@ -2390,7 +2547,7 @@
             <a:fld id="{528E7876-5FAB-5445-B77E-737DA6EC0B43}" type="slidenum">
               <a:rPr lang="nb-NO" smtClean="0"/>
               <a:pPr/>
-              <a:t>36</a:t>
+              <a:t>34</a:t>
             </a:fld>
             <a:endParaRPr lang="nb-NO"/>
           </a:p>
@@ -2475,7 +2632,7 @@
             <a:fld id="{528E7876-5FAB-5445-B77E-737DA6EC0B43}" type="slidenum">
               <a:rPr lang="nb-NO" smtClean="0"/>
               <a:pPr/>
-              <a:t>37</a:t>
+              <a:t>35</a:t>
             </a:fld>
             <a:endParaRPr lang="nb-NO"/>
           </a:p>
@@ -2560,7 +2717,7 @@
             <a:fld id="{528E7876-5FAB-5445-B77E-737DA6EC0B43}" type="slidenum">
               <a:rPr lang="nb-NO" smtClean="0"/>
               <a:pPr/>
-              <a:t>38</a:t>
+              <a:t>36</a:t>
             </a:fld>
             <a:endParaRPr lang="nb-NO"/>
           </a:p>
@@ -2625,17 +2782,7 @@
           <a:p>
             <a:r>
               <a:rPr lang="nb-NO" dirty="0" smtClean="0"/>
-              <a:t>Vis en enkel demo-MVC</a:t>
-            </a:r>
-            <a:r>
-              <a:rPr lang="nb-NO" baseline="0" dirty="0" smtClean="0"/>
-              <a:t> site</a:t>
-            </a:r>
-          </a:p>
-          <a:p>
-            <a:r>
-              <a:rPr lang="nb-NO" baseline="0" dirty="0" smtClean="0"/>
-              <a:t>Vis en controller, en action og et view</a:t>
+              <a:t>HTML+Razor</a:t>
             </a:r>
             <a:endParaRPr lang="nb-NO" dirty="0"/>
           </a:p>
@@ -2659,7 +2806,7 @@
             <a:fld id="{528E7876-5FAB-5445-B77E-737DA6EC0B43}" type="slidenum">
               <a:rPr lang="nb-NO" smtClean="0"/>
               <a:pPr/>
-              <a:t>10</a:t>
+              <a:t>7</a:t>
             </a:fld>
             <a:endParaRPr lang="nb-NO"/>
           </a:p>
@@ -2668,7 +2815,7 @@
     </p:spTree>
     <p:extLst>
       <p:ext uri="{BB962C8B-B14F-4D97-AF65-F5344CB8AC3E}">
-        <p14:creationId xmlns:p14="http://schemas.microsoft.com/office/powerpoint/2010/main" val="3189924498"/>
+        <p14:creationId xmlns:p14="http://schemas.microsoft.com/office/powerpoint/2010/main" val="2990323578"/>
       </p:ext>
     </p:extLst>
   </p:cSld>
@@ -2744,7 +2891,7 @@
             <a:fld id="{528E7876-5FAB-5445-B77E-737DA6EC0B43}" type="slidenum">
               <a:rPr lang="nb-NO" smtClean="0"/>
               <a:pPr/>
-              <a:t>39</a:t>
+              <a:t>37</a:t>
             </a:fld>
             <a:endParaRPr lang="nb-NO"/>
           </a:p>
@@ -2807,6 +2954,22 @@
           <a:bodyPr/>
           <a:lstStyle/>
           <a:p>
+            <a:r>
+              <a:rPr lang="nb-NO" dirty="0" smtClean="0"/>
+              <a:t>Lag noen enhetstester</a:t>
+            </a:r>
+            <a:r>
+              <a:rPr lang="nb-NO" baseline="0" dirty="0" smtClean="0"/>
+              <a:t> som mocker opp og tester AuthenticationProvider</a:t>
+            </a:r>
+          </a:p>
+          <a:p>
+            <a:r>
+              <a:rPr lang="nb-NO" baseline="0" dirty="0" smtClean="0"/>
+              <a:t>Test at Actions returnerer det vi forventer</a:t>
+            </a:r>
+          </a:p>
+          <a:p>
             <a:endParaRPr lang="nb-NO" dirty="0"/>
           </a:p>
         </p:txBody>
@@ -2829,7 +2992,7 @@
             <a:fld id="{528E7876-5FAB-5445-B77E-737DA6EC0B43}" type="slidenum">
               <a:rPr lang="nb-NO" smtClean="0"/>
               <a:pPr/>
-              <a:t>40</a:t>
+              <a:t>38</a:t>
             </a:fld>
             <a:endParaRPr lang="nb-NO"/>
           </a:p>
@@ -2914,7 +3077,7 @@
             <a:fld id="{528E7876-5FAB-5445-B77E-737DA6EC0B43}" type="slidenum">
               <a:rPr lang="nb-NO" smtClean="0"/>
               <a:pPr/>
-              <a:t>41</a:t>
+              <a:t>39</a:t>
             </a:fld>
             <a:endParaRPr lang="nb-NO"/>
           </a:p>
@@ -2999,7 +3162,7 @@
             <a:fld id="{528E7876-5FAB-5445-B77E-737DA6EC0B43}" type="slidenum">
               <a:rPr lang="nb-NO" smtClean="0"/>
               <a:pPr/>
-              <a:t>42</a:t>
+              <a:t>40</a:t>
             </a:fld>
             <a:endParaRPr lang="nb-NO"/>
           </a:p>
@@ -3062,6 +3225,14 @@
           <a:bodyPr/>
           <a:lstStyle/>
           <a:p>
+            <a:r>
+              <a:rPr lang="nb-NO" dirty="0" smtClean="0"/>
+              <a:t>Models kan ofte være litt misvisende.</a:t>
+            </a:r>
+            <a:r>
+              <a:rPr lang="nb-NO" baseline="0" dirty="0" smtClean="0"/>
+              <a:t> Den burde kanskje heller hete ViewModels</a:t>
+            </a:r>
             <a:endParaRPr lang="nb-NO" dirty="0"/>
           </a:p>
         </p:txBody>
@@ -3084,7 +3255,7 @@
             <a:fld id="{528E7876-5FAB-5445-B77E-737DA6EC0B43}" type="slidenum">
               <a:rPr lang="nb-NO" smtClean="0"/>
               <a:pPr/>
-              <a:t>43</a:t>
+              <a:t>41</a:t>
             </a:fld>
             <a:endParaRPr lang="nb-NO"/>
           </a:p>
@@ -3147,6 +3318,20 @@
           <a:bodyPr/>
           <a:lstStyle/>
           <a:p>
+            <a:r>
+              <a:rPr lang="nb-NO" dirty="0" smtClean="0"/>
+              <a:t>Holde oss unna masse @foreach osv i views</a:t>
+            </a:r>
+          </a:p>
+          <a:p>
+            <a:r>
+              <a:rPr lang="nb-NO" dirty="0" smtClean="0"/>
+              <a:t>Bruk heller @Html.DisplayFor, @Html.DisplayForModel</a:t>
+            </a:r>
+            <a:r>
+              <a:rPr lang="nb-NO" baseline="0" dirty="0" smtClean="0"/>
+              <a:t> etc.</a:t>
+            </a:r>
             <a:endParaRPr lang="nb-NO" dirty="0"/>
           </a:p>
         </p:txBody>
@@ -3169,7 +3354,7 @@
             <a:fld id="{528E7876-5FAB-5445-B77E-737DA6EC0B43}" type="slidenum">
               <a:rPr lang="nb-NO" smtClean="0"/>
               <a:pPr/>
-              <a:t>44</a:t>
+              <a:t>42</a:t>
             </a:fld>
             <a:endParaRPr lang="nb-NO"/>
           </a:p>
@@ -3232,6 +3417,60 @@
           <a:bodyPr/>
           <a:lstStyle/>
           <a:p>
+            <a:r>
+              <a:rPr lang="nb-NO" dirty="0" smtClean="0"/>
+              <a:t>Businesslogikk har somregel ikke noe i en controller-action å gjøre. </a:t>
+            </a:r>
+          </a:p>
+          <a:p>
+            <a:r>
+              <a:rPr lang="nb-NO" dirty="0" smtClean="0"/>
+              <a:t>Det fører bare til:</a:t>
+            </a:r>
+          </a:p>
+          <a:p>
+            <a:pPr marL="171450" indent="-171450">
+              <a:buFontTx/>
+              <a:buChar char="-"/>
+            </a:pPr>
+            <a:r>
+              <a:rPr lang="nb-NO" dirty="0" smtClean="0"/>
+              <a:t>dårligere testbarhet</a:t>
+            </a:r>
+          </a:p>
+          <a:p>
+            <a:pPr marL="171450" indent="-171450">
+              <a:buFontTx/>
+              <a:buChar char="-"/>
+            </a:pPr>
+            <a:r>
+              <a:rPr lang="nb-NO" dirty="0" smtClean="0"/>
+              <a:t>Vanskeligere</a:t>
+            </a:r>
+            <a:r>
+              <a:rPr lang="nb-NO" baseline="0" dirty="0" smtClean="0"/>
+              <a:t> å vedlikeholde</a:t>
+            </a:r>
+          </a:p>
+          <a:p>
+            <a:pPr marL="171450" indent="-171450">
+              <a:buFontTx/>
+              <a:buChar char="-"/>
+            </a:pPr>
+            <a:r>
+              <a:rPr lang="nb-NO" baseline="0" dirty="0" smtClean="0"/>
+              <a:t>Mer fragil kode</a:t>
+            </a:r>
+          </a:p>
+          <a:p>
+            <a:pPr marL="171450" indent="-171450">
+              <a:buFontTx/>
+              <a:buChar char="-"/>
+            </a:pPr>
+            <a:r>
+              <a:rPr lang="nb-NO" baseline="0" dirty="0" smtClean="0"/>
+              <a:t>Mer repetetiv kode</a:t>
+            </a:r>
             <a:endParaRPr lang="nb-NO" dirty="0"/>
           </a:p>
         </p:txBody>
@@ -3254,7 +3493,7 @@
             <a:fld id="{528E7876-5FAB-5445-B77E-737DA6EC0B43}" type="slidenum">
               <a:rPr lang="nb-NO" smtClean="0"/>
               <a:pPr/>
-              <a:t>45</a:t>
+              <a:t>43</a:t>
             </a:fld>
             <a:endParaRPr lang="nb-NO"/>
           </a:p>
@@ -3317,6 +3556,14 @@
           <a:bodyPr/>
           <a:lstStyle/>
           <a:p>
+            <a:r>
+              <a:rPr lang="nb-NO" dirty="0" smtClean="0"/>
+              <a:t>ViewModeller</a:t>
+            </a:r>
+            <a:r>
+              <a:rPr lang="nb-NO" baseline="0" dirty="0" smtClean="0"/>
+              <a:t> bør ha et navn som reflekterer viewet det hører til. Dette fører igjen til at Viewet ofte navngis i forhold til hvilke data det skal presentere. (URL kan uansett SEOifiseres vha routes)</a:t>
+            </a:r>
             <a:endParaRPr lang="nb-NO" dirty="0"/>
           </a:p>
         </p:txBody>
@@ -3339,7 +3586,7 @@
             <a:fld id="{528E7876-5FAB-5445-B77E-737DA6EC0B43}" type="slidenum">
               <a:rPr lang="nb-NO" smtClean="0"/>
               <a:pPr/>
-              <a:t>46</a:t>
+              <a:t>44</a:t>
             </a:fld>
             <a:endParaRPr lang="nb-NO"/>
           </a:p>
@@ -3402,6 +3649,14 @@
           <a:bodyPr/>
           <a:lstStyle/>
           <a:p>
+            <a:r>
+              <a:rPr lang="nb-NO" dirty="0" smtClean="0"/>
+              <a:t>Del opp Viewmodellene i logiske</a:t>
+            </a:r>
+            <a:r>
+              <a:rPr lang="nb-NO" baseline="0" dirty="0" smtClean="0"/>
+              <a:t> og fornuftige biter. Det er ingenting i veien for at en ViewModell kan inneholde referanser til andre ViewModeller som collections. Det fører til gjenbrukbare viewmodels og mer ryddig kode.</a:t>
+            </a:r>
             <a:endParaRPr lang="nb-NO" dirty="0"/>
           </a:p>
         </p:txBody>
@@ -3424,7 +3679,7 @@
             <a:fld id="{528E7876-5FAB-5445-B77E-737DA6EC0B43}" type="slidenum">
               <a:rPr lang="nb-NO" smtClean="0"/>
               <a:pPr/>
-              <a:t>48</a:t>
+              <a:t>45</a:t>
             </a:fld>
             <a:endParaRPr lang="nb-NO"/>
           </a:p>
@@ -3487,6 +3742,20 @@
           <a:bodyPr/>
           <a:lstStyle/>
           <a:p>
+            <a:r>
+              <a:rPr lang="nb-NO" dirty="0" smtClean="0"/>
+              <a:t>IKKE PUTT LOGIKK</a:t>
+            </a:r>
+            <a:r>
+              <a:rPr lang="nb-NO" baseline="0" dirty="0" smtClean="0"/>
+              <a:t> I GET/SET</a:t>
+            </a:r>
+          </a:p>
+          <a:p>
+            <a:r>
+              <a:rPr lang="nb-NO" baseline="0" dirty="0" smtClean="0"/>
+              <a:t>Viewmodeller skal ikke ha noe forhold til hvorfor dataene er som de er. De skal kun være et mellomlagringssted, slik at Viewet kan presentere/poste og controlleren kan agere på bakgrunn av dataene.</a:t>
+            </a:r>
             <a:endParaRPr lang="nb-NO" dirty="0"/>
           </a:p>
         </p:txBody>
@@ -3509,7 +3778,7 @@
             <a:fld id="{528E7876-5FAB-5445-B77E-737DA6EC0B43}" type="slidenum">
               <a:rPr lang="nb-NO" smtClean="0"/>
               <a:pPr/>
-              <a:t>49</a:t>
+              <a:t>46</a:t>
             </a:fld>
             <a:endParaRPr lang="nb-NO"/>
           </a:p>
@@ -3572,7 +3841,62 @@
           <a:bodyPr/>
           <a:lstStyle/>
           <a:p>
-            <a:endParaRPr lang="nb-NO" dirty="0"/>
+            <a:r>
+              <a:rPr lang="nb-NO" dirty="0" smtClean="0"/>
+              <a:t>Controller</a:t>
+            </a:r>
+            <a:r>
+              <a:rPr lang="nb-NO" baseline="0" dirty="0" smtClean="0"/>
+              <a:t> har ansvar for å dytte et resultat ut til Responsen</a:t>
+            </a:r>
+          </a:p>
+          <a:p>
+            <a:pPr marL="0" marR="0" indent="0" algn="l" defTabSz="457200" rtl="0" eaLnBrk="1" fontAlgn="auto" latinLnBrk="0" hangingPunct="1">
+              <a:lnSpc>
+                <a:spcPct val="100000"/>
+              </a:lnSpc>
+              <a:spcBef>
+                <a:spcPts val="0"/>
+              </a:spcBef>
+              <a:spcAft>
+                <a:spcPts val="0"/>
+              </a:spcAft>
+              <a:buClrTx/>
+              <a:buSzTx/>
+              <a:buFontTx/>
+              <a:buNone/>
+              <a:tabLst/>
+              <a:defRPr/>
+            </a:pPr>
+            <a:r>
+              <a:rPr lang="nb-NO" baseline="0" dirty="0" smtClean="0"/>
+              <a:t>ActionResult</a:t>
+            </a:r>
+            <a:endParaRPr lang="nb-NO" dirty="0" smtClean="0"/>
+          </a:p>
+          <a:p>
+            <a:r>
+              <a:rPr lang="nb-NO" baseline="0" dirty="0" smtClean="0"/>
+              <a:t>JsonResult</a:t>
+            </a:r>
+          </a:p>
+          <a:p>
+            <a:r>
+              <a:rPr lang="nb-NO" baseline="0" dirty="0" smtClean="0"/>
+              <a:t>ViewResult</a:t>
+            </a:r>
+          </a:p>
+          <a:p>
+            <a:r>
+              <a:rPr lang="nb-NO" baseline="0" dirty="0" smtClean="0"/>
+              <a:t>FileResult</a:t>
+            </a:r>
+          </a:p>
+          <a:p>
+            <a:r>
+              <a:rPr lang="nb-NO" baseline="0" dirty="0" smtClean="0"/>
+              <a:t>Etc...</a:t>
+            </a:r>
           </a:p>
         </p:txBody>
       </p:sp>
@@ -3594,7 +3918,96 @@
             <a:fld id="{528E7876-5FAB-5445-B77E-737DA6EC0B43}" type="slidenum">
               <a:rPr lang="nb-NO" smtClean="0"/>
               <a:pPr/>
-              <a:t>11</a:t>
+              <a:t>8</a:t>
+            </a:fld>
+            <a:endParaRPr lang="nb-NO"/>
+          </a:p>
+        </p:txBody>
+      </p:sp>
+    </p:spTree>
+    <p:extLst>
+      <p:ext uri="{BB962C8B-B14F-4D97-AF65-F5344CB8AC3E}">
+        <p14:creationId xmlns:p14="http://schemas.microsoft.com/office/powerpoint/2010/main" val="1300740326"/>
+      </p:ext>
+    </p:extLst>
+  </p:cSld>
+  <p:clrMapOvr>
+    <a:masterClrMapping/>
+  </p:clrMapOvr>
+</p:notes>
+</file>
+
+<file path=ppt/notesSlides/notesSlide40.xml><?xml version="1.0" encoding="utf-8"?>
+<p:notes xmlns:a="http://schemas.openxmlformats.org/drawingml/2006/main" xmlns:r="http://schemas.openxmlformats.org/officeDocument/2006/relationships" xmlns:p="http://schemas.openxmlformats.org/presentationml/2006/main">
+  <p:cSld>
+    <p:spTree>
+      <p:nvGrpSpPr>
+        <p:cNvPr id="1" name=""/>
+        <p:cNvGrpSpPr/>
+        <p:nvPr/>
+      </p:nvGrpSpPr>
+      <p:grpSpPr>
+        <a:xfrm>
+          <a:off x="0" y="0"/>
+          <a:ext cx="0" cy="0"/>
+          <a:chOff x="0" y="0"/>
+          <a:chExt cx="0" cy="0"/>
+        </a:xfrm>
+      </p:grpSpPr>
+      <p:sp>
+        <p:nvSpPr>
+          <p:cNvPr id="2" name="Slide Image Placeholder 1"/>
+          <p:cNvSpPr>
+            <a:spLocks noGrp="1" noRot="1" noChangeAspect="1"/>
+          </p:cNvSpPr>
+          <p:nvPr>
+            <p:ph type="sldImg"/>
+          </p:nvPr>
+        </p:nvSpPr>
+        <p:spPr/>
+      </p:sp>
+      <p:sp>
+        <p:nvSpPr>
+          <p:cNvPr id="3" name="Notes Placeholder 2"/>
+          <p:cNvSpPr>
+            <a:spLocks noGrp="1"/>
+          </p:cNvSpPr>
+          <p:nvPr>
+            <p:ph type="body" idx="1"/>
+          </p:nvPr>
+        </p:nvSpPr>
+        <p:spPr/>
+        <p:txBody>
+          <a:bodyPr/>
+          <a:lstStyle/>
+          <a:p>
+            <a:r>
+              <a:rPr lang="nb-NO" smtClean="0"/>
+              <a:t>Har vi tid til overs?</a:t>
+            </a:r>
+            <a:endParaRPr lang="nb-NO" dirty="0"/>
+          </a:p>
+        </p:txBody>
+      </p:sp>
+      <p:sp>
+        <p:nvSpPr>
+          <p:cNvPr id="4" name="Slide Number Placeholder 3"/>
+          <p:cNvSpPr>
+            <a:spLocks noGrp="1"/>
+          </p:cNvSpPr>
+          <p:nvPr>
+            <p:ph type="sldNum" sz="quarter" idx="10"/>
+          </p:nvPr>
+        </p:nvSpPr>
+        <p:spPr/>
+        <p:txBody>
+          <a:bodyPr/>
+          <a:lstStyle/>
+          <a:p>
+            <a:fld id="{528E7876-5FAB-5445-B77E-737DA6EC0B43}" type="slidenum">
+              <a:rPr lang="nb-NO" smtClean="0"/>
+              <a:pPr/>
+              <a:t>48</a:t>
             </a:fld>
             <a:endParaRPr lang="nb-NO"/>
           </a:p>
@@ -3613,7 +4026,92 @@
 </p:notes>
 </file>
 
-<file path=ppt/notesSlides/notesSlide40.xml><?xml version="1.0" encoding="utf-8"?>
+<file path=ppt/notesSlides/notesSlide41.xml><?xml version="1.0" encoding="utf-8"?>
+<p:notes xmlns:a="http://schemas.openxmlformats.org/drawingml/2006/main" xmlns:r="http://schemas.openxmlformats.org/officeDocument/2006/relationships" xmlns:p="http://schemas.openxmlformats.org/presentationml/2006/main">
+  <p:cSld>
+    <p:spTree>
+      <p:nvGrpSpPr>
+        <p:cNvPr id="1" name=""/>
+        <p:cNvGrpSpPr/>
+        <p:nvPr/>
+      </p:nvGrpSpPr>
+      <p:grpSpPr>
+        <a:xfrm>
+          <a:off x="0" y="0"/>
+          <a:ext cx="0" cy="0"/>
+          <a:chOff x="0" y="0"/>
+          <a:chExt cx="0" cy="0"/>
+        </a:xfrm>
+      </p:grpSpPr>
+      <p:sp>
+        <p:nvSpPr>
+          <p:cNvPr id="2" name="Slide Image Placeholder 1"/>
+          <p:cNvSpPr>
+            <a:spLocks noGrp="1" noRot="1" noChangeAspect="1"/>
+          </p:cNvSpPr>
+          <p:nvPr>
+            <p:ph type="sldImg"/>
+          </p:nvPr>
+        </p:nvSpPr>
+        <p:spPr/>
+      </p:sp>
+      <p:sp>
+        <p:nvSpPr>
+          <p:cNvPr id="3" name="Notes Placeholder 2"/>
+          <p:cNvSpPr>
+            <a:spLocks noGrp="1"/>
+          </p:cNvSpPr>
+          <p:nvPr>
+            <p:ph type="body" idx="1"/>
+          </p:nvPr>
+        </p:nvSpPr>
+        <p:spPr/>
+        <p:txBody>
+          <a:bodyPr/>
+          <a:lstStyle/>
+          <a:p>
+            <a:endParaRPr lang="nb-NO" dirty="0"/>
+          </a:p>
+        </p:txBody>
+      </p:sp>
+      <p:sp>
+        <p:nvSpPr>
+          <p:cNvPr id="4" name="Slide Number Placeholder 3"/>
+          <p:cNvSpPr>
+            <a:spLocks noGrp="1"/>
+          </p:cNvSpPr>
+          <p:nvPr>
+            <p:ph type="sldNum" sz="quarter" idx="10"/>
+          </p:nvPr>
+        </p:nvSpPr>
+        <p:spPr/>
+        <p:txBody>
+          <a:bodyPr/>
+          <a:lstStyle/>
+          <a:p>
+            <a:fld id="{528E7876-5FAB-5445-B77E-737DA6EC0B43}" type="slidenum">
+              <a:rPr lang="nb-NO" smtClean="0"/>
+              <a:pPr/>
+              <a:t>49</a:t>
+            </a:fld>
+            <a:endParaRPr lang="nb-NO"/>
+          </a:p>
+        </p:txBody>
+      </p:sp>
+    </p:spTree>
+    <p:extLst>
+      <p:ext uri="{BB962C8B-B14F-4D97-AF65-F5344CB8AC3E}">
+        <p14:creationId xmlns:p14="http://schemas.microsoft.com/office/powerpoint/2010/main" val="3189924498"/>
+      </p:ext>
+    </p:extLst>
+  </p:cSld>
+  <p:clrMapOvr>
+    <a:masterClrMapping/>
+  </p:clrMapOvr>
+</p:notes>
+</file>
+
+<file path=ppt/notesSlides/notesSlide42.xml><?xml version="1.0" encoding="utf-8"?>
 <p:notes xmlns:a="http://schemas.openxmlformats.org/drawingml/2006/main" xmlns:r="http://schemas.openxmlformats.org/officeDocument/2006/relationships" xmlns:p="http://schemas.openxmlformats.org/presentationml/2006/main">
   <p:cSld>
     <p:spTree>
@@ -3742,6 +4240,20 @@
           <a:bodyPr/>
           <a:lstStyle/>
           <a:p>
+            <a:r>
+              <a:rPr lang="nb-NO" dirty="0" smtClean="0"/>
+              <a:t>Vis en enkel demo-MVC</a:t>
+            </a:r>
+            <a:r>
+              <a:rPr lang="nb-NO" baseline="0" dirty="0" smtClean="0"/>
+              <a:t> site</a:t>
+            </a:r>
+          </a:p>
+          <a:p>
+            <a:r>
+              <a:rPr lang="nb-NO" baseline="0" dirty="0" smtClean="0"/>
+              <a:t>Vis en controller, en action og et view</a:t>
+            </a:r>
             <a:endParaRPr lang="nb-NO" dirty="0"/>
           </a:p>
         </p:txBody>
@@ -3764,7 +4276,7 @@
             <a:fld id="{528E7876-5FAB-5445-B77E-737DA6EC0B43}" type="slidenum">
               <a:rPr lang="nb-NO" smtClean="0"/>
               <a:pPr/>
-              <a:t>12</a:t>
+              <a:t>10</a:t>
             </a:fld>
             <a:endParaRPr lang="nb-NO"/>
           </a:p>
@@ -3849,7 +4361,7 @@
             <a:fld id="{528E7876-5FAB-5445-B77E-737DA6EC0B43}" type="slidenum">
               <a:rPr lang="nb-NO" smtClean="0"/>
               <a:pPr/>
-              <a:t>13</a:t>
+              <a:t>11</a:t>
             </a:fld>
             <a:endParaRPr lang="nb-NO"/>
           </a:p>
@@ -3912,6 +4424,24 @@
           <a:bodyPr/>
           <a:lstStyle/>
           <a:p>
+            <a:r>
+              <a:rPr lang="nb-NO" dirty="0" smtClean="0"/>
+              <a:t>Ryddig HTML</a:t>
+            </a:r>
+          </a:p>
+          <a:p>
+            <a:r>
+              <a:rPr lang="nb-NO" dirty="0" smtClean="0"/>
+              <a:t>Ikke merkelige ID-genereringer</a:t>
+            </a:r>
+          </a:p>
+          <a:p>
+            <a:r>
+              <a:rPr lang="nb-NO" dirty="0" smtClean="0"/>
+              <a:t>WYSIWYG</a:t>
+            </a:r>
+          </a:p>
+          <a:p>
             <a:endParaRPr lang="nb-NO" dirty="0"/>
           </a:p>
         </p:txBody>
@@ -3934,7 +4464,7 @@
             <a:fld id="{528E7876-5FAB-5445-B77E-737DA6EC0B43}" type="slidenum">
               <a:rPr lang="nb-NO" smtClean="0"/>
               <a:pPr/>
-              <a:t>14</a:t>
+              <a:t>12</a:t>
             </a:fld>
             <a:endParaRPr lang="nb-NO"/>
           </a:p>
@@ -4019,7 +4549,7 @@
             <a:fld id="{528E7876-5FAB-5445-B77E-737DA6EC0B43}" type="slidenum">
               <a:rPr lang="nb-NO" smtClean="0"/>
               <a:pPr/>
-              <a:t>15</a:t>
+              <a:t>13</a:t>
             </a:fld>
             <a:endParaRPr lang="nb-NO"/>
           </a:p>
@@ -4104,7 +4634,7 @@
             <a:fld id="{528E7876-5FAB-5445-B77E-737DA6EC0B43}" type="slidenum">
               <a:rPr lang="nb-NO" smtClean="0"/>
               <a:pPr/>
-              <a:t>16</a:t>
+              <a:t>14</a:t>
             </a:fld>
             <a:endParaRPr lang="nb-NO"/>
           </a:p>
@@ -10004,7 +10534,7 @@
             <a:fld id="{A505A5D1-9685-014A-9EF8-71CC65F429DA}" type="datetime1">
               <a:rPr lang="nb-NO"/>
               <a:pPr/>
-              <a:t>09.09.2012</a:t>
+              <a:t>10.09.2012</a:t>
             </a:fld>
             <a:endParaRPr lang="nn-NO"/>
           </a:p>
@@ -10694,7 +11224,7 @@
             <a:fld id="{E7153C23-280C-6C4E-BD6E-2850A1F48140}" type="datetime1">
               <a:rPr lang="nb-NO"/>
               <a:pPr/>
-              <a:t>09.09.2012</a:t>
+              <a:t>10.09.2012</a:t>
             </a:fld>
             <a:endParaRPr lang="nn-NO"/>
           </a:p>
@@ -11019,7 +11549,7 @@
             <a:fld id="{13B601EC-FACD-FC4F-9669-00AB4CF8778B}" type="datetime1">
               <a:rPr lang="nb-NO"/>
               <a:pPr/>
-              <a:t>09.09.2012</a:t>
+              <a:t>10.09.2012</a:t>
             </a:fld>
             <a:endParaRPr lang="nn-NO"/>
           </a:p>
@@ -11324,7 +11854,7 @@
             <a:fld id="{901627AB-7A7F-AD40-80AE-71016A4942D9}" type="datetime1">
               <a:rPr lang="nb-NO"/>
               <a:pPr/>
-              <a:t>09.09.2012</a:t>
+              <a:t>10.09.2012</a:t>
             </a:fld>
             <a:endParaRPr lang="nn-NO"/>
           </a:p>
@@ -11747,7 +12277,7 @@
             <a:fld id="{567FA10D-157E-5D4C-A511-919445BACF49}" type="datetime1">
               <a:rPr lang="nb-NO"/>
               <a:pPr/>
-              <a:t>09.09.2012</a:t>
+              <a:t>10.09.2012</a:t>
             </a:fld>
             <a:endParaRPr lang="nn-NO"/>
           </a:p>
@@ -11938,7 +12468,7 @@
             <a:fld id="{AF9809C3-0F8F-3340-B383-31BB0050389D}" type="datetime1">
               <a:rPr lang="nb-NO"/>
               <a:pPr/>
-              <a:t>09.09.2012</a:t>
+              <a:t>10.09.2012</a:t>
             </a:fld>
             <a:endParaRPr lang="nn-NO"/>
           </a:p>
@@ -12226,7 +12756,7 @@
             <a:fld id="{FF90C9FC-C727-6243-BD9D-4BAF5B3503CD}" type="datetime1">
               <a:rPr lang="nb-NO"/>
               <a:pPr/>
-              <a:t>09.09.2012</a:t>
+              <a:t>10.09.2012</a:t>
             </a:fld>
             <a:endParaRPr lang="nn-NO"/>
           </a:p>
@@ -12488,7 +13018,7 @@
             <a:fld id="{424710AA-3AA4-8A45-80E0-C3CD96381010}" type="datetime1">
               <a:rPr lang="nb-NO"/>
               <a:pPr/>
-              <a:t>09.09.2012</a:t>
+              <a:t>10.09.2012</a:t>
             </a:fld>
             <a:endParaRPr lang="nn-NO"/>
           </a:p>
@@ -13269,7 +13799,7 @@
             <a:fld id="{E7153C23-280C-6C4E-BD6E-2850A1F48140}" type="datetime1">
               <a:rPr lang="nb-NO" smtClean="0"/>
               <a:pPr/>
-              <a:t>09.09.2012</a:t>
+              <a:t>10.09.2012</a:t>
             </a:fld>
             <a:endParaRPr lang="nn-NO"/>
           </a:p>
@@ -13405,7 +13935,7 @@
             <a:fld id="{E7153C23-280C-6C4E-BD6E-2850A1F48140}" type="datetime1">
               <a:rPr lang="nb-NO" smtClean="0"/>
               <a:pPr/>
-              <a:t>09.09.2012</a:t>
+              <a:t>10.09.2012</a:t>
             </a:fld>
             <a:endParaRPr lang="nn-NO"/>
           </a:p>
@@ -13541,7 +14071,7 @@
             <a:fld id="{E7153C23-280C-6C4E-BD6E-2850A1F48140}" type="datetime1">
               <a:rPr lang="nb-NO" smtClean="0"/>
               <a:pPr/>
-              <a:t>09.09.2012</a:t>
+              <a:t>10.09.2012</a:t>
             </a:fld>
             <a:endParaRPr lang="nn-NO"/>
           </a:p>
@@ -13718,7 +14248,7 @@
             <a:fld id="{E7153C23-280C-6C4E-BD6E-2850A1F48140}" type="datetime1">
               <a:rPr lang="nb-NO" smtClean="0"/>
               <a:pPr/>
-              <a:t>09.09.2012</a:t>
+              <a:t>10.09.2012</a:t>
             </a:fld>
             <a:endParaRPr lang="nn-NO"/>
           </a:p>
@@ -13884,7 +14414,7 @@
             <a:fld id="{E7153C23-280C-6C4E-BD6E-2850A1F48140}" type="datetime1">
               <a:rPr lang="nb-NO" smtClean="0"/>
               <a:pPr/>
-              <a:t>09.09.2012</a:t>
+              <a:t>10.09.2012</a:t>
             </a:fld>
             <a:endParaRPr lang="nn-NO"/>
           </a:p>
@@ -14061,7 +14591,7 @@
             <a:fld id="{E7153C23-280C-6C4E-BD6E-2850A1F48140}" type="datetime1">
               <a:rPr lang="nb-NO" smtClean="0"/>
               <a:pPr/>
-              <a:t>09.09.2012</a:t>
+              <a:t>10.09.2012</a:t>
             </a:fld>
             <a:endParaRPr lang="nn-NO"/>
           </a:p>
@@ -14168,7 +14698,7 @@
             <a:fld id="{E7153C23-280C-6C4E-BD6E-2850A1F48140}" type="datetime1">
               <a:rPr lang="nb-NO" smtClean="0"/>
               <a:pPr/>
-              <a:t>09.09.2012</a:t>
+              <a:t>10.09.2012</a:t>
             </a:fld>
             <a:endParaRPr lang="nn-NO"/>
           </a:p>
@@ -14232,7 +14762,7 @@
           <a:bodyPr/>
           <a:lstStyle/>
           <a:p>
-            <a:endParaRPr lang="nb-NO"/>
+            <a:endParaRPr lang="nb-NO" dirty="0"/>
           </a:p>
         </p:txBody>
       </p:sp>
@@ -14453,7 +14983,7 @@
             <a:fld id="{E7153C23-280C-6C4E-BD6E-2850A1F48140}" type="datetime1">
               <a:rPr lang="nb-NO" smtClean="0"/>
               <a:pPr/>
-              <a:t>09.09.2012</a:t>
+              <a:t>10.09.2012</a:t>
             </a:fld>
             <a:endParaRPr lang="nn-NO"/>
           </a:p>
@@ -14630,7 +15160,7 @@
             <a:fld id="{E7153C23-280C-6C4E-BD6E-2850A1F48140}" type="datetime1">
               <a:rPr lang="nb-NO" smtClean="0"/>
               <a:pPr/>
-              <a:t>09.09.2012</a:t>
+              <a:t>10.09.2012</a:t>
             </a:fld>
             <a:endParaRPr lang="nn-NO"/>
           </a:p>
@@ -14766,7 +15296,7 @@
             <a:fld id="{E7153C23-280C-6C4E-BD6E-2850A1F48140}" type="datetime1">
               <a:rPr lang="nb-NO" smtClean="0"/>
               <a:pPr/>
-              <a:t>09.09.2012</a:t>
+              <a:t>10.09.2012</a:t>
             </a:fld>
             <a:endParaRPr lang="nn-NO"/>
           </a:p>
@@ -14901,7 +15431,6 @@
               <a:rPr lang="nb-NO" dirty="0" smtClean="0"/>
               <a:t>Del 1 – Introduksjon til MVC</a:t>
             </a:r>
-            <a:endParaRPr lang="nb-NO" dirty="0" smtClean="0"/>
           </a:p>
           <a:p>
             <a:pPr lvl="0"/>
@@ -14916,7 +15445,6 @@
               <a:rPr lang="nb-NO" dirty="0" smtClean="0"/>
               <a:t>Del 3 – Avanserte teknikker, testing og best practices</a:t>
             </a:r>
-            <a:endParaRPr lang="nb-NO" dirty="0" smtClean="0"/>
           </a:p>
           <a:p>
             <a:r>
@@ -14948,7 +15476,7 @@
             <a:fld id="{E7153C23-280C-6C4E-BD6E-2850A1F48140}" type="datetime1">
               <a:rPr lang="nb-NO" smtClean="0"/>
               <a:pPr/>
-              <a:t>09.09.2012</a:t>
+              <a:t>10.09.2012</a:t>
             </a:fld>
             <a:endParaRPr lang="nb-NO"/>
           </a:p>
@@ -15099,7 +15627,7 @@
             <a:fld id="{E7153C23-280C-6C4E-BD6E-2850A1F48140}" type="datetime1">
               <a:rPr lang="nb-NO" smtClean="0"/>
               <a:pPr/>
-              <a:t>09.09.2012</a:t>
+              <a:t>10.09.2012</a:t>
             </a:fld>
             <a:endParaRPr lang="nn-NO"/>
           </a:p>
@@ -15235,7 +15763,7 @@
             <a:fld id="{E7153C23-280C-6C4E-BD6E-2850A1F48140}" type="datetime1">
               <a:rPr lang="nb-NO" smtClean="0"/>
               <a:pPr/>
-              <a:t>09.09.2012</a:t>
+              <a:t>10.09.2012</a:t>
             </a:fld>
             <a:endParaRPr lang="nn-NO"/>
           </a:p>
@@ -15412,7 +15940,7 @@
             <a:fld id="{E7153C23-280C-6C4E-BD6E-2850A1F48140}" type="datetime1">
               <a:rPr lang="nb-NO" smtClean="0"/>
               <a:pPr/>
-              <a:t>09.09.2012</a:t>
+              <a:t>10.09.2012</a:t>
             </a:fld>
             <a:endParaRPr lang="nn-NO"/>
           </a:p>
@@ -15548,7 +16076,7 @@
             <a:fld id="{E7153C23-280C-6C4E-BD6E-2850A1F48140}" type="datetime1">
               <a:rPr lang="nb-NO" smtClean="0"/>
               <a:pPr/>
-              <a:t>09.09.2012</a:t>
+              <a:t>10.09.2012</a:t>
             </a:fld>
             <a:endParaRPr lang="nn-NO"/>
           </a:p>
@@ -15713,7 +16241,7 @@
             <a:fld id="{E7153C23-280C-6C4E-BD6E-2850A1F48140}" type="datetime1">
               <a:rPr lang="nb-NO" smtClean="0"/>
               <a:pPr/>
-              <a:t>09.09.2012</a:t>
+              <a:t>10.09.2012</a:t>
             </a:fld>
             <a:endParaRPr lang="nn-NO"/>
           </a:p>
@@ -15849,7 +16377,7 @@
             <a:fld id="{E7153C23-280C-6C4E-BD6E-2850A1F48140}" type="datetime1">
               <a:rPr lang="nb-NO" smtClean="0"/>
               <a:pPr/>
-              <a:t>09.09.2012</a:t>
+              <a:t>10.09.2012</a:t>
             </a:fld>
             <a:endParaRPr lang="nn-NO"/>
           </a:p>
@@ -15991,7 +16519,7 @@
             <a:fld id="{E7153C23-280C-6C4E-BD6E-2850A1F48140}" type="datetime1">
               <a:rPr lang="nb-NO" smtClean="0"/>
               <a:pPr/>
-              <a:t>09.09.2012</a:t>
+              <a:t>10.09.2012</a:t>
             </a:fld>
             <a:endParaRPr lang="nn-NO"/>
           </a:p>
@@ -16139,7 +16667,7 @@
             <a:fld id="{E7153C23-280C-6C4E-BD6E-2850A1F48140}" type="datetime1">
               <a:rPr lang="nb-NO" smtClean="0"/>
               <a:pPr/>
-              <a:t>09.09.2012</a:t>
+              <a:t>10.09.2012</a:t>
             </a:fld>
             <a:endParaRPr lang="nn-NO"/>
           </a:p>
@@ -16275,7 +16803,7 @@
             <a:fld id="{E7153C23-280C-6C4E-BD6E-2850A1F48140}" type="datetime1">
               <a:rPr lang="nb-NO" smtClean="0"/>
               <a:pPr/>
-              <a:t>09.09.2012</a:t>
+              <a:t>10.09.2012</a:t>
             </a:fld>
             <a:endParaRPr lang="nn-NO"/>
           </a:p>
@@ -16411,7 +16939,7 @@
             <a:fld id="{E7153C23-280C-6C4E-BD6E-2850A1F48140}" type="datetime1">
               <a:rPr lang="nb-NO" smtClean="0"/>
               <a:pPr/>
-              <a:t>09.09.2012</a:t>
+              <a:t>10.09.2012</a:t>
             </a:fld>
             <a:endParaRPr lang="nn-NO"/>
           </a:p>
@@ -16573,7 +17101,7 @@
             <a:fld id="{E7153C23-280C-6C4E-BD6E-2850A1F48140}" type="datetime1">
               <a:rPr lang="nb-NO" smtClean="0"/>
               <a:pPr/>
-              <a:t>09.09.2012</a:t>
+              <a:t>10.09.2012</a:t>
             </a:fld>
             <a:endParaRPr lang="nn-NO"/>
           </a:p>
@@ -16761,7 +17289,7 @@
             <a:fld id="{E7153C23-280C-6C4E-BD6E-2850A1F48140}" type="datetime1">
               <a:rPr lang="nb-NO" smtClean="0"/>
               <a:pPr/>
-              <a:t>09.09.2012</a:t>
+              <a:t>10.09.2012</a:t>
             </a:fld>
             <a:endParaRPr lang="nn-NO"/>
           </a:p>
@@ -16897,7 +17425,7 @@
             <a:fld id="{E7153C23-280C-6C4E-BD6E-2850A1F48140}" type="datetime1">
               <a:rPr lang="nb-NO" smtClean="0"/>
               <a:pPr/>
-              <a:t>09.09.2012</a:t>
+              <a:t>10.09.2012</a:t>
             </a:fld>
             <a:endParaRPr lang="nn-NO"/>
           </a:p>
@@ -17063,7 +17591,7 @@
             <a:fld id="{E7153C23-280C-6C4E-BD6E-2850A1F48140}" type="datetime1">
               <a:rPr lang="nb-NO" smtClean="0"/>
               <a:pPr/>
-              <a:t>09.09.2012</a:t>
+              <a:t>10.09.2012</a:t>
             </a:fld>
             <a:endParaRPr lang="nn-NO"/>
           </a:p>
@@ -17199,7 +17727,7 @@
             <a:fld id="{E7153C23-280C-6C4E-BD6E-2850A1F48140}" type="datetime1">
               <a:rPr lang="nb-NO" smtClean="0"/>
               <a:pPr/>
-              <a:t>09.09.2012</a:t>
+              <a:t>10.09.2012</a:t>
             </a:fld>
             <a:endParaRPr lang="nn-NO"/>
           </a:p>
@@ -17335,7 +17863,7 @@
             <a:fld id="{E7153C23-280C-6C4E-BD6E-2850A1F48140}" type="datetime1">
               <a:rPr lang="nb-NO" smtClean="0"/>
               <a:pPr/>
-              <a:t>09.09.2012</a:t>
+              <a:t>10.09.2012</a:t>
             </a:fld>
             <a:endParaRPr lang="nn-NO"/>
           </a:p>
@@ -17471,7 +17999,7 @@
             <a:fld id="{E7153C23-280C-6C4E-BD6E-2850A1F48140}" type="datetime1">
               <a:rPr lang="nb-NO" smtClean="0"/>
               <a:pPr/>
-              <a:t>09.09.2012</a:t>
+              <a:t>10.09.2012</a:t>
             </a:fld>
             <a:endParaRPr lang="nn-NO"/>
           </a:p>
@@ -17607,7 +18135,7 @@
             <a:fld id="{E7153C23-280C-6C4E-BD6E-2850A1F48140}" type="datetime1">
               <a:rPr lang="nb-NO" smtClean="0"/>
               <a:pPr/>
-              <a:t>09.09.2012</a:t>
+              <a:t>10.09.2012</a:t>
             </a:fld>
             <a:endParaRPr lang="nn-NO"/>
           </a:p>
@@ -17743,7 +18271,7 @@
             <a:fld id="{E7153C23-280C-6C4E-BD6E-2850A1F48140}" type="datetime1">
               <a:rPr lang="nb-NO" smtClean="0"/>
               <a:pPr/>
-              <a:t>09.09.2012</a:t>
+              <a:t>10.09.2012</a:t>
             </a:fld>
             <a:endParaRPr lang="nn-NO"/>
           </a:p>
@@ -17879,7 +18407,7 @@
             <a:fld id="{E7153C23-280C-6C4E-BD6E-2850A1F48140}" type="datetime1">
               <a:rPr lang="nb-NO" smtClean="0"/>
               <a:pPr/>
-              <a:t>09.09.2012</a:t>
+              <a:t>10.09.2012</a:t>
             </a:fld>
             <a:endParaRPr lang="nn-NO"/>
           </a:p>
@@ -18015,7 +18543,7 @@
             <a:fld id="{E7153C23-280C-6C4E-BD6E-2850A1F48140}" type="datetime1">
               <a:rPr lang="nb-NO" smtClean="0"/>
               <a:pPr/>
-              <a:t>09.09.2012</a:t>
+              <a:t>10.09.2012</a:t>
             </a:fld>
             <a:endParaRPr lang="nn-NO"/>
           </a:p>
@@ -18151,7 +18679,7 @@
             <a:fld id="{E7153C23-280C-6C4E-BD6E-2850A1F48140}" type="datetime1">
               <a:rPr lang="nb-NO" smtClean="0"/>
               <a:pPr/>
-              <a:t>09.09.2012</a:t>
+              <a:t>10.09.2012</a:t>
             </a:fld>
             <a:endParaRPr lang="nn-NO"/>
           </a:p>
@@ -18287,7 +18815,7 @@
             <a:fld id="{E7153C23-280C-6C4E-BD6E-2850A1F48140}" type="datetime1">
               <a:rPr lang="nb-NO" smtClean="0"/>
               <a:pPr/>
-              <a:t>09.09.2012</a:t>
+              <a:t>10.09.2012</a:t>
             </a:fld>
             <a:endParaRPr lang="nn-NO"/>
           </a:p>
@@ -18423,7 +18951,7 @@
             <a:fld id="{E7153C23-280C-6C4E-BD6E-2850A1F48140}" type="datetime1">
               <a:rPr lang="nb-NO" smtClean="0"/>
               <a:pPr/>
-              <a:t>09.09.2012</a:t>
+              <a:t>10.09.2012</a:t>
             </a:fld>
             <a:endParaRPr lang="nn-NO"/>
           </a:p>
@@ -18559,7 +19087,7 @@
             <a:fld id="{E7153C23-280C-6C4E-BD6E-2850A1F48140}" type="datetime1">
               <a:rPr lang="nb-NO" smtClean="0"/>
               <a:pPr/>
-              <a:t>09.09.2012</a:t>
+              <a:t>10.09.2012</a:t>
             </a:fld>
             <a:endParaRPr lang="nn-NO"/>
           </a:p>
@@ -18695,7 +19223,7 @@
             <a:fld id="{E7153C23-280C-6C4E-BD6E-2850A1F48140}" type="datetime1">
               <a:rPr lang="nb-NO" smtClean="0"/>
               <a:pPr/>
-              <a:t>09.09.2012</a:t>
+              <a:t>10.09.2012</a:t>
             </a:fld>
             <a:endParaRPr lang="nn-NO"/>
           </a:p>
@@ -18831,7 +19359,7 @@
             <a:fld id="{E7153C23-280C-6C4E-BD6E-2850A1F48140}" type="datetime1">
               <a:rPr lang="nb-NO" smtClean="0"/>
               <a:pPr/>
-              <a:t>09.09.2012</a:t>
+              <a:t>10.09.2012</a:t>
             </a:fld>
             <a:endParaRPr lang="nn-NO"/>
           </a:p>
@@ -18967,7 +19495,7 @@
             <a:fld id="{E7153C23-280C-6C4E-BD6E-2850A1F48140}" type="datetime1">
               <a:rPr lang="nb-NO" smtClean="0"/>
               <a:pPr/>
-              <a:t>09.09.2012</a:t>
+              <a:t>10.09.2012</a:t>
             </a:fld>
             <a:endParaRPr lang="nn-NO"/>
           </a:p>
@@ -19103,7 +19631,7 @@
             <a:fld id="{E7153C23-280C-6C4E-BD6E-2850A1F48140}" type="datetime1">
               <a:rPr lang="nb-NO" smtClean="0"/>
               <a:pPr/>
-              <a:t>09.09.2012</a:t>
+              <a:t>10.09.2012</a:t>
             </a:fld>
             <a:endParaRPr lang="nn-NO"/>
           </a:p>
@@ -19267,7 +19795,7 @@
             <a:fld id="{E7153C23-280C-6C4E-BD6E-2850A1F48140}" type="datetime1">
               <a:rPr lang="nb-NO" smtClean="0"/>
               <a:pPr/>
-              <a:t>09.09.2012</a:t>
+              <a:t>10.09.2012</a:t>
             </a:fld>
             <a:endParaRPr lang="nn-NO"/>
           </a:p>
@@ -19403,7 +19931,7 @@
             <a:fld id="{E7153C23-280C-6C4E-BD6E-2850A1F48140}" type="datetime1">
               <a:rPr lang="nb-NO" smtClean="0"/>
               <a:pPr/>
-              <a:t>09.09.2012</a:t>
+              <a:t>10.09.2012</a:t>
             </a:fld>
             <a:endParaRPr lang="nn-NO"/>
           </a:p>
@@ -19539,7 +20067,7 @@
             <a:fld id="{E7153C23-280C-6C4E-BD6E-2850A1F48140}" type="datetime1">
               <a:rPr lang="nb-NO" smtClean="0"/>
               <a:pPr/>
-              <a:t>09.09.2012</a:t>
+              <a:t>10.09.2012</a:t>
             </a:fld>
             <a:endParaRPr lang="nn-NO"/>
           </a:p>
@@ -19679,7 +20207,7 @@
             <a:fld id="{E7153C23-280C-6C4E-BD6E-2850A1F48140}" type="datetime1">
               <a:rPr lang="nb-NO" smtClean="0"/>
               <a:pPr/>
-              <a:t>09.09.2012</a:t>
+              <a:t>10.09.2012</a:t>
             </a:fld>
             <a:endParaRPr lang="nn-NO"/>
           </a:p>
@@ -19815,7 +20343,7 @@
             <a:fld id="{E7153C23-280C-6C4E-BD6E-2850A1F48140}" type="datetime1">
               <a:rPr lang="nb-NO" smtClean="0"/>
               <a:pPr/>
-              <a:t>09.09.2012</a:t>
+              <a:t>10.09.2012</a:t>
             </a:fld>
             <a:endParaRPr lang="nn-NO"/>
           </a:p>
@@ -19951,7 +20479,7 @@
             <a:fld id="{E7153C23-280C-6C4E-BD6E-2850A1F48140}" type="datetime1">
               <a:rPr lang="nb-NO" smtClean="0"/>
               <a:pPr/>
-              <a:t>09.09.2012</a:t>
+              <a:t>10.09.2012</a:t>
             </a:fld>
             <a:endParaRPr lang="nn-NO"/>
           </a:p>
@@ -20087,7 +20615,7 @@
             <a:fld id="{E7153C23-280C-6C4E-BD6E-2850A1F48140}" type="datetime1">
               <a:rPr lang="nb-NO" smtClean="0"/>
               <a:pPr/>
-              <a:t>09.09.2012</a:t>
+              <a:t>10.09.2012</a:t>
             </a:fld>
             <a:endParaRPr lang="nn-NO"/>
           </a:p>
@@ -20223,7 +20751,7 @@
             <a:fld id="{E7153C23-280C-6C4E-BD6E-2850A1F48140}" type="datetime1">
               <a:rPr lang="nb-NO" smtClean="0"/>
               <a:pPr/>
-              <a:t>09.09.2012</a:t>
+              <a:t>10.09.2012</a:t>
             </a:fld>
             <a:endParaRPr lang="nn-NO"/>
           </a:p>
@@ -20330,7 +20858,7 @@
             <a:fld id="{E7153C23-280C-6C4E-BD6E-2850A1F48140}" type="datetime1">
               <a:rPr lang="nb-NO" smtClean="0"/>
               <a:pPr/>
-              <a:t>09.09.2012</a:t>
+              <a:t>10.09.2012</a:t>
             </a:fld>
             <a:endParaRPr lang="nn-NO"/>
           </a:p>
@@ -21635,6 +22163,15 @@
 </file>
 
 <file path=customXml/item1.xml><?xml version="1.0" encoding="utf-8"?>
+<?mso-contentType ?>
+<FormTemplates xmlns="http://schemas.microsoft.com/sharepoint/v3/contenttype/forms">
+  <Display>DocumentLibraryForm</Display>
+  <Edit>DocumentLibraryForm</Edit>
+  <New>DocumentLibraryForm</New>
+</FormTemplates>
+</file>
+
+<file path=customXml/item2.xml><?xml version="1.0" encoding="utf-8"?>
 <p:properties xmlns:p="http://schemas.microsoft.com/office/2006/metadata/properties" xmlns:xsi="http://www.w3.org/2001/XMLSchema-instance" xmlns:pc="http://schemas.microsoft.com/office/infopath/2007/PartnerControls">
   <documentManagement>
     <_dlc_DocId xmlns="d7702b9b-d8e5-4822-bc1c-ce88b7f04401">CJ6WEC5DWFJ7-32-54</_dlc_DocId>
@@ -21646,62 +22183,7 @@
 </p:properties>
 </file>
 
-<file path=customXml/item2.xml><?xml version="1.0" encoding="utf-8"?>
-<?mso-contentType ?>
-<FormTemplates xmlns="http://schemas.microsoft.com/sharepoint/v3/contenttype/forms">
-  <Display>DocumentLibraryForm</Display>
-  <Edit>DocumentLibraryForm</Edit>
-  <New>DocumentLibraryForm</New>
-</FormTemplates>
-</file>
-
 <file path=customXml/item3.xml><?xml version="1.0" encoding="utf-8"?>
-<?mso-contentType ?>
-<spe:Receivers xmlns:spe="http://schemas.microsoft.com/sharepoint/events">
-  <Receiver>
-    <Name>Document ID Generator</Name>
-    <Synchronization>Synchronous</Synchronization>
-    <Type>10001</Type>
-    <SequenceNumber>1000</SequenceNumber>
-    <Assembly>Microsoft.Office.DocumentManagement, Version=14.0.0.0, Culture=neutral, PublicKeyToken=71e9bce111e9429c</Assembly>
-    <Class>Microsoft.Office.DocumentManagement.Internal.DocIdHandler</Class>
-    <Data/>
-    <Filter/>
-  </Receiver>
-  <Receiver>
-    <Name>Document ID Generator</Name>
-    <Synchronization>Synchronous</Synchronization>
-    <Type>10002</Type>
-    <SequenceNumber>1001</SequenceNumber>
-    <Assembly>Microsoft.Office.DocumentManagement, Version=14.0.0.0, Culture=neutral, PublicKeyToken=71e9bce111e9429c</Assembly>
-    <Class>Microsoft.Office.DocumentManagement.Internal.DocIdHandler</Class>
-    <Data/>
-    <Filter/>
-  </Receiver>
-  <Receiver>
-    <Name>Document ID Generator</Name>
-    <Synchronization>Synchronous</Synchronization>
-    <Type>10004</Type>
-    <SequenceNumber>1002</SequenceNumber>
-    <Assembly>Microsoft.Office.DocumentManagement, Version=14.0.0.0, Culture=neutral, PublicKeyToken=71e9bce111e9429c</Assembly>
-    <Class>Microsoft.Office.DocumentManagement.Internal.DocIdHandler</Class>
-    <Data/>
-    <Filter/>
-  </Receiver>
-  <Receiver>
-    <Name>Document ID Generator</Name>
-    <Synchronization>Synchronous</Synchronization>
-    <Type>10006</Type>
-    <SequenceNumber>1003</SequenceNumber>
-    <Assembly>Microsoft.Office.DocumentManagement, Version=14.0.0.0, Culture=neutral, PublicKeyToken=71e9bce111e9429c</Assembly>
-    <Class>Microsoft.Office.DocumentManagement.Internal.DocIdHandler</Class>
-    <Data/>
-    <Filter/>
-  </Receiver>
-</spe:Receivers>
-</file>
-
-<file path=customXml/item4.xml><?xml version="1.0" encoding="utf-8"?>
 <ct:contentTypeSchema xmlns:ct="http://schemas.microsoft.com/office/2006/metadata/contentType" xmlns:ma="http://schemas.microsoft.com/office/2006/metadata/properties/metaAttributes" ct:_="" ma:_="" ma:contentTypeName="Dokument" ma:contentTypeID="0x010100EB67D3835F5DA049BA55889851FA8E19" ma:contentTypeVersion="0" ma:contentTypeDescription="Opprett et nytt dokument." ma:contentTypeScope="" ma:versionID="67d140b29519b0ab11c5049a0b5c17fe">
   <xsd:schema xmlns:xsd="http://www.w3.org/2001/XMLSchema" xmlns:xs="http://www.w3.org/2001/XMLSchema" xmlns:p="http://schemas.microsoft.com/office/2006/metadata/properties" xmlns:ns2="d7702b9b-d8e5-4822-bc1c-ce88b7f04401" targetNamespace="http://schemas.microsoft.com/office/2006/metadata/properties" ma:root="true" ma:fieldsID="01954eb5e7163845e96e307eb76d671a" ns2:_="">
     <xsd:import namespace="d7702b9b-d8e5-4822-bc1c-ce88b7f04401"/>
@@ -21846,7 +22328,61 @@
 </ct:contentTypeSchema>
 </file>
 
+<file path=customXml/item4.xml><?xml version="1.0" encoding="utf-8"?>
+<?mso-contentType ?>
+<spe:Receivers xmlns:spe="http://schemas.microsoft.com/sharepoint/events">
+  <Receiver>
+    <Name>Document ID Generator</Name>
+    <Synchronization>Synchronous</Synchronization>
+    <Type>10001</Type>
+    <SequenceNumber>1000</SequenceNumber>
+    <Assembly>Microsoft.Office.DocumentManagement, Version=14.0.0.0, Culture=neutral, PublicKeyToken=71e9bce111e9429c</Assembly>
+    <Class>Microsoft.Office.DocumentManagement.Internal.DocIdHandler</Class>
+    <Data/>
+    <Filter/>
+  </Receiver>
+  <Receiver>
+    <Name>Document ID Generator</Name>
+    <Synchronization>Synchronous</Synchronization>
+    <Type>10002</Type>
+    <SequenceNumber>1001</SequenceNumber>
+    <Assembly>Microsoft.Office.DocumentManagement, Version=14.0.0.0, Culture=neutral, PublicKeyToken=71e9bce111e9429c</Assembly>
+    <Class>Microsoft.Office.DocumentManagement.Internal.DocIdHandler</Class>
+    <Data/>
+    <Filter/>
+  </Receiver>
+  <Receiver>
+    <Name>Document ID Generator</Name>
+    <Synchronization>Synchronous</Synchronization>
+    <Type>10004</Type>
+    <SequenceNumber>1002</SequenceNumber>
+    <Assembly>Microsoft.Office.DocumentManagement, Version=14.0.0.0, Culture=neutral, PublicKeyToken=71e9bce111e9429c</Assembly>
+    <Class>Microsoft.Office.DocumentManagement.Internal.DocIdHandler</Class>
+    <Data/>
+    <Filter/>
+  </Receiver>
+  <Receiver>
+    <Name>Document ID Generator</Name>
+    <Synchronization>Synchronous</Synchronization>
+    <Type>10006</Type>
+    <SequenceNumber>1003</SequenceNumber>
+    <Assembly>Microsoft.Office.DocumentManagement, Version=14.0.0.0, Culture=neutral, PublicKeyToken=71e9bce111e9429c</Assembly>
+    <Class>Microsoft.Office.DocumentManagement.Internal.DocIdHandler</Class>
+    <Data/>
+    <Filter/>
+  </Receiver>
+</spe:Receivers>
+</file>
+
 <file path=customXml/itemProps1.xml><?xml version="1.0" encoding="utf-8"?>
+<ds:datastoreItem xmlns:ds="http://schemas.openxmlformats.org/officeDocument/2006/customXml" ds:itemID="{57DC16B6-EF95-42DE-B557-77DEA4E6DB3E}">
+  <ds:schemaRefs>
+    <ds:schemaRef ds:uri="http://schemas.microsoft.com/sharepoint/v3/contenttype/forms"/>
+  </ds:schemaRefs>
+</ds:datastoreItem>
+</file>
+
+<file path=customXml/itemProps2.xml><?xml version="1.0" encoding="utf-8"?>
 <ds:datastoreItem xmlns:ds="http://schemas.openxmlformats.org/officeDocument/2006/customXml" ds:itemID="{900315EF-D2FF-48EA-9267-D555C1460D34}">
   <ds:schemaRefs>
     <ds:schemaRef ds:uri="http://schemas.microsoft.com/office/2006/documentManagement/types"/>
@@ -21862,23 +22398,7 @@
 </ds:datastoreItem>
 </file>
 
-<file path=customXml/itemProps2.xml><?xml version="1.0" encoding="utf-8"?>
-<ds:datastoreItem xmlns:ds="http://schemas.openxmlformats.org/officeDocument/2006/customXml" ds:itemID="{57DC16B6-EF95-42DE-B557-77DEA4E6DB3E}">
-  <ds:schemaRefs>
-    <ds:schemaRef ds:uri="http://schemas.microsoft.com/sharepoint/v3/contenttype/forms"/>
-  </ds:schemaRefs>
-</ds:datastoreItem>
-</file>
-
 <file path=customXml/itemProps3.xml><?xml version="1.0" encoding="utf-8"?>
-<ds:datastoreItem xmlns:ds="http://schemas.openxmlformats.org/officeDocument/2006/customXml" ds:itemID="{AD641015-60DF-420A-AE7E-6EC7C6282C0D}">
-  <ds:schemaRefs>
-    <ds:schemaRef ds:uri="http://schemas.microsoft.com/sharepoint/events"/>
-  </ds:schemaRefs>
-</ds:datastoreItem>
-</file>
-
-<file path=customXml/itemProps4.xml><?xml version="1.0" encoding="utf-8"?>
 <ds:datastoreItem xmlns:ds="http://schemas.openxmlformats.org/officeDocument/2006/customXml" ds:itemID="{067B1829-E484-4F29-9317-BD4DD5D0D924}">
   <ds:schemaRefs>
     <ds:schemaRef ds:uri="http://schemas.microsoft.com/office/2006/metadata/contentType"/>
@@ -21894,4 +22414,12 @@
     <ds:schemaRef ds:uri="http://schemas.microsoft.com/internal/obd"/>
   </ds:schemaRefs>
 </ds:datastoreItem>
+</file>
+
+<file path=customXml/itemProps4.xml><?xml version="1.0" encoding="utf-8"?>
+<ds:datastoreItem xmlns:ds="http://schemas.openxmlformats.org/officeDocument/2006/customXml" ds:itemID="{AD641015-60DF-420A-AE7E-6EC7C6282C0D}">
+  <ds:schemaRefs>
+    <ds:schemaRef ds:uri="http://schemas.microsoft.com/sharepoint/events"/>
+  </ds:schemaRefs>
+</ds:datastoreItem>
 </file>
--- a/Material/MVC.pptx
+++ b/Material/MVC.pptx
@@ -5,62 +5,64 @@
     <p:sldMasterId id="2147483660" r:id="rId5"/>
   </p:sldMasterIdLst>
   <p:notesMasterIdLst>
-    <p:notesMasterId r:id="rId56"/>
+    <p:notesMasterId r:id="rId58"/>
   </p:notesMasterIdLst>
   <p:handoutMasterIdLst>
-    <p:handoutMasterId r:id="rId57"/>
+    <p:handoutMasterId r:id="rId59"/>
   </p:handoutMasterIdLst>
   <p:sldIdLst>
     <p:sldId id="297" r:id="rId6"/>
     <p:sldId id="327" r:id="rId7"/>
-    <p:sldId id="346" r:id="rId8"/>
-    <p:sldId id="343" r:id="rId9"/>
-    <p:sldId id="347" r:id="rId10"/>
-    <p:sldId id="348" r:id="rId11"/>
-    <p:sldId id="349" r:id="rId12"/>
-    <p:sldId id="350" r:id="rId13"/>
-    <p:sldId id="351" r:id="rId14"/>
-    <p:sldId id="352" r:id="rId15"/>
+    <p:sldId id="395" r:id="rId8"/>
+    <p:sldId id="346" r:id="rId9"/>
+    <p:sldId id="343" r:id="rId10"/>
+    <p:sldId id="347" r:id="rId11"/>
+    <p:sldId id="348" r:id="rId12"/>
+    <p:sldId id="349" r:id="rId13"/>
+    <p:sldId id="350" r:id="rId14"/>
+    <p:sldId id="351" r:id="rId15"/>
     <p:sldId id="353" r:id="rId16"/>
     <p:sldId id="355" r:id="rId17"/>
-    <p:sldId id="354" r:id="rId18"/>
-    <p:sldId id="356" r:id="rId19"/>
-    <p:sldId id="357" r:id="rId20"/>
-    <p:sldId id="363" r:id="rId21"/>
-    <p:sldId id="362" r:id="rId22"/>
-    <p:sldId id="364" r:id="rId23"/>
-    <p:sldId id="361" r:id="rId24"/>
-    <p:sldId id="359" r:id="rId25"/>
-    <p:sldId id="358" r:id="rId26"/>
-    <p:sldId id="360" r:id="rId27"/>
-    <p:sldId id="365" r:id="rId28"/>
-    <p:sldId id="366" r:id="rId29"/>
-    <p:sldId id="367" r:id="rId30"/>
-    <p:sldId id="368" r:id="rId31"/>
-    <p:sldId id="369" r:id="rId32"/>
-    <p:sldId id="370" r:id="rId33"/>
-    <p:sldId id="371" r:id="rId34"/>
-    <p:sldId id="372" r:id="rId35"/>
-    <p:sldId id="373" r:id="rId36"/>
-    <p:sldId id="374" r:id="rId37"/>
-    <p:sldId id="375" r:id="rId38"/>
-    <p:sldId id="376" r:id="rId39"/>
-    <p:sldId id="377" r:id="rId40"/>
-    <p:sldId id="378" r:id="rId41"/>
-    <p:sldId id="379" r:id="rId42"/>
-    <p:sldId id="380" r:id="rId43"/>
-    <p:sldId id="381" r:id="rId44"/>
-    <p:sldId id="382" r:id="rId45"/>
-    <p:sldId id="383" r:id="rId46"/>
-    <p:sldId id="384" r:id="rId47"/>
-    <p:sldId id="385" r:id="rId48"/>
-    <p:sldId id="386" r:id="rId49"/>
-    <p:sldId id="387" r:id="rId50"/>
-    <p:sldId id="388" r:id="rId51"/>
-    <p:sldId id="390" r:id="rId52"/>
-    <p:sldId id="391" r:id="rId53"/>
-    <p:sldId id="392" r:id="rId54"/>
-    <p:sldId id="393" r:id="rId55"/>
+    <p:sldId id="394" r:id="rId18"/>
+    <p:sldId id="354" r:id="rId19"/>
+    <p:sldId id="356" r:id="rId20"/>
+    <p:sldId id="352" r:id="rId21"/>
+    <p:sldId id="357" r:id="rId22"/>
+    <p:sldId id="363" r:id="rId23"/>
+    <p:sldId id="362" r:id="rId24"/>
+    <p:sldId id="364" r:id="rId25"/>
+    <p:sldId id="361" r:id="rId26"/>
+    <p:sldId id="359" r:id="rId27"/>
+    <p:sldId id="358" r:id="rId28"/>
+    <p:sldId id="360" r:id="rId29"/>
+    <p:sldId id="365" r:id="rId30"/>
+    <p:sldId id="366" r:id="rId31"/>
+    <p:sldId id="367" r:id="rId32"/>
+    <p:sldId id="368" r:id="rId33"/>
+    <p:sldId id="369" r:id="rId34"/>
+    <p:sldId id="370" r:id="rId35"/>
+    <p:sldId id="371" r:id="rId36"/>
+    <p:sldId id="372" r:id="rId37"/>
+    <p:sldId id="373" r:id="rId38"/>
+    <p:sldId id="374" r:id="rId39"/>
+    <p:sldId id="375" r:id="rId40"/>
+    <p:sldId id="376" r:id="rId41"/>
+    <p:sldId id="377" r:id="rId42"/>
+    <p:sldId id="378" r:id="rId43"/>
+    <p:sldId id="379" r:id="rId44"/>
+    <p:sldId id="380" r:id="rId45"/>
+    <p:sldId id="381" r:id="rId46"/>
+    <p:sldId id="382" r:id="rId47"/>
+    <p:sldId id="383" r:id="rId48"/>
+    <p:sldId id="384" r:id="rId49"/>
+    <p:sldId id="385" r:id="rId50"/>
+    <p:sldId id="386" r:id="rId51"/>
+    <p:sldId id="387" r:id="rId52"/>
+    <p:sldId id="388" r:id="rId53"/>
+    <p:sldId id="390" r:id="rId54"/>
+    <p:sldId id="391" r:id="rId55"/>
+    <p:sldId id="392" r:id="rId56"/>
+    <p:sldId id="393" r:id="rId57"/>
   </p:sldIdLst>
   <p:sldSz cx="9144000" cy="6858000" type="screen4x3"/>
   <p:notesSz cx="6858000" cy="9144000"/>
@@ -161,7 +163,7 @@
   </p:defaultTextStyle>
   <p:extLst>
     <p:ext uri="{EFAFB233-063F-42B5-8137-9DF3F51BA10A}">
-      <p15:sldGuideLst xmlns="" xmlns:p15="http://schemas.microsoft.com/office/powerpoint/2012/main">
+      <p15:sldGuideLst xmlns:p15="http://schemas.microsoft.com/office/powerpoint/2012/main" xmlns="">
         <p15:guide id="1" orient="horz" pos="2160">
           <p15:clr>
             <a:srgbClr val="A4A3A4"/>
@@ -745,10 +747,6 @@
           <a:bodyPr/>
           <a:lstStyle/>
           <a:p>
-            <a:r>
-              <a:rPr lang="nb-NO" dirty="0" smtClean="0"/>
-              <a:t>Separations of concern/Lagdeling</a:t>
-            </a:r>
             <a:endParaRPr lang="nb-NO" dirty="0"/>
           </a:p>
         </p:txBody>
@@ -771,7 +769,7 @@
             <a:fld id="{528E7876-5FAB-5445-B77E-737DA6EC0B43}" type="slidenum">
               <a:rPr lang="nb-NO" smtClean="0"/>
               <a:pPr/>
-              <a:t>5</a:t>
+              <a:t>2</a:t>
             </a:fld>
             <a:endParaRPr lang="nb-NO"/>
           </a:p>
@@ -780,7 +778,7 @@
     </p:spTree>
     <p:extLst>
       <p:ext uri="{BB962C8B-B14F-4D97-AF65-F5344CB8AC3E}">
-        <p14:creationId xmlns:p14="http://schemas.microsoft.com/office/powerpoint/2010/main" val="2616892802"/>
+        <p14:creationId xmlns:p14="http://schemas.microsoft.com/office/powerpoint/2010/main" val="588914856"/>
       </p:ext>
     </p:extLst>
   </p:cSld>
@@ -919,6 +917,30 @@
           <a:bodyPr/>
           <a:lstStyle/>
           <a:p>
+            <a:r>
+              <a:rPr lang="nb-NO" dirty="0" smtClean="0"/>
+              <a:t>Vis en enkel demo-MVC</a:t>
+            </a:r>
+            <a:r>
+              <a:rPr lang="nb-NO" baseline="0" dirty="0" smtClean="0"/>
+              <a:t> site</a:t>
+            </a:r>
+          </a:p>
+          <a:p>
+            <a:r>
+              <a:rPr lang="nb-NO" baseline="0" dirty="0" smtClean="0"/>
+              <a:t>Vis en controller, en action og et </a:t>
+            </a:r>
+            <a:r>
+              <a:rPr lang="nb-NO" baseline="0" dirty="0" smtClean="0"/>
+              <a:t>view (Hello world)</a:t>
+            </a:r>
+          </a:p>
+          <a:p>
+            <a:r>
+              <a:rPr lang="nb-NO" baseline="0" dirty="0" smtClean="0"/>
+              <a:t>Vis MasterPage + _Viewstart.cshtml</a:t>
+            </a:r>
             <a:endParaRPr lang="nb-NO" dirty="0"/>
           </a:p>
         </p:txBody>
@@ -1091,32 +1113,78 @@
           <a:p>
             <a:r>
               <a:rPr lang="nb-NO" dirty="0" smtClean="0"/>
-              <a:t>WebForms har en sterk binding mellom kontroller på siden og koden bak</a:t>
-            </a:r>
-          </a:p>
-          <a:p>
-            <a:r>
-              <a:rPr lang="nb-NO" dirty="0" smtClean="0"/>
-              <a:t>Utrolig vanskelig å skrive gode tester</a:t>
-            </a:r>
-          </a:p>
-          <a:p>
-            <a:r>
-              <a:rPr lang="nb-NO" dirty="0" smtClean="0"/>
-              <a:t>Veldig vanskelig å få en god struktur</a:t>
-            </a:r>
-          </a:p>
-          <a:p>
-            <a:r>
-              <a:rPr lang="nb-NO" dirty="0" smtClean="0"/>
-              <a:t>WebForms</a:t>
+              <a:t>Er det noen som egentlig vet hva</a:t>
             </a:r>
             <a:r>
               <a:rPr lang="nb-NO" baseline="0" dirty="0" smtClean="0"/>
-              <a:t> = Forsøk på å dytte WinForms ut på Web</a:t>
-            </a:r>
-          </a:p>
-          <a:p>
+              <a:t> som skjer, og når det skjer?</a:t>
+            </a:r>
+          </a:p>
+          <a:p>
+            <a:r>
+              <a:rPr lang="nb-NO" baseline="0" dirty="0" smtClean="0"/>
+              <a:t>PreInit – Sjekke IsPostBack, Sette dynamiske MasterPages, sette dynamisk Theme. Opprette/Gjenoprette dynamiske kontroller</a:t>
+            </a:r>
+          </a:p>
+          <a:p>
+            <a:r>
+              <a:rPr lang="nb-NO" baseline="0" dirty="0" smtClean="0"/>
+              <a:t>Init – Sette eller lese properties på controls</a:t>
+            </a:r>
+          </a:p>
+          <a:p>
+            <a:r>
+              <a:rPr lang="nb-NO" baseline="0" dirty="0" smtClean="0"/>
+              <a:t>InitComplete – Gjøre endringer på ViewState for å være sikker på at de blir persistert til neste postback</a:t>
+            </a:r>
+          </a:p>
+          <a:p>
+            <a:r>
+              <a:rPr lang="nb-NO" baseline="0" dirty="0" smtClean="0"/>
+              <a:t>Load – Sette properties på controls, hente databaseconnection</a:t>
+            </a:r>
+          </a:p>
+          <a:p>
+            <a:r>
+              <a:rPr lang="nb-NO" baseline="0" dirty="0" smtClean="0"/>
+              <a:t>(EventHandler) – Gjør det som skal skje når eventet har blitt trigget</a:t>
+            </a:r>
+          </a:p>
+          <a:p>
+            <a:r>
+              <a:rPr lang="nb-NO" baseline="0" dirty="0" smtClean="0"/>
+              <a:t>LoadComplete – Etter alle events er ferdig. Bruk dette dersom det kreves at alle controls på siden er lastet</a:t>
+            </a:r>
+          </a:p>
+          <a:p>
+            <a:r>
+              <a:rPr lang="nb-NO" baseline="0" dirty="0" smtClean="0"/>
+              <a:t>PreRender – Siste sjanse til å gjøre endringer på controls og innhold før siden rendres</a:t>
+            </a:r>
+          </a:p>
+          <a:p>
+            <a:r>
+              <a:rPr lang="nb-NO" baseline="0" dirty="0" smtClean="0"/>
+              <a:t>PreRenderComplete – Etter alle Databound controls er ferdig med Databind</a:t>
+            </a:r>
+          </a:p>
+          <a:p>
+            <a:r>
+              <a:rPr lang="nb-NO" baseline="0" dirty="0" smtClean="0"/>
+              <a:t>SaveStateComplete – Etter ViewState og ControlState har blitt lagret for siden og controls. Endringer i controls eller innhold her vil bli rendret, men ikke lagret til neste Postback</a:t>
+            </a:r>
+          </a:p>
+          <a:p>
+            <a:r>
+              <a:rPr lang="nb-NO" baseline="0" dirty="0" smtClean="0"/>
+              <a:t>Render (ikke et event men en stage)</a:t>
+            </a:r>
+          </a:p>
+          <a:p>
+            <a:r>
+              <a:rPr lang="nb-NO" baseline="0" dirty="0" smtClean="0"/>
+              <a:t>Unload – Bruk dette til å gjøre eventuell cleanup for spesifikke kontroller – Lukke databaseconnections, eksempelvis gjøre logging, etc.</a:t>
+            </a:r>
             <a:endParaRPr lang="nb-NO" dirty="0"/>
           </a:p>
         </p:txBody>
@@ -1287,6 +1355,34 @@
           <a:bodyPr/>
           <a:lstStyle/>
           <a:p>
+            <a:r>
+              <a:rPr lang="nb-NO" dirty="0" smtClean="0"/>
+              <a:t>WebForms har en sterk binding mellom kontroller på siden og koden bak</a:t>
+            </a:r>
+          </a:p>
+          <a:p>
+            <a:r>
+              <a:rPr lang="nb-NO" dirty="0" smtClean="0"/>
+              <a:t>Utrolig vanskelig å skrive gode tester</a:t>
+            </a:r>
+          </a:p>
+          <a:p>
+            <a:r>
+              <a:rPr lang="nb-NO" dirty="0" smtClean="0"/>
+              <a:t>Veldig vanskelig å få en god struktur</a:t>
+            </a:r>
+          </a:p>
+          <a:p>
+            <a:r>
+              <a:rPr lang="nb-NO" dirty="0" smtClean="0"/>
+              <a:t>WebForms</a:t>
+            </a:r>
+            <a:r>
+              <a:rPr lang="nb-NO" baseline="0" dirty="0" smtClean="0"/>
+              <a:t> = Forsøk på å dytte WinForms ut på Web</a:t>
+            </a:r>
+          </a:p>
+          <a:p>
             <a:endParaRPr lang="nb-NO" dirty="0"/>
           </a:p>
         </p:txBody>
@@ -1479,7 +1575,7 @@
             <a:fld id="{528E7876-5FAB-5445-B77E-737DA6EC0B43}" type="slidenum">
               <a:rPr lang="nb-NO" smtClean="0"/>
               <a:pPr/>
-              <a:t>23</a:t>
+              <a:t>22</a:t>
             </a:fld>
             <a:endParaRPr lang="nb-NO"/>
           </a:p>
@@ -1544,17 +1640,17 @@
           <a:p>
             <a:r>
               <a:rPr lang="nb-NO" dirty="0" smtClean="0"/>
-              <a:t>...og det er BRA!</a:t>
-            </a:r>
-          </a:p>
-          <a:p>
-            <a:r>
-              <a:rPr lang="nb-NO" dirty="0" smtClean="0"/>
-              <a:t>Hvorfor</a:t>
+              <a:t>Endre modellen til å være en modell</a:t>
             </a:r>
             <a:r>
               <a:rPr lang="nb-NO" baseline="0" dirty="0" smtClean="0"/>
-              <a:t> skal man trenger Code Behind?</a:t>
+              <a:t> med noen properties. </a:t>
+            </a:r>
+          </a:p>
+          <a:p>
+            <a:r>
+              <a:rPr lang="nb-NO" baseline="0" dirty="0" smtClean="0"/>
+              <a:t>Lag en EditorTemplate/DisplayTemplate og en partial for å demonstrere.</a:t>
             </a:r>
           </a:p>
           <a:p>
@@ -1580,7 +1676,7 @@
             <a:fld id="{528E7876-5FAB-5445-B77E-737DA6EC0B43}" type="slidenum">
               <a:rPr lang="nb-NO" smtClean="0"/>
               <a:pPr/>
-              <a:t>24</a:t>
+              <a:t>23</a:t>
             </a:fld>
             <a:endParaRPr lang="nb-NO"/>
           </a:p>
@@ -1643,20 +1739,6 @@
           <a:bodyPr/>
           <a:lstStyle/>
           <a:p>
-            <a:r>
-              <a:rPr lang="nb-NO" dirty="0" smtClean="0"/>
-              <a:t>EventHandlers er fælt!</a:t>
-            </a:r>
-          </a:p>
-          <a:p>
-            <a:r>
-              <a:rPr lang="nb-NO" dirty="0" smtClean="0"/>
-              <a:t>MVC</a:t>
-            </a:r>
-            <a:r>
-              <a:rPr lang="nb-NO" baseline="0" dirty="0" smtClean="0"/>
-              <a:t> benytter seg av HTTP-protokollen istedet for rammeverk-spesifikke greier</a:t>
-            </a:r>
             <a:endParaRPr lang="nb-NO" dirty="0"/>
           </a:p>
         </p:txBody>
@@ -1744,7 +1826,7 @@
           <a:p>
             <a:r>
               <a:rPr lang="nb-NO" dirty="0" smtClean="0"/>
-              <a:t>- Model er en «dum» klasse som kun skal inneholde data som trengs for å vise Viewet riktig</a:t>
+              <a:t>Separations of concern/Lagdeling</a:t>
             </a:r>
             <a:endParaRPr lang="nb-NO" dirty="0"/>
           </a:p>
@@ -1777,7 +1859,7 @@
     </p:spTree>
     <p:extLst>
       <p:ext uri="{BB962C8B-B14F-4D97-AF65-F5344CB8AC3E}">
-        <p14:creationId xmlns:p14="http://schemas.microsoft.com/office/powerpoint/2010/main" val="3950935386"/>
+        <p14:creationId xmlns:p14="http://schemas.microsoft.com/office/powerpoint/2010/main" val="2616892802"/>
       </p:ext>
     </p:extLst>
   </p:cSld>
@@ -1830,6 +1912,22 @@
         <p:txBody>
           <a:bodyPr/>
           <a:lstStyle/>
+          <a:p>
+            <a:r>
+              <a:rPr lang="nb-NO" dirty="0" smtClean="0"/>
+              <a:t>...og det er BRA!</a:t>
+            </a:r>
+          </a:p>
+          <a:p>
+            <a:r>
+              <a:rPr lang="nb-NO" dirty="0" smtClean="0"/>
+              <a:t>Hvorfor</a:t>
+            </a:r>
+            <a:r>
+              <a:rPr lang="nb-NO" baseline="0" dirty="0" smtClean="0"/>
+              <a:t> skal man trenger Code Behind?</a:t>
+            </a:r>
+          </a:p>
           <a:p>
             <a:endParaRPr lang="nb-NO" dirty="0"/>
           </a:p>
@@ -1916,6 +2014,20 @@
           <a:bodyPr/>
           <a:lstStyle/>
           <a:p>
+            <a:r>
+              <a:rPr lang="nb-NO" dirty="0" smtClean="0"/>
+              <a:t>EventHandlers er fælt!</a:t>
+            </a:r>
+          </a:p>
+          <a:p>
+            <a:r>
+              <a:rPr lang="nb-NO" dirty="0" smtClean="0"/>
+              <a:t>MVC</a:t>
+            </a:r>
+            <a:r>
+              <a:rPr lang="nb-NO" baseline="0" dirty="0" smtClean="0"/>
+              <a:t> benytter seg av HTTP-protokollen istedet for rammeverk-spesifikke greier</a:t>
+            </a:r>
             <a:endParaRPr lang="nb-NO" dirty="0"/>
           </a:p>
         </p:txBody>
@@ -2001,24 +2113,6 @@
           <a:bodyPr/>
           <a:lstStyle/>
           <a:p>
-            <a:r>
-              <a:rPr lang="nb-NO" dirty="0" smtClean="0"/>
-              <a:t>Umulig i WebForms</a:t>
-            </a:r>
-          </a:p>
-          <a:p>
-            <a:r>
-              <a:rPr lang="nb-NO" dirty="0" smtClean="0"/>
-              <a:t>Mulig i MVC</a:t>
-            </a:r>
-          </a:p>
-          <a:p>
-            <a:r>
-              <a:rPr lang="nb-NO" dirty="0" smtClean="0"/>
-              <a:t>Fordel i MVC</a:t>
-            </a:r>
-          </a:p>
-          <a:p>
             <a:endParaRPr lang="nb-NO" dirty="0"/>
           </a:p>
         </p:txBody>
@@ -2104,58 +2198,6 @@
           <a:bodyPr/>
           <a:lstStyle/>
           <a:p>
-            <a:pPr marL="171450" indent="-171450">
-              <a:buFontTx/>
-              <a:buChar char="-"/>
-            </a:pPr>
-            <a:r>
-              <a:rPr lang="nb-NO" dirty="0" smtClean="0"/>
-              <a:t>Vis post av Login-informasjon</a:t>
-            </a:r>
-            <a:r>
-              <a:rPr lang="nb-NO" baseline="0" dirty="0" smtClean="0"/>
-              <a:t> til en action</a:t>
-            </a:r>
-          </a:p>
-          <a:p>
-            <a:pPr marL="171450" indent="-171450">
-              <a:buFontTx/>
-              <a:buChar char="-"/>
-            </a:pPr>
-            <a:r>
-              <a:rPr lang="nb-NO" baseline="0" dirty="0" smtClean="0"/>
-              <a:t>Lag en enkel implementasjon av FormsAuthenticaiton</a:t>
-            </a:r>
-          </a:p>
-          <a:p>
-            <a:pPr marL="171450" indent="-171450">
-              <a:buFontTx/>
-              <a:buChar char="-"/>
-            </a:pPr>
-            <a:r>
-              <a:rPr lang="nb-NO" baseline="0" dirty="0" smtClean="0"/>
-              <a:t>Lag Secret action på Home controller med [Authorize]</a:t>
-            </a:r>
-          </a:p>
-          <a:p>
-            <a:pPr marL="171450" indent="-171450">
-              <a:buFontTx/>
-              <a:buChar char="-"/>
-            </a:pPr>
-            <a:endParaRPr lang="nb-NO" baseline="0" dirty="0" smtClean="0"/>
-          </a:p>
-          <a:p>
-            <a:pPr marL="171450" indent="-171450">
-              <a:buFontTx/>
-              <a:buChar char="-"/>
-            </a:pPr>
-            <a:endParaRPr lang="nb-NO" baseline="0" dirty="0" smtClean="0"/>
-          </a:p>
-          <a:p>
-            <a:pPr marL="171450" indent="-171450">
-              <a:buFontTx/>
-              <a:buChar char="-"/>
-            </a:pPr>
             <a:endParaRPr lang="nb-NO" dirty="0"/>
           </a:p>
         </p:txBody>
@@ -2241,6 +2283,24 @@
           <a:bodyPr/>
           <a:lstStyle/>
           <a:p>
+            <a:r>
+              <a:rPr lang="nb-NO" dirty="0" smtClean="0"/>
+              <a:t>Umulig i WebForms</a:t>
+            </a:r>
+          </a:p>
+          <a:p>
+            <a:r>
+              <a:rPr lang="nb-NO" dirty="0" smtClean="0"/>
+              <a:t>Mulig i MVC</a:t>
+            </a:r>
+          </a:p>
+          <a:p>
+            <a:r>
+              <a:rPr lang="nb-NO" dirty="0" smtClean="0"/>
+              <a:t>Fordel i MVC</a:t>
+            </a:r>
+          </a:p>
+          <a:p>
             <a:endParaRPr lang="nb-NO" dirty="0"/>
           </a:p>
         </p:txBody>
@@ -2263,7 +2323,7 @@
             <a:fld id="{528E7876-5FAB-5445-B77E-737DA6EC0B43}" type="slidenum">
               <a:rPr lang="nb-NO" smtClean="0"/>
               <a:pPr/>
-              <a:t>31</a:t>
+              <a:t>30</a:t>
             </a:fld>
             <a:endParaRPr lang="nb-NO"/>
           </a:p>
@@ -2326,6 +2386,58 @@
           <a:bodyPr/>
           <a:lstStyle/>
           <a:p>
+            <a:pPr marL="171450" indent="-171450">
+              <a:buFontTx/>
+              <a:buChar char="-"/>
+            </a:pPr>
+            <a:r>
+              <a:rPr lang="nb-NO" dirty="0" smtClean="0"/>
+              <a:t>Vis post av Login-informasjon</a:t>
+            </a:r>
+            <a:r>
+              <a:rPr lang="nb-NO" baseline="0" dirty="0" smtClean="0"/>
+              <a:t> til en action</a:t>
+            </a:r>
+          </a:p>
+          <a:p>
+            <a:pPr marL="171450" indent="-171450">
+              <a:buFontTx/>
+              <a:buChar char="-"/>
+            </a:pPr>
+            <a:r>
+              <a:rPr lang="nb-NO" baseline="0" dirty="0" smtClean="0"/>
+              <a:t>Lag en enkel implementasjon av FormsAuthenticaiton</a:t>
+            </a:r>
+          </a:p>
+          <a:p>
+            <a:pPr marL="171450" indent="-171450">
+              <a:buFontTx/>
+              <a:buChar char="-"/>
+            </a:pPr>
+            <a:r>
+              <a:rPr lang="nb-NO" baseline="0" dirty="0" smtClean="0"/>
+              <a:t>Lag Secret action på Home controller med [Authorize]</a:t>
+            </a:r>
+          </a:p>
+          <a:p>
+            <a:pPr marL="171450" indent="-171450">
+              <a:buFontTx/>
+              <a:buChar char="-"/>
+            </a:pPr>
+            <a:endParaRPr lang="nb-NO" baseline="0" dirty="0" smtClean="0"/>
+          </a:p>
+          <a:p>
+            <a:pPr marL="171450" indent="-171450">
+              <a:buFontTx/>
+              <a:buChar char="-"/>
+            </a:pPr>
+            <a:endParaRPr lang="nb-NO" baseline="0" dirty="0" smtClean="0"/>
+          </a:p>
+          <a:p>
+            <a:pPr marL="171450" indent="-171450">
+              <a:buFontTx/>
+              <a:buChar char="-"/>
+            </a:pPr>
             <a:endParaRPr lang="nb-NO" dirty="0"/>
           </a:p>
         </p:txBody>
@@ -2348,7 +2460,7 @@
             <a:fld id="{528E7876-5FAB-5445-B77E-737DA6EC0B43}" type="slidenum">
               <a:rPr lang="nb-NO" smtClean="0"/>
               <a:pPr/>
-              <a:t>32</a:t>
+              <a:t>31</a:t>
             </a:fld>
             <a:endParaRPr lang="nb-NO"/>
           </a:p>
@@ -2411,14 +2523,7 @@
           <a:bodyPr/>
           <a:lstStyle/>
           <a:p>
-            <a:r>
-              <a:rPr lang="nb-NO" dirty="0" smtClean="0"/>
-              <a:t>De som trenger det,</a:t>
-            </a:r>
-            <a:r>
-              <a:rPr lang="nb-NO" baseline="0" dirty="0" smtClean="0"/>
-              <a:t> ber om det de trenger og får implementasjonen</a:t>
-            </a:r>
+            <a:endParaRPr lang="nb-NO" dirty="0"/>
           </a:p>
         </p:txBody>
       </p:sp>
@@ -2503,28 +2608,6 @@
           <a:bodyPr/>
           <a:lstStyle/>
           <a:p>
-            <a:r>
-              <a:rPr lang="nb-NO" dirty="0" smtClean="0"/>
-              <a:t>Dra</a:t>
-            </a:r>
-            <a:r>
-              <a:rPr lang="nb-NO" baseline="0" dirty="0" smtClean="0"/>
-              <a:t> ut IAuthenticationProvider</a:t>
-            </a:r>
-          </a:p>
-          <a:p>
-            <a:r>
-              <a:rPr lang="nb-NO" baseline="0" dirty="0" smtClean="0"/>
-              <a:t>Legg inn Ninject</a:t>
-            </a:r>
-          </a:p>
-          <a:p>
-            <a:r>
-              <a:rPr lang="nb-NO" baseline="0" dirty="0" smtClean="0"/>
-              <a:t>Inject AuthenticationProvider inn i UserController</a:t>
-            </a:r>
-          </a:p>
-          <a:p>
             <a:endParaRPr lang="nb-NO" dirty="0"/>
           </a:p>
         </p:txBody>
@@ -2610,7 +2693,14 @@
           <a:bodyPr/>
           <a:lstStyle/>
           <a:p>
-            <a:endParaRPr lang="nb-NO" dirty="0"/>
+            <a:r>
+              <a:rPr lang="nb-NO" dirty="0" smtClean="0"/>
+              <a:t>De som trenger det,</a:t>
+            </a:r>
+            <a:r>
+              <a:rPr lang="nb-NO" baseline="0" dirty="0" smtClean="0"/>
+              <a:t> ber om det de trenger og får implementasjonen</a:t>
+            </a:r>
           </a:p>
         </p:txBody>
       </p:sp>
@@ -2695,6 +2785,28 @@
           <a:bodyPr/>
           <a:lstStyle/>
           <a:p>
+            <a:r>
+              <a:rPr lang="nb-NO" dirty="0" smtClean="0"/>
+              <a:t>Dra</a:t>
+            </a:r>
+            <a:r>
+              <a:rPr lang="nb-NO" baseline="0" dirty="0" smtClean="0"/>
+              <a:t> ut IAuthenticationProvider</a:t>
+            </a:r>
+          </a:p>
+          <a:p>
+            <a:r>
+              <a:rPr lang="nb-NO" baseline="0" dirty="0" smtClean="0"/>
+              <a:t>Legg inn Ninject</a:t>
+            </a:r>
+          </a:p>
+          <a:p>
+            <a:r>
+              <a:rPr lang="nb-NO" baseline="0" dirty="0" smtClean="0"/>
+              <a:t>Inject AuthenticationProvider inn i UserController</a:t>
+            </a:r>
+          </a:p>
+          <a:p>
             <a:endParaRPr lang="nb-NO" dirty="0"/>
           </a:p>
         </p:txBody>
@@ -2782,7 +2894,7 @@
           <a:p>
             <a:r>
               <a:rPr lang="nb-NO" dirty="0" smtClean="0"/>
-              <a:t>HTML+Razor</a:t>
+              <a:t>- Model er en «dum» klasse som kun skal inneholde data som trengs for å vise Viewet riktig</a:t>
             </a:r>
             <a:endParaRPr lang="nb-NO" dirty="0"/>
           </a:p>
@@ -2815,7 +2927,7 @@
     </p:spTree>
     <p:extLst>
       <p:ext uri="{BB962C8B-B14F-4D97-AF65-F5344CB8AC3E}">
-        <p14:creationId xmlns:p14="http://schemas.microsoft.com/office/powerpoint/2010/main" val="2990323578"/>
+        <p14:creationId xmlns:p14="http://schemas.microsoft.com/office/powerpoint/2010/main" val="3950935386"/>
       </p:ext>
     </p:extLst>
   </p:cSld>
@@ -2954,22 +3066,6 @@
           <a:bodyPr/>
           <a:lstStyle/>
           <a:p>
-            <a:r>
-              <a:rPr lang="nb-NO" dirty="0" smtClean="0"/>
-              <a:t>Lag noen enhetstester</a:t>
-            </a:r>
-            <a:r>
-              <a:rPr lang="nb-NO" baseline="0" dirty="0" smtClean="0"/>
-              <a:t> som mocker opp og tester AuthenticationProvider</a:t>
-            </a:r>
-          </a:p>
-          <a:p>
-            <a:r>
-              <a:rPr lang="nb-NO" baseline="0" dirty="0" smtClean="0"/>
-              <a:t>Test at Actions returnerer det vi forventer</a:t>
-            </a:r>
-          </a:p>
-          <a:p>
             <a:endParaRPr lang="nb-NO" dirty="0"/>
           </a:p>
         </p:txBody>
@@ -3140,6 +3236,22 @@
           <a:bodyPr/>
           <a:lstStyle/>
           <a:p>
+            <a:r>
+              <a:rPr lang="nb-NO" dirty="0" smtClean="0"/>
+              <a:t>Lag noen enhetstester</a:t>
+            </a:r>
+            <a:r>
+              <a:rPr lang="nb-NO" baseline="0" dirty="0" smtClean="0"/>
+              <a:t> som mocker opp og tester AuthenticationProvider</a:t>
+            </a:r>
+          </a:p>
+          <a:p>
+            <a:r>
+              <a:rPr lang="nb-NO" baseline="0" dirty="0" smtClean="0"/>
+              <a:t>Test at Actions returnerer det vi forventer</a:t>
+            </a:r>
+          </a:p>
+          <a:p>
             <a:endParaRPr lang="nb-NO" dirty="0"/>
           </a:p>
         </p:txBody>
@@ -3225,14 +3337,6 @@
           <a:bodyPr/>
           <a:lstStyle/>
           <a:p>
-            <a:r>
-              <a:rPr lang="nb-NO" dirty="0" smtClean="0"/>
-              <a:t>Models kan ofte være litt misvisende.</a:t>
-            </a:r>
-            <a:r>
-              <a:rPr lang="nb-NO" baseline="0" dirty="0" smtClean="0"/>
-              <a:t> Den burde kanskje heller hete ViewModels</a:t>
-            </a:r>
             <a:endParaRPr lang="nb-NO" dirty="0"/>
           </a:p>
         </p:txBody>
@@ -3318,20 +3422,6 @@
           <a:bodyPr/>
           <a:lstStyle/>
           <a:p>
-            <a:r>
-              <a:rPr lang="nb-NO" dirty="0" smtClean="0"/>
-              <a:t>Holde oss unna masse @foreach osv i views</a:t>
-            </a:r>
-          </a:p>
-          <a:p>
-            <a:r>
-              <a:rPr lang="nb-NO" dirty="0" smtClean="0"/>
-              <a:t>Bruk heller @Html.DisplayFor, @Html.DisplayForModel</a:t>
-            </a:r>
-            <a:r>
-              <a:rPr lang="nb-NO" baseline="0" dirty="0" smtClean="0"/>
-              <a:t> etc.</a:t>
-            </a:r>
             <a:endParaRPr lang="nb-NO" dirty="0"/>
           </a:p>
         </p:txBody>
@@ -3419,57 +3509,11 @@
           <a:p>
             <a:r>
               <a:rPr lang="nb-NO" dirty="0" smtClean="0"/>
-              <a:t>Businesslogikk har somregel ikke noe i en controller-action å gjøre. </a:t>
-            </a:r>
-          </a:p>
-          <a:p>
-            <a:r>
-              <a:rPr lang="nb-NO" dirty="0" smtClean="0"/>
-              <a:t>Det fører bare til:</a:t>
-            </a:r>
-          </a:p>
-          <a:p>
-            <a:pPr marL="171450" indent="-171450">
-              <a:buFontTx/>
-              <a:buChar char="-"/>
-            </a:pPr>
-            <a:r>
-              <a:rPr lang="nb-NO" dirty="0" smtClean="0"/>
-              <a:t>dårligere testbarhet</a:t>
-            </a:r>
-          </a:p>
-          <a:p>
-            <a:pPr marL="171450" indent="-171450">
-              <a:buFontTx/>
-              <a:buChar char="-"/>
-            </a:pPr>
-            <a:r>
-              <a:rPr lang="nb-NO" dirty="0" smtClean="0"/>
-              <a:t>Vanskeligere</a:t>
+              <a:t>Models kan ofte være litt misvisende.</a:t>
             </a:r>
             <a:r>
               <a:rPr lang="nb-NO" baseline="0" dirty="0" smtClean="0"/>
-              <a:t> å vedlikeholde</a:t>
-            </a:r>
-          </a:p>
-          <a:p>
-            <a:pPr marL="171450" indent="-171450">
-              <a:buFontTx/>
-              <a:buChar char="-"/>
-            </a:pPr>
-            <a:r>
-              <a:rPr lang="nb-NO" baseline="0" dirty="0" smtClean="0"/>
-              <a:t>Mer fragil kode</a:t>
-            </a:r>
-          </a:p>
-          <a:p>
-            <a:pPr marL="171450" indent="-171450">
-              <a:buFontTx/>
-              <a:buChar char="-"/>
-            </a:pPr>
-            <a:r>
-              <a:rPr lang="nb-NO" baseline="0" dirty="0" smtClean="0"/>
-              <a:t>Mer repetetiv kode</a:t>
+              <a:t> Den burde kanskje heller hete ViewModels</a:t>
             </a:r>
             <a:endParaRPr lang="nb-NO" dirty="0"/>
           </a:p>
@@ -3558,11 +3602,17 @@
           <a:p>
             <a:r>
               <a:rPr lang="nb-NO" dirty="0" smtClean="0"/>
-              <a:t>ViewModeller</a:t>
+              <a:t>Holde oss unna masse @foreach osv i views</a:t>
+            </a:r>
+          </a:p>
+          <a:p>
+            <a:r>
+              <a:rPr lang="nb-NO" dirty="0" smtClean="0"/>
+              <a:t>Bruk heller @Html.DisplayFor, @Html.DisplayForModel</a:t>
             </a:r>
             <a:r>
               <a:rPr lang="nb-NO" baseline="0" dirty="0" smtClean="0"/>
-              <a:t> bør ha et navn som reflekterer viewet det hører til. Dette fører igjen til at Viewet ofte navngis i forhold til hvilke data det skal presentere. (URL kan uansett SEOifiseres vha routes)</a:t>
+              <a:t> etc.</a:t>
             </a:r>
             <a:endParaRPr lang="nb-NO" dirty="0"/>
           </a:p>
@@ -3651,11 +3701,57 @@
           <a:p>
             <a:r>
               <a:rPr lang="nb-NO" dirty="0" smtClean="0"/>
-              <a:t>Del opp Viewmodellene i logiske</a:t>
+              <a:t>Businesslogikk har somregel ikke noe i en controller-action å gjøre. </a:t>
+            </a:r>
+          </a:p>
+          <a:p>
+            <a:r>
+              <a:rPr lang="nb-NO" dirty="0" smtClean="0"/>
+              <a:t>Det fører bare til:</a:t>
+            </a:r>
+          </a:p>
+          <a:p>
+            <a:pPr marL="171450" indent="-171450">
+              <a:buFontTx/>
+              <a:buChar char="-"/>
+            </a:pPr>
+            <a:r>
+              <a:rPr lang="nb-NO" dirty="0" smtClean="0"/>
+              <a:t>dårligere testbarhet</a:t>
+            </a:r>
+          </a:p>
+          <a:p>
+            <a:pPr marL="171450" indent="-171450">
+              <a:buFontTx/>
+              <a:buChar char="-"/>
+            </a:pPr>
+            <a:r>
+              <a:rPr lang="nb-NO" dirty="0" smtClean="0"/>
+              <a:t>Vanskeligere</a:t>
             </a:r>
             <a:r>
               <a:rPr lang="nb-NO" baseline="0" dirty="0" smtClean="0"/>
-              <a:t> og fornuftige biter. Det er ingenting i veien for at en ViewModell kan inneholde referanser til andre ViewModeller som collections. Det fører til gjenbrukbare viewmodels og mer ryddig kode.</a:t>
+              <a:t> å vedlikeholde</a:t>
+            </a:r>
+          </a:p>
+          <a:p>
+            <a:pPr marL="171450" indent="-171450">
+              <a:buFontTx/>
+              <a:buChar char="-"/>
+            </a:pPr>
+            <a:r>
+              <a:rPr lang="nb-NO" baseline="0" dirty="0" smtClean="0"/>
+              <a:t>Mer fragil kode</a:t>
+            </a:r>
+          </a:p>
+          <a:p>
+            <a:pPr marL="171450" indent="-171450">
+              <a:buFontTx/>
+              <a:buChar char="-"/>
+            </a:pPr>
+            <a:r>
+              <a:rPr lang="nb-NO" baseline="0" dirty="0" smtClean="0"/>
+              <a:t>Mer repetetiv kode</a:t>
             </a:r>
             <a:endParaRPr lang="nb-NO" dirty="0"/>
           </a:p>
@@ -3744,17 +3840,11 @@
           <a:p>
             <a:r>
               <a:rPr lang="nb-NO" dirty="0" smtClean="0"/>
-              <a:t>IKKE PUTT LOGIKK</a:t>
+              <a:t>ViewModeller</a:t>
             </a:r>
             <a:r>
               <a:rPr lang="nb-NO" baseline="0" dirty="0" smtClean="0"/>
-              <a:t> I GET/SET</a:t>
-            </a:r>
-          </a:p>
-          <a:p>
-            <a:r>
-              <a:rPr lang="nb-NO" baseline="0" dirty="0" smtClean="0"/>
-              <a:t>Viewmodeller skal ikke ha noe forhold til hvorfor dataene er som de er. De skal kun være et mellomlagringssted, slik at Viewet kan presentere/poste og controlleren kan agere på bakgrunn av dataene.</a:t>
+              <a:t> bør ha et navn som reflekterer viewet det hører til. Dette fører igjen til at Viewet ofte navngis i forhold til hvilke data det skal presentere. (URL kan uansett SEOifiseres vha routes)</a:t>
             </a:r>
             <a:endParaRPr lang="nb-NO" dirty="0"/>
           </a:p>
@@ -3843,60 +3933,9 @@
           <a:p>
             <a:r>
               <a:rPr lang="nb-NO" dirty="0" smtClean="0"/>
-              <a:t>Controller</a:t>
-            </a:r>
-            <a:r>
-              <a:rPr lang="nb-NO" baseline="0" dirty="0" smtClean="0"/>
-              <a:t> har ansvar for å dytte et resultat ut til Responsen</a:t>
-            </a:r>
-          </a:p>
-          <a:p>
-            <a:pPr marL="0" marR="0" indent="0" algn="l" defTabSz="457200" rtl="0" eaLnBrk="1" fontAlgn="auto" latinLnBrk="0" hangingPunct="1">
-              <a:lnSpc>
-                <a:spcPct val="100000"/>
-              </a:lnSpc>
-              <a:spcBef>
-                <a:spcPts val="0"/>
-              </a:spcBef>
-              <a:spcAft>
-                <a:spcPts val="0"/>
-              </a:spcAft>
-              <a:buClrTx/>
-              <a:buSzTx/>
-              <a:buFontTx/>
-              <a:buNone/>
-              <a:tabLst/>
-              <a:defRPr/>
-            </a:pPr>
-            <a:r>
-              <a:rPr lang="nb-NO" baseline="0" dirty="0" smtClean="0"/>
-              <a:t>ActionResult</a:t>
-            </a:r>
-            <a:endParaRPr lang="nb-NO" dirty="0" smtClean="0"/>
-          </a:p>
-          <a:p>
-            <a:r>
-              <a:rPr lang="nb-NO" baseline="0" dirty="0" smtClean="0"/>
-              <a:t>JsonResult</a:t>
-            </a:r>
-          </a:p>
-          <a:p>
-            <a:r>
-              <a:rPr lang="nb-NO" baseline="0" dirty="0" smtClean="0"/>
-              <a:t>ViewResult</a:t>
-            </a:r>
-          </a:p>
-          <a:p>
-            <a:r>
-              <a:rPr lang="nb-NO" baseline="0" dirty="0" smtClean="0"/>
-              <a:t>FileResult</a:t>
-            </a:r>
-          </a:p>
-          <a:p>
-            <a:r>
-              <a:rPr lang="nb-NO" baseline="0" dirty="0" smtClean="0"/>
-              <a:t>Etc...</a:t>
-            </a:r>
+              <a:t>HTML+Razor</a:t>
+            </a:r>
+            <a:endParaRPr lang="nb-NO" dirty="0"/>
           </a:p>
         </p:txBody>
       </p:sp>
@@ -3927,7 +3966,7 @@
     </p:spTree>
     <p:extLst>
       <p:ext uri="{BB962C8B-B14F-4D97-AF65-F5344CB8AC3E}">
-        <p14:creationId xmlns:p14="http://schemas.microsoft.com/office/powerpoint/2010/main" val="1300740326"/>
+        <p14:creationId xmlns:p14="http://schemas.microsoft.com/office/powerpoint/2010/main" val="2990323578"/>
       </p:ext>
     </p:extLst>
   </p:cSld>
@@ -3982,8 +4021,12 @@
           <a:lstStyle/>
           <a:p>
             <a:r>
-              <a:rPr lang="nb-NO" smtClean="0"/>
-              <a:t>Har vi tid til overs?</a:t>
+              <a:rPr lang="nb-NO" dirty="0" smtClean="0"/>
+              <a:t>Del opp Viewmodellene i logiske</a:t>
+            </a:r>
+            <a:r>
+              <a:rPr lang="nb-NO" baseline="0" dirty="0" smtClean="0"/>
+              <a:t> og fornuftige biter. Det er ingenting i veien for at en ViewModell kan inneholde referanser til andre ViewModeller som collections. Det fører til gjenbrukbare viewmodels og mer ryddig kode.</a:t>
             </a:r>
             <a:endParaRPr lang="nb-NO" dirty="0"/>
           </a:p>
@@ -4007,7 +4050,7 @@
             <a:fld id="{528E7876-5FAB-5445-B77E-737DA6EC0B43}" type="slidenum">
               <a:rPr lang="nb-NO" smtClean="0"/>
               <a:pPr/>
-              <a:t>48</a:t>
+              <a:t>47</a:t>
             </a:fld>
             <a:endParaRPr lang="nb-NO"/>
           </a:p>
@@ -4070,6 +4113,20 @@
           <a:bodyPr/>
           <a:lstStyle/>
           <a:p>
+            <a:r>
+              <a:rPr lang="nb-NO" dirty="0" smtClean="0"/>
+              <a:t>IKKE PUTT LOGIKK</a:t>
+            </a:r>
+            <a:r>
+              <a:rPr lang="nb-NO" baseline="0" dirty="0" smtClean="0"/>
+              <a:t> I GET/SET</a:t>
+            </a:r>
+          </a:p>
+          <a:p>
+            <a:r>
+              <a:rPr lang="nb-NO" baseline="0" dirty="0" smtClean="0"/>
+              <a:t>Viewmodeller skal ikke ha noe forhold til hvorfor dataene er som de er. De skal kun være et mellomlagringssted, slik at Viewet kan presentere/poste og controlleren kan agere på bakgrunn av dataene.</a:t>
+            </a:r>
             <a:endParaRPr lang="nb-NO" dirty="0"/>
           </a:p>
         </p:txBody>
@@ -4092,7 +4149,7 @@
             <a:fld id="{528E7876-5FAB-5445-B77E-737DA6EC0B43}" type="slidenum">
               <a:rPr lang="nb-NO" smtClean="0"/>
               <a:pPr/>
-              <a:t>49</a:t>
+              <a:t>48</a:t>
             </a:fld>
             <a:endParaRPr lang="nb-NO"/>
           </a:p>
@@ -4155,6 +4212,10 @@
           <a:bodyPr/>
           <a:lstStyle/>
           <a:p>
+            <a:r>
+              <a:rPr lang="nb-NO" smtClean="0"/>
+              <a:t>Har vi tid til overs?</a:t>
+            </a:r>
             <a:endParaRPr lang="nb-NO" dirty="0"/>
           </a:p>
         </p:txBody>
@@ -4178,6 +4239,176 @@
               <a:rPr lang="nb-NO" smtClean="0"/>
               <a:pPr/>
               <a:t>50</a:t>
+            </a:fld>
+            <a:endParaRPr lang="nb-NO"/>
+          </a:p>
+        </p:txBody>
+      </p:sp>
+    </p:spTree>
+    <p:extLst>
+      <p:ext uri="{BB962C8B-B14F-4D97-AF65-F5344CB8AC3E}">
+        <p14:creationId xmlns:p14="http://schemas.microsoft.com/office/powerpoint/2010/main" val="3189924498"/>
+      </p:ext>
+    </p:extLst>
+  </p:cSld>
+  <p:clrMapOvr>
+    <a:masterClrMapping/>
+  </p:clrMapOvr>
+</p:notes>
+</file>
+
+<file path=ppt/notesSlides/notesSlide43.xml><?xml version="1.0" encoding="utf-8"?>
+<p:notes xmlns:a="http://schemas.openxmlformats.org/drawingml/2006/main" xmlns:r="http://schemas.openxmlformats.org/officeDocument/2006/relationships" xmlns:p="http://schemas.openxmlformats.org/presentationml/2006/main">
+  <p:cSld>
+    <p:spTree>
+      <p:nvGrpSpPr>
+        <p:cNvPr id="1" name=""/>
+        <p:cNvGrpSpPr/>
+        <p:nvPr/>
+      </p:nvGrpSpPr>
+      <p:grpSpPr>
+        <a:xfrm>
+          <a:off x="0" y="0"/>
+          <a:ext cx="0" cy="0"/>
+          <a:chOff x="0" y="0"/>
+          <a:chExt cx="0" cy="0"/>
+        </a:xfrm>
+      </p:grpSpPr>
+      <p:sp>
+        <p:nvSpPr>
+          <p:cNvPr id="2" name="Slide Image Placeholder 1"/>
+          <p:cNvSpPr>
+            <a:spLocks noGrp="1" noRot="1" noChangeAspect="1"/>
+          </p:cNvSpPr>
+          <p:nvPr>
+            <p:ph type="sldImg"/>
+          </p:nvPr>
+        </p:nvSpPr>
+        <p:spPr/>
+      </p:sp>
+      <p:sp>
+        <p:nvSpPr>
+          <p:cNvPr id="3" name="Notes Placeholder 2"/>
+          <p:cNvSpPr>
+            <a:spLocks noGrp="1"/>
+          </p:cNvSpPr>
+          <p:nvPr>
+            <p:ph type="body" idx="1"/>
+          </p:nvPr>
+        </p:nvSpPr>
+        <p:spPr/>
+        <p:txBody>
+          <a:bodyPr/>
+          <a:lstStyle/>
+          <a:p>
+            <a:endParaRPr lang="nb-NO" dirty="0"/>
+          </a:p>
+        </p:txBody>
+      </p:sp>
+      <p:sp>
+        <p:nvSpPr>
+          <p:cNvPr id="4" name="Slide Number Placeholder 3"/>
+          <p:cNvSpPr>
+            <a:spLocks noGrp="1"/>
+          </p:cNvSpPr>
+          <p:nvPr>
+            <p:ph type="sldNum" sz="quarter" idx="10"/>
+          </p:nvPr>
+        </p:nvSpPr>
+        <p:spPr/>
+        <p:txBody>
+          <a:bodyPr/>
+          <a:lstStyle/>
+          <a:p>
+            <a:fld id="{528E7876-5FAB-5445-B77E-737DA6EC0B43}" type="slidenum">
+              <a:rPr lang="nb-NO" smtClean="0"/>
+              <a:pPr/>
+              <a:t>51</a:t>
+            </a:fld>
+            <a:endParaRPr lang="nb-NO"/>
+          </a:p>
+        </p:txBody>
+      </p:sp>
+    </p:spTree>
+    <p:extLst>
+      <p:ext uri="{BB962C8B-B14F-4D97-AF65-F5344CB8AC3E}">
+        <p14:creationId xmlns:p14="http://schemas.microsoft.com/office/powerpoint/2010/main" val="3189924498"/>
+      </p:ext>
+    </p:extLst>
+  </p:cSld>
+  <p:clrMapOvr>
+    <a:masterClrMapping/>
+  </p:clrMapOvr>
+</p:notes>
+</file>
+
+<file path=ppt/notesSlides/notesSlide44.xml><?xml version="1.0" encoding="utf-8"?>
+<p:notes xmlns:a="http://schemas.openxmlformats.org/drawingml/2006/main" xmlns:r="http://schemas.openxmlformats.org/officeDocument/2006/relationships" xmlns:p="http://schemas.openxmlformats.org/presentationml/2006/main">
+  <p:cSld>
+    <p:spTree>
+      <p:nvGrpSpPr>
+        <p:cNvPr id="1" name=""/>
+        <p:cNvGrpSpPr/>
+        <p:nvPr/>
+      </p:nvGrpSpPr>
+      <p:grpSpPr>
+        <a:xfrm>
+          <a:off x="0" y="0"/>
+          <a:ext cx="0" cy="0"/>
+          <a:chOff x="0" y="0"/>
+          <a:chExt cx="0" cy="0"/>
+        </a:xfrm>
+      </p:grpSpPr>
+      <p:sp>
+        <p:nvSpPr>
+          <p:cNvPr id="2" name="Slide Image Placeholder 1"/>
+          <p:cNvSpPr>
+            <a:spLocks noGrp="1" noRot="1" noChangeAspect="1"/>
+          </p:cNvSpPr>
+          <p:nvPr>
+            <p:ph type="sldImg"/>
+          </p:nvPr>
+        </p:nvSpPr>
+        <p:spPr/>
+      </p:sp>
+      <p:sp>
+        <p:nvSpPr>
+          <p:cNvPr id="3" name="Notes Placeholder 2"/>
+          <p:cNvSpPr>
+            <a:spLocks noGrp="1"/>
+          </p:cNvSpPr>
+          <p:nvPr>
+            <p:ph type="body" idx="1"/>
+          </p:nvPr>
+        </p:nvSpPr>
+        <p:spPr/>
+        <p:txBody>
+          <a:bodyPr/>
+          <a:lstStyle/>
+          <a:p>
+            <a:endParaRPr lang="nb-NO" dirty="0"/>
+          </a:p>
+        </p:txBody>
+      </p:sp>
+      <p:sp>
+        <p:nvSpPr>
+          <p:cNvPr id="4" name="Slide Number Placeholder 3"/>
+          <p:cNvSpPr>
+            <a:spLocks noGrp="1"/>
+          </p:cNvSpPr>
+          <p:nvPr>
+            <p:ph type="sldNum" sz="quarter" idx="10"/>
+          </p:nvPr>
+        </p:nvSpPr>
+        <p:spPr/>
+        <p:txBody>
+          <a:bodyPr/>
+          <a:lstStyle/>
+          <a:p>
+            <a:fld id="{528E7876-5FAB-5445-B77E-737DA6EC0B43}" type="slidenum">
+              <a:rPr lang="nb-NO" smtClean="0"/>
+              <a:pPr/>
+              <a:t>52</a:t>
             </a:fld>
             <a:endParaRPr lang="nb-NO"/>
           </a:p>
@@ -4242,19 +4473,60 @@
           <a:p>
             <a:r>
               <a:rPr lang="nb-NO" dirty="0" smtClean="0"/>
-              <a:t>Vis en enkel demo-MVC</a:t>
+              <a:t>Controller</a:t>
             </a:r>
             <a:r>
               <a:rPr lang="nb-NO" baseline="0" dirty="0" smtClean="0"/>
-              <a:t> site</a:t>
-            </a:r>
-          </a:p>
-          <a:p>
+              <a:t> har ansvar for å dytte et resultat ut til Responsen</a:t>
+            </a:r>
+          </a:p>
+          <a:p>
+            <a:pPr marL="0" marR="0" indent="0" algn="l" defTabSz="457200" rtl="0" eaLnBrk="1" fontAlgn="auto" latinLnBrk="0" hangingPunct="1">
+              <a:lnSpc>
+                <a:spcPct val="100000"/>
+              </a:lnSpc>
+              <a:spcBef>
+                <a:spcPts val="0"/>
+              </a:spcBef>
+              <a:spcAft>
+                <a:spcPts val="0"/>
+              </a:spcAft>
+              <a:buClrTx/>
+              <a:buSzTx/>
+              <a:buFontTx/>
+              <a:buNone/>
+              <a:tabLst/>
+              <a:defRPr/>
+            </a:pPr>
             <a:r>
               <a:rPr lang="nb-NO" baseline="0" dirty="0" smtClean="0"/>
-              <a:t>Vis en controller, en action og et view</a:t>
-            </a:r>
-            <a:endParaRPr lang="nb-NO" dirty="0"/>
+              <a:t>ActionResult</a:t>
+            </a:r>
+            <a:endParaRPr lang="nb-NO" dirty="0" smtClean="0"/>
+          </a:p>
+          <a:p>
+            <a:r>
+              <a:rPr lang="nb-NO" baseline="0" dirty="0" smtClean="0"/>
+              <a:t>JsonResult</a:t>
+            </a:r>
+          </a:p>
+          <a:p>
+            <a:r>
+              <a:rPr lang="nb-NO" baseline="0" dirty="0" smtClean="0"/>
+              <a:t>ViewResult</a:t>
+            </a:r>
+          </a:p>
+          <a:p>
+            <a:r>
+              <a:rPr lang="nb-NO" baseline="0" dirty="0" smtClean="0"/>
+              <a:t>FileResult</a:t>
+            </a:r>
+          </a:p>
+          <a:p>
+            <a:r>
+              <a:rPr lang="nb-NO" baseline="0" dirty="0" smtClean="0"/>
+              <a:t>Etc...</a:t>
+            </a:r>
           </a:p>
         </p:txBody>
       </p:sp>
@@ -4276,7 +4548,7 @@
             <a:fld id="{528E7876-5FAB-5445-B77E-737DA6EC0B43}" type="slidenum">
               <a:rPr lang="nb-NO" smtClean="0"/>
               <a:pPr/>
-              <a:t>10</a:t>
+              <a:t>9</a:t>
             </a:fld>
             <a:endParaRPr lang="nb-NO"/>
           </a:p>
@@ -4285,7 +4557,7 @@
     </p:spTree>
     <p:extLst>
       <p:ext uri="{BB962C8B-B14F-4D97-AF65-F5344CB8AC3E}">
-        <p14:creationId xmlns:p14="http://schemas.microsoft.com/office/powerpoint/2010/main" val="3189924498"/>
+        <p14:creationId xmlns:p14="http://schemas.microsoft.com/office/powerpoint/2010/main" val="1300740326"/>
       </p:ext>
     </p:extLst>
   </p:cSld>
@@ -4526,6 +4798,24 @@
         <p:txBody>
           <a:bodyPr/>
           <a:lstStyle/>
+          <a:p>
+            <a:r>
+              <a:rPr lang="nb-NO" dirty="0" smtClean="0"/>
+              <a:t>Ryddig HTML</a:t>
+            </a:r>
+          </a:p>
+          <a:p>
+            <a:r>
+              <a:rPr lang="nb-NO" dirty="0" smtClean="0"/>
+              <a:t>Ikke merkelige ID-genereringer</a:t>
+            </a:r>
+          </a:p>
+          <a:p>
+            <a:r>
+              <a:rPr lang="nb-NO" dirty="0" smtClean="0"/>
+              <a:t>WYSIWYG</a:t>
+            </a:r>
+          </a:p>
           <a:p>
             <a:endParaRPr lang="nb-NO" dirty="0"/>
           </a:p>
@@ -13754,35 +14044,6 @@
       </p:grpSpPr>
       <p:sp>
         <p:nvSpPr>
-          <p:cNvPr id="2" name="Title 1"/>
-          <p:cNvSpPr>
-            <a:spLocks noGrp="1"/>
-          </p:cNvSpPr>
-          <p:nvPr>
-            <p:ph type="title"/>
-          </p:nvPr>
-        </p:nvSpPr>
-        <p:spPr>
-          <a:xfrm>
-            <a:off x="758644" y="3408659"/>
-            <a:ext cx="7740650" cy="644400"/>
-          </a:xfrm>
-        </p:spPr>
-        <p:txBody>
-          <a:bodyPr/>
-          <a:lstStyle/>
-          <a:p>
-            <a:pPr algn="ctr"/>
-            <a:r>
-              <a:rPr lang="nb-NO" b="0" dirty="0" smtClean="0"/>
-              <a:t>Demo</a:t>
-            </a:r>
-            <a:endParaRPr lang="nb-NO" b="0" dirty="0"/>
-          </a:p>
-        </p:txBody>
-      </p:sp>
-      <p:sp>
-        <p:nvSpPr>
           <p:cNvPr id="4" name="Date Placeholder 3"/>
           <p:cNvSpPr>
             <a:spLocks noGrp="1"/>
@@ -13848,10 +14109,310 @@
           </a:p>
         </p:txBody>
       </p:sp>
+      <p:sp>
+        <p:nvSpPr>
+          <p:cNvPr id="7" name="Rounded Rectangle 6"/>
+          <p:cNvSpPr/>
+          <p:nvPr/>
+        </p:nvSpPr>
+        <p:spPr>
+          <a:xfrm>
+            <a:off x="3960376" y="2969775"/>
+            <a:ext cx="1359462" cy="1408015"/>
+          </a:xfrm>
+          <a:prstGeom prst="roundRect">
+            <a:avLst/>
+          </a:prstGeom>
+          <a:pattFill prst="pct5">
+            <a:fgClr>
+              <a:schemeClr val="accent1"/>
+            </a:fgClr>
+            <a:bgClr>
+              <a:schemeClr val="bg1"/>
+            </a:bgClr>
+          </a:pattFill>
+        </p:spPr>
+        <p:style>
+          <a:lnRef idx="1">
+            <a:schemeClr val="accent5"/>
+          </a:lnRef>
+          <a:fillRef idx="3">
+            <a:schemeClr val="accent5"/>
+          </a:fillRef>
+          <a:effectRef idx="2">
+            <a:schemeClr val="accent5"/>
+          </a:effectRef>
+          <a:fontRef idx="minor">
+            <a:schemeClr val="lt1"/>
+          </a:fontRef>
+        </p:style>
+        <p:txBody>
+          <a:bodyPr rtlCol="0" anchor="ctr"/>
+          <a:lstStyle/>
+          <a:p>
+            <a:pPr algn="ctr"/>
+            <a:r>
+              <a:rPr lang="nb-NO" dirty="0" smtClean="0">
+                <a:solidFill>
+                  <a:schemeClr val="tx1">
+                    <a:lumMod val="50000"/>
+                    <a:lumOff val="50000"/>
+                  </a:schemeClr>
+                </a:solidFill>
+              </a:rPr>
+              <a:t>Model</a:t>
+            </a:r>
+            <a:endParaRPr lang="nb-NO" dirty="0">
+              <a:solidFill>
+                <a:schemeClr val="tx1">
+                  <a:lumMod val="50000"/>
+                  <a:lumOff val="50000"/>
+                </a:schemeClr>
+              </a:solidFill>
+            </a:endParaRPr>
+          </a:p>
+        </p:txBody>
+      </p:sp>
+      <p:sp>
+        <p:nvSpPr>
+          <p:cNvPr id="8" name="Rounded Rectangle 7"/>
+          <p:cNvSpPr/>
+          <p:nvPr/>
+        </p:nvSpPr>
+        <p:spPr>
+          <a:xfrm>
+            <a:off x="6201870" y="2969775"/>
+            <a:ext cx="1359462" cy="1408015"/>
+          </a:xfrm>
+          <a:prstGeom prst="roundRect">
+            <a:avLst/>
+          </a:prstGeom>
+        </p:spPr>
+        <p:style>
+          <a:lnRef idx="1">
+            <a:schemeClr val="dk1"/>
+          </a:lnRef>
+          <a:fillRef idx="3">
+            <a:schemeClr val="dk1"/>
+          </a:fillRef>
+          <a:effectRef idx="2">
+            <a:schemeClr val="dk1"/>
+          </a:effectRef>
+          <a:fontRef idx="minor">
+            <a:schemeClr val="lt1"/>
+          </a:fontRef>
+        </p:style>
+        <p:txBody>
+          <a:bodyPr rtlCol="0" anchor="ctr"/>
+          <a:lstStyle/>
+          <a:p>
+            <a:pPr algn="ctr"/>
+            <a:r>
+              <a:rPr lang="nb-NO" dirty="0" smtClean="0"/>
+              <a:t>View</a:t>
+            </a:r>
+            <a:endParaRPr lang="nb-NO" dirty="0"/>
+          </a:p>
+        </p:txBody>
+      </p:sp>
+      <p:sp>
+        <p:nvSpPr>
+          <p:cNvPr id="9" name="Right Arrow 8"/>
+          <p:cNvSpPr/>
+          <p:nvPr/>
+        </p:nvSpPr>
+        <p:spPr>
+          <a:xfrm>
+            <a:off x="3244906" y="3095191"/>
+            <a:ext cx="469338" cy="493614"/>
+          </a:xfrm>
+          <a:prstGeom prst="rightArrow">
+            <a:avLst/>
+          </a:prstGeom>
+        </p:spPr>
+        <p:style>
+          <a:lnRef idx="1">
+            <a:schemeClr val="accent1"/>
+          </a:lnRef>
+          <a:fillRef idx="3">
+            <a:schemeClr val="accent1"/>
+          </a:fillRef>
+          <a:effectRef idx="2">
+            <a:schemeClr val="accent1"/>
+          </a:effectRef>
+          <a:fontRef idx="minor">
+            <a:schemeClr val="lt1"/>
+          </a:fontRef>
+        </p:style>
+        <p:txBody>
+          <a:bodyPr rtlCol="0" anchor="ctr"/>
+          <a:lstStyle/>
+          <a:p>
+            <a:pPr algn="ctr"/>
+            <a:endParaRPr lang="nb-NO"/>
+          </a:p>
+        </p:txBody>
+      </p:sp>
+      <p:sp>
+        <p:nvSpPr>
+          <p:cNvPr id="10" name="Right Arrow 9"/>
+          <p:cNvSpPr/>
+          <p:nvPr/>
+        </p:nvSpPr>
+        <p:spPr>
+          <a:xfrm flipH="1">
+            <a:off x="3244906" y="3739856"/>
+            <a:ext cx="469337" cy="493614"/>
+          </a:xfrm>
+          <a:prstGeom prst="rightArrow">
+            <a:avLst/>
+          </a:prstGeom>
+        </p:spPr>
+        <p:style>
+          <a:lnRef idx="1">
+            <a:schemeClr val="accent1"/>
+          </a:lnRef>
+          <a:fillRef idx="3">
+            <a:schemeClr val="accent1"/>
+          </a:fillRef>
+          <a:effectRef idx="2">
+            <a:schemeClr val="accent1"/>
+          </a:effectRef>
+          <a:fontRef idx="minor">
+            <a:schemeClr val="lt1"/>
+          </a:fontRef>
+        </p:style>
+        <p:txBody>
+          <a:bodyPr rtlCol="0" anchor="ctr"/>
+          <a:lstStyle/>
+          <a:p>
+            <a:pPr algn="ctr"/>
+            <a:endParaRPr lang="nb-NO"/>
+          </a:p>
+        </p:txBody>
+      </p:sp>
+      <p:sp>
+        <p:nvSpPr>
+          <p:cNvPr id="11" name="Right Arrow 10"/>
+          <p:cNvSpPr/>
+          <p:nvPr/>
+        </p:nvSpPr>
+        <p:spPr>
+          <a:xfrm>
+            <a:off x="5530231" y="3095191"/>
+            <a:ext cx="469338" cy="493614"/>
+          </a:xfrm>
+          <a:prstGeom prst="rightArrow">
+            <a:avLst/>
+          </a:prstGeom>
+        </p:spPr>
+        <p:style>
+          <a:lnRef idx="1">
+            <a:schemeClr val="accent1"/>
+          </a:lnRef>
+          <a:fillRef idx="3">
+            <a:schemeClr val="accent1"/>
+          </a:fillRef>
+          <a:effectRef idx="2">
+            <a:schemeClr val="accent1"/>
+          </a:effectRef>
+          <a:fontRef idx="minor">
+            <a:schemeClr val="lt1"/>
+          </a:fontRef>
+        </p:style>
+        <p:txBody>
+          <a:bodyPr rtlCol="0" anchor="ctr"/>
+          <a:lstStyle/>
+          <a:p>
+            <a:pPr algn="ctr"/>
+            <a:endParaRPr lang="nb-NO"/>
+          </a:p>
+        </p:txBody>
+      </p:sp>
+      <p:sp>
+        <p:nvSpPr>
+          <p:cNvPr id="12" name="Right Arrow 11"/>
+          <p:cNvSpPr/>
+          <p:nvPr/>
+        </p:nvSpPr>
+        <p:spPr>
+          <a:xfrm flipH="1">
+            <a:off x="5530231" y="3739856"/>
+            <a:ext cx="469337" cy="493614"/>
+          </a:xfrm>
+          <a:prstGeom prst="rightArrow">
+            <a:avLst/>
+          </a:prstGeom>
+        </p:spPr>
+        <p:style>
+          <a:lnRef idx="1">
+            <a:schemeClr val="accent1"/>
+          </a:lnRef>
+          <a:fillRef idx="3">
+            <a:schemeClr val="accent1"/>
+          </a:fillRef>
+          <a:effectRef idx="2">
+            <a:schemeClr val="accent1"/>
+          </a:effectRef>
+          <a:fontRef idx="minor">
+            <a:schemeClr val="lt1"/>
+          </a:fontRef>
+        </p:style>
+        <p:txBody>
+          <a:bodyPr rtlCol="0" anchor="ctr"/>
+          <a:lstStyle/>
+          <a:p>
+            <a:pPr algn="ctr"/>
+            <a:endParaRPr lang="nb-NO"/>
+          </a:p>
+        </p:txBody>
+      </p:sp>
+      <p:sp>
+        <p:nvSpPr>
+          <p:cNvPr id="13" name="Rounded Rectangle 12"/>
+          <p:cNvSpPr/>
+          <p:nvPr/>
+        </p:nvSpPr>
+        <p:spPr>
+          <a:xfrm>
+            <a:off x="1660890" y="2969774"/>
+            <a:ext cx="1359462" cy="1408015"/>
+          </a:xfrm>
+          <a:prstGeom prst="roundRect">
+            <a:avLst/>
+          </a:prstGeom>
+        </p:spPr>
+        <p:style>
+          <a:lnRef idx="1">
+            <a:schemeClr val="accent1"/>
+          </a:lnRef>
+          <a:fillRef idx="3">
+            <a:schemeClr val="accent1"/>
+          </a:fillRef>
+          <a:effectRef idx="2">
+            <a:schemeClr val="accent1"/>
+          </a:effectRef>
+          <a:fontRef idx="minor">
+            <a:schemeClr val="lt1"/>
+          </a:fontRef>
+        </p:style>
+        <p:txBody>
+          <a:bodyPr rtlCol="0" anchor="ctr"/>
+          <a:lstStyle/>
+          <a:p>
+            <a:pPr algn="ctr"/>
+            <a:r>
+              <a:rPr lang="nb-NO" dirty="0" smtClean="0"/>
+              <a:t>Controller</a:t>
+            </a:r>
+            <a:endParaRPr lang="nb-NO" dirty="0"/>
+          </a:p>
+        </p:txBody>
+      </p:sp>
     </p:spTree>
     <p:extLst>
       <p:ext uri="{BB962C8B-B14F-4D97-AF65-F5344CB8AC3E}">
-        <p14:creationId xmlns:p14="http://schemas.microsoft.com/office/powerpoint/2010/main" val="3624043307"/>
+        <p14:creationId xmlns:p14="http://schemas.microsoft.com/office/powerpoint/2010/main" val="109337283"/>
       </p:ext>
     </p:extLst>
   </p:cSld>
@@ -14213,7 +14774,7 @@
         </p:nvSpPr>
         <p:spPr>
           <a:xfrm>
-            <a:off x="758644" y="3408659"/>
+            <a:off x="758644" y="1150981"/>
             <a:ext cx="7740650" cy="644400"/>
           </a:xfrm>
         </p:spPr>
@@ -14224,7 +14785,7 @@
             <a:pPr algn="ctr"/>
             <a:r>
               <a:rPr lang="nb-NO" b="0" dirty="0" smtClean="0"/>
-              <a:t>Inline kode? WTF?</a:t>
+              <a:t>Razor</a:t>
             </a:r>
             <a:endParaRPr lang="nb-NO" b="0" dirty="0"/>
           </a:p>
@@ -14297,40 +14858,176 @@
           </a:p>
         </p:txBody>
       </p:sp>
-      <p:sp>
-        <p:nvSpPr>
-          <p:cNvPr id="3" name="TextBox 2"/>
-          <p:cNvSpPr txBox="1"/>
+      <p:pic>
+        <p:nvPicPr>
+          <p:cNvPr id="3" name="Picture 2"/>
+          <p:cNvPicPr>
+            <a:picLocks noChangeAspect="1" noChangeArrowheads="1"/>
+          </p:cNvPicPr>
           <p:nvPr/>
-        </p:nvSpPr>
-        <p:spPr>
+        </p:nvPicPr>
+        <p:blipFill>
+          <a:blip r:embed="rId3">
+            <a:extLst>
+              <a:ext uri="{28A0092B-C50C-407E-A947-70E740481C1C}">
+                <a14:useLocalDpi xmlns:a14="http://schemas.microsoft.com/office/drawing/2010/main" val="0"/>
+              </a:ext>
+            </a:extLst>
+          </a:blip>
+          <a:srcRect/>
+          <a:stretch>
+            <a:fillRect/>
+          </a:stretch>
+        </p:blipFill>
+        <p:spPr bwMode="auto">
           <a:xfrm>
-            <a:off x="3099250" y="4053059"/>
-            <a:ext cx="3014608" cy="369332"/>
+            <a:off x="1163315" y="2619375"/>
+            <a:ext cx="3790950" cy="1619250"/>
           </a:xfrm>
           <a:prstGeom prst="rect">
             <a:avLst/>
           </a:prstGeom>
           <a:noFill/>
+          <a:ln>
+            <a:noFill/>
+          </a:ln>
+          <a:effectLst/>
+          <a:extLst>
+            <a:ext uri="{909E8E84-426E-40DD-AFC4-6F175D3DCCD1}">
+              <a14:hiddenFill xmlns:a14="http://schemas.microsoft.com/office/drawing/2010/main">
+                <a:solidFill>
+                  <a:schemeClr val="accent1"/>
+                </a:solidFill>
+              </a14:hiddenFill>
+            </a:ext>
+            <a:ext uri="{91240B29-F687-4F45-9708-019B960494DF}">
+              <a14:hiddenLine xmlns:a14="http://schemas.microsoft.com/office/drawing/2010/main" w="9525">
+                <a:solidFill>
+                  <a:schemeClr val="tx1"/>
+                </a:solidFill>
+                <a:miter lim="800000"/>
+                <a:headEnd/>
+                <a:tailEnd/>
+              </a14:hiddenLine>
+            </a:ext>
+            <a:ext uri="{AF507438-7753-43E0-B8FC-AC1667EBCBE1}">
+              <a14:hiddenEffects xmlns:a14="http://schemas.microsoft.com/office/drawing/2010/main">
+                <a:effectLst>
+                  <a:outerShdw dist="35921" dir="2700000" algn="ctr" rotWithShape="0">
+                    <a:schemeClr val="bg2"/>
+                  </a:outerShdw>
+                </a:effectLst>
+              </a14:hiddenEffects>
+            </a:ext>
+          </a:extLst>
         </p:spPr>
-        <p:txBody>
-          <a:bodyPr wrap="none" rtlCol="0">
-            <a:spAutoFit/>
-          </a:bodyPr>
-          <a:lstStyle/>
-          <a:p>
-            <a:r>
-              <a:rPr lang="nb-NO" dirty="0" smtClean="0"/>
-              <a:t>ASP Classic all over again?</a:t>
-            </a:r>
-            <a:endParaRPr lang="nb-NO" dirty="0"/>
+      </p:pic>
+      <p:pic>
+        <p:nvPicPr>
+          <p:cNvPr id="1027" name="Picture 3"/>
+          <p:cNvPicPr>
+            <a:picLocks noChangeAspect="1" noChangeArrowheads="1"/>
+          </p:cNvPicPr>
+          <p:nvPr/>
+        </p:nvPicPr>
+        <p:blipFill>
+          <a:blip r:embed="rId4">
+            <a:extLst>
+              <a:ext uri="{28A0092B-C50C-407E-A947-70E740481C1C}">
+                <a14:useLocalDpi xmlns:a14="http://schemas.microsoft.com/office/drawing/2010/main" val="0"/>
+              </a:ext>
+            </a:extLst>
+          </a:blip>
+          <a:srcRect/>
+          <a:stretch>
+            <a:fillRect/>
+          </a:stretch>
+        </p:blipFill>
+        <p:spPr bwMode="auto">
+          <a:xfrm>
+            <a:off x="5993459" y="2190750"/>
+            <a:ext cx="1381125" cy="2476500"/>
+          </a:xfrm>
+          <a:prstGeom prst="rect">
+            <a:avLst/>
+          </a:prstGeom>
+          <a:noFill/>
+          <a:ln>
+            <a:noFill/>
+          </a:ln>
+          <a:effectLst/>
+          <a:extLst>
+            <a:ext uri="{909E8E84-426E-40DD-AFC4-6F175D3DCCD1}">
+              <a14:hiddenFill xmlns:a14="http://schemas.microsoft.com/office/drawing/2010/main">
+                <a:solidFill>
+                  <a:schemeClr val="accent1"/>
+                </a:solidFill>
+              </a14:hiddenFill>
+            </a:ext>
+            <a:ext uri="{91240B29-F687-4F45-9708-019B960494DF}">
+              <a14:hiddenLine xmlns:a14="http://schemas.microsoft.com/office/drawing/2010/main" w="9525">
+                <a:solidFill>
+                  <a:schemeClr val="tx1"/>
+                </a:solidFill>
+                <a:miter lim="800000"/>
+                <a:headEnd/>
+                <a:tailEnd/>
+              </a14:hiddenLine>
+            </a:ext>
+            <a:ext uri="{AF507438-7753-43E0-B8FC-AC1667EBCBE1}">
+              <a14:hiddenEffects xmlns:a14="http://schemas.microsoft.com/office/drawing/2010/main">
+                <a:effectLst>
+                  <a:outerShdw dist="35921" dir="2700000" algn="ctr" rotWithShape="0">
+                    <a:schemeClr val="bg2"/>
+                  </a:outerShdw>
+                </a:effectLst>
+              </a14:hiddenEffects>
+            </a:ext>
+          </a:extLst>
+        </p:spPr>
+      </p:pic>
+      <p:sp>
+        <p:nvSpPr>
+          <p:cNvPr id="7" name="Right Arrow 6"/>
+          <p:cNvSpPr/>
+          <p:nvPr/>
+        </p:nvSpPr>
+        <p:spPr>
+          <a:xfrm>
+            <a:off x="4814762" y="3188263"/>
+            <a:ext cx="869218" cy="329750"/>
+          </a:xfrm>
+          <a:prstGeom prst="rightArrow">
+            <a:avLst/>
+          </a:prstGeom>
+        </p:spPr>
+        <p:style>
+          <a:lnRef idx="1">
+            <a:schemeClr val="accent1"/>
+          </a:lnRef>
+          <a:fillRef idx="3">
+            <a:schemeClr val="accent1"/>
+          </a:fillRef>
+          <a:effectRef idx="2">
+            <a:schemeClr val="accent1"/>
+          </a:effectRef>
+          <a:fontRef idx="minor">
+            <a:schemeClr val="lt1"/>
+          </a:fontRef>
+        </p:style>
+        <p:txBody>
+          <a:bodyPr rtlCol="0" anchor="ctr"/>
+          <a:lstStyle/>
+          <a:p>
+            <a:pPr algn="ctr"/>
+            <a:endParaRPr lang="nb-NO"/>
           </a:p>
         </p:txBody>
       </p:sp>
     </p:spTree>
     <p:extLst>
       <p:ext uri="{BB962C8B-B14F-4D97-AF65-F5344CB8AC3E}">
-        <p14:creationId xmlns:p14="http://schemas.microsoft.com/office/powerpoint/2010/main" val="3380425000"/>
+        <p14:creationId xmlns:p14="http://schemas.microsoft.com/office/powerpoint/2010/main" val="1765395087"/>
       </p:ext>
     </p:extLst>
   </p:cSld>
@@ -14379,7 +15076,7 @@
         </p:nvSpPr>
         <p:spPr>
           <a:xfrm>
-            <a:off x="792873" y="1142889"/>
+            <a:off x="758644" y="3408659"/>
             <a:ext cx="7740650" cy="644400"/>
           </a:xfrm>
         </p:spPr>
@@ -14390,7 +15087,7 @@
             <a:pPr algn="ctr"/>
             <a:r>
               <a:rPr lang="nb-NO" b="0" dirty="0" smtClean="0"/>
-              <a:t>Not really...</a:t>
+              <a:t>Inline kode? WTF?</a:t>
             </a:r>
             <a:endParaRPr lang="nb-NO" b="0" dirty="0"/>
           </a:p>
@@ -14463,51 +15160,40 @@
           </a:p>
         </p:txBody>
       </p:sp>
-      <p:pic>
-        <p:nvPicPr>
-          <p:cNvPr id="2050" name="Picture 2" descr="http://blog.wekeroad.com/files/media/image/WindowsLiveWriter/ASP.NETMVCAvoidingTagSoup_92EA/typocode_3.png"/>
-          <p:cNvPicPr>
-            <a:picLocks noChangeAspect="1" noChangeArrowheads="1"/>
-          </p:cNvPicPr>
+      <p:sp>
+        <p:nvSpPr>
+          <p:cNvPr id="3" name="TextBox 2"/>
+          <p:cNvSpPr txBox="1"/>
           <p:nvPr/>
-        </p:nvPicPr>
-        <p:blipFill>
-          <a:blip r:embed="rId3">
-            <a:extLst>
-              <a:ext uri="{28A0092B-C50C-407E-A947-70E740481C1C}">
-                <a14:useLocalDpi xmlns:a14="http://schemas.microsoft.com/office/drawing/2010/main" val="0"/>
-              </a:ext>
-            </a:extLst>
-          </a:blip>
-          <a:srcRect/>
-          <a:stretch>
-            <a:fillRect/>
-          </a:stretch>
-        </p:blipFill>
-        <p:spPr bwMode="auto">
+        </p:nvSpPr>
+        <p:spPr>
           <a:xfrm>
-            <a:off x="2720750" y="1850234"/>
-            <a:ext cx="3833800" cy="4189331"/>
+            <a:off x="3099250" y="4053059"/>
+            <a:ext cx="3014608" cy="369332"/>
           </a:xfrm>
           <a:prstGeom prst="rect">
             <a:avLst/>
           </a:prstGeom>
           <a:noFill/>
-          <a:extLst>
-            <a:ext uri="{909E8E84-426E-40DD-AFC4-6F175D3DCCD1}">
-              <a14:hiddenFill xmlns:a14="http://schemas.microsoft.com/office/drawing/2010/main">
-                <a:solidFill>
-                  <a:srgbClr val="FFFFFF"/>
-                </a:solidFill>
-              </a14:hiddenFill>
-            </a:ext>
-          </a:extLst>
         </p:spPr>
-      </p:pic>
+        <p:txBody>
+          <a:bodyPr wrap="none" rtlCol="0">
+            <a:spAutoFit/>
+          </a:bodyPr>
+          <a:lstStyle/>
+          <a:p>
+            <a:r>
+              <a:rPr lang="nb-NO" dirty="0" smtClean="0"/>
+              <a:t>ASP Classic all over again?</a:t>
+            </a:r>
+            <a:endParaRPr lang="nb-NO" dirty="0"/>
+          </a:p>
+        </p:txBody>
+      </p:sp>
     </p:spTree>
     <p:extLst>
       <p:ext uri="{BB962C8B-B14F-4D97-AF65-F5344CB8AC3E}">
-        <p14:creationId xmlns:p14="http://schemas.microsoft.com/office/powerpoint/2010/main" val="1460010879"/>
+        <p14:creationId xmlns:p14="http://schemas.microsoft.com/office/powerpoint/2010/main" val="3380425000"/>
       </p:ext>
     </p:extLst>
   </p:cSld>
@@ -14556,7 +15242,7 @@
         </p:nvSpPr>
         <p:spPr>
           <a:xfrm>
-            <a:off x="792873" y="3287278"/>
+            <a:off x="792873" y="1142889"/>
             <a:ext cx="7740650" cy="644400"/>
           </a:xfrm>
         </p:spPr>
@@ -14567,7 +15253,7 @@
             <a:pPr algn="ctr"/>
             <a:r>
               <a:rPr lang="nb-NO" b="0" dirty="0" smtClean="0"/>
-              <a:t>Men jeg liker jo WebForms!</a:t>
+              <a:t>Not really...</a:t>
             </a:r>
             <a:endParaRPr lang="nb-NO" b="0" dirty="0"/>
           </a:p>
@@ -14640,10 +15326,51 @@
           </a:p>
         </p:txBody>
       </p:sp>
+      <p:pic>
+        <p:nvPicPr>
+          <p:cNvPr id="2050" name="Picture 2" descr="http://blog.wekeroad.com/files/media/image/WindowsLiveWriter/ASP.NETMVCAvoidingTagSoup_92EA/typocode_3.png"/>
+          <p:cNvPicPr>
+            <a:picLocks noChangeAspect="1" noChangeArrowheads="1"/>
+          </p:cNvPicPr>
+          <p:nvPr/>
+        </p:nvPicPr>
+        <p:blipFill>
+          <a:blip r:embed="rId3">
+            <a:extLst>
+              <a:ext uri="{28A0092B-C50C-407E-A947-70E740481C1C}">
+                <a14:useLocalDpi xmlns:a14="http://schemas.microsoft.com/office/drawing/2010/main" val="0"/>
+              </a:ext>
+            </a:extLst>
+          </a:blip>
+          <a:srcRect/>
+          <a:stretch>
+            <a:fillRect/>
+          </a:stretch>
+        </p:blipFill>
+        <p:spPr bwMode="auto">
+          <a:xfrm>
+            <a:off x="2720750" y="1850234"/>
+            <a:ext cx="3833800" cy="4189331"/>
+          </a:xfrm>
+          <a:prstGeom prst="rect">
+            <a:avLst/>
+          </a:prstGeom>
+          <a:noFill/>
+          <a:extLst>
+            <a:ext uri="{909E8E84-426E-40DD-AFC4-6F175D3DCCD1}">
+              <a14:hiddenFill xmlns:a14="http://schemas.microsoft.com/office/drawing/2010/main">
+                <a:solidFill>
+                  <a:srgbClr val="FFFFFF"/>
+                </a:solidFill>
+              </a14:hiddenFill>
+            </a:ext>
+          </a:extLst>
+        </p:spPr>
+      </p:pic>
     </p:spTree>
     <p:extLst>
       <p:ext uri="{BB962C8B-B14F-4D97-AF65-F5344CB8AC3E}">
-        <p14:creationId xmlns:p14="http://schemas.microsoft.com/office/powerpoint/2010/main" val="2109943033"/>
+        <p14:creationId xmlns:p14="http://schemas.microsoft.com/office/powerpoint/2010/main" val="1460010879"/>
       </p:ext>
     </p:extLst>
   </p:cSld>
@@ -14682,6 +15409,35 @@
       </p:grpSpPr>
       <p:sp>
         <p:nvSpPr>
+          <p:cNvPr id="2" name="Title 1"/>
+          <p:cNvSpPr>
+            <a:spLocks noGrp="1"/>
+          </p:cNvSpPr>
+          <p:nvPr>
+            <p:ph type="title"/>
+          </p:nvPr>
+        </p:nvSpPr>
+        <p:spPr>
+          <a:xfrm>
+            <a:off x="758644" y="3408659"/>
+            <a:ext cx="7740650" cy="644400"/>
+          </a:xfrm>
+        </p:spPr>
+        <p:txBody>
+          <a:bodyPr/>
+          <a:lstStyle/>
+          <a:p>
+            <a:pPr algn="ctr"/>
+            <a:r>
+              <a:rPr lang="nb-NO" b="0" dirty="0" smtClean="0"/>
+              <a:t>Demo</a:t>
+            </a:r>
+            <a:endParaRPr lang="nb-NO" b="0" dirty="0"/>
+          </a:p>
+        </p:txBody>
+      </p:sp>
+      <p:sp>
+        <p:nvSpPr>
           <p:cNvPr id="4" name="Date Placeholder 3"/>
           <p:cNvSpPr>
             <a:spLocks noGrp="1"/>
@@ -14742,6 +15498,249 @@
               <a:rPr lang="nn-NO" smtClean="0"/>
               <a:pPr/>
               <a:t>16</a:t>
+            </a:fld>
+            <a:endParaRPr lang="nn-NO"/>
+          </a:p>
+        </p:txBody>
+      </p:sp>
+    </p:spTree>
+    <p:extLst>
+      <p:ext uri="{BB962C8B-B14F-4D97-AF65-F5344CB8AC3E}">
+        <p14:creationId xmlns:p14="http://schemas.microsoft.com/office/powerpoint/2010/main" val="3624043307"/>
+      </p:ext>
+    </p:extLst>
+  </p:cSld>
+  <p:clrMapOvr>
+    <a:masterClrMapping/>
+  </p:clrMapOvr>
+  <p:transition>
+    <p:fade/>
+  </p:transition>
+  <p:timing>
+    <p:tnLst>
+      <p:par>
+        <p:cTn id="1" dur="indefinite" restart="never" nodeType="tmRoot"/>
+      </p:par>
+    </p:tnLst>
+  </p:timing>
+</p:sld>
+</file>
+
+<file path=ppt/slides/slide17.xml><?xml version="1.0" encoding="utf-8"?>
+<p:sld xmlns:a="http://schemas.openxmlformats.org/drawingml/2006/main" xmlns:r="http://schemas.openxmlformats.org/officeDocument/2006/relationships" xmlns:p="http://schemas.openxmlformats.org/presentationml/2006/main">
+  <p:cSld>
+    <p:spTree>
+      <p:nvGrpSpPr>
+        <p:cNvPr id="1" name=""/>
+        <p:cNvGrpSpPr/>
+        <p:nvPr/>
+      </p:nvGrpSpPr>
+      <p:grpSpPr>
+        <a:xfrm>
+          <a:off x="0" y="0"/>
+          <a:ext cx="0" cy="0"/>
+          <a:chOff x="0" y="0"/>
+          <a:chExt cx="0" cy="0"/>
+        </a:xfrm>
+      </p:grpSpPr>
+      <p:sp>
+        <p:nvSpPr>
+          <p:cNvPr id="2" name="Title 1"/>
+          <p:cNvSpPr>
+            <a:spLocks noGrp="1"/>
+          </p:cNvSpPr>
+          <p:nvPr>
+            <p:ph type="title"/>
+          </p:nvPr>
+        </p:nvSpPr>
+        <p:spPr>
+          <a:xfrm>
+            <a:off x="792873" y="3287278"/>
+            <a:ext cx="7740650" cy="644400"/>
+          </a:xfrm>
+        </p:spPr>
+        <p:txBody>
+          <a:bodyPr/>
+          <a:lstStyle/>
+          <a:p>
+            <a:pPr algn="ctr"/>
+            <a:r>
+              <a:rPr lang="nb-NO" b="0" dirty="0" smtClean="0"/>
+              <a:t>Men jeg liker jo WebForms!</a:t>
+            </a:r>
+            <a:endParaRPr lang="nb-NO" b="0" dirty="0"/>
+          </a:p>
+        </p:txBody>
+      </p:sp>
+      <p:sp>
+        <p:nvSpPr>
+          <p:cNvPr id="4" name="Date Placeholder 3"/>
+          <p:cNvSpPr>
+            <a:spLocks noGrp="1"/>
+          </p:cNvSpPr>
+          <p:nvPr>
+            <p:ph type="dt" sz="half" idx="10"/>
+          </p:nvPr>
+        </p:nvSpPr>
+        <p:spPr/>
+        <p:txBody>
+          <a:bodyPr/>
+          <a:lstStyle/>
+          <a:p>
+            <a:fld id="{E7153C23-280C-6C4E-BD6E-2850A1F48140}" type="datetime1">
+              <a:rPr lang="nb-NO" smtClean="0"/>
+              <a:pPr/>
+              <a:t>10.09.2012</a:t>
+            </a:fld>
+            <a:endParaRPr lang="nn-NO"/>
+          </a:p>
+        </p:txBody>
+      </p:sp>
+      <p:sp>
+        <p:nvSpPr>
+          <p:cNvPr id="5" name="Footer Placeholder 4"/>
+          <p:cNvSpPr>
+            <a:spLocks noGrp="1"/>
+          </p:cNvSpPr>
+          <p:nvPr>
+            <p:ph type="ftr" sz="quarter" idx="11"/>
+          </p:nvPr>
+        </p:nvSpPr>
+        <p:spPr/>
+        <p:txBody>
+          <a:bodyPr/>
+          <a:lstStyle/>
+          <a:p>
+            <a:endParaRPr lang="nn-NO"/>
+          </a:p>
+        </p:txBody>
+      </p:sp>
+      <p:sp>
+        <p:nvSpPr>
+          <p:cNvPr id="6" name="Slide Number Placeholder 5"/>
+          <p:cNvSpPr>
+            <a:spLocks noGrp="1"/>
+          </p:cNvSpPr>
+          <p:nvPr>
+            <p:ph type="sldNum" sz="quarter" idx="12"/>
+          </p:nvPr>
+        </p:nvSpPr>
+        <p:spPr/>
+        <p:txBody>
+          <a:bodyPr/>
+          <a:lstStyle/>
+          <a:p>
+            <a:fld id="{7662BC30-1691-D142-AAE3-D9E8E91C2817}" type="slidenum">
+              <a:rPr lang="nn-NO" smtClean="0"/>
+              <a:pPr/>
+              <a:t>17</a:t>
+            </a:fld>
+            <a:endParaRPr lang="nn-NO"/>
+          </a:p>
+        </p:txBody>
+      </p:sp>
+    </p:spTree>
+    <p:extLst>
+      <p:ext uri="{BB962C8B-B14F-4D97-AF65-F5344CB8AC3E}">
+        <p14:creationId xmlns:p14="http://schemas.microsoft.com/office/powerpoint/2010/main" val="2109943033"/>
+      </p:ext>
+    </p:extLst>
+  </p:cSld>
+  <p:clrMapOvr>
+    <a:masterClrMapping/>
+  </p:clrMapOvr>
+  <p:transition>
+    <p:fade/>
+  </p:transition>
+  <p:timing>
+    <p:tnLst>
+      <p:par>
+        <p:cTn id="1" dur="indefinite" restart="never" nodeType="tmRoot"/>
+      </p:par>
+    </p:tnLst>
+  </p:timing>
+</p:sld>
+</file>
+
+<file path=ppt/slides/slide18.xml><?xml version="1.0" encoding="utf-8"?>
+<p:sld xmlns:a="http://schemas.openxmlformats.org/drawingml/2006/main" xmlns:r="http://schemas.openxmlformats.org/officeDocument/2006/relationships" xmlns:p="http://schemas.openxmlformats.org/presentationml/2006/main">
+  <p:cSld>
+    <p:spTree>
+      <p:nvGrpSpPr>
+        <p:cNvPr id="1" name=""/>
+        <p:cNvGrpSpPr/>
+        <p:nvPr/>
+      </p:nvGrpSpPr>
+      <p:grpSpPr>
+        <a:xfrm>
+          <a:off x="0" y="0"/>
+          <a:ext cx="0" cy="0"/>
+          <a:chOff x="0" y="0"/>
+          <a:chExt cx="0" cy="0"/>
+        </a:xfrm>
+      </p:grpSpPr>
+      <p:sp>
+        <p:nvSpPr>
+          <p:cNvPr id="4" name="Date Placeholder 3"/>
+          <p:cNvSpPr>
+            <a:spLocks noGrp="1"/>
+          </p:cNvSpPr>
+          <p:nvPr>
+            <p:ph type="dt" sz="half" idx="10"/>
+          </p:nvPr>
+        </p:nvSpPr>
+        <p:spPr/>
+        <p:txBody>
+          <a:bodyPr/>
+          <a:lstStyle/>
+          <a:p>
+            <a:fld id="{E7153C23-280C-6C4E-BD6E-2850A1F48140}" type="datetime1">
+              <a:rPr lang="nb-NO" smtClean="0"/>
+              <a:pPr/>
+              <a:t>10.09.2012</a:t>
+            </a:fld>
+            <a:endParaRPr lang="nn-NO"/>
+          </a:p>
+        </p:txBody>
+      </p:sp>
+      <p:sp>
+        <p:nvSpPr>
+          <p:cNvPr id="5" name="Footer Placeholder 4"/>
+          <p:cNvSpPr>
+            <a:spLocks noGrp="1"/>
+          </p:cNvSpPr>
+          <p:nvPr>
+            <p:ph type="ftr" sz="quarter" idx="11"/>
+          </p:nvPr>
+        </p:nvSpPr>
+        <p:spPr/>
+        <p:txBody>
+          <a:bodyPr/>
+          <a:lstStyle/>
+          <a:p>
+            <a:endParaRPr lang="nn-NO"/>
+          </a:p>
+        </p:txBody>
+      </p:sp>
+      <p:sp>
+        <p:nvSpPr>
+          <p:cNvPr id="6" name="Slide Number Placeholder 5"/>
+          <p:cNvSpPr>
+            <a:spLocks noGrp="1"/>
+          </p:cNvSpPr>
+          <p:nvPr>
+            <p:ph type="sldNum" sz="quarter" idx="12"/>
+          </p:nvPr>
+        </p:nvSpPr>
+        <p:spPr/>
+        <p:txBody>
+          <a:bodyPr/>
+          <a:lstStyle/>
+          <a:p>
+            <a:fld id="{7662BC30-1691-D142-AAE3-D9E8E91C2817}" type="slidenum">
+              <a:rPr lang="nn-NO" smtClean="0"/>
+              <a:pPr/>
+              <a:t>18</a:t>
             </a:fld>
             <a:endParaRPr lang="nn-NO"/>
           </a:p>
@@ -14923,7 +15922,7 @@
 </p:sld>
 </file>
 
-<file path=ppt/slides/slide17.xml><?xml version="1.0" encoding="utf-8"?>
+<file path=ppt/slides/slide19.xml><?xml version="1.0" encoding="utf-8"?>
 <p:sld xmlns:a="http://schemas.openxmlformats.org/drawingml/2006/main" xmlns:r="http://schemas.openxmlformats.org/officeDocument/2006/relationships" xmlns:p="http://schemas.openxmlformats.org/presentationml/2006/main">
   <p:cSld>
     <p:spTree>
@@ -15026,7 +16025,7 @@
             <a:fld id="{7662BC30-1691-D142-AAE3-D9E8E91C2817}" type="slidenum">
               <a:rPr lang="nn-NO" smtClean="0"/>
               <a:pPr/>
-              <a:t>17</a:t>
+              <a:t>19</a:t>
             </a:fld>
             <a:endParaRPr lang="nn-NO"/>
           </a:p>
@@ -15034,7 +16033,7 @@
       </p:sp>
       <p:pic>
         <p:nvPicPr>
-          <p:cNvPr id="5122" name="Picture 2" descr="http://blog.maartenballiauw.be/image.axd?picture=WindowsLiveWriter/CreatingacustomIViewEngi.NETMVCframework_1265A/image_8.png"/>
+          <p:cNvPr id="2050" name="Picture 2"/>
           <p:cNvPicPr>
             <a:picLocks noChangeAspect="1" noChangeArrowheads="1"/>
           </p:cNvPicPr>
@@ -15055,20 +16054,43 @@
         </p:blipFill>
         <p:spPr bwMode="auto">
           <a:xfrm>
-            <a:off x="1571682" y="1719038"/>
-            <a:ext cx="6096000" cy="3667126"/>
+            <a:off x="1524000" y="1603530"/>
+            <a:ext cx="6096000" cy="3667125"/>
           </a:xfrm>
           <a:prstGeom prst="rect">
             <a:avLst/>
           </a:prstGeom>
           <a:noFill/>
+          <a:ln>
+            <a:noFill/>
+          </a:ln>
+          <a:effectLst/>
           <a:extLst>
             <a:ext uri="{909E8E84-426E-40DD-AFC4-6F175D3DCCD1}">
               <a14:hiddenFill xmlns:a14="http://schemas.microsoft.com/office/drawing/2010/main">
                 <a:solidFill>
-                  <a:srgbClr val="FFFFFF"/>
+                  <a:schemeClr val="accent1"/>
                 </a:solidFill>
               </a14:hiddenFill>
+            </a:ext>
+            <a:ext uri="{91240B29-F687-4F45-9708-019B960494DF}">
+              <a14:hiddenLine xmlns:a14="http://schemas.microsoft.com/office/drawing/2010/main" w="9525">
+                <a:solidFill>
+                  <a:schemeClr val="tx1"/>
+                </a:solidFill>
+                <a:miter lim="800000"/>
+                <a:headEnd/>
+                <a:tailEnd/>
+              </a14:hiddenLine>
+            </a:ext>
+            <a:ext uri="{AF507438-7753-43E0-B8FC-AC1667EBCBE1}">
+              <a14:hiddenEffects xmlns:a14="http://schemas.microsoft.com/office/drawing/2010/main">
+                <a:effectLst>
+                  <a:outerShdw dist="35921" dir="2700000" algn="ctr" rotWithShape="0">
+                    <a:schemeClr val="bg2"/>
+                  </a:outerShdw>
+                </a:effectLst>
+              </a14:hiddenEffects>
             </a:ext>
           </a:extLst>
         </p:spPr>
@@ -15077,278 +16099,6 @@
     <p:extLst>
       <p:ext uri="{BB962C8B-B14F-4D97-AF65-F5344CB8AC3E}">
         <p14:creationId xmlns:p14="http://schemas.microsoft.com/office/powerpoint/2010/main" val="2815380561"/>
-      </p:ext>
-    </p:extLst>
-  </p:cSld>
-  <p:clrMapOvr>
-    <a:masterClrMapping/>
-  </p:clrMapOvr>
-  <p:transition>
-    <p:fade/>
-  </p:transition>
-  <p:timing>
-    <p:tnLst>
-      <p:par>
-        <p:cTn id="1" dur="indefinite" restart="never" nodeType="tmRoot"/>
-      </p:par>
-    </p:tnLst>
-  </p:timing>
-</p:sld>
-</file>
-
-<file path=ppt/slides/slide18.xml><?xml version="1.0" encoding="utf-8"?>
-<p:sld xmlns:a="http://schemas.openxmlformats.org/drawingml/2006/main" xmlns:r="http://schemas.openxmlformats.org/officeDocument/2006/relationships" xmlns:p="http://schemas.openxmlformats.org/presentationml/2006/main">
-  <p:cSld>
-    <p:spTree>
-      <p:nvGrpSpPr>
-        <p:cNvPr id="1" name=""/>
-        <p:cNvGrpSpPr/>
-        <p:nvPr/>
-      </p:nvGrpSpPr>
-      <p:grpSpPr>
-        <a:xfrm>
-          <a:off x="0" y="0"/>
-          <a:ext cx="0" cy="0"/>
-          <a:chOff x="0" y="0"/>
-          <a:chExt cx="0" cy="0"/>
-        </a:xfrm>
-      </p:grpSpPr>
-      <p:sp>
-        <p:nvSpPr>
-          <p:cNvPr id="2" name="Title 1"/>
-          <p:cNvSpPr>
-            <a:spLocks noGrp="1"/>
-          </p:cNvSpPr>
-          <p:nvPr>
-            <p:ph type="title"/>
-          </p:nvPr>
-        </p:nvSpPr>
-        <p:spPr>
-          <a:xfrm>
-            <a:off x="792873" y="3287278"/>
-            <a:ext cx="7740650" cy="644400"/>
-          </a:xfrm>
-        </p:spPr>
-        <p:txBody>
-          <a:bodyPr/>
-          <a:lstStyle/>
-          <a:p>
-            <a:pPr algn="ctr"/>
-            <a:r>
-              <a:rPr lang="nb-NO" b="0" dirty="0" smtClean="0"/>
-              <a:t>Separation of concerns</a:t>
-            </a:r>
-            <a:endParaRPr lang="nb-NO" b="0" dirty="0"/>
-          </a:p>
-        </p:txBody>
-      </p:sp>
-      <p:sp>
-        <p:nvSpPr>
-          <p:cNvPr id="4" name="Date Placeholder 3"/>
-          <p:cNvSpPr>
-            <a:spLocks noGrp="1"/>
-          </p:cNvSpPr>
-          <p:nvPr>
-            <p:ph type="dt" sz="half" idx="10"/>
-          </p:nvPr>
-        </p:nvSpPr>
-        <p:spPr/>
-        <p:txBody>
-          <a:bodyPr/>
-          <a:lstStyle/>
-          <a:p>
-            <a:fld id="{E7153C23-280C-6C4E-BD6E-2850A1F48140}" type="datetime1">
-              <a:rPr lang="nb-NO" smtClean="0"/>
-              <a:pPr/>
-              <a:t>10.09.2012</a:t>
-            </a:fld>
-            <a:endParaRPr lang="nn-NO"/>
-          </a:p>
-        </p:txBody>
-      </p:sp>
-      <p:sp>
-        <p:nvSpPr>
-          <p:cNvPr id="5" name="Footer Placeholder 4"/>
-          <p:cNvSpPr>
-            <a:spLocks noGrp="1"/>
-          </p:cNvSpPr>
-          <p:nvPr>
-            <p:ph type="ftr" sz="quarter" idx="11"/>
-          </p:nvPr>
-        </p:nvSpPr>
-        <p:spPr/>
-        <p:txBody>
-          <a:bodyPr/>
-          <a:lstStyle/>
-          <a:p>
-            <a:endParaRPr lang="nn-NO"/>
-          </a:p>
-        </p:txBody>
-      </p:sp>
-      <p:sp>
-        <p:nvSpPr>
-          <p:cNvPr id="6" name="Slide Number Placeholder 5"/>
-          <p:cNvSpPr>
-            <a:spLocks noGrp="1"/>
-          </p:cNvSpPr>
-          <p:nvPr>
-            <p:ph type="sldNum" sz="quarter" idx="12"/>
-          </p:nvPr>
-        </p:nvSpPr>
-        <p:spPr/>
-        <p:txBody>
-          <a:bodyPr/>
-          <a:lstStyle/>
-          <a:p>
-            <a:fld id="{7662BC30-1691-D142-AAE3-D9E8E91C2817}" type="slidenum">
-              <a:rPr lang="nn-NO" smtClean="0"/>
-              <a:pPr/>
-              <a:t>18</a:t>
-            </a:fld>
-            <a:endParaRPr lang="nn-NO"/>
-          </a:p>
-        </p:txBody>
-      </p:sp>
-    </p:spTree>
-    <p:extLst>
-      <p:ext uri="{BB962C8B-B14F-4D97-AF65-F5344CB8AC3E}">
-        <p14:creationId xmlns:p14="http://schemas.microsoft.com/office/powerpoint/2010/main" val="131331746"/>
-      </p:ext>
-    </p:extLst>
-  </p:cSld>
-  <p:clrMapOvr>
-    <a:masterClrMapping/>
-  </p:clrMapOvr>
-  <p:transition>
-    <p:fade/>
-  </p:transition>
-  <p:timing>
-    <p:tnLst>
-      <p:par>
-        <p:cTn id="1" dur="indefinite" restart="never" nodeType="tmRoot"/>
-      </p:par>
-    </p:tnLst>
-  </p:timing>
-</p:sld>
-</file>
-
-<file path=ppt/slides/slide19.xml><?xml version="1.0" encoding="utf-8"?>
-<p:sld xmlns:a="http://schemas.openxmlformats.org/drawingml/2006/main" xmlns:r="http://schemas.openxmlformats.org/officeDocument/2006/relationships" xmlns:p="http://schemas.openxmlformats.org/presentationml/2006/main">
-  <p:cSld>
-    <p:spTree>
-      <p:nvGrpSpPr>
-        <p:cNvPr id="1" name=""/>
-        <p:cNvGrpSpPr/>
-        <p:nvPr/>
-      </p:nvGrpSpPr>
-      <p:grpSpPr>
-        <a:xfrm>
-          <a:off x="0" y="0"/>
-          <a:ext cx="0" cy="0"/>
-          <a:chOff x="0" y="0"/>
-          <a:chExt cx="0" cy="0"/>
-        </a:xfrm>
-      </p:grpSpPr>
-      <p:sp>
-        <p:nvSpPr>
-          <p:cNvPr id="2" name="Title 1"/>
-          <p:cNvSpPr>
-            <a:spLocks noGrp="1"/>
-          </p:cNvSpPr>
-          <p:nvPr>
-            <p:ph type="title"/>
-          </p:nvPr>
-        </p:nvSpPr>
-        <p:spPr>
-          <a:xfrm>
-            <a:off x="792873" y="3287278"/>
-            <a:ext cx="7740650" cy="644400"/>
-          </a:xfrm>
-        </p:spPr>
-        <p:txBody>
-          <a:bodyPr/>
-          <a:lstStyle/>
-          <a:p>
-            <a:pPr algn="ctr"/>
-            <a:r>
-              <a:rPr lang="nb-NO" b="0" dirty="0" smtClean="0"/>
-              <a:t>Sterkt typet modell</a:t>
-            </a:r>
-            <a:endParaRPr lang="nb-NO" b="0" dirty="0"/>
-          </a:p>
-        </p:txBody>
-      </p:sp>
-      <p:sp>
-        <p:nvSpPr>
-          <p:cNvPr id="4" name="Date Placeholder 3"/>
-          <p:cNvSpPr>
-            <a:spLocks noGrp="1"/>
-          </p:cNvSpPr>
-          <p:nvPr>
-            <p:ph type="dt" sz="half" idx="10"/>
-          </p:nvPr>
-        </p:nvSpPr>
-        <p:spPr/>
-        <p:txBody>
-          <a:bodyPr/>
-          <a:lstStyle/>
-          <a:p>
-            <a:fld id="{E7153C23-280C-6C4E-BD6E-2850A1F48140}" type="datetime1">
-              <a:rPr lang="nb-NO" smtClean="0"/>
-              <a:pPr/>
-              <a:t>10.09.2012</a:t>
-            </a:fld>
-            <a:endParaRPr lang="nn-NO"/>
-          </a:p>
-        </p:txBody>
-      </p:sp>
-      <p:sp>
-        <p:nvSpPr>
-          <p:cNvPr id="5" name="Footer Placeholder 4"/>
-          <p:cNvSpPr>
-            <a:spLocks noGrp="1"/>
-          </p:cNvSpPr>
-          <p:nvPr>
-            <p:ph type="ftr" sz="quarter" idx="11"/>
-          </p:nvPr>
-        </p:nvSpPr>
-        <p:spPr/>
-        <p:txBody>
-          <a:bodyPr/>
-          <a:lstStyle/>
-          <a:p>
-            <a:endParaRPr lang="nn-NO"/>
-          </a:p>
-        </p:txBody>
-      </p:sp>
-      <p:sp>
-        <p:nvSpPr>
-          <p:cNvPr id="6" name="Slide Number Placeholder 5"/>
-          <p:cNvSpPr>
-            <a:spLocks noGrp="1"/>
-          </p:cNvSpPr>
-          <p:nvPr>
-            <p:ph type="sldNum" sz="quarter" idx="12"/>
-          </p:nvPr>
-        </p:nvSpPr>
-        <p:spPr/>
-        <p:txBody>
-          <a:bodyPr/>
-          <a:lstStyle/>
-          <a:p>
-            <a:fld id="{7662BC30-1691-D142-AAE3-D9E8E91C2817}" type="slidenum">
-              <a:rPr lang="nn-NO" smtClean="0"/>
-              <a:pPr/>
-              <a:t>19</a:t>
-            </a:fld>
-            <a:endParaRPr lang="nn-NO"/>
-          </a:p>
-        </p:txBody>
-      </p:sp>
-    </p:spTree>
-    <p:extLst>
-      <p:ext uri="{BB962C8B-B14F-4D97-AF65-F5344CB8AC3E}">
-        <p14:creationId xmlns:p14="http://schemas.microsoft.com/office/powerpoint/2010/main" val="2129816834"/>
       </p:ext>
     </p:extLst>
   </p:cSld>
@@ -15402,7 +16152,7 @@
           <a:p>
             <a:r>
               <a:rPr lang="nb-NO" dirty="0" smtClean="0"/>
-              <a:t>Agenda</a:t>
+              <a:t>Labfiler</a:t>
             </a:r>
             <a:endParaRPr lang="nb-NO" dirty="0"/>
           </a:p>
@@ -15418,40 +16168,36 @@
             <p:ph idx="1"/>
           </p:nvPr>
         </p:nvSpPr>
-        <p:spPr/>
-        <p:txBody>
-          <a:bodyPr/>
-          <a:lstStyle/>
-          <a:p>
+        <p:spPr>
+          <a:xfrm>
+            <a:off x="701675" y="1674000"/>
+            <a:ext cx="7740000" cy="1651827"/>
+          </a:xfrm>
+        </p:spPr>
+        <p:txBody>
+          <a:bodyPr/>
+          <a:lstStyle/>
+          <a:p>
+            <a:pPr lvl="0"/>
+            <a:r>
+              <a:rPr lang="nb-NO" dirty="0" smtClean="0">
+                <a:hlinkClick r:id="rId3"/>
+              </a:rPr>
+              <a:t>http://bit.ly/MvcLab</a:t>
+            </a:r>
             <a:endParaRPr lang="nb-NO" dirty="0" smtClean="0"/>
           </a:p>
           <a:p>
-            <a:pPr lvl="0"/>
-            <a:r>
-              <a:rPr lang="nb-NO" dirty="0" smtClean="0"/>
-              <a:t>Del 1 – Introduksjon til MVC</a:t>
-            </a:r>
-          </a:p>
-          <a:p>
-            <a:pPr lvl="0"/>
-            <a:r>
-              <a:rPr lang="nb-NO" dirty="0" smtClean="0"/>
-              <a:t>Del 2 – Posting, autentisering og Autorisering</a:t>
-            </a:r>
-          </a:p>
-          <a:p>
-            <a:pPr lvl="0"/>
-            <a:r>
-              <a:rPr lang="nb-NO" dirty="0" smtClean="0"/>
-              <a:t>Del 3 – Avanserte teknikker, testing og best practices</a:t>
-            </a:r>
-          </a:p>
-          <a:p>
-            <a:r>
-              <a:rPr lang="nb-NO" i="1" dirty="0" smtClean="0"/>
-              <a:t>Del 4 – Knockout.js, signalR, etc*</a:t>
-            </a:r>
-            <a:endParaRPr lang="nb-NO" i="1" dirty="0"/>
+            <a:r>
+              <a:rPr lang="nb-NO" dirty="0" smtClean="0">
+                <a:hlinkClick r:id="rId4"/>
+              </a:rPr>
+              <a:t>http://bit.ly/MvcFasit</a:t>
+            </a:r>
+            <a:endParaRPr lang="nb-NO" dirty="0" smtClean="0"/>
+          </a:p>
+          <a:p>
+            <a:endParaRPr lang="nb-NO" dirty="0"/>
           </a:p>
           <a:p>
             <a:endParaRPr lang="nb-NO" dirty="0"/>
@@ -15502,16 +16248,6 @@
           <a:bodyPr/>
           <a:lstStyle/>
           <a:p>
-            <a:r>
-              <a:rPr lang="nn-NO" dirty="0" smtClean="0"/>
-              <a:t>*Hvis alt går veldig fort og vi har tid til overs/gidder</a:t>
-            </a:r>
-            <a:r>
-              <a:rPr lang="nn-NO" dirty="0" smtClean="0">
-                <a:sym typeface="Wingdings" pitchFamily="2" charset="2"/>
-              </a:rPr>
-              <a:t></a:t>
-            </a:r>
             <a:endParaRPr lang="nn-NO" dirty="0"/>
           </a:p>
         </p:txBody>
@@ -15537,6 +16273,413 @@
               <a:t>2</a:t>
             </a:fld>
             <a:endParaRPr lang="nn-NO"/>
+          </a:p>
+        </p:txBody>
+      </p:sp>
+      <p:sp>
+        <p:nvSpPr>
+          <p:cNvPr id="7" name="Title 1"/>
+          <p:cNvSpPr txBox="1">
+            <a:spLocks/>
+          </p:cNvSpPr>
+          <p:nvPr/>
+        </p:nvSpPr>
+        <p:spPr bwMode="auto">
+          <a:xfrm>
+            <a:off x="702000" y="3473527"/>
+            <a:ext cx="7740650" cy="644400"/>
+          </a:xfrm>
+          <a:prstGeom prst="rect">
+            <a:avLst/>
+          </a:prstGeom>
+          <a:noFill/>
+          <a:ln w="9525">
+            <a:noFill/>
+            <a:miter lim="800000"/>
+            <a:headEnd/>
+            <a:tailEnd/>
+          </a:ln>
+        </p:spPr>
+        <p:txBody>
+          <a:bodyPr vert="horz" wrap="square" lIns="91440" tIns="45720" rIns="91440" bIns="45720" numCol="1" anchor="b" anchorCtr="0" compatLnSpc="1">
+            <a:prstTxWarp prst="textNoShape">
+              <a:avLst/>
+            </a:prstTxWarp>
+          </a:bodyPr>
+          <a:lstStyle>
+            <a:lvl1pPr algn="l" defTabSz="457200" rtl="0" eaLnBrk="1" fontAlgn="base" hangingPunct="1">
+              <a:spcBef>
+                <a:spcPct val="0"/>
+              </a:spcBef>
+              <a:spcAft>
+                <a:spcPct val="0"/>
+              </a:spcAft>
+              <a:defRPr sz="3200" b="1" kern="1200" spc="-100">
+                <a:solidFill>
+                  <a:srgbClr val="38454F"/>
+                </a:solidFill>
+                <a:latin typeface="+mj-lt"/>
+                <a:ea typeface="ＭＳ Ｐゴシック" pitchFamily="-65" charset="-128"/>
+                <a:cs typeface="Century Gothic"/>
+              </a:defRPr>
+            </a:lvl1pPr>
+            <a:lvl2pPr algn="l" defTabSz="457200" rtl="0" eaLnBrk="1" fontAlgn="base" hangingPunct="1">
+              <a:spcBef>
+                <a:spcPct val="0"/>
+              </a:spcBef>
+              <a:spcAft>
+                <a:spcPct val="0"/>
+              </a:spcAft>
+              <a:defRPr sz="3200" b="1">
+                <a:solidFill>
+                  <a:srgbClr val="38454F"/>
+                </a:solidFill>
+                <a:latin typeface="Century Gothic" charset="0"/>
+                <a:ea typeface="ＭＳ Ｐゴシック" pitchFamily="-65" charset="-128"/>
+                <a:cs typeface="Century Gothic" charset="0"/>
+              </a:defRPr>
+            </a:lvl2pPr>
+            <a:lvl3pPr algn="l" defTabSz="457200" rtl="0" eaLnBrk="1" fontAlgn="base" hangingPunct="1">
+              <a:spcBef>
+                <a:spcPct val="0"/>
+              </a:spcBef>
+              <a:spcAft>
+                <a:spcPct val="0"/>
+              </a:spcAft>
+              <a:defRPr sz="3200" b="1">
+                <a:solidFill>
+                  <a:srgbClr val="38454F"/>
+                </a:solidFill>
+                <a:latin typeface="Century Gothic" charset="0"/>
+                <a:ea typeface="ＭＳ Ｐゴシック" pitchFamily="-65" charset="-128"/>
+                <a:cs typeface="Century Gothic" charset="0"/>
+              </a:defRPr>
+            </a:lvl3pPr>
+            <a:lvl4pPr algn="l" defTabSz="457200" rtl="0" eaLnBrk="1" fontAlgn="base" hangingPunct="1">
+              <a:spcBef>
+                <a:spcPct val="0"/>
+              </a:spcBef>
+              <a:spcAft>
+                <a:spcPct val="0"/>
+              </a:spcAft>
+              <a:defRPr sz="3200" b="1">
+                <a:solidFill>
+                  <a:srgbClr val="38454F"/>
+                </a:solidFill>
+                <a:latin typeface="Century Gothic" charset="0"/>
+                <a:ea typeface="ＭＳ Ｐゴシック" pitchFamily="-65" charset="-128"/>
+                <a:cs typeface="Century Gothic" charset="0"/>
+              </a:defRPr>
+            </a:lvl4pPr>
+            <a:lvl5pPr algn="l" defTabSz="457200" rtl="0" eaLnBrk="1" fontAlgn="base" hangingPunct="1">
+              <a:spcBef>
+                <a:spcPct val="0"/>
+              </a:spcBef>
+              <a:spcAft>
+                <a:spcPct val="0"/>
+              </a:spcAft>
+              <a:defRPr sz="3200" b="1">
+                <a:solidFill>
+                  <a:srgbClr val="38454F"/>
+                </a:solidFill>
+                <a:latin typeface="Century Gothic" charset="0"/>
+                <a:ea typeface="ＭＳ Ｐゴシック" pitchFamily="-65" charset="-128"/>
+                <a:cs typeface="Century Gothic" charset="0"/>
+              </a:defRPr>
+            </a:lvl5pPr>
+            <a:lvl6pPr marL="457200" algn="l" defTabSz="457200" rtl="0" eaLnBrk="1" fontAlgn="base" hangingPunct="1">
+              <a:spcBef>
+                <a:spcPct val="0"/>
+              </a:spcBef>
+              <a:spcAft>
+                <a:spcPct val="0"/>
+              </a:spcAft>
+              <a:defRPr sz="3200">
+                <a:solidFill>
+                  <a:schemeClr val="tx1"/>
+                </a:solidFill>
+                <a:latin typeface="Times New Roman" pitchFamily="-65" charset="0"/>
+                <a:ea typeface="ＭＳ Ｐゴシック" pitchFamily="-65" charset="-128"/>
+              </a:defRPr>
+            </a:lvl6pPr>
+            <a:lvl7pPr marL="914400" algn="l" defTabSz="457200" rtl="0" eaLnBrk="1" fontAlgn="base" hangingPunct="1">
+              <a:spcBef>
+                <a:spcPct val="0"/>
+              </a:spcBef>
+              <a:spcAft>
+                <a:spcPct val="0"/>
+              </a:spcAft>
+              <a:defRPr sz="3200">
+                <a:solidFill>
+                  <a:schemeClr val="tx1"/>
+                </a:solidFill>
+                <a:latin typeface="Times New Roman" pitchFamily="-65" charset="0"/>
+                <a:ea typeface="ＭＳ Ｐゴシック" pitchFamily="-65" charset="-128"/>
+              </a:defRPr>
+            </a:lvl7pPr>
+            <a:lvl8pPr marL="1371600" algn="l" defTabSz="457200" rtl="0" eaLnBrk="1" fontAlgn="base" hangingPunct="1">
+              <a:spcBef>
+                <a:spcPct val="0"/>
+              </a:spcBef>
+              <a:spcAft>
+                <a:spcPct val="0"/>
+              </a:spcAft>
+              <a:defRPr sz="3200">
+                <a:solidFill>
+                  <a:schemeClr val="tx1"/>
+                </a:solidFill>
+                <a:latin typeface="Times New Roman" pitchFamily="-65" charset="0"/>
+                <a:ea typeface="ＭＳ Ｐゴシック" pitchFamily="-65" charset="-128"/>
+              </a:defRPr>
+            </a:lvl8pPr>
+            <a:lvl9pPr marL="1828800" algn="l" defTabSz="457200" rtl="0" eaLnBrk="1" fontAlgn="base" hangingPunct="1">
+              <a:spcBef>
+                <a:spcPct val="0"/>
+              </a:spcBef>
+              <a:spcAft>
+                <a:spcPct val="0"/>
+              </a:spcAft>
+              <a:defRPr sz="3200">
+                <a:solidFill>
+                  <a:schemeClr val="tx1"/>
+                </a:solidFill>
+                <a:latin typeface="Times New Roman" pitchFamily="-65" charset="0"/>
+                <a:ea typeface="ＭＳ Ｐゴシック" pitchFamily="-65" charset="-128"/>
+              </a:defRPr>
+            </a:lvl9pPr>
+          </a:lstStyle>
+          <a:p>
+            <a:r>
+              <a:rPr lang="nb-NO" dirty="0" smtClean="0"/>
+              <a:t>Annet</a:t>
+            </a:r>
+            <a:endParaRPr lang="nb-NO" dirty="0"/>
+          </a:p>
+        </p:txBody>
+      </p:sp>
+      <p:sp>
+        <p:nvSpPr>
+          <p:cNvPr id="8" name="Content Placeholder 2"/>
+          <p:cNvSpPr txBox="1">
+            <a:spLocks/>
+          </p:cNvSpPr>
+          <p:nvPr/>
+        </p:nvSpPr>
+        <p:spPr bwMode="auto">
+          <a:xfrm>
+            <a:off x="773154" y="4117927"/>
+            <a:ext cx="7740000" cy="1651827"/>
+          </a:xfrm>
+          <a:prstGeom prst="rect">
+            <a:avLst/>
+          </a:prstGeom>
+          <a:noFill/>
+          <a:ln w="9525">
+            <a:noFill/>
+            <a:miter lim="800000"/>
+            <a:headEnd/>
+            <a:tailEnd/>
+          </a:ln>
+        </p:spPr>
+        <p:txBody>
+          <a:bodyPr vert="horz" wrap="square" lIns="91440" tIns="45720" rIns="91440" bIns="45720" numCol="1" anchor="t" anchorCtr="0" compatLnSpc="1">
+            <a:prstTxWarp prst="textNoShape">
+              <a:avLst/>
+            </a:prstTxWarp>
+          </a:bodyPr>
+          <a:lstStyle>
+            <a:lvl1pPr marL="342900" indent="-342900" algn="l" defTabSz="457200" rtl="0" eaLnBrk="1" fontAlgn="base" hangingPunct="1">
+              <a:spcBef>
+                <a:spcPct val="20000"/>
+              </a:spcBef>
+              <a:spcAft>
+                <a:spcPct val="0"/>
+              </a:spcAft>
+              <a:buClr>
+                <a:schemeClr val="accent1"/>
+              </a:buClr>
+              <a:buFont typeface="Lucida Grande"/>
+              <a:buChar char="&gt;"/>
+              <a:defRPr sz="2400" kern="1200">
+                <a:solidFill>
+                  <a:srgbClr val="38454F"/>
+                </a:solidFill>
+                <a:latin typeface="+mn-lt"/>
+                <a:ea typeface="ＭＳ Ｐゴシック" pitchFamily="-65" charset="-128"/>
+                <a:cs typeface="Century Gothic"/>
+              </a:defRPr>
+            </a:lvl1pPr>
+            <a:lvl2pPr marL="742950" indent="-285750" algn="l" defTabSz="457200" rtl="0" eaLnBrk="1" fontAlgn="base" hangingPunct="1">
+              <a:spcBef>
+                <a:spcPct val="20000"/>
+              </a:spcBef>
+              <a:spcAft>
+                <a:spcPct val="0"/>
+              </a:spcAft>
+              <a:buClr>
+                <a:schemeClr val="tx2"/>
+              </a:buClr>
+              <a:buFont typeface="Lucida Grande"/>
+              <a:buChar char="&gt;"/>
+              <a:defRPr sz="2000" kern="1200">
+                <a:solidFill>
+                  <a:srgbClr val="38454F"/>
+                </a:solidFill>
+                <a:latin typeface="+mn-lt"/>
+                <a:ea typeface="ＭＳ Ｐゴシック" pitchFamily="-65" charset="-128"/>
+                <a:cs typeface="Century Gothic"/>
+              </a:defRPr>
+            </a:lvl2pPr>
+            <a:lvl3pPr marL="1143000" indent="-228600" algn="l" defTabSz="457200" rtl="0" eaLnBrk="1" fontAlgn="base" hangingPunct="1">
+              <a:spcBef>
+                <a:spcPct val="20000"/>
+              </a:spcBef>
+              <a:spcAft>
+                <a:spcPct val="0"/>
+              </a:spcAft>
+              <a:buClr>
+                <a:schemeClr val="accent1"/>
+              </a:buClr>
+              <a:buFont typeface="Lucida Grande"/>
+              <a:buChar char="&gt;"/>
+              <a:defRPr sz="1800" kern="1200">
+                <a:solidFill>
+                  <a:srgbClr val="38454F"/>
+                </a:solidFill>
+                <a:latin typeface="+mn-lt"/>
+                <a:ea typeface="ＭＳ Ｐゴシック" pitchFamily="-65" charset="-128"/>
+                <a:cs typeface="Century Gothic"/>
+              </a:defRPr>
+            </a:lvl3pPr>
+            <a:lvl4pPr marL="1600200" indent="-228600" algn="l" defTabSz="457200" rtl="0" eaLnBrk="1" fontAlgn="base" hangingPunct="1">
+              <a:spcBef>
+                <a:spcPct val="20000"/>
+              </a:spcBef>
+              <a:spcAft>
+                <a:spcPct val="0"/>
+              </a:spcAft>
+              <a:buClr>
+                <a:schemeClr val="tx2"/>
+              </a:buClr>
+              <a:buFont typeface="Lucida Grande"/>
+              <a:buChar char="&gt;"/>
+              <a:defRPr sz="1600" kern="1200">
+                <a:solidFill>
+                  <a:srgbClr val="38454F"/>
+                </a:solidFill>
+                <a:latin typeface="+mn-lt"/>
+                <a:ea typeface="ＭＳ Ｐゴシック" pitchFamily="-65" charset="-128"/>
+                <a:cs typeface="Century Gothic"/>
+              </a:defRPr>
+            </a:lvl4pPr>
+            <a:lvl5pPr marL="2057400" indent="-228600" algn="l" defTabSz="457200" rtl="0" eaLnBrk="1" fontAlgn="base" hangingPunct="1">
+              <a:spcBef>
+                <a:spcPct val="20000"/>
+              </a:spcBef>
+              <a:spcAft>
+                <a:spcPct val="0"/>
+              </a:spcAft>
+              <a:buClr>
+                <a:schemeClr val="accent1"/>
+              </a:buClr>
+              <a:buFont typeface="Lucida Grande"/>
+              <a:buChar char="&gt;"/>
+              <a:defRPr sz="1400" kern="1200">
+                <a:solidFill>
+                  <a:srgbClr val="38454F"/>
+                </a:solidFill>
+                <a:latin typeface="+mn-lt"/>
+                <a:ea typeface="ＭＳ Ｐゴシック" pitchFamily="-65" charset="-128"/>
+                <a:cs typeface="Century Gothic"/>
+              </a:defRPr>
+            </a:lvl5pPr>
+            <a:lvl6pPr marL="2514600" indent="-228600" algn="l" defTabSz="457200" rtl="0" eaLnBrk="1" latinLnBrk="0" hangingPunct="1">
+              <a:spcBef>
+                <a:spcPct val="20000"/>
+              </a:spcBef>
+              <a:buFont typeface="Arial"/>
+              <a:buChar char="•"/>
+              <a:defRPr sz="2000" kern="1200">
+                <a:solidFill>
+                  <a:schemeClr val="tx1"/>
+                </a:solidFill>
+                <a:latin typeface="+mn-lt"/>
+                <a:ea typeface="+mn-ea"/>
+                <a:cs typeface="+mn-cs"/>
+              </a:defRPr>
+            </a:lvl6pPr>
+            <a:lvl7pPr marL="2971800" indent="-228600" algn="l" defTabSz="457200" rtl="0" eaLnBrk="1" latinLnBrk="0" hangingPunct="1">
+              <a:spcBef>
+                <a:spcPct val="20000"/>
+              </a:spcBef>
+              <a:buFont typeface="Arial"/>
+              <a:buChar char="•"/>
+              <a:defRPr sz="2000" kern="1200">
+                <a:solidFill>
+                  <a:schemeClr val="tx1"/>
+                </a:solidFill>
+                <a:latin typeface="+mn-lt"/>
+                <a:ea typeface="+mn-ea"/>
+                <a:cs typeface="+mn-cs"/>
+              </a:defRPr>
+            </a:lvl7pPr>
+            <a:lvl8pPr marL="3429000" indent="-228600" algn="l" defTabSz="457200" rtl="0" eaLnBrk="1" latinLnBrk="0" hangingPunct="1">
+              <a:spcBef>
+                <a:spcPct val="20000"/>
+              </a:spcBef>
+              <a:buFont typeface="Arial"/>
+              <a:buChar char="•"/>
+              <a:defRPr sz="2000" kern="1200">
+                <a:solidFill>
+                  <a:schemeClr val="tx1"/>
+                </a:solidFill>
+                <a:latin typeface="+mn-lt"/>
+                <a:ea typeface="+mn-ea"/>
+                <a:cs typeface="+mn-cs"/>
+              </a:defRPr>
+            </a:lvl8pPr>
+            <a:lvl9pPr marL="3886200" indent="-228600" algn="l" defTabSz="457200" rtl="0" eaLnBrk="1" latinLnBrk="0" hangingPunct="1">
+              <a:spcBef>
+                <a:spcPct val="20000"/>
+              </a:spcBef>
+              <a:buFont typeface="Arial"/>
+              <a:buChar char="•"/>
+              <a:defRPr sz="2000" kern="1200">
+                <a:solidFill>
+                  <a:schemeClr val="tx1"/>
+                </a:solidFill>
+                <a:latin typeface="+mn-lt"/>
+                <a:ea typeface="+mn-ea"/>
+                <a:cs typeface="+mn-cs"/>
+              </a:defRPr>
+            </a:lvl9pPr>
+          </a:lstStyle>
+          <a:p>
+            <a:r>
+              <a:rPr lang="nb-NO" dirty="0">
+                <a:hlinkClick r:id="rId5"/>
+              </a:rPr>
+              <a:t>https://github.com/yngvebn/MvcKurs</a:t>
+            </a:r>
+            <a:endParaRPr lang="nb-NO" dirty="0" smtClean="0"/>
+          </a:p>
+          <a:p>
+            <a:r>
+              <a:rPr lang="nb-NO" dirty="0" smtClean="0">
+                <a:hlinkClick r:id="rId6"/>
+              </a:rPr>
+              <a:t>http://twitter.com/yngvenilsen</a:t>
+            </a:r>
+            <a:endParaRPr lang="nb-NO" dirty="0" smtClean="0"/>
+          </a:p>
+          <a:p>
+            <a:endParaRPr lang="nb-NO" dirty="0" smtClean="0"/>
+          </a:p>
+          <a:p>
+            <a:endParaRPr lang="nb-NO" dirty="0" smtClean="0"/>
+          </a:p>
+          <a:p>
+            <a:endParaRPr lang="nb-NO" dirty="0"/>
           </a:p>
         </p:txBody>
       </p:sp>
@@ -15603,7 +16746,7 @@
             <a:pPr algn="ctr"/>
             <a:r>
               <a:rPr lang="nb-NO" b="0" dirty="0" smtClean="0"/>
-              <a:t>Partials og Editortemplates</a:t>
+              <a:t>Separation of concerns</a:t>
             </a:r>
             <a:endParaRPr lang="nb-NO" b="0" dirty="0"/>
           </a:p>
@@ -15679,7 +16822,7 @@
     </p:spTree>
     <p:extLst>
       <p:ext uri="{BB962C8B-B14F-4D97-AF65-F5344CB8AC3E}">
-        <p14:creationId xmlns:p14="http://schemas.microsoft.com/office/powerpoint/2010/main" val="3330372656"/>
+        <p14:creationId xmlns:p14="http://schemas.microsoft.com/office/powerpoint/2010/main" val="131331746"/>
       </p:ext>
     </p:extLst>
   </p:cSld>
@@ -15739,7 +16882,7 @@
             <a:pPr algn="ctr"/>
             <a:r>
               <a:rPr lang="nb-NO" b="0" dirty="0" smtClean="0"/>
-              <a:t>Demo</a:t>
+              <a:t>Sterkt typet modell</a:t>
             </a:r>
             <a:endParaRPr lang="nb-NO" b="0" dirty="0"/>
           </a:p>
@@ -15815,7 +16958,7 @@
     </p:spTree>
     <p:extLst>
       <p:ext uri="{BB962C8B-B14F-4D97-AF65-F5344CB8AC3E}">
-        <p14:creationId xmlns:p14="http://schemas.microsoft.com/office/powerpoint/2010/main" val="799705051"/>
+        <p14:creationId xmlns:p14="http://schemas.microsoft.com/office/powerpoint/2010/main" val="2129816834"/>
       </p:ext>
     </p:extLst>
   </p:cSld>
@@ -15862,63 +17005,22 @@
             <p:ph type="title"/>
           </p:nvPr>
         </p:nvSpPr>
-        <p:spPr/>
-        <p:txBody>
-          <a:bodyPr/>
-          <a:lstStyle/>
-          <a:p>
-            <a:r>
-              <a:rPr lang="nb-NO" dirty="0" smtClean="0"/>
-              <a:t>Lab!</a:t>
-            </a:r>
-            <a:endParaRPr lang="nb-NO" dirty="0"/>
-          </a:p>
-        </p:txBody>
-      </p:sp>
-      <p:sp>
-        <p:nvSpPr>
-          <p:cNvPr id="3" name="Content Placeholder 2"/>
-          <p:cNvSpPr>
-            <a:spLocks noGrp="1"/>
-          </p:cNvSpPr>
-          <p:nvPr>
-            <p:ph idx="1"/>
-          </p:nvPr>
-        </p:nvSpPr>
-        <p:spPr/>
-        <p:txBody>
-          <a:bodyPr/>
-          <a:lstStyle/>
-          <a:p>
-            <a:r>
-              <a:rPr lang="nb-NO" dirty="0" smtClean="0"/>
-              <a:t>Opprett en MVC Web site</a:t>
-            </a:r>
-          </a:p>
-          <a:p>
-            <a:r>
-              <a:rPr lang="nb-NO" dirty="0" smtClean="0"/>
-              <a:t>Legg til en HomeController</a:t>
-            </a:r>
-          </a:p>
-          <a:p>
-            <a:r>
-              <a:rPr lang="nb-NO" dirty="0" smtClean="0"/>
-              <a:t>Lag et Index View</a:t>
-            </a:r>
-          </a:p>
-          <a:p>
-            <a:r>
-              <a:rPr lang="nb-NO" dirty="0" smtClean="0"/>
-              <a:t>Send inn en modell med noen properties</a:t>
-            </a:r>
-          </a:p>
-          <a:p>
-            <a:r>
-              <a:rPr lang="nb-NO" dirty="0" smtClean="0"/>
-              <a:t>Bruk EditorTemplate og Partial for å vise verdiene</a:t>
-            </a:r>
-            <a:endParaRPr lang="nb-NO" dirty="0"/>
+        <p:spPr>
+          <a:xfrm>
+            <a:off x="792873" y="3287278"/>
+            <a:ext cx="7740650" cy="644400"/>
+          </a:xfrm>
+        </p:spPr>
+        <p:txBody>
+          <a:bodyPr/>
+          <a:lstStyle/>
+          <a:p>
+            <a:pPr algn="ctr"/>
+            <a:r>
+              <a:rPr lang="nb-NO" b="0" dirty="0" smtClean="0"/>
+              <a:t>Partials og Editortemplates</a:t>
+            </a:r>
+            <a:endParaRPr lang="nb-NO" b="0" dirty="0"/>
           </a:p>
         </p:txBody>
       </p:sp>
@@ -15992,7 +17094,7 @@
     </p:spTree>
     <p:extLst>
       <p:ext uri="{BB962C8B-B14F-4D97-AF65-F5344CB8AC3E}">
-        <p14:creationId xmlns:p14="http://schemas.microsoft.com/office/powerpoint/2010/main" val="462064199"/>
+        <p14:creationId xmlns:p14="http://schemas.microsoft.com/office/powerpoint/2010/main" val="3330372656"/>
       </p:ext>
     </p:extLst>
   </p:cSld>
@@ -16049,10 +17151,10 @@
           <a:bodyPr/>
           <a:lstStyle/>
           <a:p>
-            <a:pPr lvl="0" algn="ctr"/>
-            <a:r>
-              <a:rPr lang="nb-NO" dirty="0" smtClean="0"/>
-              <a:t>Del 2</a:t>
+            <a:pPr algn="ctr"/>
+            <a:r>
+              <a:rPr lang="nb-NO" b="0" dirty="0" smtClean="0"/>
+              <a:t>Demo</a:t>
             </a:r>
             <a:endParaRPr lang="nb-NO" b="0" dirty="0"/>
           </a:p>
@@ -16125,39 +17227,10 @@
           </a:p>
         </p:txBody>
       </p:sp>
-      <p:sp>
-        <p:nvSpPr>
-          <p:cNvPr id="3" name="TextBox 2"/>
-          <p:cNvSpPr txBox="1"/>
-          <p:nvPr/>
-        </p:nvSpPr>
-        <p:spPr>
-          <a:xfrm>
-            <a:off x="2686556" y="3931678"/>
-            <a:ext cx="4006290" cy="369332"/>
-          </a:xfrm>
-          <a:prstGeom prst="rect">
-            <a:avLst/>
-          </a:prstGeom>
-          <a:noFill/>
-        </p:spPr>
-        <p:txBody>
-          <a:bodyPr wrap="none" rtlCol="0">
-            <a:spAutoFit/>
-          </a:bodyPr>
-          <a:lstStyle/>
-          <a:p>
-            <a:r>
-              <a:rPr lang="nb-NO" dirty="0"/>
-              <a:t>Posting, autentisering og Autorisering</a:t>
-            </a:r>
-          </a:p>
-        </p:txBody>
-      </p:sp>
     </p:spTree>
     <p:extLst>
       <p:ext uri="{BB962C8B-B14F-4D97-AF65-F5344CB8AC3E}">
-        <p14:creationId xmlns:p14="http://schemas.microsoft.com/office/powerpoint/2010/main" val="1869919481"/>
+        <p14:creationId xmlns:p14="http://schemas.microsoft.com/office/powerpoint/2010/main" val="799705051"/>
       </p:ext>
     </p:extLst>
   </p:cSld>
@@ -16204,22 +17277,63 @@
             <p:ph type="title"/>
           </p:nvPr>
         </p:nvSpPr>
-        <p:spPr>
-          <a:xfrm>
-            <a:off x="792873" y="3287278"/>
-            <a:ext cx="7740650" cy="644400"/>
-          </a:xfrm>
-        </p:spPr>
-        <p:txBody>
-          <a:bodyPr/>
-          <a:lstStyle/>
-          <a:p>
-            <a:pPr lvl="0" algn="ctr"/>
-            <a:r>
-              <a:rPr lang="nb-NO" b="0" dirty="0" smtClean="0"/>
-              <a:t>Vi har jo ikke Code behind?</a:t>
-            </a:r>
-            <a:endParaRPr lang="nb-NO" b="0" dirty="0"/>
+        <p:spPr/>
+        <p:txBody>
+          <a:bodyPr/>
+          <a:lstStyle/>
+          <a:p>
+            <a:r>
+              <a:rPr lang="nb-NO" dirty="0" smtClean="0"/>
+              <a:t>Lab!</a:t>
+            </a:r>
+            <a:endParaRPr lang="nb-NO" dirty="0"/>
+          </a:p>
+        </p:txBody>
+      </p:sp>
+      <p:sp>
+        <p:nvSpPr>
+          <p:cNvPr id="3" name="Content Placeholder 2"/>
+          <p:cNvSpPr>
+            <a:spLocks noGrp="1"/>
+          </p:cNvSpPr>
+          <p:nvPr>
+            <p:ph idx="1"/>
+          </p:nvPr>
+        </p:nvSpPr>
+        <p:spPr/>
+        <p:txBody>
+          <a:bodyPr/>
+          <a:lstStyle/>
+          <a:p>
+            <a:r>
+              <a:rPr lang="nb-NO" dirty="0" smtClean="0"/>
+              <a:t>Opprett en MVC Web site</a:t>
+            </a:r>
+          </a:p>
+          <a:p>
+            <a:r>
+              <a:rPr lang="nb-NO" dirty="0" smtClean="0"/>
+              <a:t>Legg til en HomeController</a:t>
+            </a:r>
+          </a:p>
+          <a:p>
+            <a:r>
+              <a:rPr lang="nb-NO" dirty="0" smtClean="0"/>
+              <a:t>Lag et Index View</a:t>
+            </a:r>
+          </a:p>
+          <a:p>
+            <a:r>
+              <a:rPr lang="nb-NO" dirty="0" smtClean="0"/>
+              <a:t>Send inn en modell med noen properties</a:t>
+            </a:r>
+          </a:p>
+          <a:p>
+            <a:r>
+              <a:rPr lang="nb-NO" dirty="0" smtClean="0"/>
+              <a:t>Bruk EditorTemplate og Partial for å vise verdiene</a:t>
+            </a:r>
+            <a:endParaRPr lang="nb-NO" dirty="0"/>
           </a:p>
         </p:txBody>
       </p:sp>
@@ -16293,7 +17407,7 @@
     </p:spTree>
     <p:extLst>
       <p:ext uri="{BB962C8B-B14F-4D97-AF65-F5344CB8AC3E}">
-        <p14:creationId xmlns:p14="http://schemas.microsoft.com/office/powerpoint/2010/main" val="2168192744"/>
+        <p14:creationId xmlns:p14="http://schemas.microsoft.com/office/powerpoint/2010/main" val="462064199"/>
       </p:ext>
     </p:extLst>
   </p:cSld>
@@ -16352,8 +17466,8 @@
           <a:p>
             <a:pPr lvl="0" algn="ctr"/>
             <a:r>
-              <a:rPr lang="nb-NO" b="0" dirty="0" smtClean="0"/>
-              <a:t>Knytte opp knapper og events?</a:t>
+              <a:rPr lang="nb-NO" dirty="0" smtClean="0"/>
+              <a:t>Del 2</a:t>
             </a:r>
             <a:endParaRPr lang="nb-NO" b="0" dirty="0"/>
           </a:p>
@@ -16426,10 +17540,39 @@
           </a:p>
         </p:txBody>
       </p:sp>
+      <p:sp>
+        <p:nvSpPr>
+          <p:cNvPr id="3" name="TextBox 2"/>
+          <p:cNvSpPr txBox="1"/>
+          <p:nvPr/>
+        </p:nvSpPr>
+        <p:spPr>
+          <a:xfrm>
+            <a:off x="2686556" y="3931678"/>
+            <a:ext cx="4006290" cy="369332"/>
+          </a:xfrm>
+          <a:prstGeom prst="rect">
+            <a:avLst/>
+          </a:prstGeom>
+          <a:noFill/>
+        </p:spPr>
+        <p:txBody>
+          <a:bodyPr wrap="none" rtlCol="0">
+            <a:spAutoFit/>
+          </a:bodyPr>
+          <a:lstStyle/>
+          <a:p>
+            <a:r>
+              <a:rPr lang="nb-NO" dirty="0"/>
+              <a:t>Posting, autentisering og Autorisering</a:t>
+            </a:r>
+          </a:p>
+        </p:txBody>
+      </p:sp>
     </p:spTree>
     <p:extLst>
       <p:ext uri="{BB962C8B-B14F-4D97-AF65-F5344CB8AC3E}">
-        <p14:creationId xmlns:p14="http://schemas.microsoft.com/office/powerpoint/2010/main" val="453108454"/>
+        <p14:creationId xmlns:p14="http://schemas.microsoft.com/office/powerpoint/2010/main" val="1869919481"/>
       </p:ext>
     </p:extLst>
   </p:cSld>
@@ -16488,16 +17631,10 @@
           <a:p>
             <a:pPr lvl="0" algn="ctr"/>
             <a:r>
-              <a:rPr lang="nb-NO" b="0" dirty="0" smtClean="0">
-                <a:latin typeface="Courier New" pitchFamily="49" charset="0"/>
-                <a:cs typeface="Courier New" pitchFamily="49" charset="0"/>
-              </a:rPr>
-              <a:t>@Html.BeginForm</a:t>
-            </a:r>
-            <a:endParaRPr lang="nb-NO" b="0" dirty="0">
-              <a:latin typeface="Courier New" pitchFamily="49" charset="0"/>
-              <a:cs typeface="Courier New" pitchFamily="49" charset="0"/>
-            </a:endParaRPr>
+              <a:rPr lang="nb-NO" b="0" dirty="0" smtClean="0"/>
+              <a:t>Vi har jo ikke Code behind?</a:t>
+            </a:r>
+            <a:endParaRPr lang="nb-NO" b="0" dirty="0"/>
           </a:p>
         </p:txBody>
       </p:sp>
@@ -16571,7 +17708,7 @@
     </p:spTree>
     <p:extLst>
       <p:ext uri="{BB962C8B-B14F-4D97-AF65-F5344CB8AC3E}">
-        <p14:creationId xmlns:p14="http://schemas.microsoft.com/office/powerpoint/2010/main" val="3610951627"/>
+        <p14:creationId xmlns:p14="http://schemas.microsoft.com/office/powerpoint/2010/main" val="2168192744"/>
       </p:ext>
     </p:extLst>
   </p:cSld>
@@ -16630,20 +17767,8 @@
           <a:p>
             <a:pPr lvl="0" algn="ctr"/>
             <a:r>
-              <a:rPr lang="nb-NO" dirty="0" smtClean="0"/>
-              <a:t>Post</a:t>
-            </a:r>
-            <a:r>
               <a:rPr lang="nb-NO" b="0" dirty="0" smtClean="0"/>
-              <a:t>, </a:t>
-            </a:r>
-            <a:r>
-              <a:rPr lang="nb-NO" dirty="0" smtClean="0"/>
-              <a:t>Get</a:t>
-            </a:r>
-            <a:r>
-              <a:rPr lang="nb-NO" b="0" dirty="0" smtClean="0"/>
-              <a:t>, Delete, Put</a:t>
+              <a:t>Knytte opp knapper og events?</a:t>
             </a:r>
             <a:endParaRPr lang="nb-NO" b="0" dirty="0"/>
           </a:p>
@@ -16719,7 +17844,7 @@
     </p:spTree>
     <p:extLst>
       <p:ext uri="{BB962C8B-B14F-4D97-AF65-F5344CB8AC3E}">
-        <p14:creationId xmlns:p14="http://schemas.microsoft.com/office/powerpoint/2010/main" val="1833950179"/>
+        <p14:creationId xmlns:p14="http://schemas.microsoft.com/office/powerpoint/2010/main" val="453108454"/>
       </p:ext>
     </p:extLst>
   </p:cSld>
@@ -16778,10 +17903,16 @@
           <a:p>
             <a:pPr lvl="0" algn="ctr"/>
             <a:r>
-              <a:rPr lang="nb-NO" b="0" dirty="0" smtClean="0"/>
-              <a:t>Flere forms på samme side</a:t>
-            </a:r>
-            <a:endParaRPr lang="nb-NO" b="0" dirty="0"/>
+              <a:rPr lang="nb-NO" b="0" dirty="0" smtClean="0">
+                <a:latin typeface="Courier New" pitchFamily="49" charset="0"/>
+                <a:cs typeface="Courier New" pitchFamily="49" charset="0"/>
+              </a:rPr>
+              <a:t>@Html.BeginForm</a:t>
+            </a:r>
+            <a:endParaRPr lang="nb-NO" b="0" dirty="0">
+              <a:latin typeface="Courier New" pitchFamily="49" charset="0"/>
+              <a:cs typeface="Courier New" pitchFamily="49" charset="0"/>
+            </a:endParaRPr>
           </a:p>
         </p:txBody>
       </p:sp>
@@ -16855,7 +17986,7 @@
     </p:spTree>
     <p:extLst>
       <p:ext uri="{BB962C8B-B14F-4D97-AF65-F5344CB8AC3E}">
-        <p14:creationId xmlns:p14="http://schemas.microsoft.com/office/powerpoint/2010/main" val="548868666"/>
+        <p14:creationId xmlns:p14="http://schemas.microsoft.com/office/powerpoint/2010/main" val="3610951627"/>
       </p:ext>
     </p:extLst>
   </p:cSld>
@@ -16914,8 +18045,20 @@
           <a:p>
             <a:pPr lvl="0" algn="ctr"/>
             <a:r>
+              <a:rPr lang="nb-NO" dirty="0" smtClean="0"/>
+              <a:t>Post</a:t>
+            </a:r>
+            <a:r>
               <a:rPr lang="nb-NO" b="0" dirty="0" smtClean="0"/>
-              <a:t>Demo</a:t>
+              <a:t>, </a:t>
+            </a:r>
+            <a:r>
+              <a:rPr lang="nb-NO" dirty="0" smtClean="0"/>
+              <a:t>Get</a:t>
+            </a:r>
+            <a:r>
+              <a:rPr lang="nb-NO" b="0" dirty="0" smtClean="0"/>
+              <a:t>, Delete, Put</a:t>
             </a:r>
             <a:endParaRPr lang="nb-NO" b="0" dirty="0"/>
           </a:p>
@@ -16991,7 +18134,7 @@
     </p:spTree>
     <p:extLst>
       <p:ext uri="{BB962C8B-B14F-4D97-AF65-F5344CB8AC3E}">
-        <p14:creationId xmlns:p14="http://schemas.microsoft.com/office/powerpoint/2010/main" val="4153360769"/>
+        <p14:creationId xmlns:p14="http://schemas.microsoft.com/office/powerpoint/2010/main" val="1833950179"/>
       </p:ext>
     </p:extLst>
   </p:cSld>
@@ -17045,7 +18188,7 @@
           <a:p>
             <a:r>
               <a:rPr lang="nb-NO" dirty="0" smtClean="0"/>
-              <a:t>Learn by doing</a:t>
+              <a:t>Agenda</a:t>
             </a:r>
             <a:endParaRPr lang="nb-NO" dirty="0"/>
           </a:p>
@@ -17069,16 +18212,34 @@
             <a:endParaRPr lang="nb-NO" dirty="0" smtClean="0"/>
           </a:p>
           <a:p>
+            <a:pPr lvl="0"/>
             <a:r>
               <a:rPr lang="nb-NO" dirty="0" smtClean="0"/>
-              <a:t>Lab etter hver del</a:t>
-            </a:r>
-          </a:p>
-          <a:p>
+              <a:t>Del 1 – Introduksjon til MVC</a:t>
+            </a:r>
+          </a:p>
+          <a:p>
+            <a:pPr lvl="0"/>
             <a:r>
               <a:rPr lang="nb-NO" dirty="0" smtClean="0"/>
-              <a:t>Mye kode</a:t>
-            </a:r>
+              <a:t>Del 2 – Posting, autentisering og Autorisering</a:t>
+            </a:r>
+          </a:p>
+          <a:p>
+            <a:pPr lvl="0"/>
+            <a:r>
+              <a:rPr lang="nb-NO" dirty="0" smtClean="0"/>
+              <a:t>Del 3 – Avanserte teknikker, testing og best practices</a:t>
+            </a:r>
+          </a:p>
+          <a:p>
+            <a:r>
+              <a:rPr lang="nb-NO" i="1" dirty="0" smtClean="0"/>
+              <a:t>Del 4 – Knockout.js, signalR, etc*</a:t>
+            </a:r>
+            <a:endParaRPr lang="nb-NO" i="1" dirty="0"/>
+          </a:p>
+          <a:p>
             <a:endParaRPr lang="nb-NO" dirty="0"/>
           </a:p>
         </p:txBody>
@@ -17103,7 +18264,7 @@
               <a:pPr/>
               <a:t>10.09.2012</a:t>
             </a:fld>
-            <a:endParaRPr lang="nn-NO"/>
+            <a:endParaRPr lang="nb-NO"/>
           </a:p>
         </p:txBody>
       </p:sp>
@@ -17117,12 +18278,27 @@
             <p:ph type="ftr" sz="quarter" idx="11"/>
           </p:nvPr>
         </p:nvSpPr>
-        <p:spPr/>
-        <p:txBody>
-          <a:bodyPr/>
-          <a:lstStyle/>
-          <a:p>
-            <a:endParaRPr lang="nn-NO"/>
+        <p:spPr>
+          <a:xfrm>
+            <a:off x="5562599" y="6172200"/>
+            <a:ext cx="2683185" cy="365125"/>
+          </a:xfrm>
+        </p:spPr>
+        <p:txBody>
+          <a:bodyPr/>
+          <a:lstStyle/>
+          <a:p>
+            <a:r>
+              <a:rPr lang="nn-NO" dirty="0" smtClean="0"/>
+              <a:t>*Hvis alt går veldig fort og vi har tid til overs/gidder</a:t>
+            </a:r>
+            <a:r>
+              <a:rPr lang="nn-NO" dirty="0" smtClean="0">
+                <a:sym typeface="Wingdings" pitchFamily="2" charset="2"/>
+              </a:rPr>
+              <a:t></a:t>
+            </a:r>
+            <a:endParaRPr lang="nn-NO" dirty="0"/>
           </a:p>
         </p:txBody>
       </p:sp>
@@ -17153,7 +18329,7 @@
     </p:spTree>
     <p:extLst>
       <p:ext uri="{BB962C8B-B14F-4D97-AF65-F5344CB8AC3E}">
-        <p14:creationId xmlns:p14="http://schemas.microsoft.com/office/powerpoint/2010/main" val="838181617"/>
+        <p14:creationId xmlns:p14="http://schemas.microsoft.com/office/powerpoint/2010/main" val="2415566004"/>
       </p:ext>
     </p:extLst>
   </p:cSld>
@@ -17200,74 +18376,22 @@
             <p:ph type="title"/>
           </p:nvPr>
         </p:nvSpPr>
-        <p:spPr/>
-        <p:txBody>
-          <a:bodyPr/>
-          <a:lstStyle/>
-          <a:p>
-            <a:r>
-              <a:rPr lang="nb-NO" dirty="0" smtClean="0"/>
-              <a:t>Lab!</a:t>
-            </a:r>
-            <a:endParaRPr lang="nb-NO" dirty="0"/>
-          </a:p>
-        </p:txBody>
-      </p:sp>
-      <p:sp>
-        <p:nvSpPr>
-          <p:cNvPr id="3" name="Content Placeholder 2"/>
-          <p:cNvSpPr>
-            <a:spLocks noGrp="1"/>
-          </p:cNvSpPr>
-          <p:nvPr>
-            <p:ph idx="1"/>
-          </p:nvPr>
-        </p:nvSpPr>
-        <p:spPr/>
-        <p:txBody>
-          <a:bodyPr/>
-          <a:lstStyle/>
-          <a:p>
-            <a:r>
-              <a:rPr lang="nb-NO" dirty="0" smtClean="0"/>
-              <a:t>Implementer login!</a:t>
-            </a:r>
-          </a:p>
-          <a:p>
-            <a:pPr lvl="1"/>
-            <a:r>
-              <a:rPr lang="nb-NO" dirty="0" smtClean="0"/>
-              <a:t>Hint:</a:t>
-            </a:r>
-          </a:p>
-          <a:p>
-            <a:pPr lvl="2"/>
-            <a:r>
-              <a:rPr lang="nb-NO" dirty="0" smtClean="0"/>
-              <a:t>Html.BeginForm</a:t>
-            </a:r>
-          </a:p>
-          <a:p>
-            <a:pPr lvl="2"/>
-            <a:r>
-              <a:rPr lang="nb-NO" dirty="0" smtClean="0"/>
-              <a:t>Html.EditorForModel</a:t>
-            </a:r>
-          </a:p>
-          <a:p>
-            <a:pPr lvl="2"/>
-            <a:r>
-              <a:rPr lang="nb-NO" dirty="0" smtClean="0"/>
-              <a:t>[HttpPost]</a:t>
-            </a:r>
-          </a:p>
-          <a:p>
-            <a:pPr lvl="2"/>
-            <a:r>
-              <a:rPr lang="nb-NO" dirty="0" smtClean="0"/>
-              <a:t>[Authorize]</a:t>
-            </a:r>
-            <a:endParaRPr lang="nb-NO" dirty="0"/>
+        <p:spPr>
+          <a:xfrm>
+            <a:off x="792873" y="3287278"/>
+            <a:ext cx="7740650" cy="644400"/>
+          </a:xfrm>
+        </p:spPr>
+        <p:txBody>
+          <a:bodyPr/>
+          <a:lstStyle/>
+          <a:p>
+            <a:pPr lvl="0" algn="ctr"/>
+            <a:r>
+              <a:rPr lang="nb-NO" b="0" dirty="0" smtClean="0"/>
+              <a:t>Flere forms på samme side</a:t>
+            </a:r>
+            <a:endParaRPr lang="nb-NO" b="0" dirty="0"/>
           </a:p>
         </p:txBody>
       </p:sp>
@@ -17341,7 +18465,7 @@
     </p:spTree>
     <p:extLst>
       <p:ext uri="{BB962C8B-B14F-4D97-AF65-F5344CB8AC3E}">
-        <p14:creationId xmlns:p14="http://schemas.microsoft.com/office/powerpoint/2010/main" val="3193237142"/>
+        <p14:creationId xmlns:p14="http://schemas.microsoft.com/office/powerpoint/2010/main" val="548868666"/>
       </p:ext>
     </p:extLst>
   </p:cSld>
@@ -17400,8 +18524,8 @@
           <a:p>
             <a:pPr lvl="0" algn="ctr"/>
             <a:r>
-              <a:rPr lang="nb-NO" dirty="0" smtClean="0"/>
-              <a:t>Del 3</a:t>
+              <a:rPr lang="nb-NO" b="0" dirty="0" smtClean="0"/>
+              <a:t>Demo</a:t>
             </a:r>
             <a:endParaRPr lang="nb-NO" b="0" dirty="0"/>
           </a:p>
@@ -17474,40 +18598,10 @@
           </a:p>
         </p:txBody>
       </p:sp>
-      <p:sp>
-        <p:nvSpPr>
-          <p:cNvPr id="3" name="TextBox 2"/>
-          <p:cNvSpPr txBox="1"/>
-          <p:nvPr/>
-        </p:nvSpPr>
-        <p:spPr>
-          <a:xfrm>
-            <a:off x="2219677" y="3952801"/>
-            <a:ext cx="5019323" cy="369332"/>
-          </a:xfrm>
-          <a:prstGeom prst="rect">
-            <a:avLst/>
-          </a:prstGeom>
-          <a:noFill/>
-        </p:spPr>
-        <p:txBody>
-          <a:bodyPr wrap="none" rtlCol="0">
-            <a:spAutoFit/>
-          </a:bodyPr>
-          <a:lstStyle/>
-          <a:p>
-            <a:r>
-              <a:rPr lang="nb-NO" dirty="0" smtClean="0"/>
-              <a:t>Dependency Injection, testing og best practices</a:t>
-            </a:r>
-            <a:endParaRPr lang="nb-NO" dirty="0"/>
-          </a:p>
-        </p:txBody>
-      </p:sp>
     </p:spTree>
     <p:extLst>
       <p:ext uri="{BB962C8B-B14F-4D97-AF65-F5344CB8AC3E}">
-        <p14:creationId xmlns:p14="http://schemas.microsoft.com/office/powerpoint/2010/main" val="2760614372"/>
+        <p14:creationId xmlns:p14="http://schemas.microsoft.com/office/powerpoint/2010/main" val="4153360769"/>
       </p:ext>
     </p:extLst>
   </p:cSld>
@@ -17554,22 +18648,74 @@
             <p:ph type="title"/>
           </p:nvPr>
         </p:nvSpPr>
-        <p:spPr>
-          <a:xfrm>
-            <a:off x="792873" y="3287278"/>
-            <a:ext cx="7740650" cy="644400"/>
-          </a:xfrm>
-        </p:spPr>
-        <p:txBody>
-          <a:bodyPr/>
-          <a:lstStyle/>
-          <a:p>
-            <a:pPr lvl="0" algn="ctr"/>
-            <a:r>
-              <a:rPr lang="nb-NO" b="0" dirty="0" smtClean="0"/>
-              <a:t>Dependency hvaforno?</a:t>
-            </a:r>
-            <a:endParaRPr lang="nb-NO" b="0" dirty="0"/>
+        <p:spPr/>
+        <p:txBody>
+          <a:bodyPr/>
+          <a:lstStyle/>
+          <a:p>
+            <a:r>
+              <a:rPr lang="nb-NO" dirty="0" smtClean="0"/>
+              <a:t>Lab!</a:t>
+            </a:r>
+            <a:endParaRPr lang="nb-NO" dirty="0"/>
+          </a:p>
+        </p:txBody>
+      </p:sp>
+      <p:sp>
+        <p:nvSpPr>
+          <p:cNvPr id="3" name="Content Placeholder 2"/>
+          <p:cNvSpPr>
+            <a:spLocks noGrp="1"/>
+          </p:cNvSpPr>
+          <p:nvPr>
+            <p:ph idx="1"/>
+          </p:nvPr>
+        </p:nvSpPr>
+        <p:spPr/>
+        <p:txBody>
+          <a:bodyPr/>
+          <a:lstStyle/>
+          <a:p>
+            <a:r>
+              <a:rPr lang="nb-NO" dirty="0" smtClean="0"/>
+              <a:t>Implementer login!</a:t>
+            </a:r>
+          </a:p>
+          <a:p>
+            <a:pPr lvl="1"/>
+            <a:r>
+              <a:rPr lang="nb-NO" dirty="0" smtClean="0"/>
+              <a:t>Hint:</a:t>
+            </a:r>
+          </a:p>
+          <a:p>
+            <a:pPr lvl="2"/>
+            <a:r>
+              <a:rPr lang="nb-NO" dirty="0" smtClean="0"/>
+              <a:t>Html.BeginForm</a:t>
+            </a:r>
+          </a:p>
+          <a:p>
+            <a:pPr lvl="2"/>
+            <a:r>
+              <a:rPr lang="nb-NO" dirty="0" smtClean="0"/>
+              <a:t>Html.EditorForModel</a:t>
+            </a:r>
+          </a:p>
+          <a:p>
+            <a:pPr lvl="2"/>
+            <a:r>
+              <a:rPr lang="nb-NO" dirty="0" smtClean="0"/>
+              <a:t>[HttpPost]</a:t>
+            </a:r>
+          </a:p>
+          <a:p>
+            <a:pPr lvl="2"/>
+            <a:r>
+              <a:rPr lang="nb-NO" dirty="0" smtClean="0"/>
+              <a:t>[Authorize]</a:t>
+            </a:r>
+            <a:endParaRPr lang="nb-NO" dirty="0"/>
           </a:p>
         </p:txBody>
       </p:sp>
@@ -17643,7 +18789,7 @@
     </p:spTree>
     <p:extLst>
       <p:ext uri="{BB962C8B-B14F-4D97-AF65-F5344CB8AC3E}">
-        <p14:creationId xmlns:p14="http://schemas.microsoft.com/office/powerpoint/2010/main" val="2469088793"/>
+        <p14:creationId xmlns:p14="http://schemas.microsoft.com/office/powerpoint/2010/main" val="3193237142"/>
       </p:ext>
     </p:extLst>
   </p:cSld>
@@ -17702,8 +18848,8 @@
           <a:p>
             <a:pPr lvl="0" algn="ctr"/>
             <a:r>
-              <a:rPr lang="nb-NO" b="0" dirty="0" smtClean="0"/>
-              <a:t>Be om implementasjon</a:t>
+              <a:rPr lang="nb-NO" dirty="0" smtClean="0"/>
+              <a:t>Del 3</a:t>
             </a:r>
             <a:endParaRPr lang="nb-NO" b="0" dirty="0"/>
           </a:p>
@@ -17776,10 +18922,40 @@
           </a:p>
         </p:txBody>
       </p:sp>
+      <p:sp>
+        <p:nvSpPr>
+          <p:cNvPr id="3" name="TextBox 2"/>
+          <p:cNvSpPr txBox="1"/>
+          <p:nvPr/>
+        </p:nvSpPr>
+        <p:spPr>
+          <a:xfrm>
+            <a:off x="2219677" y="3952801"/>
+            <a:ext cx="5019323" cy="369332"/>
+          </a:xfrm>
+          <a:prstGeom prst="rect">
+            <a:avLst/>
+          </a:prstGeom>
+          <a:noFill/>
+        </p:spPr>
+        <p:txBody>
+          <a:bodyPr wrap="none" rtlCol="0">
+            <a:spAutoFit/>
+          </a:bodyPr>
+          <a:lstStyle/>
+          <a:p>
+            <a:r>
+              <a:rPr lang="nb-NO" dirty="0" smtClean="0"/>
+              <a:t>Dependency Injection, testing og best practices</a:t>
+            </a:r>
+            <a:endParaRPr lang="nb-NO" dirty="0"/>
+          </a:p>
+        </p:txBody>
+      </p:sp>
     </p:spTree>
     <p:extLst>
       <p:ext uri="{BB962C8B-B14F-4D97-AF65-F5344CB8AC3E}">
-        <p14:creationId xmlns:p14="http://schemas.microsoft.com/office/powerpoint/2010/main" val="4175911067"/>
+        <p14:creationId xmlns:p14="http://schemas.microsoft.com/office/powerpoint/2010/main" val="2760614372"/>
       </p:ext>
     </p:extLst>
   </p:cSld>
@@ -17839,7 +19015,7 @@
             <a:pPr lvl="0" algn="ctr"/>
             <a:r>
               <a:rPr lang="nb-NO" b="0" dirty="0" smtClean="0"/>
-              <a:t>Demo</a:t>
+              <a:t>Dependency hvaforno?</a:t>
             </a:r>
             <a:endParaRPr lang="nb-NO" b="0" dirty="0"/>
           </a:p>
@@ -17915,7 +19091,7 @@
     </p:spTree>
     <p:extLst>
       <p:ext uri="{BB962C8B-B14F-4D97-AF65-F5344CB8AC3E}">
-        <p14:creationId xmlns:p14="http://schemas.microsoft.com/office/powerpoint/2010/main" val="3758508886"/>
+        <p14:creationId xmlns:p14="http://schemas.microsoft.com/office/powerpoint/2010/main" val="2469088793"/>
       </p:ext>
     </p:extLst>
   </p:cSld>
@@ -17975,7 +19151,7 @@
             <a:pPr lvl="0" algn="ctr"/>
             <a:r>
               <a:rPr lang="nb-NO" b="0" dirty="0" smtClean="0"/>
-              <a:t>Enhetstesting</a:t>
+              <a:t>Be om implementasjon</a:t>
             </a:r>
             <a:endParaRPr lang="nb-NO" b="0" dirty="0"/>
           </a:p>
@@ -18051,7 +19227,7 @@
     </p:spTree>
     <p:extLst>
       <p:ext uri="{BB962C8B-B14F-4D97-AF65-F5344CB8AC3E}">
-        <p14:creationId xmlns:p14="http://schemas.microsoft.com/office/powerpoint/2010/main" val="1998919911"/>
+        <p14:creationId xmlns:p14="http://schemas.microsoft.com/office/powerpoint/2010/main" val="4175911067"/>
       </p:ext>
     </p:extLst>
   </p:cSld>
@@ -18111,7 +19287,7 @@
             <a:pPr lvl="0" algn="ctr"/>
             <a:r>
               <a:rPr lang="nb-NO" b="0" dirty="0" smtClean="0"/>
-              <a:t>Separation of concerns!</a:t>
+              <a:t>Demo</a:t>
             </a:r>
             <a:endParaRPr lang="nb-NO" b="0" dirty="0"/>
           </a:p>
@@ -18187,7 +19363,7 @@
     </p:spTree>
     <p:extLst>
       <p:ext uri="{BB962C8B-B14F-4D97-AF65-F5344CB8AC3E}">
-        <p14:creationId xmlns:p14="http://schemas.microsoft.com/office/powerpoint/2010/main" val="3539038630"/>
+        <p14:creationId xmlns:p14="http://schemas.microsoft.com/office/powerpoint/2010/main" val="3758508886"/>
       </p:ext>
     </p:extLst>
   </p:cSld>
@@ -18247,7 +19423,7 @@
             <a:pPr lvl="0" algn="ctr"/>
             <a:r>
               <a:rPr lang="nb-NO" b="0" dirty="0" smtClean="0"/>
-              <a:t>Teste Controllere og Actions</a:t>
+              <a:t>Enhetstesting</a:t>
             </a:r>
             <a:endParaRPr lang="nb-NO" b="0" dirty="0"/>
           </a:p>
@@ -18323,7 +19499,7 @@
     </p:spTree>
     <p:extLst>
       <p:ext uri="{BB962C8B-B14F-4D97-AF65-F5344CB8AC3E}">
-        <p14:creationId xmlns:p14="http://schemas.microsoft.com/office/powerpoint/2010/main" val="3897595263"/>
+        <p14:creationId xmlns:p14="http://schemas.microsoft.com/office/powerpoint/2010/main" val="1998919911"/>
       </p:ext>
     </p:extLst>
   </p:cSld>
@@ -18383,7 +19559,7 @@
             <a:pPr lvl="0" algn="ctr"/>
             <a:r>
               <a:rPr lang="nb-NO" b="0" dirty="0" smtClean="0"/>
-              <a:t>Demo</a:t>
+              <a:t>Separation of concerns!</a:t>
             </a:r>
             <a:endParaRPr lang="nb-NO" b="0" dirty="0"/>
           </a:p>
@@ -18459,7 +19635,7 @@
     </p:spTree>
     <p:extLst>
       <p:ext uri="{BB962C8B-B14F-4D97-AF65-F5344CB8AC3E}">
-        <p14:creationId xmlns:p14="http://schemas.microsoft.com/office/powerpoint/2010/main" val="4163934861"/>
+        <p14:creationId xmlns:p14="http://schemas.microsoft.com/office/powerpoint/2010/main" val="3539038630"/>
       </p:ext>
     </p:extLst>
   </p:cSld>
@@ -18519,7 +19695,7 @@
             <a:pPr lvl="0" algn="ctr"/>
             <a:r>
               <a:rPr lang="nb-NO" b="0" dirty="0" smtClean="0"/>
-              <a:t>Best practices</a:t>
+              <a:t>Teste Controllere og Actions</a:t>
             </a:r>
             <a:endParaRPr lang="nb-NO" b="0" dirty="0"/>
           </a:p>
@@ -18595,7 +19771,7 @@
     </p:spTree>
     <p:extLst>
       <p:ext uri="{BB962C8B-B14F-4D97-AF65-F5344CB8AC3E}">
-        <p14:creationId xmlns:p14="http://schemas.microsoft.com/office/powerpoint/2010/main" val="3179932083"/>
+        <p14:creationId xmlns:p14="http://schemas.microsoft.com/office/powerpoint/2010/main" val="3897595263"/>
       </p:ext>
     </p:extLst>
   </p:cSld>
@@ -18642,20 +19818,46 @@
             <p:ph type="title"/>
           </p:nvPr>
         </p:nvSpPr>
-        <p:spPr>
-          <a:xfrm>
-            <a:off x="758644" y="3408659"/>
-            <a:ext cx="7740650" cy="644400"/>
-          </a:xfrm>
-        </p:spPr>
-        <p:txBody>
-          <a:bodyPr/>
-          <a:lstStyle/>
-          <a:p>
-            <a:pPr algn="ctr"/>
+        <p:spPr/>
+        <p:txBody>
+          <a:bodyPr/>
+          <a:lstStyle/>
+          <a:p>
             <a:r>
               <a:rPr lang="nb-NO" dirty="0" smtClean="0"/>
-              <a:t>Hva er MVC?</a:t>
+              <a:t>Learn by doing</a:t>
+            </a:r>
+            <a:endParaRPr lang="nb-NO" dirty="0"/>
+          </a:p>
+        </p:txBody>
+      </p:sp>
+      <p:sp>
+        <p:nvSpPr>
+          <p:cNvPr id="3" name="Content Placeholder 2"/>
+          <p:cNvSpPr>
+            <a:spLocks noGrp="1"/>
+          </p:cNvSpPr>
+          <p:nvPr>
+            <p:ph idx="1"/>
+          </p:nvPr>
+        </p:nvSpPr>
+        <p:spPr/>
+        <p:txBody>
+          <a:bodyPr/>
+          <a:lstStyle/>
+          <a:p>
+            <a:endParaRPr lang="nb-NO" dirty="0" smtClean="0"/>
+          </a:p>
+          <a:p>
+            <a:r>
+              <a:rPr lang="nb-NO" dirty="0" smtClean="0"/>
+              <a:t>Lab etter hver del</a:t>
+            </a:r>
+          </a:p>
+          <a:p>
+            <a:r>
+              <a:rPr lang="nb-NO" dirty="0" smtClean="0"/>
+              <a:t>Mye kode</a:t>
             </a:r>
             <a:endParaRPr lang="nb-NO" dirty="0"/>
           </a:p>
@@ -18731,7 +19933,7 @@
     </p:spTree>
     <p:extLst>
       <p:ext uri="{BB962C8B-B14F-4D97-AF65-F5344CB8AC3E}">
-        <p14:creationId xmlns:p14="http://schemas.microsoft.com/office/powerpoint/2010/main" val="911999898"/>
+        <p14:creationId xmlns:p14="http://schemas.microsoft.com/office/powerpoint/2010/main" val="838181617"/>
       </p:ext>
     </p:extLst>
   </p:cSld>
@@ -18791,7 +19993,7 @@
             <a:pPr lvl="0" algn="ctr"/>
             <a:r>
               <a:rPr lang="nb-NO" b="0" dirty="0" smtClean="0"/>
-              <a:t>Bruk Dependency Injection</a:t>
+              <a:t>Demo</a:t>
             </a:r>
             <a:endParaRPr lang="nb-NO" b="0" dirty="0"/>
           </a:p>
@@ -18867,7 +20069,7 @@
     </p:spTree>
     <p:extLst>
       <p:ext uri="{BB962C8B-B14F-4D97-AF65-F5344CB8AC3E}">
-        <p14:creationId xmlns:p14="http://schemas.microsoft.com/office/powerpoint/2010/main" val="2321595051"/>
+        <p14:creationId xmlns:p14="http://schemas.microsoft.com/office/powerpoint/2010/main" val="4163934861"/>
       </p:ext>
     </p:extLst>
   </p:cSld>
@@ -18927,7 +20129,7 @@
             <a:pPr lvl="0" algn="ctr"/>
             <a:r>
               <a:rPr lang="nb-NO" b="0" dirty="0" smtClean="0"/>
-              <a:t>Katalogstrukturen i et prosjekt er ikke låst</a:t>
+              <a:t>Best practices</a:t>
             </a:r>
             <a:endParaRPr lang="nb-NO" b="0" dirty="0"/>
           </a:p>
@@ -19003,7 +20205,7 @@
     </p:spTree>
     <p:extLst>
       <p:ext uri="{BB962C8B-B14F-4D97-AF65-F5344CB8AC3E}">
-        <p14:creationId xmlns:p14="http://schemas.microsoft.com/office/powerpoint/2010/main" val="1767528955"/>
+        <p14:creationId xmlns:p14="http://schemas.microsoft.com/office/powerpoint/2010/main" val="3179932083"/>
       </p:ext>
     </p:extLst>
   </p:cSld>
@@ -19063,7 +20265,7 @@
             <a:pPr lvl="0" algn="ctr"/>
             <a:r>
               <a:rPr lang="nb-NO" b="0" dirty="0" smtClean="0"/>
-              <a:t>Minst mulig kode i View</a:t>
+              <a:t>Bruk Dependency Injection</a:t>
             </a:r>
             <a:endParaRPr lang="nb-NO" b="0" dirty="0"/>
           </a:p>
@@ -19139,7 +20341,7 @@
     </p:spTree>
     <p:extLst>
       <p:ext uri="{BB962C8B-B14F-4D97-AF65-F5344CB8AC3E}">
-        <p14:creationId xmlns:p14="http://schemas.microsoft.com/office/powerpoint/2010/main" val="3111083358"/>
+        <p14:creationId xmlns:p14="http://schemas.microsoft.com/office/powerpoint/2010/main" val="2321595051"/>
       </p:ext>
     </p:extLst>
   </p:cSld>
@@ -19199,7 +20401,7 @@
             <a:pPr lvl="0" algn="ctr"/>
             <a:r>
               <a:rPr lang="nb-NO" b="0" dirty="0" smtClean="0"/>
-              <a:t>«Tynne» actions – inject dependencies</a:t>
+              <a:t>Katalogstrukturen i et prosjekt er ikke låst</a:t>
             </a:r>
             <a:endParaRPr lang="nb-NO" b="0" dirty="0"/>
           </a:p>
@@ -19275,7 +20477,7 @@
     </p:spTree>
     <p:extLst>
       <p:ext uri="{BB962C8B-B14F-4D97-AF65-F5344CB8AC3E}">
-        <p14:creationId xmlns:p14="http://schemas.microsoft.com/office/powerpoint/2010/main" val="1320714460"/>
+        <p14:creationId xmlns:p14="http://schemas.microsoft.com/office/powerpoint/2010/main" val="1767528955"/>
       </p:ext>
     </p:extLst>
   </p:cSld>
@@ -19335,7 +20537,7 @@
             <a:pPr lvl="0" algn="ctr"/>
             <a:r>
               <a:rPr lang="nb-NO" b="0" dirty="0" smtClean="0"/>
-              <a:t>Konsekvent navngivning</a:t>
+              <a:t>Minst mulig kode i View</a:t>
             </a:r>
             <a:endParaRPr lang="nb-NO" b="0" dirty="0"/>
           </a:p>
@@ -19411,7 +20613,7 @@
     </p:spTree>
     <p:extLst>
       <p:ext uri="{BB962C8B-B14F-4D97-AF65-F5344CB8AC3E}">
-        <p14:creationId xmlns:p14="http://schemas.microsoft.com/office/powerpoint/2010/main" val="4265457934"/>
+        <p14:creationId xmlns:p14="http://schemas.microsoft.com/office/powerpoint/2010/main" val="3111083358"/>
       </p:ext>
     </p:extLst>
   </p:cSld>
@@ -19471,7 +20673,7 @@
             <a:pPr lvl="0" algn="ctr"/>
             <a:r>
               <a:rPr lang="nb-NO" b="0" dirty="0" smtClean="0"/>
-              <a:t>Flere ViewModeller er bedre enn èn stor</a:t>
+              <a:t>«Tynne» actions – inject dependencies</a:t>
             </a:r>
             <a:endParaRPr lang="nb-NO" b="0" dirty="0"/>
           </a:p>
@@ -19547,7 +20749,7 @@
     </p:spTree>
     <p:extLst>
       <p:ext uri="{BB962C8B-B14F-4D97-AF65-F5344CB8AC3E}">
-        <p14:creationId xmlns:p14="http://schemas.microsoft.com/office/powerpoint/2010/main" val="861936408"/>
+        <p14:creationId xmlns:p14="http://schemas.microsoft.com/office/powerpoint/2010/main" val="1320714460"/>
       </p:ext>
     </p:extLst>
   </p:cSld>
@@ -19607,7 +20809,7 @@
             <a:pPr lvl="0" algn="ctr"/>
             <a:r>
               <a:rPr lang="nb-NO" b="0" dirty="0" smtClean="0"/>
-              <a:t>ViewModeller skal være «dumme»</a:t>
+              <a:t>Konsekvent navngivning</a:t>
             </a:r>
             <a:endParaRPr lang="nb-NO" b="0" dirty="0"/>
           </a:p>
@@ -19683,7 +20885,7 @@
     </p:spTree>
     <p:extLst>
       <p:ext uri="{BB962C8B-B14F-4D97-AF65-F5344CB8AC3E}">
-        <p14:creationId xmlns:p14="http://schemas.microsoft.com/office/powerpoint/2010/main" val="4161767100"/>
+        <p14:creationId xmlns:p14="http://schemas.microsoft.com/office/powerpoint/2010/main" val="4265457934"/>
       </p:ext>
     </p:extLst>
   </p:cSld>
@@ -19730,50 +20932,22 @@
             <p:ph type="title"/>
           </p:nvPr>
         </p:nvSpPr>
-        <p:spPr/>
-        <p:txBody>
-          <a:bodyPr/>
-          <a:lstStyle/>
-          <a:p>
-            <a:r>
-              <a:rPr lang="nb-NO" dirty="0" smtClean="0"/>
-              <a:t>Lab!</a:t>
-            </a:r>
-            <a:endParaRPr lang="nb-NO" dirty="0"/>
-          </a:p>
-        </p:txBody>
-      </p:sp>
-      <p:sp>
-        <p:nvSpPr>
-          <p:cNvPr id="3" name="Content Placeholder 2"/>
-          <p:cNvSpPr>
-            <a:spLocks noGrp="1"/>
-          </p:cNvSpPr>
-          <p:nvPr>
-            <p:ph idx="1"/>
-          </p:nvPr>
-        </p:nvSpPr>
-        <p:spPr/>
-        <p:txBody>
-          <a:bodyPr/>
-          <a:lstStyle/>
-          <a:p>
-            <a:r>
-              <a:rPr lang="nb-NO" dirty="0" smtClean="0"/>
-              <a:t>Implementer dependency injection</a:t>
-            </a:r>
-          </a:p>
-          <a:p>
-            <a:r>
-              <a:rPr lang="nb-NO" dirty="0" smtClean="0"/>
-              <a:t>Implementer enhetstester</a:t>
-            </a:r>
-          </a:p>
-          <a:p>
-            <a:r>
-              <a:rPr lang="nb-NO" dirty="0" smtClean="0"/>
-              <a:t>Fiks testen som feiler</a:t>
-            </a:r>
+        <p:spPr>
+          <a:xfrm>
+            <a:off x="792873" y="3287278"/>
+            <a:ext cx="7740650" cy="644400"/>
+          </a:xfrm>
+        </p:spPr>
+        <p:txBody>
+          <a:bodyPr/>
+          <a:lstStyle/>
+          <a:p>
+            <a:pPr lvl="0" algn="ctr"/>
+            <a:r>
+              <a:rPr lang="nb-NO" b="0" dirty="0" smtClean="0"/>
+              <a:t>Flere ViewModeller er bedre enn èn stor</a:t>
+            </a:r>
+            <a:endParaRPr lang="nb-NO" b="0" dirty="0"/>
           </a:p>
         </p:txBody>
       </p:sp>
@@ -19847,7 +21021,7 @@
     </p:spTree>
     <p:extLst>
       <p:ext uri="{BB962C8B-B14F-4D97-AF65-F5344CB8AC3E}">
-        <p14:creationId xmlns:p14="http://schemas.microsoft.com/office/powerpoint/2010/main" val="3839651592"/>
+        <p14:creationId xmlns:p14="http://schemas.microsoft.com/office/powerpoint/2010/main" val="861936408"/>
       </p:ext>
     </p:extLst>
   </p:cSld>
@@ -19906,10 +21080,10 @@
           <a:p>
             <a:pPr lvl="0" algn="ctr"/>
             <a:r>
-              <a:rPr lang="nb-NO" dirty="0" smtClean="0"/>
-              <a:t>Ekstra goodies?</a:t>
-            </a:r>
-            <a:endParaRPr lang="nb-NO" dirty="0"/>
+              <a:rPr lang="nb-NO" b="0" dirty="0" smtClean="0"/>
+              <a:t>ViewModeller skal være «dumme»</a:t>
+            </a:r>
+            <a:endParaRPr lang="nb-NO" b="0" dirty="0"/>
           </a:p>
         </p:txBody>
       </p:sp>
@@ -19983,7 +21157,7 @@
     </p:spTree>
     <p:extLst>
       <p:ext uri="{BB962C8B-B14F-4D97-AF65-F5344CB8AC3E}">
-        <p14:creationId xmlns:p14="http://schemas.microsoft.com/office/powerpoint/2010/main" val="69134838"/>
+        <p14:creationId xmlns:p14="http://schemas.microsoft.com/office/powerpoint/2010/main" val="4161767100"/>
       </p:ext>
     </p:extLst>
   </p:cSld>
@@ -20030,22 +21204,50 @@
             <p:ph type="title"/>
           </p:nvPr>
         </p:nvSpPr>
-        <p:spPr>
-          <a:xfrm>
-            <a:off x="792873" y="3287278"/>
-            <a:ext cx="7740650" cy="644400"/>
-          </a:xfrm>
-        </p:spPr>
-        <p:txBody>
-          <a:bodyPr/>
-          <a:lstStyle/>
-          <a:p>
-            <a:pPr lvl="0" algn="ctr"/>
+        <p:spPr/>
+        <p:txBody>
+          <a:bodyPr/>
+          <a:lstStyle/>
+          <a:p>
             <a:r>
               <a:rPr lang="nb-NO" dirty="0" smtClean="0"/>
-              <a:t>I såfall – Demo!</a:t>
+              <a:t>Lab!</a:t>
             </a:r>
             <a:endParaRPr lang="nb-NO" dirty="0"/>
+          </a:p>
+        </p:txBody>
+      </p:sp>
+      <p:sp>
+        <p:nvSpPr>
+          <p:cNvPr id="3" name="Content Placeholder 2"/>
+          <p:cNvSpPr>
+            <a:spLocks noGrp="1"/>
+          </p:cNvSpPr>
+          <p:nvPr>
+            <p:ph idx="1"/>
+          </p:nvPr>
+        </p:nvSpPr>
+        <p:spPr/>
+        <p:txBody>
+          <a:bodyPr/>
+          <a:lstStyle/>
+          <a:p>
+            <a:r>
+              <a:rPr lang="nb-NO" dirty="0" smtClean="0"/>
+              <a:t>Implementer dependency injection</a:t>
+            </a:r>
+          </a:p>
+          <a:p>
+            <a:r>
+              <a:rPr lang="nb-NO" dirty="0" smtClean="0"/>
+              <a:t>Implementer enhetstester</a:t>
+            </a:r>
+          </a:p>
+          <a:p>
+            <a:r>
+              <a:rPr lang="nb-NO" dirty="0" smtClean="0"/>
+              <a:t>Fiks testen som feiler</a:t>
+            </a:r>
           </a:p>
         </p:txBody>
       </p:sp>
@@ -20119,7 +21321,7 @@
     </p:spTree>
     <p:extLst>
       <p:ext uri="{BB962C8B-B14F-4D97-AF65-F5344CB8AC3E}">
-        <p14:creationId xmlns:p14="http://schemas.microsoft.com/office/powerpoint/2010/main" val="1512675317"/>
+        <p14:creationId xmlns:p14="http://schemas.microsoft.com/office/powerpoint/2010/main" val="3839651592"/>
       </p:ext>
     </p:extLst>
   </p:cSld>
@@ -20178,14 +21380,10 @@
           <a:p>
             <a:pPr algn="ctr"/>
             <a:r>
-              <a:rPr lang="nb-NO" b="0" dirty="0" smtClean="0"/>
-              <a:t>Designpattern – </a:t>
-            </a:r>
-            <a:r>
-              <a:rPr lang="nb-NO" b="0" i="1" dirty="0" smtClean="0"/>
-              <a:t>Ikke et rammeverk</a:t>
-            </a:r>
-            <a:endParaRPr lang="nb-NO" b="0" dirty="0"/>
+              <a:rPr lang="nb-NO" dirty="0" smtClean="0"/>
+              <a:t>Hva er MVC?</a:t>
+            </a:r>
+            <a:endParaRPr lang="nb-NO" dirty="0"/>
           </a:p>
         </p:txBody>
       </p:sp>
@@ -20259,7 +21457,7 @@
     </p:spTree>
     <p:extLst>
       <p:ext uri="{BB962C8B-B14F-4D97-AF65-F5344CB8AC3E}">
-        <p14:creationId xmlns:p14="http://schemas.microsoft.com/office/powerpoint/2010/main" val="1445685764"/>
+        <p14:creationId xmlns:p14="http://schemas.microsoft.com/office/powerpoint/2010/main" val="911999898"/>
       </p:ext>
     </p:extLst>
   </p:cSld>
@@ -20319,7 +21517,7 @@
             <a:pPr lvl="0" algn="ctr"/>
             <a:r>
               <a:rPr lang="nb-NO" dirty="0" smtClean="0"/>
-              <a:t>Hvis ikke – Takk for meg!</a:t>
+              <a:t>Ekstra goodies?</a:t>
             </a:r>
             <a:endParaRPr lang="nb-NO" dirty="0"/>
           </a:p>
@@ -20387,6 +21585,278 @@
               <a:rPr lang="nn-NO" smtClean="0"/>
               <a:pPr/>
               <a:t>50</a:t>
+            </a:fld>
+            <a:endParaRPr lang="nn-NO"/>
+          </a:p>
+        </p:txBody>
+      </p:sp>
+    </p:spTree>
+    <p:extLst>
+      <p:ext uri="{BB962C8B-B14F-4D97-AF65-F5344CB8AC3E}">
+        <p14:creationId xmlns:p14="http://schemas.microsoft.com/office/powerpoint/2010/main" val="69134838"/>
+      </p:ext>
+    </p:extLst>
+  </p:cSld>
+  <p:clrMapOvr>
+    <a:masterClrMapping/>
+  </p:clrMapOvr>
+  <p:transition>
+    <p:fade/>
+  </p:transition>
+  <p:timing>
+    <p:tnLst>
+      <p:par>
+        <p:cTn id="1" dur="indefinite" restart="never" nodeType="tmRoot"/>
+      </p:par>
+    </p:tnLst>
+  </p:timing>
+</p:sld>
+</file>
+
+<file path=ppt/slides/slide51.xml><?xml version="1.0" encoding="utf-8"?>
+<p:sld xmlns:a="http://schemas.openxmlformats.org/drawingml/2006/main" xmlns:r="http://schemas.openxmlformats.org/officeDocument/2006/relationships" xmlns:p="http://schemas.openxmlformats.org/presentationml/2006/main">
+  <p:cSld>
+    <p:spTree>
+      <p:nvGrpSpPr>
+        <p:cNvPr id="1" name=""/>
+        <p:cNvGrpSpPr/>
+        <p:nvPr/>
+      </p:nvGrpSpPr>
+      <p:grpSpPr>
+        <a:xfrm>
+          <a:off x="0" y="0"/>
+          <a:ext cx="0" cy="0"/>
+          <a:chOff x="0" y="0"/>
+          <a:chExt cx="0" cy="0"/>
+        </a:xfrm>
+      </p:grpSpPr>
+      <p:sp>
+        <p:nvSpPr>
+          <p:cNvPr id="2" name="Title 1"/>
+          <p:cNvSpPr>
+            <a:spLocks noGrp="1"/>
+          </p:cNvSpPr>
+          <p:nvPr>
+            <p:ph type="title"/>
+          </p:nvPr>
+        </p:nvSpPr>
+        <p:spPr>
+          <a:xfrm>
+            <a:off x="792873" y="3287278"/>
+            <a:ext cx="7740650" cy="644400"/>
+          </a:xfrm>
+        </p:spPr>
+        <p:txBody>
+          <a:bodyPr/>
+          <a:lstStyle/>
+          <a:p>
+            <a:pPr lvl="0" algn="ctr"/>
+            <a:r>
+              <a:rPr lang="nb-NO" dirty="0" smtClean="0"/>
+              <a:t>I såfall – Demo!</a:t>
+            </a:r>
+            <a:endParaRPr lang="nb-NO" dirty="0"/>
+          </a:p>
+        </p:txBody>
+      </p:sp>
+      <p:sp>
+        <p:nvSpPr>
+          <p:cNvPr id="4" name="Date Placeholder 3"/>
+          <p:cNvSpPr>
+            <a:spLocks noGrp="1"/>
+          </p:cNvSpPr>
+          <p:nvPr>
+            <p:ph type="dt" sz="half" idx="10"/>
+          </p:nvPr>
+        </p:nvSpPr>
+        <p:spPr/>
+        <p:txBody>
+          <a:bodyPr/>
+          <a:lstStyle/>
+          <a:p>
+            <a:fld id="{E7153C23-280C-6C4E-BD6E-2850A1F48140}" type="datetime1">
+              <a:rPr lang="nb-NO" smtClean="0"/>
+              <a:pPr/>
+              <a:t>10.09.2012</a:t>
+            </a:fld>
+            <a:endParaRPr lang="nn-NO"/>
+          </a:p>
+        </p:txBody>
+      </p:sp>
+      <p:sp>
+        <p:nvSpPr>
+          <p:cNvPr id="5" name="Footer Placeholder 4"/>
+          <p:cNvSpPr>
+            <a:spLocks noGrp="1"/>
+          </p:cNvSpPr>
+          <p:nvPr>
+            <p:ph type="ftr" sz="quarter" idx="11"/>
+          </p:nvPr>
+        </p:nvSpPr>
+        <p:spPr/>
+        <p:txBody>
+          <a:bodyPr/>
+          <a:lstStyle/>
+          <a:p>
+            <a:endParaRPr lang="nn-NO"/>
+          </a:p>
+        </p:txBody>
+      </p:sp>
+      <p:sp>
+        <p:nvSpPr>
+          <p:cNvPr id="6" name="Slide Number Placeholder 5"/>
+          <p:cNvSpPr>
+            <a:spLocks noGrp="1"/>
+          </p:cNvSpPr>
+          <p:nvPr>
+            <p:ph type="sldNum" sz="quarter" idx="12"/>
+          </p:nvPr>
+        </p:nvSpPr>
+        <p:spPr/>
+        <p:txBody>
+          <a:bodyPr/>
+          <a:lstStyle/>
+          <a:p>
+            <a:fld id="{7662BC30-1691-D142-AAE3-D9E8E91C2817}" type="slidenum">
+              <a:rPr lang="nn-NO" smtClean="0"/>
+              <a:pPr/>
+              <a:t>51</a:t>
+            </a:fld>
+            <a:endParaRPr lang="nn-NO"/>
+          </a:p>
+        </p:txBody>
+      </p:sp>
+    </p:spTree>
+    <p:extLst>
+      <p:ext uri="{BB962C8B-B14F-4D97-AF65-F5344CB8AC3E}">
+        <p14:creationId xmlns:p14="http://schemas.microsoft.com/office/powerpoint/2010/main" val="1512675317"/>
+      </p:ext>
+    </p:extLst>
+  </p:cSld>
+  <p:clrMapOvr>
+    <a:masterClrMapping/>
+  </p:clrMapOvr>
+  <p:transition>
+    <p:fade/>
+  </p:transition>
+  <p:timing>
+    <p:tnLst>
+      <p:par>
+        <p:cTn id="1" dur="indefinite" restart="never" nodeType="tmRoot"/>
+      </p:par>
+    </p:tnLst>
+  </p:timing>
+</p:sld>
+</file>
+
+<file path=ppt/slides/slide52.xml><?xml version="1.0" encoding="utf-8"?>
+<p:sld xmlns:a="http://schemas.openxmlformats.org/drawingml/2006/main" xmlns:r="http://schemas.openxmlformats.org/officeDocument/2006/relationships" xmlns:p="http://schemas.openxmlformats.org/presentationml/2006/main">
+  <p:cSld>
+    <p:spTree>
+      <p:nvGrpSpPr>
+        <p:cNvPr id="1" name=""/>
+        <p:cNvGrpSpPr/>
+        <p:nvPr/>
+      </p:nvGrpSpPr>
+      <p:grpSpPr>
+        <a:xfrm>
+          <a:off x="0" y="0"/>
+          <a:ext cx="0" cy="0"/>
+          <a:chOff x="0" y="0"/>
+          <a:chExt cx="0" cy="0"/>
+        </a:xfrm>
+      </p:grpSpPr>
+      <p:sp>
+        <p:nvSpPr>
+          <p:cNvPr id="2" name="Title 1"/>
+          <p:cNvSpPr>
+            <a:spLocks noGrp="1"/>
+          </p:cNvSpPr>
+          <p:nvPr>
+            <p:ph type="title"/>
+          </p:nvPr>
+        </p:nvSpPr>
+        <p:spPr>
+          <a:xfrm>
+            <a:off x="792873" y="3287278"/>
+            <a:ext cx="7740650" cy="644400"/>
+          </a:xfrm>
+        </p:spPr>
+        <p:txBody>
+          <a:bodyPr/>
+          <a:lstStyle/>
+          <a:p>
+            <a:pPr lvl="0" algn="ctr"/>
+            <a:r>
+              <a:rPr lang="nb-NO" dirty="0" smtClean="0"/>
+              <a:t>Hvis ikke – Takk for meg!</a:t>
+            </a:r>
+            <a:endParaRPr lang="nb-NO" dirty="0"/>
+          </a:p>
+        </p:txBody>
+      </p:sp>
+      <p:sp>
+        <p:nvSpPr>
+          <p:cNvPr id="4" name="Date Placeholder 3"/>
+          <p:cNvSpPr>
+            <a:spLocks noGrp="1"/>
+          </p:cNvSpPr>
+          <p:nvPr>
+            <p:ph type="dt" sz="half" idx="10"/>
+          </p:nvPr>
+        </p:nvSpPr>
+        <p:spPr/>
+        <p:txBody>
+          <a:bodyPr/>
+          <a:lstStyle/>
+          <a:p>
+            <a:fld id="{E7153C23-280C-6C4E-BD6E-2850A1F48140}" type="datetime1">
+              <a:rPr lang="nb-NO" smtClean="0"/>
+              <a:pPr/>
+              <a:t>10.09.2012</a:t>
+            </a:fld>
+            <a:endParaRPr lang="nn-NO"/>
+          </a:p>
+        </p:txBody>
+      </p:sp>
+      <p:sp>
+        <p:nvSpPr>
+          <p:cNvPr id="5" name="Footer Placeholder 4"/>
+          <p:cNvSpPr>
+            <a:spLocks noGrp="1"/>
+          </p:cNvSpPr>
+          <p:nvPr>
+            <p:ph type="ftr" sz="quarter" idx="11"/>
+          </p:nvPr>
+        </p:nvSpPr>
+        <p:spPr/>
+        <p:txBody>
+          <a:bodyPr/>
+          <a:lstStyle/>
+          <a:p>
+            <a:endParaRPr lang="nn-NO"/>
+          </a:p>
+        </p:txBody>
+      </p:sp>
+      <p:sp>
+        <p:nvSpPr>
+          <p:cNvPr id="6" name="Slide Number Placeholder 5"/>
+          <p:cNvSpPr>
+            <a:spLocks noGrp="1"/>
+          </p:cNvSpPr>
+          <p:nvPr>
+            <p:ph type="sldNum" sz="quarter" idx="12"/>
+          </p:nvPr>
+        </p:nvSpPr>
+        <p:spPr/>
+        <p:txBody>
+          <a:bodyPr/>
+          <a:lstStyle/>
+          <a:p>
+            <a:fld id="{7662BC30-1691-D142-AAE3-D9E8E91C2817}" type="slidenum">
+              <a:rPr lang="nn-NO" smtClean="0"/>
+              <a:pPr/>
+              <a:t>52</a:t>
             </a:fld>
             <a:endParaRPr lang="nn-NO"/>
           </a:p>
@@ -20455,7 +21925,11 @@
             <a:pPr algn="ctr"/>
             <a:r>
               <a:rPr lang="nb-NO" b="0" dirty="0" smtClean="0"/>
-              <a:t>Model</a:t>
+              <a:t>Designpattern – </a:t>
+            </a:r>
+            <a:r>
+              <a:rPr lang="nb-NO" b="0" i="1" dirty="0" smtClean="0"/>
+              <a:t>Ikke et rammeverk</a:t>
             </a:r>
             <a:endParaRPr lang="nb-NO" b="0" dirty="0"/>
           </a:p>
@@ -20531,7 +22005,7 @@
     </p:spTree>
     <p:extLst>
       <p:ext uri="{BB962C8B-B14F-4D97-AF65-F5344CB8AC3E}">
-        <p14:creationId xmlns:p14="http://schemas.microsoft.com/office/powerpoint/2010/main" val="4029218315"/>
+        <p14:creationId xmlns:p14="http://schemas.microsoft.com/office/powerpoint/2010/main" val="1445685764"/>
       </p:ext>
     </p:extLst>
   </p:cSld>
@@ -20591,7 +22065,7 @@
             <a:pPr algn="ctr"/>
             <a:r>
               <a:rPr lang="nb-NO" b="0" dirty="0" smtClean="0"/>
-              <a:t>View</a:t>
+              <a:t>Model</a:t>
             </a:r>
             <a:endParaRPr lang="nb-NO" b="0" dirty="0"/>
           </a:p>
@@ -20667,7 +22141,7 @@
     </p:spTree>
     <p:extLst>
       <p:ext uri="{BB962C8B-B14F-4D97-AF65-F5344CB8AC3E}">
-        <p14:creationId xmlns:p14="http://schemas.microsoft.com/office/powerpoint/2010/main" val="2264776904"/>
+        <p14:creationId xmlns:p14="http://schemas.microsoft.com/office/powerpoint/2010/main" val="4029218315"/>
       </p:ext>
     </p:extLst>
   </p:cSld>
@@ -20727,7 +22201,7 @@
             <a:pPr algn="ctr"/>
             <a:r>
               <a:rPr lang="nb-NO" b="0" dirty="0" smtClean="0"/>
-              <a:t>Controller</a:t>
+              <a:t>View</a:t>
             </a:r>
             <a:endParaRPr lang="nb-NO" b="0" dirty="0"/>
           </a:p>
@@ -20803,7 +22277,7 @@
     </p:spTree>
     <p:extLst>
       <p:ext uri="{BB962C8B-B14F-4D97-AF65-F5344CB8AC3E}">
-        <p14:creationId xmlns:p14="http://schemas.microsoft.com/office/powerpoint/2010/main" val="2184091405"/>
+        <p14:creationId xmlns:p14="http://schemas.microsoft.com/office/powerpoint/2010/main" val="2264776904"/>
       </p:ext>
     </p:extLst>
   </p:cSld>
@@ -20842,6 +22316,35 @@
       </p:grpSpPr>
       <p:sp>
         <p:nvSpPr>
+          <p:cNvPr id="2" name="Title 1"/>
+          <p:cNvSpPr>
+            <a:spLocks noGrp="1"/>
+          </p:cNvSpPr>
+          <p:nvPr>
+            <p:ph type="title"/>
+          </p:nvPr>
+        </p:nvSpPr>
+        <p:spPr>
+          <a:xfrm>
+            <a:off x="758644" y="3408659"/>
+            <a:ext cx="7740650" cy="644400"/>
+          </a:xfrm>
+        </p:spPr>
+        <p:txBody>
+          <a:bodyPr/>
+          <a:lstStyle/>
+          <a:p>
+            <a:pPr algn="ctr"/>
+            <a:r>
+              <a:rPr lang="nb-NO" b="0" dirty="0" smtClean="0"/>
+              <a:t>Controller</a:t>
+            </a:r>
+            <a:endParaRPr lang="nb-NO" b="0" dirty="0"/>
+          </a:p>
+        </p:txBody>
+      </p:sp>
+      <p:sp>
+        <p:nvSpPr>
           <p:cNvPr id="4" name="Date Placeholder 3"/>
           <p:cNvSpPr>
             <a:spLocks noGrp="1"/>
@@ -20907,288 +22410,10 @@
           </a:p>
         </p:txBody>
       </p:sp>
-      <p:sp>
-        <p:nvSpPr>
-          <p:cNvPr id="7" name="Rounded Rectangle 6"/>
-          <p:cNvSpPr/>
-          <p:nvPr/>
-        </p:nvSpPr>
-        <p:spPr>
-          <a:xfrm>
-            <a:off x="3960376" y="2969775"/>
-            <a:ext cx="1359462" cy="1408015"/>
-          </a:xfrm>
-          <a:prstGeom prst="roundRect">
-            <a:avLst/>
-          </a:prstGeom>
-        </p:spPr>
-        <p:style>
-          <a:lnRef idx="1">
-            <a:schemeClr val="accent5"/>
-          </a:lnRef>
-          <a:fillRef idx="3">
-            <a:schemeClr val="accent5"/>
-          </a:fillRef>
-          <a:effectRef idx="2">
-            <a:schemeClr val="accent5"/>
-          </a:effectRef>
-          <a:fontRef idx="minor">
-            <a:schemeClr val="lt1"/>
-          </a:fontRef>
-        </p:style>
-        <p:txBody>
-          <a:bodyPr rtlCol="0" anchor="ctr"/>
-          <a:lstStyle/>
-          <a:p>
-            <a:pPr algn="ctr"/>
-            <a:r>
-              <a:rPr lang="nb-NO" dirty="0" smtClean="0"/>
-              <a:t>Model</a:t>
-            </a:r>
-            <a:endParaRPr lang="nb-NO" dirty="0"/>
-          </a:p>
-        </p:txBody>
-      </p:sp>
-      <p:sp>
-        <p:nvSpPr>
-          <p:cNvPr id="8" name="Rounded Rectangle 7"/>
-          <p:cNvSpPr/>
-          <p:nvPr/>
-        </p:nvSpPr>
-        <p:spPr>
-          <a:xfrm>
-            <a:off x="6201870" y="2969775"/>
-            <a:ext cx="1359462" cy="1408015"/>
-          </a:xfrm>
-          <a:prstGeom prst="roundRect">
-            <a:avLst/>
-          </a:prstGeom>
-        </p:spPr>
-        <p:style>
-          <a:lnRef idx="1">
-            <a:schemeClr val="dk1"/>
-          </a:lnRef>
-          <a:fillRef idx="3">
-            <a:schemeClr val="dk1"/>
-          </a:fillRef>
-          <a:effectRef idx="2">
-            <a:schemeClr val="dk1"/>
-          </a:effectRef>
-          <a:fontRef idx="minor">
-            <a:schemeClr val="lt1"/>
-          </a:fontRef>
-        </p:style>
-        <p:txBody>
-          <a:bodyPr rtlCol="0" anchor="ctr"/>
-          <a:lstStyle/>
-          <a:p>
-            <a:pPr algn="ctr"/>
-            <a:r>
-              <a:rPr lang="nb-NO" dirty="0" smtClean="0"/>
-              <a:t>View</a:t>
-            </a:r>
-            <a:endParaRPr lang="nb-NO" dirty="0"/>
-          </a:p>
-        </p:txBody>
-      </p:sp>
-      <p:sp>
-        <p:nvSpPr>
-          <p:cNvPr id="9" name="Right Arrow 8"/>
-          <p:cNvSpPr/>
-          <p:nvPr/>
-        </p:nvSpPr>
-        <p:spPr>
-          <a:xfrm>
-            <a:off x="3244906" y="3095191"/>
-            <a:ext cx="469338" cy="493614"/>
-          </a:xfrm>
-          <a:prstGeom prst="rightArrow">
-            <a:avLst/>
-          </a:prstGeom>
-        </p:spPr>
-        <p:style>
-          <a:lnRef idx="1">
-            <a:schemeClr val="accent1"/>
-          </a:lnRef>
-          <a:fillRef idx="3">
-            <a:schemeClr val="accent1"/>
-          </a:fillRef>
-          <a:effectRef idx="2">
-            <a:schemeClr val="accent1"/>
-          </a:effectRef>
-          <a:fontRef idx="minor">
-            <a:schemeClr val="lt1"/>
-          </a:fontRef>
-        </p:style>
-        <p:txBody>
-          <a:bodyPr rtlCol="0" anchor="ctr"/>
-          <a:lstStyle/>
-          <a:p>
-            <a:pPr algn="ctr"/>
-            <a:endParaRPr lang="nb-NO"/>
-          </a:p>
-        </p:txBody>
-      </p:sp>
-      <p:sp>
-        <p:nvSpPr>
-          <p:cNvPr id="10" name="Right Arrow 9"/>
-          <p:cNvSpPr/>
-          <p:nvPr/>
-        </p:nvSpPr>
-        <p:spPr>
-          <a:xfrm flipH="1">
-            <a:off x="3244906" y="3739856"/>
-            <a:ext cx="469337" cy="493614"/>
-          </a:xfrm>
-          <a:prstGeom prst="rightArrow">
-            <a:avLst/>
-          </a:prstGeom>
-        </p:spPr>
-        <p:style>
-          <a:lnRef idx="1">
-            <a:schemeClr val="accent1"/>
-          </a:lnRef>
-          <a:fillRef idx="3">
-            <a:schemeClr val="accent1"/>
-          </a:fillRef>
-          <a:effectRef idx="2">
-            <a:schemeClr val="accent1"/>
-          </a:effectRef>
-          <a:fontRef idx="minor">
-            <a:schemeClr val="lt1"/>
-          </a:fontRef>
-        </p:style>
-        <p:txBody>
-          <a:bodyPr rtlCol="0" anchor="ctr"/>
-          <a:lstStyle/>
-          <a:p>
-            <a:pPr algn="ctr"/>
-            <a:endParaRPr lang="nb-NO"/>
-          </a:p>
-        </p:txBody>
-      </p:sp>
-      <p:sp>
-        <p:nvSpPr>
-          <p:cNvPr id="11" name="Right Arrow 10"/>
-          <p:cNvSpPr/>
-          <p:nvPr/>
-        </p:nvSpPr>
-        <p:spPr>
-          <a:xfrm>
-            <a:off x="5530231" y="3095191"/>
-            <a:ext cx="469338" cy="493614"/>
-          </a:xfrm>
-          <a:prstGeom prst="rightArrow">
-            <a:avLst/>
-          </a:prstGeom>
-        </p:spPr>
-        <p:style>
-          <a:lnRef idx="1">
-            <a:schemeClr val="accent1"/>
-          </a:lnRef>
-          <a:fillRef idx="3">
-            <a:schemeClr val="accent1"/>
-          </a:fillRef>
-          <a:effectRef idx="2">
-            <a:schemeClr val="accent1"/>
-          </a:effectRef>
-          <a:fontRef idx="minor">
-            <a:schemeClr val="lt1"/>
-          </a:fontRef>
-        </p:style>
-        <p:txBody>
-          <a:bodyPr rtlCol="0" anchor="ctr"/>
-          <a:lstStyle/>
-          <a:p>
-            <a:pPr algn="ctr"/>
-            <a:endParaRPr lang="nb-NO"/>
-          </a:p>
-        </p:txBody>
-      </p:sp>
-      <p:sp>
-        <p:nvSpPr>
-          <p:cNvPr id="12" name="Right Arrow 11"/>
-          <p:cNvSpPr/>
-          <p:nvPr/>
-        </p:nvSpPr>
-        <p:spPr>
-          <a:xfrm flipH="1">
-            <a:off x="5530231" y="3739856"/>
-            <a:ext cx="469337" cy="493614"/>
-          </a:xfrm>
-          <a:prstGeom prst="rightArrow">
-            <a:avLst/>
-          </a:prstGeom>
-        </p:spPr>
-        <p:style>
-          <a:lnRef idx="1">
-            <a:schemeClr val="accent1"/>
-          </a:lnRef>
-          <a:fillRef idx="3">
-            <a:schemeClr val="accent1"/>
-          </a:fillRef>
-          <a:effectRef idx="2">
-            <a:schemeClr val="accent1"/>
-          </a:effectRef>
-          <a:fontRef idx="minor">
-            <a:schemeClr val="lt1"/>
-          </a:fontRef>
-        </p:style>
-        <p:txBody>
-          <a:bodyPr rtlCol="0" anchor="ctr"/>
-          <a:lstStyle/>
-          <a:p>
-            <a:pPr algn="ctr"/>
-            <a:endParaRPr lang="nb-NO"/>
-          </a:p>
-        </p:txBody>
-      </p:sp>
-      <p:sp>
-        <p:nvSpPr>
-          <p:cNvPr id="13" name="Rounded Rectangle 12"/>
-          <p:cNvSpPr/>
-          <p:nvPr/>
-        </p:nvSpPr>
-        <p:spPr>
-          <a:xfrm>
-            <a:off x="1660890" y="2969774"/>
-            <a:ext cx="1359462" cy="1408015"/>
-          </a:xfrm>
-          <a:prstGeom prst="roundRect">
-            <a:avLst/>
-          </a:prstGeom>
-        </p:spPr>
-        <p:style>
-          <a:lnRef idx="1">
-            <a:schemeClr val="accent1"/>
-          </a:lnRef>
-          <a:fillRef idx="3">
-            <a:schemeClr val="accent1"/>
-          </a:fillRef>
-          <a:effectRef idx="2">
-            <a:schemeClr val="accent1"/>
-          </a:effectRef>
-          <a:fontRef idx="minor">
-            <a:schemeClr val="lt1"/>
-          </a:fontRef>
-        </p:style>
-        <p:txBody>
-          <a:bodyPr rtlCol="0" anchor="ctr"/>
-          <a:lstStyle/>
-          <a:p>
-            <a:pPr algn="ctr"/>
-            <a:r>
-              <a:rPr lang="nb-NO" dirty="0" smtClean="0"/>
-              <a:t>Controller</a:t>
-            </a:r>
-            <a:endParaRPr lang="nb-NO" dirty="0"/>
-          </a:p>
-        </p:txBody>
-      </p:sp>
     </p:spTree>
     <p:extLst>
       <p:ext uri="{BB962C8B-B14F-4D97-AF65-F5344CB8AC3E}">
-        <p14:creationId xmlns:p14="http://schemas.microsoft.com/office/powerpoint/2010/main" val="109337283"/>
+        <p14:creationId xmlns:p14="http://schemas.microsoft.com/office/powerpoint/2010/main" val="2184091405"/>
       </p:ext>
     </p:extLst>
   </p:cSld>
@@ -22163,15 +23388,6 @@
 </file>
 
 <file path=customXml/item1.xml><?xml version="1.0" encoding="utf-8"?>
-<?mso-contentType ?>
-<FormTemplates xmlns="http://schemas.microsoft.com/sharepoint/v3/contenttype/forms">
-  <Display>DocumentLibraryForm</Display>
-  <Edit>DocumentLibraryForm</Edit>
-  <New>DocumentLibraryForm</New>
-</FormTemplates>
-</file>
-
-<file path=customXml/item2.xml><?xml version="1.0" encoding="utf-8"?>
 <p:properties xmlns:p="http://schemas.microsoft.com/office/2006/metadata/properties" xmlns:xsi="http://www.w3.org/2001/XMLSchema-instance" xmlns:pc="http://schemas.microsoft.com/office/infopath/2007/PartnerControls">
   <documentManagement>
     <_dlc_DocId xmlns="d7702b9b-d8e5-4822-bc1c-ce88b7f04401">CJ6WEC5DWFJ7-32-54</_dlc_DocId>
@@ -22183,7 +23399,7 @@
 </p:properties>
 </file>
 
-<file path=customXml/item3.xml><?xml version="1.0" encoding="utf-8"?>
+<file path=customXml/item2.xml><?xml version="1.0" encoding="utf-8"?>
 <ct:contentTypeSchema xmlns:ct="http://schemas.microsoft.com/office/2006/metadata/contentType" xmlns:ma="http://schemas.microsoft.com/office/2006/metadata/properties/metaAttributes" ct:_="" ma:_="" ma:contentTypeName="Dokument" ma:contentTypeID="0x010100EB67D3835F5DA049BA55889851FA8E19" ma:contentTypeVersion="0" ma:contentTypeDescription="Opprett et nytt dokument." ma:contentTypeScope="" ma:versionID="67d140b29519b0ab11c5049a0b5c17fe">
   <xsd:schema xmlns:xsd="http://www.w3.org/2001/XMLSchema" xmlns:xs="http://www.w3.org/2001/XMLSchema" xmlns:p="http://schemas.microsoft.com/office/2006/metadata/properties" xmlns:ns2="d7702b9b-d8e5-4822-bc1c-ce88b7f04401" targetNamespace="http://schemas.microsoft.com/office/2006/metadata/properties" ma:root="true" ma:fieldsID="01954eb5e7163845e96e307eb76d671a" ns2:_="">
     <xsd:import namespace="d7702b9b-d8e5-4822-bc1c-ce88b7f04401"/>
@@ -22328,6 +23544,15 @@
 </ct:contentTypeSchema>
 </file>
 
+<file path=customXml/item3.xml><?xml version="1.0" encoding="utf-8"?>
+<?mso-contentType ?>
+<FormTemplates xmlns="http://schemas.microsoft.com/sharepoint/v3/contenttype/forms">
+  <Display>DocumentLibraryForm</Display>
+  <Edit>DocumentLibraryForm</Edit>
+  <New>DocumentLibraryForm</New>
+</FormTemplates>
+</file>
+
 <file path=customXml/item4.xml><?xml version="1.0" encoding="utf-8"?>
 <?mso-contentType ?>
 <spe:Receivers xmlns:spe="http://schemas.microsoft.com/sharepoint/events">
@@ -22375,14 +23600,6 @@
 </file>
 
 <file path=customXml/itemProps1.xml><?xml version="1.0" encoding="utf-8"?>
-<ds:datastoreItem xmlns:ds="http://schemas.openxmlformats.org/officeDocument/2006/customXml" ds:itemID="{57DC16B6-EF95-42DE-B557-77DEA4E6DB3E}">
-  <ds:schemaRefs>
-    <ds:schemaRef ds:uri="http://schemas.microsoft.com/sharepoint/v3/contenttype/forms"/>
-  </ds:schemaRefs>
-</ds:datastoreItem>
-</file>
-
-<file path=customXml/itemProps2.xml><?xml version="1.0" encoding="utf-8"?>
 <ds:datastoreItem xmlns:ds="http://schemas.openxmlformats.org/officeDocument/2006/customXml" ds:itemID="{900315EF-D2FF-48EA-9267-D555C1460D34}">
   <ds:schemaRefs>
     <ds:schemaRef ds:uri="http://schemas.microsoft.com/office/2006/documentManagement/types"/>
@@ -22398,7 +23615,7 @@
 </ds:datastoreItem>
 </file>
 
-<file path=customXml/itemProps3.xml><?xml version="1.0" encoding="utf-8"?>
+<file path=customXml/itemProps2.xml><?xml version="1.0" encoding="utf-8"?>
 <ds:datastoreItem xmlns:ds="http://schemas.openxmlformats.org/officeDocument/2006/customXml" ds:itemID="{067B1829-E484-4F29-9317-BD4DD5D0D924}">
   <ds:schemaRefs>
     <ds:schemaRef ds:uri="http://schemas.microsoft.com/office/2006/metadata/contentType"/>
@@ -22416,6 +23633,14 @@
 </ds:datastoreItem>
 </file>
 
+<file path=customXml/itemProps3.xml><?xml version="1.0" encoding="utf-8"?>
+<ds:datastoreItem xmlns:ds="http://schemas.openxmlformats.org/officeDocument/2006/customXml" ds:itemID="{57DC16B6-EF95-42DE-B557-77DEA4E6DB3E}">
+  <ds:schemaRefs>
+    <ds:schemaRef ds:uri="http://schemas.microsoft.com/sharepoint/v3/contenttype/forms"/>
+  </ds:schemaRefs>
+</ds:datastoreItem>
+</file>
+
 <file path=customXml/itemProps4.xml><?xml version="1.0" encoding="utf-8"?>
 <ds:datastoreItem xmlns:ds="http://schemas.openxmlformats.org/officeDocument/2006/customXml" ds:itemID="{AD641015-60DF-420A-AE7E-6EC7C6282C0D}">
   <ds:schemaRefs>

--- a/Material/MVC.pptx
+++ b/Material/MVC.pptx
@@ -163,7 +163,7 @@
   </p:defaultTextStyle>
   <p:extLst>
     <p:ext uri="{EFAFB233-063F-42B5-8137-9DF3F51BA10A}">
-      <p15:sldGuideLst xmlns:p15="http://schemas.microsoft.com/office/powerpoint/2012/main" xmlns="">
+      <p15:sldGuideLst xmlns="" xmlns:p15="http://schemas.microsoft.com/office/powerpoint/2012/main">
         <p15:guide id="1" orient="horz" pos="2160">
           <p15:clr>
             <a:srgbClr val="A4A3A4"/>
@@ -929,11 +929,7 @@
           <a:p>
             <a:r>
               <a:rPr lang="nb-NO" baseline="0" dirty="0" smtClean="0"/>
-              <a:t>Vis en controller, en action og et </a:t>
-            </a:r>
-            <a:r>
-              <a:rPr lang="nb-NO" baseline="0" dirty="0" smtClean="0"/>
-              <a:t>view (Hello world)</a:t>
+              <a:t>Vis en controller, en action og et view (Hello world)</a:t>
             </a:r>
           </a:p>
           <a:p>
@@ -2981,6 +2977,14 @@
           <a:bodyPr/>
           <a:lstStyle/>
           <a:p>
+            <a:r>
+              <a:rPr lang="nb-NO" dirty="0" smtClean="0"/>
+              <a:t>Med MVC kan vi enhetsteste</a:t>
+            </a:r>
+            <a:r>
+              <a:rPr lang="nb-NO" baseline="0" dirty="0" smtClean="0"/>
+              <a:t> business-logikk og modeller</a:t>
+            </a:r>
             <a:endParaRPr lang="nb-NO" dirty="0"/>
           </a:p>
         </p:txBody>
@@ -3066,6 +3070,14 @@
           <a:bodyPr/>
           <a:lstStyle/>
           <a:p>
+            <a:r>
+              <a:rPr lang="nb-NO" dirty="0" smtClean="0"/>
+              <a:t>Fordi</a:t>
+            </a:r>
+            <a:r>
+              <a:rPr lang="nb-NO" baseline="0" dirty="0" smtClean="0"/>
+              <a:t> – Vi har flyttet logikken. Og vi har separert View og Code Behind</a:t>
+            </a:r>
             <a:endParaRPr lang="nb-NO" dirty="0"/>
           </a:p>
         </p:txBody>
@@ -3151,6 +3163,14 @@
           <a:bodyPr/>
           <a:lstStyle/>
           <a:p>
+            <a:r>
+              <a:rPr lang="nb-NO" dirty="0" smtClean="0"/>
+              <a:t>Vi er ikke avhengig av kontrollene som ligger i</a:t>
+            </a:r>
+            <a:r>
+              <a:rPr lang="nb-NO" baseline="0" dirty="0" smtClean="0"/>
+              <a:t> HTML, og vi trenger ikke bry oss om rare ID’er eller parsing av Control-collections</a:t>
+            </a:r>
             <a:endParaRPr lang="nb-NO" dirty="0"/>
           </a:p>
         </p:txBody>
@@ -18222,8 +18242,13 @@
             <a:pPr lvl="0"/>
             <a:r>
               <a:rPr lang="nb-NO" dirty="0" smtClean="0"/>
-              <a:t>Del 2 – Posting, autentisering og Autorisering</a:t>
-            </a:r>
+              <a:t>Del 2 – Posting, autentisering og </a:t>
+            </a:r>
+            <a:r>
+              <a:rPr lang="nb-NO" dirty="0" smtClean="0"/>
+              <a:t>autorisasjon</a:t>
+            </a:r>
+            <a:endParaRPr lang="nb-NO" dirty="0" smtClean="0"/>
           </a:p>
           <a:p>
             <a:pPr lvl="0"/>
@@ -20128,10 +20153,10 @@
           <a:p>
             <a:pPr lvl="0" algn="ctr"/>
             <a:r>
-              <a:rPr lang="nb-NO" b="0" dirty="0" smtClean="0"/>
+              <a:rPr lang="nb-NO" dirty="0" smtClean="0"/>
               <a:t>Best practices</a:t>
             </a:r>
-            <a:endParaRPr lang="nb-NO" b="0" dirty="0"/>
+            <a:endParaRPr lang="nb-NO" dirty="0"/>
           </a:p>
         </p:txBody>
       </p:sp>
@@ -23388,18 +23413,6 @@
 </file>
 
 <file path=customXml/item1.xml><?xml version="1.0" encoding="utf-8"?>
-<p:properties xmlns:p="http://schemas.microsoft.com/office/2006/metadata/properties" xmlns:xsi="http://www.w3.org/2001/XMLSchema-instance" xmlns:pc="http://schemas.microsoft.com/office/infopath/2007/PartnerControls">
-  <documentManagement>
-    <_dlc_DocId xmlns="d7702b9b-d8e5-4822-bc1c-ce88b7f04401">CJ6WEC5DWFJ7-32-54</_dlc_DocId>
-    <_dlc_DocIdUrl xmlns="d7702b9b-d8e5-4822-bc1c-ce88b7f04401">
-      <Url>https://novanetas.sharepoint.com/fag/_layouts/DocIdRedir.aspx?ID=CJ6WEC5DWFJ7-32-54</Url>
-      <Description>CJ6WEC5DWFJ7-32-54</Description>
-    </_dlc_DocIdUrl>
-  </documentManagement>
-</p:properties>
-</file>
-
-<file path=customXml/item2.xml><?xml version="1.0" encoding="utf-8"?>
 <ct:contentTypeSchema xmlns:ct="http://schemas.microsoft.com/office/2006/metadata/contentType" xmlns:ma="http://schemas.microsoft.com/office/2006/metadata/properties/metaAttributes" ct:_="" ma:_="" ma:contentTypeName="Dokument" ma:contentTypeID="0x010100EB67D3835F5DA049BA55889851FA8E19" ma:contentTypeVersion="0" ma:contentTypeDescription="Opprett et nytt dokument." ma:contentTypeScope="" ma:versionID="67d140b29519b0ab11c5049a0b5c17fe">
   <xsd:schema xmlns:xsd="http://www.w3.org/2001/XMLSchema" xmlns:xs="http://www.w3.org/2001/XMLSchema" xmlns:p="http://schemas.microsoft.com/office/2006/metadata/properties" xmlns:ns2="d7702b9b-d8e5-4822-bc1c-ce88b7f04401" targetNamespace="http://schemas.microsoft.com/office/2006/metadata/properties" ma:root="true" ma:fieldsID="01954eb5e7163845e96e307eb76d671a" ns2:_="">
     <xsd:import namespace="d7702b9b-d8e5-4822-bc1c-ce88b7f04401"/>
@@ -23544,13 +23557,25 @@
 </ct:contentTypeSchema>
 </file>
 
-<file path=customXml/item3.xml><?xml version="1.0" encoding="utf-8"?>
+<file path=customXml/item2.xml><?xml version="1.0" encoding="utf-8"?>
 <?mso-contentType ?>
 <FormTemplates xmlns="http://schemas.microsoft.com/sharepoint/v3/contenttype/forms">
   <Display>DocumentLibraryForm</Display>
   <Edit>DocumentLibraryForm</Edit>
   <New>DocumentLibraryForm</New>
 </FormTemplates>
+</file>
+
+<file path=customXml/item3.xml><?xml version="1.0" encoding="utf-8"?>
+<p:properties xmlns:p="http://schemas.microsoft.com/office/2006/metadata/properties" xmlns:xsi="http://www.w3.org/2001/XMLSchema-instance" xmlns:pc="http://schemas.microsoft.com/office/infopath/2007/PartnerControls">
+  <documentManagement>
+    <_dlc_DocId xmlns="d7702b9b-d8e5-4822-bc1c-ce88b7f04401">CJ6WEC5DWFJ7-32-54</_dlc_DocId>
+    <_dlc_DocIdUrl xmlns="d7702b9b-d8e5-4822-bc1c-ce88b7f04401">
+      <Url>https://novanetas.sharepoint.com/fag/_layouts/DocIdRedir.aspx?ID=CJ6WEC5DWFJ7-32-54</Url>
+      <Description>CJ6WEC5DWFJ7-32-54</Description>
+    </_dlc_DocIdUrl>
+  </documentManagement>
+</p:properties>
 </file>
 
 <file path=customXml/item4.xml><?xml version="1.0" encoding="utf-8"?>
@@ -23600,22 +23625,6 @@
 </file>
 
 <file path=customXml/itemProps1.xml><?xml version="1.0" encoding="utf-8"?>
-<ds:datastoreItem xmlns:ds="http://schemas.openxmlformats.org/officeDocument/2006/customXml" ds:itemID="{900315EF-D2FF-48EA-9267-D555C1460D34}">
-  <ds:schemaRefs>
-    <ds:schemaRef ds:uri="http://schemas.microsoft.com/office/2006/documentManagement/types"/>
-    <ds:schemaRef ds:uri="http://purl.org/dc/terms/"/>
-    <ds:schemaRef ds:uri="http://purl.org/dc/dcmitype/"/>
-    <ds:schemaRef ds:uri="http://schemas.openxmlformats.org/package/2006/metadata/core-properties"/>
-    <ds:schemaRef ds:uri="http://purl.org/dc/elements/1.1/"/>
-    <ds:schemaRef ds:uri="http://schemas.microsoft.com/office/2006/metadata/properties"/>
-    <ds:schemaRef ds:uri="http://schemas.microsoft.com/office/infopath/2007/PartnerControls"/>
-    <ds:schemaRef ds:uri="d7702b9b-d8e5-4822-bc1c-ce88b7f04401"/>
-    <ds:schemaRef ds:uri="http://www.w3.org/XML/1998/namespace"/>
-  </ds:schemaRefs>
-</ds:datastoreItem>
-</file>
-
-<file path=customXml/itemProps2.xml><?xml version="1.0" encoding="utf-8"?>
 <ds:datastoreItem xmlns:ds="http://schemas.openxmlformats.org/officeDocument/2006/customXml" ds:itemID="{067B1829-E484-4F29-9317-BD4DD5D0D924}">
   <ds:schemaRefs>
     <ds:schemaRef ds:uri="http://schemas.microsoft.com/office/2006/metadata/contentType"/>
@@ -23633,10 +23642,26 @@
 </ds:datastoreItem>
 </file>
 
-<file path=customXml/itemProps3.xml><?xml version="1.0" encoding="utf-8"?>
+<file path=customXml/itemProps2.xml><?xml version="1.0" encoding="utf-8"?>
 <ds:datastoreItem xmlns:ds="http://schemas.openxmlformats.org/officeDocument/2006/customXml" ds:itemID="{57DC16B6-EF95-42DE-B557-77DEA4E6DB3E}">
   <ds:schemaRefs>
     <ds:schemaRef ds:uri="http://schemas.microsoft.com/sharepoint/v3/contenttype/forms"/>
+  </ds:schemaRefs>
+</ds:datastoreItem>
+</file>
+
+<file path=customXml/itemProps3.xml><?xml version="1.0" encoding="utf-8"?>
+<ds:datastoreItem xmlns:ds="http://schemas.openxmlformats.org/officeDocument/2006/customXml" ds:itemID="{900315EF-D2FF-48EA-9267-D555C1460D34}">
+  <ds:schemaRefs>
+    <ds:schemaRef ds:uri="http://schemas.microsoft.com/office/2006/documentManagement/types"/>
+    <ds:schemaRef ds:uri="http://purl.org/dc/terms/"/>
+    <ds:schemaRef ds:uri="http://purl.org/dc/dcmitype/"/>
+    <ds:schemaRef ds:uri="http://schemas.openxmlformats.org/package/2006/metadata/core-properties"/>
+    <ds:schemaRef ds:uri="http://purl.org/dc/elements/1.1/"/>
+    <ds:schemaRef ds:uri="http://schemas.microsoft.com/office/2006/metadata/properties"/>
+    <ds:schemaRef ds:uri="http://schemas.microsoft.com/office/infopath/2007/PartnerControls"/>
+    <ds:schemaRef ds:uri="d7702b9b-d8e5-4822-bc1c-ce88b7f04401"/>
+    <ds:schemaRef ds:uri="http://www.w3.org/XML/1998/namespace"/>
   </ds:schemaRefs>
 </ds:datastoreItem>
 </file>
